--- a/assets/files/Curs2/CURS2.pptx
+++ b/assets/files/Curs2/CURS2.pptx
@@ -1,38 +1,133 @@
 
 <file path=ppt/presentation.xml><?xml version="1.0" encoding="utf-8"?>
-<p:presentation xmlns:a="http://schemas.openxmlformats.org/drawingml/2006/main" xmlns:p="http://schemas.openxmlformats.org/presentationml/2006/main" xmlns:r="http://schemas.openxmlformats.org/officeDocument/2006/relationships" xmlns:p14="http://schemas.microsoft.com/office/powerpoint/2010/main" xmlns:p15="http://schemas.microsoft.com/office/powerpoint/2012/main" xmlns:mc="http://schemas.openxmlformats.org/markup-compatibility/2006">
+<p:presentation xmlns:a="http://schemas.openxmlformats.org/drawingml/2006/main" xmlns:r="http://schemas.openxmlformats.org/officeDocument/2006/relationships" xmlns:p="http://schemas.openxmlformats.org/presentationml/2006/main">
   <p:sldMasterIdLst>
-    <p:sldMasterId id="2147483648" r:id="rId2"/>
-    <p:sldMasterId id="2147483661" r:id="rId3"/>
-    <p:sldMasterId id="2147483674" r:id="rId4"/>
+    <p:sldMasterId id="2147483648" r:id="rId1"/>
+    <p:sldMasterId id="2147483661" r:id="rId2"/>
+    <p:sldMasterId id="2147483674" r:id="rId3"/>
   </p:sldMasterIdLst>
   <p:sldIdLst>
-    <p:sldId id="256" r:id="rId5"/>
-    <p:sldId id="257" r:id="rId6"/>
-    <p:sldId id="258" r:id="rId7"/>
-    <p:sldId id="259" r:id="rId8"/>
-    <p:sldId id="260" r:id="rId9"/>
-    <p:sldId id="261" r:id="rId10"/>
-    <p:sldId id="262" r:id="rId11"/>
-    <p:sldId id="263" r:id="rId12"/>
-    <p:sldId id="264" r:id="rId13"/>
-    <p:sldId id="265" r:id="rId14"/>
-    <p:sldId id="266" r:id="rId15"/>
-    <p:sldId id="267" r:id="rId16"/>
-    <p:sldId id="268" r:id="rId17"/>
-    <p:sldId id="269" r:id="rId18"/>
-    <p:sldId id="270" r:id="rId19"/>
-    <p:sldId id="271" r:id="rId20"/>
-    <p:sldId id="272" r:id="rId21"/>
-    <p:sldId id="273" r:id="rId22"/>
+    <p:sldId id="256" r:id="rId4"/>
+    <p:sldId id="257" r:id="rId5"/>
+    <p:sldId id="258" r:id="rId6"/>
+    <p:sldId id="259" r:id="rId7"/>
+    <p:sldId id="260" r:id="rId8"/>
+    <p:sldId id="261" r:id="rId9"/>
+    <p:sldId id="262" r:id="rId10"/>
+    <p:sldId id="263" r:id="rId11"/>
+    <p:sldId id="264" r:id="rId12"/>
+    <p:sldId id="265" r:id="rId13"/>
+    <p:sldId id="266" r:id="rId14"/>
+    <p:sldId id="267" r:id="rId15"/>
+    <p:sldId id="268" r:id="rId16"/>
+    <p:sldId id="269" r:id="rId17"/>
+    <p:sldId id="270" r:id="rId18"/>
+    <p:sldId id="271" r:id="rId19"/>
+    <p:sldId id="272" r:id="rId20"/>
+    <p:sldId id="273" r:id="rId21"/>
   </p:sldIdLst>
-  <p:sldSz cx="9144000" cy="5143500"/>
+  <p:sldSz cx="9144000" cy="5143500" type="screen16x9"/>
   <p:notesSz cx="6858000" cy="9144000"/>
+  <p:defaultTextStyle>
+    <a:defPPr>
+      <a:defRPr lang="en-US"/>
+    </a:defPPr>
+    <a:lvl1pPr marL="0" algn="l" defTabSz="914400" rtl="0" eaLnBrk="1" latinLnBrk="0" hangingPunct="1">
+      <a:defRPr sz="1800" kern="1200">
+        <a:solidFill>
+          <a:schemeClr val="tx1"/>
+        </a:solidFill>
+        <a:latin typeface="+mn-lt"/>
+        <a:ea typeface="+mn-ea"/>
+        <a:cs typeface="+mn-cs"/>
+      </a:defRPr>
+    </a:lvl1pPr>
+    <a:lvl2pPr marL="457200" algn="l" defTabSz="914400" rtl="0" eaLnBrk="1" latinLnBrk="0" hangingPunct="1">
+      <a:defRPr sz="1800" kern="1200">
+        <a:solidFill>
+          <a:schemeClr val="tx1"/>
+        </a:solidFill>
+        <a:latin typeface="+mn-lt"/>
+        <a:ea typeface="+mn-ea"/>
+        <a:cs typeface="+mn-cs"/>
+      </a:defRPr>
+    </a:lvl2pPr>
+    <a:lvl3pPr marL="914400" algn="l" defTabSz="914400" rtl="0" eaLnBrk="1" latinLnBrk="0" hangingPunct="1">
+      <a:defRPr sz="1800" kern="1200">
+        <a:solidFill>
+          <a:schemeClr val="tx1"/>
+        </a:solidFill>
+        <a:latin typeface="+mn-lt"/>
+        <a:ea typeface="+mn-ea"/>
+        <a:cs typeface="+mn-cs"/>
+      </a:defRPr>
+    </a:lvl3pPr>
+    <a:lvl4pPr marL="1371600" algn="l" defTabSz="914400" rtl="0" eaLnBrk="1" latinLnBrk="0" hangingPunct="1">
+      <a:defRPr sz="1800" kern="1200">
+        <a:solidFill>
+          <a:schemeClr val="tx1"/>
+        </a:solidFill>
+        <a:latin typeface="+mn-lt"/>
+        <a:ea typeface="+mn-ea"/>
+        <a:cs typeface="+mn-cs"/>
+      </a:defRPr>
+    </a:lvl4pPr>
+    <a:lvl5pPr marL="1828800" algn="l" defTabSz="914400" rtl="0" eaLnBrk="1" latinLnBrk="0" hangingPunct="1">
+      <a:defRPr sz="1800" kern="1200">
+        <a:solidFill>
+          <a:schemeClr val="tx1"/>
+        </a:solidFill>
+        <a:latin typeface="+mn-lt"/>
+        <a:ea typeface="+mn-ea"/>
+        <a:cs typeface="+mn-cs"/>
+      </a:defRPr>
+    </a:lvl5pPr>
+    <a:lvl6pPr marL="2286000" algn="l" defTabSz="914400" rtl="0" eaLnBrk="1" latinLnBrk="0" hangingPunct="1">
+      <a:defRPr sz="1800" kern="1200">
+        <a:solidFill>
+          <a:schemeClr val="tx1"/>
+        </a:solidFill>
+        <a:latin typeface="+mn-lt"/>
+        <a:ea typeface="+mn-ea"/>
+        <a:cs typeface="+mn-cs"/>
+      </a:defRPr>
+    </a:lvl6pPr>
+    <a:lvl7pPr marL="2743200" algn="l" defTabSz="914400" rtl="0" eaLnBrk="1" latinLnBrk="0" hangingPunct="1">
+      <a:defRPr sz="1800" kern="1200">
+        <a:solidFill>
+          <a:schemeClr val="tx1"/>
+        </a:solidFill>
+        <a:latin typeface="+mn-lt"/>
+        <a:ea typeface="+mn-ea"/>
+        <a:cs typeface="+mn-cs"/>
+      </a:defRPr>
+    </a:lvl7pPr>
+    <a:lvl8pPr marL="3200400" algn="l" defTabSz="914400" rtl="0" eaLnBrk="1" latinLnBrk="0" hangingPunct="1">
+      <a:defRPr sz="1800" kern="1200">
+        <a:solidFill>
+          <a:schemeClr val="tx1"/>
+        </a:solidFill>
+        <a:latin typeface="+mn-lt"/>
+        <a:ea typeface="+mn-ea"/>
+        <a:cs typeface="+mn-cs"/>
+      </a:defRPr>
+    </a:lvl8pPr>
+    <a:lvl9pPr marL="3657600" algn="l" defTabSz="914400" rtl="0" eaLnBrk="1" latinLnBrk="0" hangingPunct="1">
+      <a:defRPr sz="1800" kern="1200">
+        <a:solidFill>
+          <a:schemeClr val="tx1"/>
+        </a:solidFill>
+        <a:latin typeface="+mn-lt"/>
+        <a:ea typeface="+mn-ea"/>
+        <a:cs typeface="+mn-cs"/>
+      </a:defRPr>
+    </a:lvl9pPr>
+  </p:defaultTextStyle>
 </p:presentation>
 </file>
 
 <file path=ppt/slideLayouts/slideLayout1.xml><?xml version="1.0" encoding="utf-8"?>
-<p:sldLayout xmlns:a="http://schemas.openxmlformats.org/drawingml/2006/main" xmlns:p="http://schemas.openxmlformats.org/presentationml/2006/main" xmlns:r="http://schemas.openxmlformats.org/officeDocument/2006/relationships" xmlns:p14="http://schemas.microsoft.com/office/powerpoint/2010/main" xmlns:p15="http://schemas.microsoft.com/office/powerpoint/2012/main" xmlns:mc="http://schemas.openxmlformats.org/markup-compatibility/2006" type="blank" preserve="1">
+<p:sldLayout xmlns:a="http://schemas.openxmlformats.org/drawingml/2006/main" xmlns:r="http://schemas.openxmlformats.org/officeDocument/2006/relationships" xmlns:p="http://schemas.openxmlformats.org/presentationml/2006/main" type="blank" preserve="1">
   <p:cSld name="Blank Slide">
     <p:spTree>
       <p:nvGrpSpPr>
@@ -50,11 +145,14 @@
       </p:grpSpPr>
     </p:spTree>
   </p:cSld>
+  <p:clrMapOvr>
+    <a:masterClrMapping/>
+  </p:clrMapOvr>
 </p:sldLayout>
 </file>
 
 <file path=ppt/slideLayouts/slideLayout10.xml><?xml version="1.0" encoding="utf-8"?>
-<p:sldLayout xmlns:a="http://schemas.openxmlformats.org/drawingml/2006/main" xmlns:p="http://schemas.openxmlformats.org/presentationml/2006/main" xmlns:r="http://schemas.openxmlformats.org/officeDocument/2006/relationships" xmlns:p14="http://schemas.microsoft.com/office/powerpoint/2010/main" xmlns:p15="http://schemas.microsoft.com/office/powerpoint/2012/main" xmlns:mc="http://schemas.openxmlformats.org/markup-compatibility/2006" type="objOverTx" preserve="1">
+<p:sldLayout xmlns:a="http://schemas.openxmlformats.org/drawingml/2006/main" xmlns:r="http://schemas.openxmlformats.org/officeDocument/2006/relationships" xmlns:p="http://schemas.openxmlformats.org/presentationml/2006/main" type="objOverTx" preserve="1">
   <p:cSld name="Title, Content over Content">
     <p:spTree>
       <p:nvGrpSpPr>
@@ -90,9 +188,10 @@
           </a:prstGeom>
         </p:spPr>
         <p:txBody>
-          <a:bodyPr lIns="0" rIns="0" tIns="0" bIns="0" anchor="ctr"/>
-          <a:p>
-            <a:endParaRPr b="0" lang="en-US" sz="1400" spc="-1" strike="noStrike">
+          <a:bodyPr lIns="0" tIns="0" rIns="0" bIns="0" anchor="ctr"/>
+          <a:lstStyle/>
+          <a:p>
+            <a:endParaRPr lang="en-US" sz="1400" b="0" strike="noStrike" spc="-1">
               <a:solidFill>
                 <a:srgbClr val="000000"/>
               </a:solidFill>
@@ -121,11 +220,12 @@
           </a:prstGeom>
         </p:spPr>
         <p:txBody>
-          <a:bodyPr lIns="0" rIns="0" tIns="0" bIns="0">
+          <a:bodyPr lIns="0" tIns="0" rIns="0" bIns="0">
             <a:normAutofit/>
           </a:bodyPr>
-          <a:p>
-            <a:endParaRPr b="0" lang="en-US" sz="1400" spc="-1" strike="noStrike">
+          <a:lstStyle/>
+          <a:p>
+            <a:endParaRPr lang="en-US" sz="1400" b="0" strike="noStrike" spc="-1">
               <a:solidFill>
                 <a:srgbClr val="000000"/>
               </a:solidFill>
@@ -154,11 +254,12 @@
           </a:prstGeom>
         </p:spPr>
         <p:txBody>
-          <a:bodyPr lIns="0" rIns="0" tIns="0" bIns="0">
+          <a:bodyPr lIns="0" tIns="0" rIns="0" bIns="0">
             <a:normAutofit/>
           </a:bodyPr>
-          <a:p>
-            <a:endParaRPr b="0" lang="en-US" sz="1400" spc="-1" strike="noStrike">
+          <a:lstStyle/>
+          <a:p>
+            <a:endParaRPr lang="en-US" sz="1400" b="0" strike="noStrike" spc="-1">
               <a:solidFill>
                 <a:srgbClr val="000000"/>
               </a:solidFill>
@@ -169,11 +270,14 @@
       </p:sp>
     </p:spTree>
   </p:cSld>
+  <p:clrMapOvr>
+    <a:masterClrMapping/>
+  </p:clrMapOvr>
 </p:sldLayout>
 </file>
 
 <file path=ppt/slideLayouts/slideLayout11.xml><?xml version="1.0" encoding="utf-8"?>
-<p:sldLayout xmlns:a="http://schemas.openxmlformats.org/drawingml/2006/main" xmlns:p="http://schemas.openxmlformats.org/presentationml/2006/main" xmlns:r="http://schemas.openxmlformats.org/officeDocument/2006/relationships" xmlns:p14="http://schemas.microsoft.com/office/powerpoint/2010/main" xmlns:p15="http://schemas.microsoft.com/office/powerpoint/2012/main" xmlns:mc="http://schemas.openxmlformats.org/markup-compatibility/2006" type="fourObj" preserve="1">
+<p:sldLayout xmlns:a="http://schemas.openxmlformats.org/drawingml/2006/main" xmlns:r="http://schemas.openxmlformats.org/officeDocument/2006/relationships" xmlns:p="http://schemas.openxmlformats.org/presentationml/2006/main" type="fourObj" preserve="1">
   <p:cSld name="Title, 4 Content">
     <p:spTree>
       <p:nvGrpSpPr>
@@ -209,9 +313,10 @@
           </a:prstGeom>
         </p:spPr>
         <p:txBody>
-          <a:bodyPr lIns="0" rIns="0" tIns="0" bIns="0" anchor="ctr"/>
-          <a:p>
-            <a:endParaRPr b="0" lang="en-US" sz="1400" spc="-1" strike="noStrike">
+          <a:bodyPr lIns="0" tIns="0" rIns="0" bIns="0" anchor="ctr"/>
+          <a:lstStyle/>
+          <a:p>
+            <a:endParaRPr lang="en-US" sz="1400" b="0" strike="noStrike" spc="-1">
               <a:solidFill>
                 <a:srgbClr val="000000"/>
               </a:solidFill>
@@ -240,11 +345,12 @@
           </a:prstGeom>
         </p:spPr>
         <p:txBody>
-          <a:bodyPr lIns="0" rIns="0" tIns="0" bIns="0">
+          <a:bodyPr lIns="0" tIns="0" rIns="0" bIns="0">
             <a:normAutofit/>
           </a:bodyPr>
-          <a:p>
-            <a:endParaRPr b="0" lang="en-US" sz="1400" spc="-1" strike="noStrike">
+          <a:lstStyle/>
+          <a:p>
+            <a:endParaRPr lang="en-US" sz="1400" b="0" strike="noStrike" spc="-1">
               <a:solidFill>
                 <a:srgbClr val="000000"/>
               </a:solidFill>
@@ -273,11 +379,12 @@
           </a:prstGeom>
         </p:spPr>
         <p:txBody>
-          <a:bodyPr lIns="0" rIns="0" tIns="0" bIns="0">
+          <a:bodyPr lIns="0" tIns="0" rIns="0" bIns="0">
             <a:normAutofit/>
           </a:bodyPr>
-          <a:p>
-            <a:endParaRPr b="0" lang="en-US" sz="1400" spc="-1" strike="noStrike">
+          <a:lstStyle/>
+          <a:p>
+            <a:endParaRPr lang="en-US" sz="1400" b="0" strike="noStrike" spc="-1">
               <a:solidFill>
                 <a:srgbClr val="000000"/>
               </a:solidFill>
@@ -306,11 +413,12 @@
           </a:prstGeom>
         </p:spPr>
         <p:txBody>
-          <a:bodyPr lIns="0" rIns="0" tIns="0" bIns="0">
+          <a:bodyPr lIns="0" tIns="0" rIns="0" bIns="0">
             <a:normAutofit/>
           </a:bodyPr>
-          <a:p>
-            <a:endParaRPr b="0" lang="en-US" sz="1400" spc="-1" strike="noStrike">
+          <a:lstStyle/>
+          <a:p>
+            <a:endParaRPr lang="en-US" sz="1400" b="0" strike="noStrike" spc="-1">
               <a:solidFill>
                 <a:srgbClr val="000000"/>
               </a:solidFill>
@@ -339,11 +447,12 @@
           </a:prstGeom>
         </p:spPr>
         <p:txBody>
-          <a:bodyPr lIns="0" rIns="0" tIns="0" bIns="0">
+          <a:bodyPr lIns="0" tIns="0" rIns="0" bIns="0">
             <a:normAutofit/>
           </a:bodyPr>
-          <a:p>
-            <a:endParaRPr b="0" lang="en-US" sz="1400" spc="-1" strike="noStrike">
+          <a:lstStyle/>
+          <a:p>
+            <a:endParaRPr lang="en-US" sz="1400" b="0" strike="noStrike" spc="-1">
               <a:solidFill>
                 <a:srgbClr val="000000"/>
               </a:solidFill>
@@ -354,11 +463,14 @@
       </p:sp>
     </p:spTree>
   </p:cSld>
+  <p:clrMapOvr>
+    <a:masterClrMapping/>
+  </p:clrMapOvr>
 </p:sldLayout>
 </file>
 
 <file path=ppt/slideLayouts/slideLayout12.xml><?xml version="1.0" encoding="utf-8"?>
-<p:sldLayout xmlns:a="http://schemas.openxmlformats.org/drawingml/2006/main" xmlns:p="http://schemas.openxmlformats.org/presentationml/2006/main" xmlns:r="http://schemas.openxmlformats.org/officeDocument/2006/relationships" xmlns:p14="http://schemas.microsoft.com/office/powerpoint/2010/main" xmlns:p15="http://schemas.microsoft.com/office/powerpoint/2012/main" xmlns:mc="http://schemas.openxmlformats.org/markup-compatibility/2006" type="blank" preserve="1">
+<p:sldLayout xmlns:a="http://schemas.openxmlformats.org/drawingml/2006/main" xmlns:r="http://schemas.openxmlformats.org/officeDocument/2006/relationships" xmlns:p="http://schemas.openxmlformats.org/presentationml/2006/main" type="blank" preserve="1">
   <p:cSld name="Title, 6 Content">
     <p:spTree>
       <p:nvGrpSpPr>
@@ -394,9 +506,10 @@
           </a:prstGeom>
         </p:spPr>
         <p:txBody>
-          <a:bodyPr lIns="0" rIns="0" tIns="0" bIns="0" anchor="ctr"/>
-          <a:p>
-            <a:endParaRPr b="0" lang="en-US" sz="1400" spc="-1" strike="noStrike">
+          <a:bodyPr lIns="0" tIns="0" rIns="0" bIns="0" anchor="ctr"/>
+          <a:lstStyle/>
+          <a:p>
+            <a:endParaRPr lang="en-US" sz="1400" b="0" strike="noStrike" spc="-1">
               <a:solidFill>
                 <a:srgbClr val="000000"/>
               </a:solidFill>
@@ -425,11 +538,12 @@
           </a:prstGeom>
         </p:spPr>
         <p:txBody>
-          <a:bodyPr lIns="0" rIns="0" tIns="0" bIns="0">
+          <a:bodyPr lIns="0" tIns="0" rIns="0" bIns="0">
             <a:normAutofit/>
           </a:bodyPr>
-          <a:p>
-            <a:endParaRPr b="0" lang="en-US" sz="1400" spc="-1" strike="noStrike">
+          <a:lstStyle/>
+          <a:p>
+            <a:endParaRPr lang="en-US" sz="1400" b="0" strike="noStrike" spc="-1">
               <a:solidFill>
                 <a:srgbClr val="000000"/>
               </a:solidFill>
@@ -458,11 +572,12 @@
           </a:prstGeom>
         </p:spPr>
         <p:txBody>
-          <a:bodyPr lIns="0" rIns="0" tIns="0" bIns="0">
+          <a:bodyPr lIns="0" tIns="0" rIns="0" bIns="0">
             <a:normAutofit/>
           </a:bodyPr>
-          <a:p>
-            <a:endParaRPr b="0" lang="en-US" sz="1400" spc="-1" strike="noStrike">
+          <a:lstStyle/>
+          <a:p>
+            <a:endParaRPr lang="en-US" sz="1400" b="0" strike="noStrike" spc="-1">
               <a:solidFill>
                 <a:srgbClr val="000000"/>
               </a:solidFill>
@@ -491,11 +606,12 @@
           </a:prstGeom>
         </p:spPr>
         <p:txBody>
-          <a:bodyPr lIns="0" rIns="0" tIns="0" bIns="0">
+          <a:bodyPr lIns="0" tIns="0" rIns="0" bIns="0">
             <a:normAutofit/>
           </a:bodyPr>
-          <a:p>
-            <a:endParaRPr b="0" lang="en-US" sz="1400" spc="-1" strike="noStrike">
+          <a:lstStyle/>
+          <a:p>
+            <a:endParaRPr lang="en-US" sz="1400" b="0" strike="noStrike" spc="-1">
               <a:solidFill>
                 <a:srgbClr val="000000"/>
               </a:solidFill>
@@ -524,11 +640,12 @@
           </a:prstGeom>
         </p:spPr>
         <p:txBody>
-          <a:bodyPr lIns="0" rIns="0" tIns="0" bIns="0">
+          <a:bodyPr lIns="0" tIns="0" rIns="0" bIns="0">
             <a:normAutofit/>
           </a:bodyPr>
-          <a:p>
-            <a:endParaRPr b="0" lang="en-US" sz="1400" spc="-1" strike="noStrike">
+          <a:lstStyle/>
+          <a:p>
+            <a:endParaRPr lang="en-US" sz="1400" b="0" strike="noStrike" spc="-1">
               <a:solidFill>
                 <a:srgbClr val="000000"/>
               </a:solidFill>
@@ -557,11 +674,12 @@
           </a:prstGeom>
         </p:spPr>
         <p:txBody>
-          <a:bodyPr lIns="0" rIns="0" tIns="0" bIns="0">
+          <a:bodyPr lIns="0" tIns="0" rIns="0" bIns="0">
             <a:normAutofit/>
           </a:bodyPr>
-          <a:p>
-            <a:endParaRPr b="0" lang="en-US" sz="1400" spc="-1" strike="noStrike">
+          <a:lstStyle/>
+          <a:p>
+            <a:endParaRPr lang="en-US" sz="1400" b="0" strike="noStrike" spc="-1">
               <a:solidFill>
                 <a:srgbClr val="000000"/>
               </a:solidFill>
@@ -590,11 +708,12 @@
           </a:prstGeom>
         </p:spPr>
         <p:txBody>
-          <a:bodyPr lIns="0" rIns="0" tIns="0" bIns="0">
+          <a:bodyPr lIns="0" tIns="0" rIns="0" bIns="0">
             <a:normAutofit/>
           </a:bodyPr>
-          <a:p>
-            <a:endParaRPr b="0" lang="en-US" sz="1400" spc="-1" strike="noStrike">
+          <a:lstStyle/>
+          <a:p>
+            <a:endParaRPr lang="en-US" sz="1400" b="0" strike="noStrike" spc="-1">
               <a:solidFill>
                 <a:srgbClr val="000000"/>
               </a:solidFill>
@@ -605,11 +724,14 @@
       </p:sp>
     </p:spTree>
   </p:cSld>
+  <p:clrMapOvr>
+    <a:masterClrMapping/>
+  </p:clrMapOvr>
 </p:sldLayout>
 </file>
 
 <file path=ppt/slideLayouts/slideLayout13.xml><?xml version="1.0" encoding="utf-8"?>
-<p:sldLayout xmlns:a="http://schemas.openxmlformats.org/drawingml/2006/main" xmlns:p="http://schemas.openxmlformats.org/presentationml/2006/main" xmlns:r="http://schemas.openxmlformats.org/officeDocument/2006/relationships" xmlns:p14="http://schemas.microsoft.com/office/powerpoint/2010/main" xmlns:p15="http://schemas.microsoft.com/office/powerpoint/2012/main" xmlns:mc="http://schemas.openxmlformats.org/markup-compatibility/2006" type="blank" preserve="1">
+<p:sldLayout xmlns:a="http://schemas.openxmlformats.org/drawingml/2006/main" xmlns:r="http://schemas.openxmlformats.org/officeDocument/2006/relationships" xmlns:p="http://schemas.openxmlformats.org/presentationml/2006/main" type="blank" preserve="1">
   <p:cSld name="Blank Slide">
     <p:spTree>
       <p:nvGrpSpPr>
@@ -627,11 +749,14 @@
       </p:grpSpPr>
     </p:spTree>
   </p:cSld>
+  <p:clrMapOvr>
+    <a:masterClrMapping/>
+  </p:clrMapOvr>
 </p:sldLayout>
 </file>
 
 <file path=ppt/slideLayouts/slideLayout14.xml><?xml version="1.0" encoding="utf-8"?>
-<p:sldLayout xmlns:a="http://schemas.openxmlformats.org/drawingml/2006/main" xmlns:p="http://schemas.openxmlformats.org/presentationml/2006/main" xmlns:r="http://schemas.openxmlformats.org/officeDocument/2006/relationships" xmlns:p14="http://schemas.microsoft.com/office/powerpoint/2010/main" xmlns:p15="http://schemas.microsoft.com/office/powerpoint/2012/main" xmlns:mc="http://schemas.openxmlformats.org/markup-compatibility/2006" type="tx" preserve="1">
+<p:sldLayout xmlns:a="http://schemas.openxmlformats.org/drawingml/2006/main" xmlns:r="http://schemas.openxmlformats.org/officeDocument/2006/relationships" xmlns:p="http://schemas.openxmlformats.org/presentationml/2006/main" type="tx" preserve="1">
   <p:cSld name="Title Slide">
     <p:spTree>
       <p:nvGrpSpPr>
@@ -667,9 +792,10 @@
           </a:prstGeom>
         </p:spPr>
         <p:txBody>
-          <a:bodyPr lIns="0" rIns="0" tIns="0" bIns="0" anchor="ctr"/>
-          <a:p>
-            <a:endParaRPr b="0" lang="en-US" sz="1400" spc="-1" strike="noStrike">
+          <a:bodyPr lIns="0" tIns="0" rIns="0" bIns="0" anchor="ctr"/>
+          <a:lstStyle/>
+          <a:p>
+            <a:endParaRPr lang="en-US" sz="1400" b="0" strike="noStrike" spc="-1">
               <a:solidFill>
                 <a:srgbClr val="000000"/>
               </a:solidFill>
@@ -698,10 +824,11 @@
           </a:prstGeom>
         </p:spPr>
         <p:txBody>
-          <a:bodyPr lIns="0" rIns="0" tIns="0" bIns="0" anchor="ctr"/>
+          <a:bodyPr lIns="0" tIns="0" rIns="0" bIns="0" anchor="ctr"/>
+          <a:lstStyle/>
           <a:p>
             <a:pPr algn="ctr"/>
-            <a:endParaRPr b="0" lang="en-US" sz="3200" spc="-1" strike="noStrike">
+            <a:endParaRPr lang="en-US" sz="3200" b="0" strike="noStrike" spc="-1">
               <a:latin typeface="Arial"/>
             </a:endParaRPr>
           </a:p>
@@ -709,11 +836,14 @@
       </p:sp>
     </p:spTree>
   </p:cSld>
+  <p:clrMapOvr>
+    <a:masterClrMapping/>
+  </p:clrMapOvr>
 </p:sldLayout>
 </file>
 
 <file path=ppt/slideLayouts/slideLayout15.xml><?xml version="1.0" encoding="utf-8"?>
-<p:sldLayout xmlns:a="http://schemas.openxmlformats.org/drawingml/2006/main" xmlns:p="http://schemas.openxmlformats.org/presentationml/2006/main" xmlns:r="http://schemas.openxmlformats.org/officeDocument/2006/relationships" xmlns:p14="http://schemas.microsoft.com/office/powerpoint/2010/main" xmlns:p15="http://schemas.microsoft.com/office/powerpoint/2012/main" xmlns:mc="http://schemas.openxmlformats.org/markup-compatibility/2006" type="obj" preserve="1">
+<p:sldLayout xmlns:a="http://schemas.openxmlformats.org/drawingml/2006/main" xmlns:r="http://schemas.openxmlformats.org/officeDocument/2006/relationships" xmlns:p="http://schemas.openxmlformats.org/presentationml/2006/main" type="obj" preserve="1">
   <p:cSld name="Title, Content">
     <p:spTree>
       <p:nvGrpSpPr>
@@ -749,9 +879,10 @@
           </a:prstGeom>
         </p:spPr>
         <p:txBody>
-          <a:bodyPr lIns="0" rIns="0" tIns="0" bIns="0" anchor="ctr"/>
-          <a:p>
-            <a:endParaRPr b="0" lang="en-US" sz="1400" spc="-1" strike="noStrike">
+          <a:bodyPr lIns="0" tIns="0" rIns="0" bIns="0" anchor="ctr"/>
+          <a:lstStyle/>
+          <a:p>
+            <a:endParaRPr lang="en-US" sz="1400" b="0" strike="noStrike" spc="-1">
               <a:solidFill>
                 <a:srgbClr val="000000"/>
               </a:solidFill>
@@ -780,11 +911,12 @@
           </a:prstGeom>
         </p:spPr>
         <p:txBody>
-          <a:bodyPr lIns="0" rIns="0" tIns="0" bIns="0">
+          <a:bodyPr lIns="0" tIns="0" rIns="0" bIns="0">
             <a:normAutofit/>
           </a:bodyPr>
-          <a:p>
-            <a:endParaRPr b="0" lang="en-US" sz="1400" spc="-1" strike="noStrike">
+          <a:lstStyle/>
+          <a:p>
+            <a:endParaRPr lang="en-US" sz="1400" b="0" strike="noStrike" spc="-1">
               <a:solidFill>
                 <a:srgbClr val="000000"/>
               </a:solidFill>
@@ -795,11 +927,14 @@
       </p:sp>
     </p:spTree>
   </p:cSld>
+  <p:clrMapOvr>
+    <a:masterClrMapping/>
+  </p:clrMapOvr>
 </p:sldLayout>
 </file>
 
 <file path=ppt/slideLayouts/slideLayout16.xml><?xml version="1.0" encoding="utf-8"?>
-<p:sldLayout xmlns:a="http://schemas.openxmlformats.org/drawingml/2006/main" xmlns:p="http://schemas.openxmlformats.org/presentationml/2006/main" xmlns:r="http://schemas.openxmlformats.org/officeDocument/2006/relationships" xmlns:p14="http://schemas.microsoft.com/office/powerpoint/2010/main" xmlns:p15="http://schemas.microsoft.com/office/powerpoint/2012/main" xmlns:mc="http://schemas.openxmlformats.org/markup-compatibility/2006" type="twoObj" preserve="1">
+<p:sldLayout xmlns:a="http://schemas.openxmlformats.org/drawingml/2006/main" xmlns:r="http://schemas.openxmlformats.org/officeDocument/2006/relationships" xmlns:p="http://schemas.openxmlformats.org/presentationml/2006/main" type="twoObj" preserve="1">
   <p:cSld name="Title, 2 Content">
     <p:spTree>
       <p:nvGrpSpPr>
@@ -835,9 +970,10 @@
           </a:prstGeom>
         </p:spPr>
         <p:txBody>
-          <a:bodyPr lIns="0" rIns="0" tIns="0" bIns="0" anchor="ctr"/>
-          <a:p>
-            <a:endParaRPr b="0" lang="en-US" sz="1400" spc="-1" strike="noStrike">
+          <a:bodyPr lIns="0" tIns="0" rIns="0" bIns="0" anchor="ctr"/>
+          <a:lstStyle/>
+          <a:p>
+            <a:endParaRPr lang="en-US" sz="1400" b="0" strike="noStrike" spc="-1">
               <a:solidFill>
                 <a:srgbClr val="000000"/>
               </a:solidFill>
@@ -866,11 +1002,12 @@
           </a:prstGeom>
         </p:spPr>
         <p:txBody>
-          <a:bodyPr lIns="0" rIns="0" tIns="0" bIns="0">
+          <a:bodyPr lIns="0" tIns="0" rIns="0" bIns="0">
             <a:normAutofit/>
           </a:bodyPr>
-          <a:p>
-            <a:endParaRPr b="0" lang="en-US" sz="1400" spc="-1" strike="noStrike">
+          <a:lstStyle/>
+          <a:p>
+            <a:endParaRPr lang="en-US" sz="1400" b="0" strike="noStrike" spc="-1">
               <a:solidFill>
                 <a:srgbClr val="000000"/>
               </a:solidFill>
@@ -899,11 +1036,12 @@
           </a:prstGeom>
         </p:spPr>
         <p:txBody>
-          <a:bodyPr lIns="0" rIns="0" tIns="0" bIns="0">
+          <a:bodyPr lIns="0" tIns="0" rIns="0" bIns="0">
             <a:normAutofit/>
           </a:bodyPr>
-          <a:p>
-            <a:endParaRPr b="0" lang="en-US" sz="1400" spc="-1" strike="noStrike">
+          <a:lstStyle/>
+          <a:p>
+            <a:endParaRPr lang="en-US" sz="1400" b="0" strike="noStrike" spc="-1">
               <a:solidFill>
                 <a:srgbClr val="000000"/>
               </a:solidFill>
@@ -914,11 +1052,14 @@
       </p:sp>
     </p:spTree>
   </p:cSld>
+  <p:clrMapOvr>
+    <a:masterClrMapping/>
+  </p:clrMapOvr>
 </p:sldLayout>
 </file>
 
 <file path=ppt/slideLayouts/slideLayout17.xml><?xml version="1.0" encoding="utf-8"?>
-<p:sldLayout xmlns:a="http://schemas.openxmlformats.org/drawingml/2006/main" xmlns:p="http://schemas.openxmlformats.org/presentationml/2006/main" xmlns:r="http://schemas.openxmlformats.org/officeDocument/2006/relationships" xmlns:p14="http://schemas.microsoft.com/office/powerpoint/2010/main" xmlns:p15="http://schemas.microsoft.com/office/powerpoint/2012/main" xmlns:mc="http://schemas.openxmlformats.org/markup-compatibility/2006" type="titleOnly" preserve="1">
+<p:sldLayout xmlns:a="http://schemas.openxmlformats.org/drawingml/2006/main" xmlns:r="http://schemas.openxmlformats.org/officeDocument/2006/relationships" xmlns:p="http://schemas.openxmlformats.org/presentationml/2006/main" type="titleOnly" preserve="1">
   <p:cSld name="Title Only">
     <p:spTree>
       <p:nvGrpSpPr>
@@ -954,9 +1095,10 @@
           </a:prstGeom>
         </p:spPr>
         <p:txBody>
-          <a:bodyPr lIns="0" rIns="0" tIns="0" bIns="0" anchor="ctr"/>
-          <a:p>
-            <a:endParaRPr b="0" lang="en-US" sz="1400" spc="-1" strike="noStrike">
+          <a:bodyPr lIns="0" tIns="0" rIns="0" bIns="0" anchor="ctr"/>
+          <a:lstStyle/>
+          <a:p>
+            <a:endParaRPr lang="en-US" sz="1400" b="0" strike="noStrike" spc="-1">
               <a:solidFill>
                 <a:srgbClr val="000000"/>
               </a:solidFill>
@@ -967,11 +1109,14 @@
       </p:sp>
     </p:spTree>
   </p:cSld>
+  <p:clrMapOvr>
+    <a:masterClrMapping/>
+  </p:clrMapOvr>
 </p:sldLayout>
 </file>
 
 <file path=ppt/slideLayouts/slideLayout18.xml><?xml version="1.0" encoding="utf-8"?>
-<p:sldLayout xmlns:a="http://schemas.openxmlformats.org/drawingml/2006/main" xmlns:p="http://schemas.openxmlformats.org/presentationml/2006/main" xmlns:r="http://schemas.openxmlformats.org/officeDocument/2006/relationships" xmlns:p14="http://schemas.microsoft.com/office/powerpoint/2010/main" xmlns:p15="http://schemas.microsoft.com/office/powerpoint/2012/main" xmlns:mc="http://schemas.openxmlformats.org/markup-compatibility/2006" type="objOnly" preserve="1">
+<p:sldLayout xmlns:a="http://schemas.openxmlformats.org/drawingml/2006/main" xmlns:r="http://schemas.openxmlformats.org/officeDocument/2006/relationships" xmlns:p="http://schemas.openxmlformats.org/presentationml/2006/main" type="objOnly" preserve="1">
   <p:cSld name="Centered Text">
     <p:spTree>
       <p:nvGrpSpPr>
@@ -1007,10 +1152,11 @@
           </a:prstGeom>
         </p:spPr>
         <p:txBody>
-          <a:bodyPr lIns="0" rIns="0" tIns="0" bIns="0" anchor="ctr"/>
+          <a:bodyPr lIns="0" tIns="0" rIns="0" bIns="0" anchor="ctr"/>
+          <a:lstStyle/>
           <a:p>
             <a:pPr algn="ctr"/>
-            <a:endParaRPr b="0" lang="en-US" sz="3200" spc="-1" strike="noStrike">
+            <a:endParaRPr lang="en-US" sz="3200" b="0" strike="noStrike" spc="-1">
               <a:latin typeface="Arial"/>
             </a:endParaRPr>
           </a:p>
@@ -1018,11 +1164,14 @@
       </p:sp>
     </p:spTree>
   </p:cSld>
+  <p:clrMapOvr>
+    <a:masterClrMapping/>
+  </p:clrMapOvr>
 </p:sldLayout>
 </file>
 
 <file path=ppt/slideLayouts/slideLayout19.xml><?xml version="1.0" encoding="utf-8"?>
-<p:sldLayout xmlns:a="http://schemas.openxmlformats.org/drawingml/2006/main" xmlns:p="http://schemas.openxmlformats.org/presentationml/2006/main" xmlns:r="http://schemas.openxmlformats.org/officeDocument/2006/relationships" xmlns:p14="http://schemas.microsoft.com/office/powerpoint/2010/main" xmlns:p15="http://schemas.microsoft.com/office/powerpoint/2012/main" xmlns:mc="http://schemas.openxmlformats.org/markup-compatibility/2006" type="twoObjAndObj" preserve="1">
+<p:sldLayout xmlns:a="http://schemas.openxmlformats.org/drawingml/2006/main" xmlns:r="http://schemas.openxmlformats.org/officeDocument/2006/relationships" xmlns:p="http://schemas.openxmlformats.org/presentationml/2006/main" type="twoObjAndObj" preserve="1">
   <p:cSld name="Title, 2 Content and Content">
     <p:spTree>
       <p:nvGrpSpPr>
@@ -1058,9 +1207,10 @@
           </a:prstGeom>
         </p:spPr>
         <p:txBody>
-          <a:bodyPr lIns="0" rIns="0" tIns="0" bIns="0" anchor="ctr"/>
-          <a:p>
-            <a:endParaRPr b="0" lang="en-US" sz="1400" spc="-1" strike="noStrike">
+          <a:bodyPr lIns="0" tIns="0" rIns="0" bIns="0" anchor="ctr"/>
+          <a:lstStyle/>
+          <a:p>
+            <a:endParaRPr lang="en-US" sz="1400" b="0" strike="noStrike" spc="-1">
               <a:solidFill>
                 <a:srgbClr val="000000"/>
               </a:solidFill>
@@ -1089,11 +1239,12 @@
           </a:prstGeom>
         </p:spPr>
         <p:txBody>
-          <a:bodyPr lIns="0" rIns="0" tIns="0" bIns="0">
+          <a:bodyPr lIns="0" tIns="0" rIns="0" bIns="0">
             <a:normAutofit/>
           </a:bodyPr>
-          <a:p>
-            <a:endParaRPr b="0" lang="en-US" sz="1400" spc="-1" strike="noStrike">
+          <a:lstStyle/>
+          <a:p>
+            <a:endParaRPr lang="en-US" sz="1400" b="0" strike="noStrike" spc="-1">
               <a:solidFill>
                 <a:srgbClr val="000000"/>
               </a:solidFill>
@@ -1122,11 +1273,12 @@
           </a:prstGeom>
         </p:spPr>
         <p:txBody>
-          <a:bodyPr lIns="0" rIns="0" tIns="0" bIns="0">
+          <a:bodyPr lIns="0" tIns="0" rIns="0" bIns="0">
             <a:normAutofit/>
           </a:bodyPr>
-          <a:p>
-            <a:endParaRPr b="0" lang="en-US" sz="1400" spc="-1" strike="noStrike">
+          <a:lstStyle/>
+          <a:p>
+            <a:endParaRPr lang="en-US" sz="1400" b="0" strike="noStrike" spc="-1">
               <a:solidFill>
                 <a:srgbClr val="000000"/>
               </a:solidFill>
@@ -1155,11 +1307,12 @@
           </a:prstGeom>
         </p:spPr>
         <p:txBody>
-          <a:bodyPr lIns="0" rIns="0" tIns="0" bIns="0">
+          <a:bodyPr lIns="0" tIns="0" rIns="0" bIns="0">
             <a:normAutofit/>
           </a:bodyPr>
-          <a:p>
-            <a:endParaRPr b="0" lang="en-US" sz="1400" spc="-1" strike="noStrike">
+          <a:lstStyle/>
+          <a:p>
+            <a:endParaRPr lang="en-US" sz="1400" b="0" strike="noStrike" spc="-1">
               <a:solidFill>
                 <a:srgbClr val="000000"/>
               </a:solidFill>
@@ -1170,11 +1323,14 @@
       </p:sp>
     </p:spTree>
   </p:cSld>
+  <p:clrMapOvr>
+    <a:masterClrMapping/>
+  </p:clrMapOvr>
 </p:sldLayout>
 </file>
 
 <file path=ppt/slideLayouts/slideLayout2.xml><?xml version="1.0" encoding="utf-8"?>
-<p:sldLayout xmlns:a="http://schemas.openxmlformats.org/drawingml/2006/main" xmlns:p="http://schemas.openxmlformats.org/presentationml/2006/main" xmlns:r="http://schemas.openxmlformats.org/officeDocument/2006/relationships" xmlns:p14="http://schemas.microsoft.com/office/powerpoint/2010/main" xmlns:p15="http://schemas.microsoft.com/office/powerpoint/2012/main" xmlns:mc="http://schemas.openxmlformats.org/markup-compatibility/2006" type="tx" preserve="1">
+<p:sldLayout xmlns:a="http://schemas.openxmlformats.org/drawingml/2006/main" xmlns:r="http://schemas.openxmlformats.org/officeDocument/2006/relationships" xmlns:p="http://schemas.openxmlformats.org/presentationml/2006/main" type="tx" preserve="1">
   <p:cSld name="Title Slide">
     <p:spTree>
       <p:nvGrpSpPr>
@@ -1210,9 +1366,10 @@
           </a:prstGeom>
         </p:spPr>
         <p:txBody>
-          <a:bodyPr lIns="0" rIns="0" tIns="0" bIns="0" anchor="ctr"/>
-          <a:p>
-            <a:endParaRPr b="0" lang="en-US" sz="1400" spc="-1" strike="noStrike">
+          <a:bodyPr lIns="0" tIns="0" rIns="0" bIns="0" anchor="ctr"/>
+          <a:lstStyle/>
+          <a:p>
+            <a:endParaRPr lang="en-US" sz="1400" b="0" strike="noStrike" spc="-1">
               <a:solidFill>
                 <a:srgbClr val="000000"/>
               </a:solidFill>
@@ -1241,10 +1398,11 @@
           </a:prstGeom>
         </p:spPr>
         <p:txBody>
-          <a:bodyPr lIns="0" rIns="0" tIns="0" bIns="0" anchor="ctr"/>
+          <a:bodyPr lIns="0" tIns="0" rIns="0" bIns="0" anchor="ctr"/>
+          <a:lstStyle/>
           <a:p>
             <a:pPr algn="ctr"/>
-            <a:endParaRPr b="0" lang="en-US" sz="3200" spc="-1" strike="noStrike">
+            <a:endParaRPr lang="en-US" sz="3200" b="0" strike="noStrike" spc="-1">
               <a:latin typeface="Arial"/>
             </a:endParaRPr>
           </a:p>
@@ -1252,11 +1410,14 @@
       </p:sp>
     </p:spTree>
   </p:cSld>
+  <p:clrMapOvr>
+    <a:masterClrMapping/>
+  </p:clrMapOvr>
 </p:sldLayout>
 </file>
 
 <file path=ppt/slideLayouts/slideLayout20.xml><?xml version="1.0" encoding="utf-8"?>
-<p:sldLayout xmlns:a="http://schemas.openxmlformats.org/drawingml/2006/main" xmlns:p="http://schemas.openxmlformats.org/presentationml/2006/main" xmlns:r="http://schemas.openxmlformats.org/officeDocument/2006/relationships" xmlns:p14="http://schemas.microsoft.com/office/powerpoint/2010/main" xmlns:p15="http://schemas.microsoft.com/office/powerpoint/2012/main" xmlns:mc="http://schemas.openxmlformats.org/markup-compatibility/2006" type="objAndTwoObj" preserve="1">
+<p:sldLayout xmlns:a="http://schemas.openxmlformats.org/drawingml/2006/main" xmlns:r="http://schemas.openxmlformats.org/officeDocument/2006/relationships" xmlns:p="http://schemas.openxmlformats.org/presentationml/2006/main" type="objAndTwoObj" preserve="1">
   <p:cSld name="Title Content and 2 Content">
     <p:spTree>
       <p:nvGrpSpPr>
@@ -1292,9 +1453,10 @@
           </a:prstGeom>
         </p:spPr>
         <p:txBody>
-          <a:bodyPr lIns="0" rIns="0" tIns="0" bIns="0" anchor="ctr"/>
-          <a:p>
-            <a:endParaRPr b="0" lang="en-US" sz="1400" spc="-1" strike="noStrike">
+          <a:bodyPr lIns="0" tIns="0" rIns="0" bIns="0" anchor="ctr"/>
+          <a:lstStyle/>
+          <a:p>
+            <a:endParaRPr lang="en-US" sz="1400" b="0" strike="noStrike" spc="-1">
               <a:solidFill>
                 <a:srgbClr val="000000"/>
               </a:solidFill>
@@ -1323,11 +1485,12 @@
           </a:prstGeom>
         </p:spPr>
         <p:txBody>
-          <a:bodyPr lIns="0" rIns="0" tIns="0" bIns="0">
+          <a:bodyPr lIns="0" tIns="0" rIns="0" bIns="0">
             <a:normAutofit/>
           </a:bodyPr>
-          <a:p>
-            <a:endParaRPr b="0" lang="en-US" sz="1400" spc="-1" strike="noStrike">
+          <a:lstStyle/>
+          <a:p>
+            <a:endParaRPr lang="en-US" sz="1400" b="0" strike="noStrike" spc="-1">
               <a:solidFill>
                 <a:srgbClr val="000000"/>
               </a:solidFill>
@@ -1356,11 +1519,12 @@
           </a:prstGeom>
         </p:spPr>
         <p:txBody>
-          <a:bodyPr lIns="0" rIns="0" tIns="0" bIns="0">
+          <a:bodyPr lIns="0" tIns="0" rIns="0" bIns="0">
             <a:normAutofit/>
           </a:bodyPr>
-          <a:p>
-            <a:endParaRPr b="0" lang="en-US" sz="1400" spc="-1" strike="noStrike">
+          <a:lstStyle/>
+          <a:p>
+            <a:endParaRPr lang="en-US" sz="1400" b="0" strike="noStrike" spc="-1">
               <a:solidFill>
                 <a:srgbClr val="000000"/>
               </a:solidFill>
@@ -1389,11 +1553,12 @@
           </a:prstGeom>
         </p:spPr>
         <p:txBody>
-          <a:bodyPr lIns="0" rIns="0" tIns="0" bIns="0">
+          <a:bodyPr lIns="0" tIns="0" rIns="0" bIns="0">
             <a:normAutofit/>
           </a:bodyPr>
-          <a:p>
-            <a:endParaRPr b="0" lang="en-US" sz="1400" spc="-1" strike="noStrike">
+          <a:lstStyle/>
+          <a:p>
+            <a:endParaRPr lang="en-US" sz="1400" b="0" strike="noStrike" spc="-1">
               <a:solidFill>
                 <a:srgbClr val="000000"/>
               </a:solidFill>
@@ -1404,11 +1569,14 @@
       </p:sp>
     </p:spTree>
   </p:cSld>
+  <p:clrMapOvr>
+    <a:masterClrMapping/>
+  </p:clrMapOvr>
 </p:sldLayout>
 </file>
 
 <file path=ppt/slideLayouts/slideLayout21.xml><?xml version="1.0" encoding="utf-8"?>
-<p:sldLayout xmlns:a="http://schemas.openxmlformats.org/drawingml/2006/main" xmlns:p="http://schemas.openxmlformats.org/presentationml/2006/main" xmlns:r="http://schemas.openxmlformats.org/officeDocument/2006/relationships" xmlns:p14="http://schemas.microsoft.com/office/powerpoint/2010/main" xmlns:p15="http://schemas.microsoft.com/office/powerpoint/2012/main" xmlns:mc="http://schemas.openxmlformats.org/markup-compatibility/2006" type="twoObjOverTx" preserve="1">
+<p:sldLayout xmlns:a="http://schemas.openxmlformats.org/drawingml/2006/main" xmlns:r="http://schemas.openxmlformats.org/officeDocument/2006/relationships" xmlns:p="http://schemas.openxmlformats.org/presentationml/2006/main" type="twoObjOverTx" preserve="1">
   <p:cSld name="Title, 2 Content over Content">
     <p:spTree>
       <p:nvGrpSpPr>
@@ -1444,9 +1612,10 @@
           </a:prstGeom>
         </p:spPr>
         <p:txBody>
-          <a:bodyPr lIns="0" rIns="0" tIns="0" bIns="0" anchor="ctr"/>
-          <a:p>
-            <a:endParaRPr b="0" lang="en-US" sz="1400" spc="-1" strike="noStrike">
+          <a:bodyPr lIns="0" tIns="0" rIns="0" bIns="0" anchor="ctr"/>
+          <a:lstStyle/>
+          <a:p>
+            <a:endParaRPr lang="en-US" sz="1400" b="0" strike="noStrike" spc="-1">
               <a:solidFill>
                 <a:srgbClr val="000000"/>
               </a:solidFill>
@@ -1475,11 +1644,12 @@
           </a:prstGeom>
         </p:spPr>
         <p:txBody>
-          <a:bodyPr lIns="0" rIns="0" tIns="0" bIns="0">
+          <a:bodyPr lIns="0" tIns="0" rIns="0" bIns="0">
             <a:normAutofit/>
           </a:bodyPr>
-          <a:p>
-            <a:endParaRPr b="0" lang="en-US" sz="1400" spc="-1" strike="noStrike">
+          <a:lstStyle/>
+          <a:p>
+            <a:endParaRPr lang="en-US" sz="1400" b="0" strike="noStrike" spc="-1">
               <a:solidFill>
                 <a:srgbClr val="000000"/>
               </a:solidFill>
@@ -1508,11 +1678,12 @@
           </a:prstGeom>
         </p:spPr>
         <p:txBody>
-          <a:bodyPr lIns="0" rIns="0" tIns="0" bIns="0">
+          <a:bodyPr lIns="0" tIns="0" rIns="0" bIns="0">
             <a:normAutofit/>
           </a:bodyPr>
-          <a:p>
-            <a:endParaRPr b="0" lang="en-US" sz="1400" spc="-1" strike="noStrike">
+          <a:lstStyle/>
+          <a:p>
+            <a:endParaRPr lang="en-US" sz="1400" b="0" strike="noStrike" spc="-1">
               <a:solidFill>
                 <a:srgbClr val="000000"/>
               </a:solidFill>
@@ -1541,11 +1712,12 @@
           </a:prstGeom>
         </p:spPr>
         <p:txBody>
-          <a:bodyPr lIns="0" rIns="0" tIns="0" bIns="0">
+          <a:bodyPr lIns="0" tIns="0" rIns="0" bIns="0">
             <a:normAutofit/>
           </a:bodyPr>
-          <a:p>
-            <a:endParaRPr b="0" lang="en-US" sz="1400" spc="-1" strike="noStrike">
+          <a:lstStyle/>
+          <a:p>
+            <a:endParaRPr lang="en-US" sz="1400" b="0" strike="noStrike" spc="-1">
               <a:solidFill>
                 <a:srgbClr val="000000"/>
               </a:solidFill>
@@ -1556,11 +1728,14 @@
       </p:sp>
     </p:spTree>
   </p:cSld>
+  <p:clrMapOvr>
+    <a:masterClrMapping/>
+  </p:clrMapOvr>
 </p:sldLayout>
 </file>
 
 <file path=ppt/slideLayouts/slideLayout22.xml><?xml version="1.0" encoding="utf-8"?>
-<p:sldLayout xmlns:a="http://schemas.openxmlformats.org/drawingml/2006/main" xmlns:p="http://schemas.openxmlformats.org/presentationml/2006/main" xmlns:r="http://schemas.openxmlformats.org/officeDocument/2006/relationships" xmlns:p14="http://schemas.microsoft.com/office/powerpoint/2010/main" xmlns:p15="http://schemas.microsoft.com/office/powerpoint/2012/main" xmlns:mc="http://schemas.openxmlformats.org/markup-compatibility/2006" type="objOverTx" preserve="1">
+<p:sldLayout xmlns:a="http://schemas.openxmlformats.org/drawingml/2006/main" xmlns:r="http://schemas.openxmlformats.org/officeDocument/2006/relationships" xmlns:p="http://schemas.openxmlformats.org/presentationml/2006/main" type="objOverTx" preserve="1">
   <p:cSld name="Title, Content over Content">
     <p:spTree>
       <p:nvGrpSpPr>
@@ -1596,9 +1771,10 @@
           </a:prstGeom>
         </p:spPr>
         <p:txBody>
-          <a:bodyPr lIns="0" rIns="0" tIns="0" bIns="0" anchor="ctr"/>
-          <a:p>
-            <a:endParaRPr b="0" lang="en-US" sz="1400" spc="-1" strike="noStrike">
+          <a:bodyPr lIns="0" tIns="0" rIns="0" bIns="0" anchor="ctr"/>
+          <a:lstStyle/>
+          <a:p>
+            <a:endParaRPr lang="en-US" sz="1400" b="0" strike="noStrike" spc="-1">
               <a:solidFill>
                 <a:srgbClr val="000000"/>
               </a:solidFill>
@@ -1627,11 +1803,12 @@
           </a:prstGeom>
         </p:spPr>
         <p:txBody>
-          <a:bodyPr lIns="0" rIns="0" tIns="0" bIns="0">
+          <a:bodyPr lIns="0" tIns="0" rIns="0" bIns="0">
             <a:normAutofit/>
           </a:bodyPr>
-          <a:p>
-            <a:endParaRPr b="0" lang="en-US" sz="1400" spc="-1" strike="noStrike">
+          <a:lstStyle/>
+          <a:p>
+            <a:endParaRPr lang="en-US" sz="1400" b="0" strike="noStrike" spc="-1">
               <a:solidFill>
                 <a:srgbClr val="000000"/>
               </a:solidFill>
@@ -1660,11 +1837,12 @@
           </a:prstGeom>
         </p:spPr>
         <p:txBody>
-          <a:bodyPr lIns="0" rIns="0" tIns="0" bIns="0">
+          <a:bodyPr lIns="0" tIns="0" rIns="0" bIns="0">
             <a:normAutofit/>
           </a:bodyPr>
-          <a:p>
-            <a:endParaRPr b="0" lang="en-US" sz="1400" spc="-1" strike="noStrike">
+          <a:lstStyle/>
+          <a:p>
+            <a:endParaRPr lang="en-US" sz="1400" b="0" strike="noStrike" spc="-1">
               <a:solidFill>
                 <a:srgbClr val="000000"/>
               </a:solidFill>
@@ -1675,11 +1853,14 @@
       </p:sp>
     </p:spTree>
   </p:cSld>
+  <p:clrMapOvr>
+    <a:masterClrMapping/>
+  </p:clrMapOvr>
 </p:sldLayout>
 </file>
 
 <file path=ppt/slideLayouts/slideLayout23.xml><?xml version="1.0" encoding="utf-8"?>
-<p:sldLayout xmlns:a="http://schemas.openxmlformats.org/drawingml/2006/main" xmlns:p="http://schemas.openxmlformats.org/presentationml/2006/main" xmlns:r="http://schemas.openxmlformats.org/officeDocument/2006/relationships" xmlns:p14="http://schemas.microsoft.com/office/powerpoint/2010/main" xmlns:p15="http://schemas.microsoft.com/office/powerpoint/2012/main" xmlns:mc="http://schemas.openxmlformats.org/markup-compatibility/2006" type="fourObj" preserve="1">
+<p:sldLayout xmlns:a="http://schemas.openxmlformats.org/drawingml/2006/main" xmlns:r="http://schemas.openxmlformats.org/officeDocument/2006/relationships" xmlns:p="http://schemas.openxmlformats.org/presentationml/2006/main" type="fourObj" preserve="1">
   <p:cSld name="Title, 4 Content">
     <p:spTree>
       <p:nvGrpSpPr>
@@ -1715,9 +1896,10 @@
           </a:prstGeom>
         </p:spPr>
         <p:txBody>
-          <a:bodyPr lIns="0" rIns="0" tIns="0" bIns="0" anchor="ctr"/>
-          <a:p>
-            <a:endParaRPr b="0" lang="en-US" sz="1400" spc="-1" strike="noStrike">
+          <a:bodyPr lIns="0" tIns="0" rIns="0" bIns="0" anchor="ctr"/>
+          <a:lstStyle/>
+          <a:p>
+            <a:endParaRPr lang="en-US" sz="1400" b="0" strike="noStrike" spc="-1">
               <a:solidFill>
                 <a:srgbClr val="000000"/>
               </a:solidFill>
@@ -1746,11 +1928,12 @@
           </a:prstGeom>
         </p:spPr>
         <p:txBody>
-          <a:bodyPr lIns="0" rIns="0" tIns="0" bIns="0">
+          <a:bodyPr lIns="0" tIns="0" rIns="0" bIns="0">
             <a:normAutofit/>
           </a:bodyPr>
-          <a:p>
-            <a:endParaRPr b="0" lang="en-US" sz="1400" spc="-1" strike="noStrike">
+          <a:lstStyle/>
+          <a:p>
+            <a:endParaRPr lang="en-US" sz="1400" b="0" strike="noStrike" spc="-1">
               <a:solidFill>
                 <a:srgbClr val="000000"/>
               </a:solidFill>
@@ -1779,11 +1962,12 @@
           </a:prstGeom>
         </p:spPr>
         <p:txBody>
-          <a:bodyPr lIns="0" rIns="0" tIns="0" bIns="0">
+          <a:bodyPr lIns="0" tIns="0" rIns="0" bIns="0">
             <a:normAutofit/>
           </a:bodyPr>
-          <a:p>
-            <a:endParaRPr b="0" lang="en-US" sz="1400" spc="-1" strike="noStrike">
+          <a:lstStyle/>
+          <a:p>
+            <a:endParaRPr lang="en-US" sz="1400" b="0" strike="noStrike" spc="-1">
               <a:solidFill>
                 <a:srgbClr val="000000"/>
               </a:solidFill>
@@ -1812,11 +1996,12 @@
           </a:prstGeom>
         </p:spPr>
         <p:txBody>
-          <a:bodyPr lIns="0" rIns="0" tIns="0" bIns="0">
+          <a:bodyPr lIns="0" tIns="0" rIns="0" bIns="0">
             <a:normAutofit/>
           </a:bodyPr>
-          <a:p>
-            <a:endParaRPr b="0" lang="en-US" sz="1400" spc="-1" strike="noStrike">
+          <a:lstStyle/>
+          <a:p>
+            <a:endParaRPr lang="en-US" sz="1400" b="0" strike="noStrike" spc="-1">
               <a:solidFill>
                 <a:srgbClr val="000000"/>
               </a:solidFill>
@@ -1845,11 +2030,12 @@
           </a:prstGeom>
         </p:spPr>
         <p:txBody>
-          <a:bodyPr lIns="0" rIns="0" tIns="0" bIns="0">
+          <a:bodyPr lIns="0" tIns="0" rIns="0" bIns="0">
             <a:normAutofit/>
           </a:bodyPr>
-          <a:p>
-            <a:endParaRPr b="0" lang="en-US" sz="1400" spc="-1" strike="noStrike">
+          <a:lstStyle/>
+          <a:p>
+            <a:endParaRPr lang="en-US" sz="1400" b="0" strike="noStrike" spc="-1">
               <a:solidFill>
                 <a:srgbClr val="000000"/>
               </a:solidFill>
@@ -1860,11 +2046,14 @@
       </p:sp>
     </p:spTree>
   </p:cSld>
+  <p:clrMapOvr>
+    <a:masterClrMapping/>
+  </p:clrMapOvr>
 </p:sldLayout>
 </file>
 
 <file path=ppt/slideLayouts/slideLayout24.xml><?xml version="1.0" encoding="utf-8"?>
-<p:sldLayout xmlns:a="http://schemas.openxmlformats.org/drawingml/2006/main" xmlns:p="http://schemas.openxmlformats.org/presentationml/2006/main" xmlns:r="http://schemas.openxmlformats.org/officeDocument/2006/relationships" xmlns:p14="http://schemas.microsoft.com/office/powerpoint/2010/main" xmlns:p15="http://schemas.microsoft.com/office/powerpoint/2012/main" xmlns:mc="http://schemas.openxmlformats.org/markup-compatibility/2006" type="blank" preserve="1">
+<p:sldLayout xmlns:a="http://schemas.openxmlformats.org/drawingml/2006/main" xmlns:r="http://schemas.openxmlformats.org/officeDocument/2006/relationships" xmlns:p="http://schemas.openxmlformats.org/presentationml/2006/main" type="blank" preserve="1">
   <p:cSld name="Title, 6 Content">
     <p:spTree>
       <p:nvGrpSpPr>
@@ -1900,9 +2089,10 @@
           </a:prstGeom>
         </p:spPr>
         <p:txBody>
-          <a:bodyPr lIns="0" rIns="0" tIns="0" bIns="0" anchor="ctr"/>
-          <a:p>
-            <a:endParaRPr b="0" lang="en-US" sz="1400" spc="-1" strike="noStrike">
+          <a:bodyPr lIns="0" tIns="0" rIns="0" bIns="0" anchor="ctr"/>
+          <a:lstStyle/>
+          <a:p>
+            <a:endParaRPr lang="en-US" sz="1400" b="0" strike="noStrike" spc="-1">
               <a:solidFill>
                 <a:srgbClr val="000000"/>
               </a:solidFill>
@@ -1931,11 +2121,12 @@
           </a:prstGeom>
         </p:spPr>
         <p:txBody>
-          <a:bodyPr lIns="0" rIns="0" tIns="0" bIns="0">
+          <a:bodyPr lIns="0" tIns="0" rIns="0" bIns="0">
             <a:normAutofit/>
           </a:bodyPr>
-          <a:p>
-            <a:endParaRPr b="0" lang="en-US" sz="1400" spc="-1" strike="noStrike">
+          <a:lstStyle/>
+          <a:p>
+            <a:endParaRPr lang="en-US" sz="1400" b="0" strike="noStrike" spc="-1">
               <a:solidFill>
                 <a:srgbClr val="000000"/>
               </a:solidFill>
@@ -1964,11 +2155,12 @@
           </a:prstGeom>
         </p:spPr>
         <p:txBody>
-          <a:bodyPr lIns="0" rIns="0" tIns="0" bIns="0">
+          <a:bodyPr lIns="0" tIns="0" rIns="0" bIns="0">
             <a:normAutofit/>
           </a:bodyPr>
-          <a:p>
-            <a:endParaRPr b="0" lang="en-US" sz="1400" spc="-1" strike="noStrike">
+          <a:lstStyle/>
+          <a:p>
+            <a:endParaRPr lang="en-US" sz="1400" b="0" strike="noStrike" spc="-1">
               <a:solidFill>
                 <a:srgbClr val="000000"/>
               </a:solidFill>
@@ -1997,11 +2189,12 @@
           </a:prstGeom>
         </p:spPr>
         <p:txBody>
-          <a:bodyPr lIns="0" rIns="0" tIns="0" bIns="0">
+          <a:bodyPr lIns="0" tIns="0" rIns="0" bIns="0">
             <a:normAutofit/>
           </a:bodyPr>
-          <a:p>
-            <a:endParaRPr b="0" lang="en-US" sz="1400" spc="-1" strike="noStrike">
+          <a:lstStyle/>
+          <a:p>
+            <a:endParaRPr lang="en-US" sz="1400" b="0" strike="noStrike" spc="-1">
               <a:solidFill>
                 <a:srgbClr val="000000"/>
               </a:solidFill>
@@ -2030,11 +2223,12 @@
           </a:prstGeom>
         </p:spPr>
         <p:txBody>
-          <a:bodyPr lIns="0" rIns="0" tIns="0" bIns="0">
+          <a:bodyPr lIns="0" tIns="0" rIns="0" bIns="0">
             <a:normAutofit/>
           </a:bodyPr>
-          <a:p>
-            <a:endParaRPr b="0" lang="en-US" sz="1400" spc="-1" strike="noStrike">
+          <a:lstStyle/>
+          <a:p>
+            <a:endParaRPr lang="en-US" sz="1400" b="0" strike="noStrike" spc="-1">
               <a:solidFill>
                 <a:srgbClr val="000000"/>
               </a:solidFill>
@@ -2063,11 +2257,12 @@
           </a:prstGeom>
         </p:spPr>
         <p:txBody>
-          <a:bodyPr lIns="0" rIns="0" tIns="0" bIns="0">
+          <a:bodyPr lIns="0" tIns="0" rIns="0" bIns="0">
             <a:normAutofit/>
           </a:bodyPr>
-          <a:p>
-            <a:endParaRPr b="0" lang="en-US" sz="1400" spc="-1" strike="noStrike">
+          <a:lstStyle/>
+          <a:p>
+            <a:endParaRPr lang="en-US" sz="1400" b="0" strike="noStrike" spc="-1">
               <a:solidFill>
                 <a:srgbClr val="000000"/>
               </a:solidFill>
@@ -2096,11 +2291,12 @@
           </a:prstGeom>
         </p:spPr>
         <p:txBody>
-          <a:bodyPr lIns="0" rIns="0" tIns="0" bIns="0">
+          <a:bodyPr lIns="0" tIns="0" rIns="0" bIns="0">
             <a:normAutofit/>
           </a:bodyPr>
-          <a:p>
-            <a:endParaRPr b="0" lang="en-US" sz="1400" spc="-1" strike="noStrike">
+          <a:lstStyle/>
+          <a:p>
+            <a:endParaRPr lang="en-US" sz="1400" b="0" strike="noStrike" spc="-1">
               <a:solidFill>
                 <a:srgbClr val="000000"/>
               </a:solidFill>
@@ -2111,11 +2307,14 @@
       </p:sp>
     </p:spTree>
   </p:cSld>
+  <p:clrMapOvr>
+    <a:masterClrMapping/>
+  </p:clrMapOvr>
 </p:sldLayout>
 </file>
 
 <file path=ppt/slideLayouts/slideLayout25.xml><?xml version="1.0" encoding="utf-8"?>
-<p:sldLayout xmlns:a="http://schemas.openxmlformats.org/drawingml/2006/main" xmlns:p="http://schemas.openxmlformats.org/presentationml/2006/main" xmlns:r="http://schemas.openxmlformats.org/officeDocument/2006/relationships" xmlns:p14="http://schemas.microsoft.com/office/powerpoint/2010/main" xmlns:p15="http://schemas.microsoft.com/office/powerpoint/2012/main" xmlns:mc="http://schemas.openxmlformats.org/markup-compatibility/2006" type="blank" preserve="1">
+<p:sldLayout xmlns:a="http://schemas.openxmlformats.org/drawingml/2006/main" xmlns:r="http://schemas.openxmlformats.org/officeDocument/2006/relationships" xmlns:p="http://schemas.openxmlformats.org/presentationml/2006/main" type="blank" preserve="1">
   <p:cSld name="Blank Slide">
     <p:spTree>
       <p:nvGrpSpPr>
@@ -2133,11 +2332,14 @@
       </p:grpSpPr>
     </p:spTree>
   </p:cSld>
+  <p:clrMapOvr>
+    <a:masterClrMapping/>
+  </p:clrMapOvr>
 </p:sldLayout>
 </file>
 
 <file path=ppt/slideLayouts/slideLayout26.xml><?xml version="1.0" encoding="utf-8"?>
-<p:sldLayout xmlns:a="http://schemas.openxmlformats.org/drawingml/2006/main" xmlns:p="http://schemas.openxmlformats.org/presentationml/2006/main" xmlns:r="http://schemas.openxmlformats.org/officeDocument/2006/relationships" xmlns:p14="http://schemas.microsoft.com/office/powerpoint/2010/main" xmlns:p15="http://schemas.microsoft.com/office/powerpoint/2012/main" xmlns:mc="http://schemas.openxmlformats.org/markup-compatibility/2006" type="tx" preserve="1">
+<p:sldLayout xmlns:a="http://schemas.openxmlformats.org/drawingml/2006/main" xmlns:r="http://schemas.openxmlformats.org/officeDocument/2006/relationships" xmlns:p="http://schemas.openxmlformats.org/presentationml/2006/main" type="tx" preserve="1">
   <p:cSld name="Title Slide">
     <p:spTree>
       <p:nvGrpSpPr>
@@ -2173,9 +2375,10 @@
           </a:prstGeom>
         </p:spPr>
         <p:txBody>
-          <a:bodyPr lIns="0" rIns="0" tIns="0" bIns="0" anchor="ctr"/>
-          <a:p>
-            <a:endParaRPr b="0" lang="en-US" sz="1400" spc="-1" strike="noStrike">
+          <a:bodyPr lIns="0" tIns="0" rIns="0" bIns="0" anchor="ctr"/>
+          <a:lstStyle/>
+          <a:p>
+            <a:endParaRPr lang="en-US" sz="1400" b="0" strike="noStrike" spc="-1">
               <a:solidFill>
                 <a:srgbClr val="000000"/>
               </a:solidFill>
@@ -2204,10 +2407,11 @@
           </a:prstGeom>
         </p:spPr>
         <p:txBody>
-          <a:bodyPr lIns="0" rIns="0" tIns="0" bIns="0" anchor="ctr"/>
+          <a:bodyPr lIns="0" tIns="0" rIns="0" bIns="0" anchor="ctr"/>
+          <a:lstStyle/>
           <a:p>
             <a:pPr algn="ctr"/>
-            <a:endParaRPr b="0" lang="en-US" sz="3200" spc="-1" strike="noStrike">
+            <a:endParaRPr lang="en-US" sz="3200" b="0" strike="noStrike" spc="-1">
               <a:latin typeface="Arial"/>
             </a:endParaRPr>
           </a:p>
@@ -2215,11 +2419,14 @@
       </p:sp>
     </p:spTree>
   </p:cSld>
+  <p:clrMapOvr>
+    <a:masterClrMapping/>
+  </p:clrMapOvr>
 </p:sldLayout>
 </file>
 
 <file path=ppt/slideLayouts/slideLayout27.xml><?xml version="1.0" encoding="utf-8"?>
-<p:sldLayout xmlns:a="http://schemas.openxmlformats.org/drawingml/2006/main" xmlns:p="http://schemas.openxmlformats.org/presentationml/2006/main" xmlns:r="http://schemas.openxmlformats.org/officeDocument/2006/relationships" xmlns:p14="http://schemas.microsoft.com/office/powerpoint/2010/main" xmlns:p15="http://schemas.microsoft.com/office/powerpoint/2012/main" xmlns:mc="http://schemas.openxmlformats.org/markup-compatibility/2006" type="obj" preserve="1">
+<p:sldLayout xmlns:a="http://schemas.openxmlformats.org/drawingml/2006/main" xmlns:r="http://schemas.openxmlformats.org/officeDocument/2006/relationships" xmlns:p="http://schemas.openxmlformats.org/presentationml/2006/main" type="obj" preserve="1">
   <p:cSld name="Title, Content">
     <p:spTree>
       <p:nvGrpSpPr>
@@ -2255,9 +2462,10 @@
           </a:prstGeom>
         </p:spPr>
         <p:txBody>
-          <a:bodyPr lIns="0" rIns="0" tIns="0" bIns="0" anchor="ctr"/>
-          <a:p>
-            <a:endParaRPr b="0" lang="en-US" sz="1400" spc="-1" strike="noStrike">
+          <a:bodyPr lIns="0" tIns="0" rIns="0" bIns="0" anchor="ctr"/>
+          <a:lstStyle/>
+          <a:p>
+            <a:endParaRPr lang="en-US" sz="1400" b="0" strike="noStrike" spc="-1">
               <a:solidFill>
                 <a:srgbClr val="000000"/>
               </a:solidFill>
@@ -2286,11 +2494,12 @@
           </a:prstGeom>
         </p:spPr>
         <p:txBody>
-          <a:bodyPr lIns="0" rIns="0" tIns="0" bIns="0">
+          <a:bodyPr lIns="0" tIns="0" rIns="0" bIns="0">
             <a:normAutofit/>
           </a:bodyPr>
-          <a:p>
-            <a:endParaRPr b="0" lang="en-US" sz="1400" spc="-1" strike="noStrike">
+          <a:lstStyle/>
+          <a:p>
+            <a:endParaRPr lang="en-US" sz="1400" b="0" strike="noStrike" spc="-1">
               <a:solidFill>
                 <a:srgbClr val="000000"/>
               </a:solidFill>
@@ -2301,11 +2510,14 @@
       </p:sp>
     </p:spTree>
   </p:cSld>
+  <p:clrMapOvr>
+    <a:masterClrMapping/>
+  </p:clrMapOvr>
 </p:sldLayout>
 </file>
 
 <file path=ppt/slideLayouts/slideLayout28.xml><?xml version="1.0" encoding="utf-8"?>
-<p:sldLayout xmlns:a="http://schemas.openxmlformats.org/drawingml/2006/main" xmlns:p="http://schemas.openxmlformats.org/presentationml/2006/main" xmlns:r="http://schemas.openxmlformats.org/officeDocument/2006/relationships" xmlns:p14="http://schemas.microsoft.com/office/powerpoint/2010/main" xmlns:p15="http://schemas.microsoft.com/office/powerpoint/2012/main" xmlns:mc="http://schemas.openxmlformats.org/markup-compatibility/2006" type="twoObj" preserve="1">
+<p:sldLayout xmlns:a="http://schemas.openxmlformats.org/drawingml/2006/main" xmlns:r="http://schemas.openxmlformats.org/officeDocument/2006/relationships" xmlns:p="http://schemas.openxmlformats.org/presentationml/2006/main" type="twoObj" preserve="1">
   <p:cSld name="Title, 2 Content">
     <p:spTree>
       <p:nvGrpSpPr>
@@ -2341,9 +2553,10 @@
           </a:prstGeom>
         </p:spPr>
         <p:txBody>
-          <a:bodyPr lIns="0" rIns="0" tIns="0" bIns="0" anchor="ctr"/>
-          <a:p>
-            <a:endParaRPr b="0" lang="en-US" sz="1400" spc="-1" strike="noStrike">
+          <a:bodyPr lIns="0" tIns="0" rIns="0" bIns="0" anchor="ctr"/>
+          <a:lstStyle/>
+          <a:p>
+            <a:endParaRPr lang="en-US" sz="1400" b="0" strike="noStrike" spc="-1">
               <a:solidFill>
                 <a:srgbClr val="000000"/>
               </a:solidFill>
@@ -2372,11 +2585,12 @@
           </a:prstGeom>
         </p:spPr>
         <p:txBody>
-          <a:bodyPr lIns="0" rIns="0" tIns="0" bIns="0">
+          <a:bodyPr lIns="0" tIns="0" rIns="0" bIns="0">
             <a:normAutofit/>
           </a:bodyPr>
-          <a:p>
-            <a:endParaRPr b="0" lang="en-US" sz="1400" spc="-1" strike="noStrike">
+          <a:lstStyle/>
+          <a:p>
+            <a:endParaRPr lang="en-US" sz="1400" b="0" strike="noStrike" spc="-1">
               <a:solidFill>
                 <a:srgbClr val="000000"/>
               </a:solidFill>
@@ -2405,11 +2619,12 @@
           </a:prstGeom>
         </p:spPr>
         <p:txBody>
-          <a:bodyPr lIns="0" rIns="0" tIns="0" bIns="0">
+          <a:bodyPr lIns="0" tIns="0" rIns="0" bIns="0">
             <a:normAutofit/>
           </a:bodyPr>
-          <a:p>
-            <a:endParaRPr b="0" lang="en-US" sz="1400" spc="-1" strike="noStrike">
+          <a:lstStyle/>
+          <a:p>
+            <a:endParaRPr lang="en-US" sz="1400" b="0" strike="noStrike" spc="-1">
               <a:solidFill>
                 <a:srgbClr val="000000"/>
               </a:solidFill>
@@ -2420,11 +2635,14 @@
       </p:sp>
     </p:spTree>
   </p:cSld>
+  <p:clrMapOvr>
+    <a:masterClrMapping/>
+  </p:clrMapOvr>
 </p:sldLayout>
 </file>
 
 <file path=ppt/slideLayouts/slideLayout29.xml><?xml version="1.0" encoding="utf-8"?>
-<p:sldLayout xmlns:a="http://schemas.openxmlformats.org/drawingml/2006/main" xmlns:p="http://schemas.openxmlformats.org/presentationml/2006/main" xmlns:r="http://schemas.openxmlformats.org/officeDocument/2006/relationships" xmlns:p14="http://schemas.microsoft.com/office/powerpoint/2010/main" xmlns:p15="http://schemas.microsoft.com/office/powerpoint/2012/main" xmlns:mc="http://schemas.openxmlformats.org/markup-compatibility/2006" type="titleOnly" preserve="1">
+<p:sldLayout xmlns:a="http://schemas.openxmlformats.org/drawingml/2006/main" xmlns:r="http://schemas.openxmlformats.org/officeDocument/2006/relationships" xmlns:p="http://schemas.openxmlformats.org/presentationml/2006/main" type="titleOnly" preserve="1">
   <p:cSld name="Title Only">
     <p:spTree>
       <p:nvGrpSpPr>
@@ -2460,9 +2678,10 @@
           </a:prstGeom>
         </p:spPr>
         <p:txBody>
-          <a:bodyPr lIns="0" rIns="0" tIns="0" bIns="0" anchor="ctr"/>
-          <a:p>
-            <a:endParaRPr b="0" lang="en-US" sz="1400" spc="-1" strike="noStrike">
+          <a:bodyPr lIns="0" tIns="0" rIns="0" bIns="0" anchor="ctr"/>
+          <a:lstStyle/>
+          <a:p>
+            <a:endParaRPr lang="en-US" sz="1400" b="0" strike="noStrike" spc="-1">
               <a:solidFill>
                 <a:srgbClr val="000000"/>
               </a:solidFill>
@@ -2473,11 +2692,14 @@
       </p:sp>
     </p:spTree>
   </p:cSld>
+  <p:clrMapOvr>
+    <a:masterClrMapping/>
+  </p:clrMapOvr>
 </p:sldLayout>
 </file>
 
 <file path=ppt/slideLayouts/slideLayout3.xml><?xml version="1.0" encoding="utf-8"?>
-<p:sldLayout xmlns:a="http://schemas.openxmlformats.org/drawingml/2006/main" xmlns:p="http://schemas.openxmlformats.org/presentationml/2006/main" xmlns:r="http://schemas.openxmlformats.org/officeDocument/2006/relationships" xmlns:p14="http://schemas.microsoft.com/office/powerpoint/2010/main" xmlns:p15="http://schemas.microsoft.com/office/powerpoint/2012/main" xmlns:mc="http://schemas.openxmlformats.org/markup-compatibility/2006" type="obj" preserve="1">
+<p:sldLayout xmlns:a="http://schemas.openxmlformats.org/drawingml/2006/main" xmlns:r="http://schemas.openxmlformats.org/officeDocument/2006/relationships" xmlns:p="http://schemas.openxmlformats.org/presentationml/2006/main" type="obj" preserve="1">
   <p:cSld name="Title, Content">
     <p:spTree>
       <p:nvGrpSpPr>
@@ -2513,9 +2735,10 @@
           </a:prstGeom>
         </p:spPr>
         <p:txBody>
-          <a:bodyPr lIns="0" rIns="0" tIns="0" bIns="0" anchor="ctr"/>
-          <a:p>
-            <a:endParaRPr b="0" lang="en-US" sz="1400" spc="-1" strike="noStrike">
+          <a:bodyPr lIns="0" tIns="0" rIns="0" bIns="0" anchor="ctr"/>
+          <a:lstStyle/>
+          <a:p>
+            <a:endParaRPr lang="en-US" sz="1400" b="0" strike="noStrike" spc="-1">
               <a:solidFill>
                 <a:srgbClr val="000000"/>
               </a:solidFill>
@@ -2544,11 +2767,12 @@
           </a:prstGeom>
         </p:spPr>
         <p:txBody>
-          <a:bodyPr lIns="0" rIns="0" tIns="0" bIns="0">
+          <a:bodyPr lIns="0" tIns="0" rIns="0" bIns="0">
             <a:normAutofit/>
           </a:bodyPr>
-          <a:p>
-            <a:endParaRPr b="0" lang="en-US" sz="1400" spc="-1" strike="noStrike">
+          <a:lstStyle/>
+          <a:p>
+            <a:endParaRPr lang="en-US" sz="1400" b="0" strike="noStrike" spc="-1">
               <a:solidFill>
                 <a:srgbClr val="000000"/>
               </a:solidFill>
@@ -2559,11 +2783,14 @@
       </p:sp>
     </p:spTree>
   </p:cSld>
+  <p:clrMapOvr>
+    <a:masterClrMapping/>
+  </p:clrMapOvr>
 </p:sldLayout>
 </file>
 
 <file path=ppt/slideLayouts/slideLayout30.xml><?xml version="1.0" encoding="utf-8"?>
-<p:sldLayout xmlns:a="http://schemas.openxmlformats.org/drawingml/2006/main" xmlns:p="http://schemas.openxmlformats.org/presentationml/2006/main" xmlns:r="http://schemas.openxmlformats.org/officeDocument/2006/relationships" xmlns:p14="http://schemas.microsoft.com/office/powerpoint/2010/main" xmlns:p15="http://schemas.microsoft.com/office/powerpoint/2012/main" xmlns:mc="http://schemas.openxmlformats.org/markup-compatibility/2006" type="objOnly" preserve="1">
+<p:sldLayout xmlns:a="http://schemas.openxmlformats.org/drawingml/2006/main" xmlns:r="http://schemas.openxmlformats.org/officeDocument/2006/relationships" xmlns:p="http://schemas.openxmlformats.org/presentationml/2006/main" type="objOnly" preserve="1">
   <p:cSld name="Centered Text">
     <p:spTree>
       <p:nvGrpSpPr>
@@ -2599,10 +2826,11 @@
           </a:prstGeom>
         </p:spPr>
         <p:txBody>
-          <a:bodyPr lIns="0" rIns="0" tIns="0" bIns="0" anchor="ctr"/>
+          <a:bodyPr lIns="0" tIns="0" rIns="0" bIns="0" anchor="ctr"/>
+          <a:lstStyle/>
           <a:p>
             <a:pPr algn="ctr"/>
-            <a:endParaRPr b="0" lang="en-US" sz="3200" spc="-1" strike="noStrike">
+            <a:endParaRPr lang="en-US" sz="3200" b="0" strike="noStrike" spc="-1">
               <a:latin typeface="Arial"/>
             </a:endParaRPr>
           </a:p>
@@ -2610,11 +2838,14 @@
       </p:sp>
     </p:spTree>
   </p:cSld>
+  <p:clrMapOvr>
+    <a:masterClrMapping/>
+  </p:clrMapOvr>
 </p:sldLayout>
 </file>
 
 <file path=ppt/slideLayouts/slideLayout31.xml><?xml version="1.0" encoding="utf-8"?>
-<p:sldLayout xmlns:a="http://schemas.openxmlformats.org/drawingml/2006/main" xmlns:p="http://schemas.openxmlformats.org/presentationml/2006/main" xmlns:r="http://schemas.openxmlformats.org/officeDocument/2006/relationships" xmlns:p14="http://schemas.microsoft.com/office/powerpoint/2010/main" xmlns:p15="http://schemas.microsoft.com/office/powerpoint/2012/main" xmlns:mc="http://schemas.openxmlformats.org/markup-compatibility/2006" type="twoObjAndObj" preserve="1">
+<p:sldLayout xmlns:a="http://schemas.openxmlformats.org/drawingml/2006/main" xmlns:r="http://schemas.openxmlformats.org/officeDocument/2006/relationships" xmlns:p="http://schemas.openxmlformats.org/presentationml/2006/main" type="twoObjAndObj" preserve="1">
   <p:cSld name="Title, 2 Content and Content">
     <p:spTree>
       <p:nvGrpSpPr>
@@ -2650,9 +2881,10 @@
           </a:prstGeom>
         </p:spPr>
         <p:txBody>
-          <a:bodyPr lIns="0" rIns="0" tIns="0" bIns="0" anchor="ctr"/>
-          <a:p>
-            <a:endParaRPr b="0" lang="en-US" sz="1400" spc="-1" strike="noStrike">
+          <a:bodyPr lIns="0" tIns="0" rIns="0" bIns="0" anchor="ctr"/>
+          <a:lstStyle/>
+          <a:p>
+            <a:endParaRPr lang="en-US" sz="1400" b="0" strike="noStrike" spc="-1">
               <a:solidFill>
                 <a:srgbClr val="000000"/>
               </a:solidFill>
@@ -2681,11 +2913,12 @@
           </a:prstGeom>
         </p:spPr>
         <p:txBody>
-          <a:bodyPr lIns="0" rIns="0" tIns="0" bIns="0">
+          <a:bodyPr lIns="0" tIns="0" rIns="0" bIns="0">
             <a:normAutofit/>
           </a:bodyPr>
-          <a:p>
-            <a:endParaRPr b="0" lang="en-US" sz="1400" spc="-1" strike="noStrike">
+          <a:lstStyle/>
+          <a:p>
+            <a:endParaRPr lang="en-US" sz="1400" b="0" strike="noStrike" spc="-1">
               <a:solidFill>
                 <a:srgbClr val="000000"/>
               </a:solidFill>
@@ -2714,11 +2947,12 @@
           </a:prstGeom>
         </p:spPr>
         <p:txBody>
-          <a:bodyPr lIns="0" rIns="0" tIns="0" bIns="0">
+          <a:bodyPr lIns="0" tIns="0" rIns="0" bIns="0">
             <a:normAutofit/>
           </a:bodyPr>
-          <a:p>
-            <a:endParaRPr b="0" lang="en-US" sz="1400" spc="-1" strike="noStrike">
+          <a:lstStyle/>
+          <a:p>
+            <a:endParaRPr lang="en-US" sz="1400" b="0" strike="noStrike" spc="-1">
               <a:solidFill>
                 <a:srgbClr val="000000"/>
               </a:solidFill>
@@ -2747,11 +2981,12 @@
           </a:prstGeom>
         </p:spPr>
         <p:txBody>
-          <a:bodyPr lIns="0" rIns="0" tIns="0" bIns="0">
+          <a:bodyPr lIns="0" tIns="0" rIns="0" bIns="0">
             <a:normAutofit/>
           </a:bodyPr>
-          <a:p>
-            <a:endParaRPr b="0" lang="en-US" sz="1400" spc="-1" strike="noStrike">
+          <a:lstStyle/>
+          <a:p>
+            <a:endParaRPr lang="en-US" sz="1400" b="0" strike="noStrike" spc="-1">
               <a:solidFill>
                 <a:srgbClr val="000000"/>
               </a:solidFill>
@@ -2762,11 +2997,14 @@
       </p:sp>
     </p:spTree>
   </p:cSld>
+  <p:clrMapOvr>
+    <a:masterClrMapping/>
+  </p:clrMapOvr>
 </p:sldLayout>
 </file>
 
 <file path=ppt/slideLayouts/slideLayout32.xml><?xml version="1.0" encoding="utf-8"?>
-<p:sldLayout xmlns:a="http://schemas.openxmlformats.org/drawingml/2006/main" xmlns:p="http://schemas.openxmlformats.org/presentationml/2006/main" xmlns:r="http://schemas.openxmlformats.org/officeDocument/2006/relationships" xmlns:p14="http://schemas.microsoft.com/office/powerpoint/2010/main" xmlns:p15="http://schemas.microsoft.com/office/powerpoint/2012/main" xmlns:mc="http://schemas.openxmlformats.org/markup-compatibility/2006" type="objAndTwoObj" preserve="1">
+<p:sldLayout xmlns:a="http://schemas.openxmlformats.org/drawingml/2006/main" xmlns:r="http://schemas.openxmlformats.org/officeDocument/2006/relationships" xmlns:p="http://schemas.openxmlformats.org/presentationml/2006/main" type="objAndTwoObj" preserve="1">
   <p:cSld name="Title Content and 2 Content">
     <p:spTree>
       <p:nvGrpSpPr>
@@ -2802,9 +3040,10 @@
           </a:prstGeom>
         </p:spPr>
         <p:txBody>
-          <a:bodyPr lIns="0" rIns="0" tIns="0" bIns="0" anchor="ctr"/>
-          <a:p>
-            <a:endParaRPr b="0" lang="en-US" sz="1400" spc="-1" strike="noStrike">
+          <a:bodyPr lIns="0" tIns="0" rIns="0" bIns="0" anchor="ctr"/>
+          <a:lstStyle/>
+          <a:p>
+            <a:endParaRPr lang="en-US" sz="1400" b="0" strike="noStrike" spc="-1">
               <a:solidFill>
                 <a:srgbClr val="000000"/>
               </a:solidFill>
@@ -2833,11 +3072,12 @@
           </a:prstGeom>
         </p:spPr>
         <p:txBody>
-          <a:bodyPr lIns="0" rIns="0" tIns="0" bIns="0">
+          <a:bodyPr lIns="0" tIns="0" rIns="0" bIns="0">
             <a:normAutofit/>
           </a:bodyPr>
-          <a:p>
-            <a:endParaRPr b="0" lang="en-US" sz="1400" spc="-1" strike="noStrike">
+          <a:lstStyle/>
+          <a:p>
+            <a:endParaRPr lang="en-US" sz="1400" b="0" strike="noStrike" spc="-1">
               <a:solidFill>
                 <a:srgbClr val="000000"/>
               </a:solidFill>
@@ -2866,11 +3106,12 @@
           </a:prstGeom>
         </p:spPr>
         <p:txBody>
-          <a:bodyPr lIns="0" rIns="0" tIns="0" bIns="0">
+          <a:bodyPr lIns="0" tIns="0" rIns="0" bIns="0">
             <a:normAutofit/>
           </a:bodyPr>
-          <a:p>
-            <a:endParaRPr b="0" lang="en-US" sz="1400" spc="-1" strike="noStrike">
+          <a:lstStyle/>
+          <a:p>
+            <a:endParaRPr lang="en-US" sz="1400" b="0" strike="noStrike" spc="-1">
               <a:solidFill>
                 <a:srgbClr val="000000"/>
               </a:solidFill>
@@ -2899,11 +3140,12 @@
           </a:prstGeom>
         </p:spPr>
         <p:txBody>
-          <a:bodyPr lIns="0" rIns="0" tIns="0" bIns="0">
+          <a:bodyPr lIns="0" tIns="0" rIns="0" bIns="0">
             <a:normAutofit/>
           </a:bodyPr>
-          <a:p>
-            <a:endParaRPr b="0" lang="en-US" sz="1400" spc="-1" strike="noStrike">
+          <a:lstStyle/>
+          <a:p>
+            <a:endParaRPr lang="en-US" sz="1400" b="0" strike="noStrike" spc="-1">
               <a:solidFill>
                 <a:srgbClr val="000000"/>
               </a:solidFill>
@@ -2914,11 +3156,14 @@
       </p:sp>
     </p:spTree>
   </p:cSld>
+  <p:clrMapOvr>
+    <a:masterClrMapping/>
+  </p:clrMapOvr>
 </p:sldLayout>
 </file>
 
 <file path=ppt/slideLayouts/slideLayout33.xml><?xml version="1.0" encoding="utf-8"?>
-<p:sldLayout xmlns:a="http://schemas.openxmlformats.org/drawingml/2006/main" xmlns:p="http://schemas.openxmlformats.org/presentationml/2006/main" xmlns:r="http://schemas.openxmlformats.org/officeDocument/2006/relationships" xmlns:p14="http://schemas.microsoft.com/office/powerpoint/2010/main" xmlns:p15="http://schemas.microsoft.com/office/powerpoint/2012/main" xmlns:mc="http://schemas.openxmlformats.org/markup-compatibility/2006" type="twoObjOverTx" preserve="1">
+<p:sldLayout xmlns:a="http://schemas.openxmlformats.org/drawingml/2006/main" xmlns:r="http://schemas.openxmlformats.org/officeDocument/2006/relationships" xmlns:p="http://schemas.openxmlformats.org/presentationml/2006/main" type="twoObjOverTx" preserve="1">
   <p:cSld name="Title, 2 Content over Content">
     <p:spTree>
       <p:nvGrpSpPr>
@@ -2954,9 +3199,10 @@
           </a:prstGeom>
         </p:spPr>
         <p:txBody>
-          <a:bodyPr lIns="0" rIns="0" tIns="0" bIns="0" anchor="ctr"/>
-          <a:p>
-            <a:endParaRPr b="0" lang="en-US" sz="1400" spc="-1" strike="noStrike">
+          <a:bodyPr lIns="0" tIns="0" rIns="0" bIns="0" anchor="ctr"/>
+          <a:lstStyle/>
+          <a:p>
+            <a:endParaRPr lang="en-US" sz="1400" b="0" strike="noStrike" spc="-1">
               <a:solidFill>
                 <a:srgbClr val="000000"/>
               </a:solidFill>
@@ -2985,11 +3231,12 @@
           </a:prstGeom>
         </p:spPr>
         <p:txBody>
-          <a:bodyPr lIns="0" rIns="0" tIns="0" bIns="0">
+          <a:bodyPr lIns="0" tIns="0" rIns="0" bIns="0">
             <a:normAutofit/>
           </a:bodyPr>
-          <a:p>
-            <a:endParaRPr b="0" lang="en-US" sz="1400" spc="-1" strike="noStrike">
+          <a:lstStyle/>
+          <a:p>
+            <a:endParaRPr lang="en-US" sz="1400" b="0" strike="noStrike" spc="-1">
               <a:solidFill>
                 <a:srgbClr val="000000"/>
               </a:solidFill>
@@ -3018,11 +3265,12 @@
           </a:prstGeom>
         </p:spPr>
         <p:txBody>
-          <a:bodyPr lIns="0" rIns="0" tIns="0" bIns="0">
+          <a:bodyPr lIns="0" tIns="0" rIns="0" bIns="0">
             <a:normAutofit/>
           </a:bodyPr>
-          <a:p>
-            <a:endParaRPr b="0" lang="en-US" sz="1400" spc="-1" strike="noStrike">
+          <a:lstStyle/>
+          <a:p>
+            <a:endParaRPr lang="en-US" sz="1400" b="0" strike="noStrike" spc="-1">
               <a:solidFill>
                 <a:srgbClr val="000000"/>
               </a:solidFill>
@@ -3051,11 +3299,12 @@
           </a:prstGeom>
         </p:spPr>
         <p:txBody>
-          <a:bodyPr lIns="0" rIns="0" tIns="0" bIns="0">
+          <a:bodyPr lIns="0" tIns="0" rIns="0" bIns="0">
             <a:normAutofit/>
           </a:bodyPr>
-          <a:p>
-            <a:endParaRPr b="0" lang="en-US" sz="1400" spc="-1" strike="noStrike">
+          <a:lstStyle/>
+          <a:p>
+            <a:endParaRPr lang="en-US" sz="1400" b="0" strike="noStrike" spc="-1">
               <a:solidFill>
                 <a:srgbClr val="000000"/>
               </a:solidFill>
@@ -3066,11 +3315,14 @@
       </p:sp>
     </p:spTree>
   </p:cSld>
+  <p:clrMapOvr>
+    <a:masterClrMapping/>
+  </p:clrMapOvr>
 </p:sldLayout>
 </file>
 
 <file path=ppt/slideLayouts/slideLayout34.xml><?xml version="1.0" encoding="utf-8"?>
-<p:sldLayout xmlns:a="http://schemas.openxmlformats.org/drawingml/2006/main" xmlns:p="http://schemas.openxmlformats.org/presentationml/2006/main" xmlns:r="http://schemas.openxmlformats.org/officeDocument/2006/relationships" xmlns:p14="http://schemas.microsoft.com/office/powerpoint/2010/main" xmlns:p15="http://schemas.microsoft.com/office/powerpoint/2012/main" xmlns:mc="http://schemas.openxmlformats.org/markup-compatibility/2006" type="objOverTx" preserve="1">
+<p:sldLayout xmlns:a="http://schemas.openxmlformats.org/drawingml/2006/main" xmlns:r="http://schemas.openxmlformats.org/officeDocument/2006/relationships" xmlns:p="http://schemas.openxmlformats.org/presentationml/2006/main" type="objOverTx" preserve="1">
   <p:cSld name="Title, Content over Content">
     <p:spTree>
       <p:nvGrpSpPr>
@@ -3106,9 +3358,10 @@
           </a:prstGeom>
         </p:spPr>
         <p:txBody>
-          <a:bodyPr lIns="0" rIns="0" tIns="0" bIns="0" anchor="ctr"/>
-          <a:p>
-            <a:endParaRPr b="0" lang="en-US" sz="1400" spc="-1" strike="noStrike">
+          <a:bodyPr lIns="0" tIns="0" rIns="0" bIns="0" anchor="ctr"/>
+          <a:lstStyle/>
+          <a:p>
+            <a:endParaRPr lang="en-US" sz="1400" b="0" strike="noStrike" spc="-1">
               <a:solidFill>
                 <a:srgbClr val="000000"/>
               </a:solidFill>
@@ -3137,11 +3390,12 @@
           </a:prstGeom>
         </p:spPr>
         <p:txBody>
-          <a:bodyPr lIns="0" rIns="0" tIns="0" bIns="0">
+          <a:bodyPr lIns="0" tIns="0" rIns="0" bIns="0">
             <a:normAutofit/>
           </a:bodyPr>
-          <a:p>
-            <a:endParaRPr b="0" lang="en-US" sz="1400" spc="-1" strike="noStrike">
+          <a:lstStyle/>
+          <a:p>
+            <a:endParaRPr lang="en-US" sz="1400" b="0" strike="noStrike" spc="-1">
               <a:solidFill>
                 <a:srgbClr val="000000"/>
               </a:solidFill>
@@ -3170,11 +3424,12 @@
           </a:prstGeom>
         </p:spPr>
         <p:txBody>
-          <a:bodyPr lIns="0" rIns="0" tIns="0" bIns="0">
+          <a:bodyPr lIns="0" tIns="0" rIns="0" bIns="0">
             <a:normAutofit/>
           </a:bodyPr>
-          <a:p>
-            <a:endParaRPr b="0" lang="en-US" sz="1400" spc="-1" strike="noStrike">
+          <a:lstStyle/>
+          <a:p>
+            <a:endParaRPr lang="en-US" sz="1400" b="0" strike="noStrike" spc="-1">
               <a:solidFill>
                 <a:srgbClr val="000000"/>
               </a:solidFill>
@@ -3185,11 +3440,14 @@
       </p:sp>
     </p:spTree>
   </p:cSld>
+  <p:clrMapOvr>
+    <a:masterClrMapping/>
+  </p:clrMapOvr>
 </p:sldLayout>
 </file>
 
 <file path=ppt/slideLayouts/slideLayout35.xml><?xml version="1.0" encoding="utf-8"?>
-<p:sldLayout xmlns:a="http://schemas.openxmlformats.org/drawingml/2006/main" xmlns:p="http://schemas.openxmlformats.org/presentationml/2006/main" xmlns:r="http://schemas.openxmlformats.org/officeDocument/2006/relationships" xmlns:p14="http://schemas.microsoft.com/office/powerpoint/2010/main" xmlns:p15="http://schemas.microsoft.com/office/powerpoint/2012/main" xmlns:mc="http://schemas.openxmlformats.org/markup-compatibility/2006" type="fourObj" preserve="1">
+<p:sldLayout xmlns:a="http://schemas.openxmlformats.org/drawingml/2006/main" xmlns:r="http://schemas.openxmlformats.org/officeDocument/2006/relationships" xmlns:p="http://schemas.openxmlformats.org/presentationml/2006/main" type="fourObj" preserve="1">
   <p:cSld name="Title, 4 Content">
     <p:spTree>
       <p:nvGrpSpPr>
@@ -3225,9 +3483,10 @@
           </a:prstGeom>
         </p:spPr>
         <p:txBody>
-          <a:bodyPr lIns="0" rIns="0" tIns="0" bIns="0" anchor="ctr"/>
-          <a:p>
-            <a:endParaRPr b="0" lang="en-US" sz="1400" spc="-1" strike="noStrike">
+          <a:bodyPr lIns="0" tIns="0" rIns="0" bIns="0" anchor="ctr"/>
+          <a:lstStyle/>
+          <a:p>
+            <a:endParaRPr lang="en-US" sz="1400" b="0" strike="noStrike" spc="-1">
               <a:solidFill>
                 <a:srgbClr val="000000"/>
               </a:solidFill>
@@ -3256,11 +3515,12 @@
           </a:prstGeom>
         </p:spPr>
         <p:txBody>
-          <a:bodyPr lIns="0" rIns="0" tIns="0" bIns="0">
+          <a:bodyPr lIns="0" tIns="0" rIns="0" bIns="0">
             <a:normAutofit/>
           </a:bodyPr>
-          <a:p>
-            <a:endParaRPr b="0" lang="en-US" sz="1400" spc="-1" strike="noStrike">
+          <a:lstStyle/>
+          <a:p>
+            <a:endParaRPr lang="en-US" sz="1400" b="0" strike="noStrike" spc="-1">
               <a:solidFill>
                 <a:srgbClr val="000000"/>
               </a:solidFill>
@@ -3289,11 +3549,12 @@
           </a:prstGeom>
         </p:spPr>
         <p:txBody>
-          <a:bodyPr lIns="0" rIns="0" tIns="0" bIns="0">
+          <a:bodyPr lIns="0" tIns="0" rIns="0" bIns="0">
             <a:normAutofit/>
           </a:bodyPr>
-          <a:p>
-            <a:endParaRPr b="0" lang="en-US" sz="1400" spc="-1" strike="noStrike">
+          <a:lstStyle/>
+          <a:p>
+            <a:endParaRPr lang="en-US" sz="1400" b="0" strike="noStrike" spc="-1">
               <a:solidFill>
                 <a:srgbClr val="000000"/>
               </a:solidFill>
@@ -3322,11 +3583,12 @@
           </a:prstGeom>
         </p:spPr>
         <p:txBody>
-          <a:bodyPr lIns="0" rIns="0" tIns="0" bIns="0">
+          <a:bodyPr lIns="0" tIns="0" rIns="0" bIns="0">
             <a:normAutofit/>
           </a:bodyPr>
-          <a:p>
-            <a:endParaRPr b="0" lang="en-US" sz="1400" spc="-1" strike="noStrike">
+          <a:lstStyle/>
+          <a:p>
+            <a:endParaRPr lang="en-US" sz="1400" b="0" strike="noStrike" spc="-1">
               <a:solidFill>
                 <a:srgbClr val="000000"/>
               </a:solidFill>
@@ -3355,11 +3617,12 @@
           </a:prstGeom>
         </p:spPr>
         <p:txBody>
-          <a:bodyPr lIns="0" rIns="0" tIns="0" bIns="0">
+          <a:bodyPr lIns="0" tIns="0" rIns="0" bIns="0">
             <a:normAutofit/>
           </a:bodyPr>
-          <a:p>
-            <a:endParaRPr b="0" lang="en-US" sz="1400" spc="-1" strike="noStrike">
+          <a:lstStyle/>
+          <a:p>
+            <a:endParaRPr lang="en-US" sz="1400" b="0" strike="noStrike" spc="-1">
               <a:solidFill>
                 <a:srgbClr val="000000"/>
               </a:solidFill>
@@ -3370,11 +3633,14 @@
       </p:sp>
     </p:spTree>
   </p:cSld>
+  <p:clrMapOvr>
+    <a:masterClrMapping/>
+  </p:clrMapOvr>
 </p:sldLayout>
 </file>
 
 <file path=ppt/slideLayouts/slideLayout36.xml><?xml version="1.0" encoding="utf-8"?>
-<p:sldLayout xmlns:a="http://schemas.openxmlformats.org/drawingml/2006/main" xmlns:p="http://schemas.openxmlformats.org/presentationml/2006/main" xmlns:r="http://schemas.openxmlformats.org/officeDocument/2006/relationships" xmlns:p14="http://schemas.microsoft.com/office/powerpoint/2010/main" xmlns:p15="http://schemas.microsoft.com/office/powerpoint/2012/main" xmlns:mc="http://schemas.openxmlformats.org/markup-compatibility/2006" type="blank" preserve="1">
+<p:sldLayout xmlns:a="http://schemas.openxmlformats.org/drawingml/2006/main" xmlns:r="http://schemas.openxmlformats.org/officeDocument/2006/relationships" xmlns:p="http://schemas.openxmlformats.org/presentationml/2006/main" type="blank" preserve="1">
   <p:cSld name="Title, 6 Content">
     <p:spTree>
       <p:nvGrpSpPr>
@@ -3410,9 +3676,10 @@
           </a:prstGeom>
         </p:spPr>
         <p:txBody>
-          <a:bodyPr lIns="0" rIns="0" tIns="0" bIns="0" anchor="ctr"/>
-          <a:p>
-            <a:endParaRPr b="0" lang="en-US" sz="1400" spc="-1" strike="noStrike">
+          <a:bodyPr lIns="0" tIns="0" rIns="0" bIns="0" anchor="ctr"/>
+          <a:lstStyle/>
+          <a:p>
+            <a:endParaRPr lang="en-US" sz="1400" b="0" strike="noStrike" spc="-1">
               <a:solidFill>
                 <a:srgbClr val="000000"/>
               </a:solidFill>
@@ -3441,11 +3708,12 @@
           </a:prstGeom>
         </p:spPr>
         <p:txBody>
-          <a:bodyPr lIns="0" rIns="0" tIns="0" bIns="0">
+          <a:bodyPr lIns="0" tIns="0" rIns="0" bIns="0">
             <a:normAutofit/>
           </a:bodyPr>
-          <a:p>
-            <a:endParaRPr b="0" lang="en-US" sz="1400" spc="-1" strike="noStrike">
+          <a:lstStyle/>
+          <a:p>
+            <a:endParaRPr lang="en-US" sz="1400" b="0" strike="noStrike" spc="-1">
               <a:solidFill>
                 <a:srgbClr val="000000"/>
               </a:solidFill>
@@ -3474,11 +3742,12 @@
           </a:prstGeom>
         </p:spPr>
         <p:txBody>
-          <a:bodyPr lIns="0" rIns="0" tIns="0" bIns="0">
+          <a:bodyPr lIns="0" tIns="0" rIns="0" bIns="0">
             <a:normAutofit/>
           </a:bodyPr>
-          <a:p>
-            <a:endParaRPr b="0" lang="en-US" sz="1400" spc="-1" strike="noStrike">
+          <a:lstStyle/>
+          <a:p>
+            <a:endParaRPr lang="en-US" sz="1400" b="0" strike="noStrike" spc="-1">
               <a:solidFill>
                 <a:srgbClr val="000000"/>
               </a:solidFill>
@@ -3507,11 +3776,12 @@
           </a:prstGeom>
         </p:spPr>
         <p:txBody>
-          <a:bodyPr lIns="0" rIns="0" tIns="0" bIns="0">
+          <a:bodyPr lIns="0" tIns="0" rIns="0" bIns="0">
             <a:normAutofit/>
           </a:bodyPr>
-          <a:p>
-            <a:endParaRPr b="0" lang="en-US" sz="1400" spc="-1" strike="noStrike">
+          <a:lstStyle/>
+          <a:p>
+            <a:endParaRPr lang="en-US" sz="1400" b="0" strike="noStrike" spc="-1">
               <a:solidFill>
                 <a:srgbClr val="000000"/>
               </a:solidFill>
@@ -3540,11 +3810,12 @@
           </a:prstGeom>
         </p:spPr>
         <p:txBody>
-          <a:bodyPr lIns="0" rIns="0" tIns="0" bIns="0">
+          <a:bodyPr lIns="0" tIns="0" rIns="0" bIns="0">
             <a:normAutofit/>
           </a:bodyPr>
-          <a:p>
-            <a:endParaRPr b="0" lang="en-US" sz="1400" spc="-1" strike="noStrike">
+          <a:lstStyle/>
+          <a:p>
+            <a:endParaRPr lang="en-US" sz="1400" b="0" strike="noStrike" spc="-1">
               <a:solidFill>
                 <a:srgbClr val="000000"/>
               </a:solidFill>
@@ -3573,11 +3844,12 @@
           </a:prstGeom>
         </p:spPr>
         <p:txBody>
-          <a:bodyPr lIns="0" rIns="0" tIns="0" bIns="0">
+          <a:bodyPr lIns="0" tIns="0" rIns="0" bIns="0">
             <a:normAutofit/>
           </a:bodyPr>
-          <a:p>
-            <a:endParaRPr b="0" lang="en-US" sz="1400" spc="-1" strike="noStrike">
+          <a:lstStyle/>
+          <a:p>
+            <a:endParaRPr lang="en-US" sz="1400" b="0" strike="noStrike" spc="-1">
               <a:solidFill>
                 <a:srgbClr val="000000"/>
               </a:solidFill>
@@ -3606,11 +3878,12 @@
           </a:prstGeom>
         </p:spPr>
         <p:txBody>
-          <a:bodyPr lIns="0" rIns="0" tIns="0" bIns="0">
+          <a:bodyPr lIns="0" tIns="0" rIns="0" bIns="0">
             <a:normAutofit/>
           </a:bodyPr>
-          <a:p>
-            <a:endParaRPr b="0" lang="en-US" sz="1400" spc="-1" strike="noStrike">
+          <a:lstStyle/>
+          <a:p>
+            <a:endParaRPr lang="en-US" sz="1400" b="0" strike="noStrike" spc="-1">
               <a:solidFill>
                 <a:srgbClr val="000000"/>
               </a:solidFill>
@@ -3621,11 +3894,14 @@
       </p:sp>
     </p:spTree>
   </p:cSld>
+  <p:clrMapOvr>
+    <a:masterClrMapping/>
+  </p:clrMapOvr>
 </p:sldLayout>
 </file>
 
 <file path=ppt/slideLayouts/slideLayout4.xml><?xml version="1.0" encoding="utf-8"?>
-<p:sldLayout xmlns:a="http://schemas.openxmlformats.org/drawingml/2006/main" xmlns:p="http://schemas.openxmlformats.org/presentationml/2006/main" xmlns:r="http://schemas.openxmlformats.org/officeDocument/2006/relationships" xmlns:p14="http://schemas.microsoft.com/office/powerpoint/2010/main" xmlns:p15="http://schemas.microsoft.com/office/powerpoint/2012/main" xmlns:mc="http://schemas.openxmlformats.org/markup-compatibility/2006" type="twoObj" preserve="1">
+<p:sldLayout xmlns:a="http://schemas.openxmlformats.org/drawingml/2006/main" xmlns:r="http://schemas.openxmlformats.org/officeDocument/2006/relationships" xmlns:p="http://schemas.openxmlformats.org/presentationml/2006/main" type="twoObj" preserve="1">
   <p:cSld name="Title, 2 Content">
     <p:spTree>
       <p:nvGrpSpPr>
@@ -3661,9 +3937,10 @@
           </a:prstGeom>
         </p:spPr>
         <p:txBody>
-          <a:bodyPr lIns="0" rIns="0" tIns="0" bIns="0" anchor="ctr"/>
-          <a:p>
-            <a:endParaRPr b="0" lang="en-US" sz="1400" spc="-1" strike="noStrike">
+          <a:bodyPr lIns="0" tIns="0" rIns="0" bIns="0" anchor="ctr"/>
+          <a:lstStyle/>
+          <a:p>
+            <a:endParaRPr lang="en-US" sz="1400" b="0" strike="noStrike" spc="-1">
               <a:solidFill>
                 <a:srgbClr val="000000"/>
               </a:solidFill>
@@ -3692,11 +3969,12 @@
           </a:prstGeom>
         </p:spPr>
         <p:txBody>
-          <a:bodyPr lIns="0" rIns="0" tIns="0" bIns="0">
+          <a:bodyPr lIns="0" tIns="0" rIns="0" bIns="0">
             <a:normAutofit/>
           </a:bodyPr>
-          <a:p>
-            <a:endParaRPr b="0" lang="en-US" sz="1400" spc="-1" strike="noStrike">
+          <a:lstStyle/>
+          <a:p>
+            <a:endParaRPr lang="en-US" sz="1400" b="0" strike="noStrike" spc="-1">
               <a:solidFill>
                 <a:srgbClr val="000000"/>
               </a:solidFill>
@@ -3725,11 +4003,12 @@
           </a:prstGeom>
         </p:spPr>
         <p:txBody>
-          <a:bodyPr lIns="0" rIns="0" tIns="0" bIns="0">
+          <a:bodyPr lIns="0" tIns="0" rIns="0" bIns="0">
             <a:normAutofit/>
           </a:bodyPr>
-          <a:p>
-            <a:endParaRPr b="0" lang="en-US" sz="1400" spc="-1" strike="noStrike">
+          <a:lstStyle/>
+          <a:p>
+            <a:endParaRPr lang="en-US" sz="1400" b="0" strike="noStrike" spc="-1">
               <a:solidFill>
                 <a:srgbClr val="000000"/>
               </a:solidFill>
@@ -3740,11 +4019,14 @@
       </p:sp>
     </p:spTree>
   </p:cSld>
+  <p:clrMapOvr>
+    <a:masterClrMapping/>
+  </p:clrMapOvr>
 </p:sldLayout>
 </file>
 
 <file path=ppt/slideLayouts/slideLayout5.xml><?xml version="1.0" encoding="utf-8"?>
-<p:sldLayout xmlns:a="http://schemas.openxmlformats.org/drawingml/2006/main" xmlns:p="http://schemas.openxmlformats.org/presentationml/2006/main" xmlns:r="http://schemas.openxmlformats.org/officeDocument/2006/relationships" xmlns:p14="http://schemas.microsoft.com/office/powerpoint/2010/main" xmlns:p15="http://schemas.microsoft.com/office/powerpoint/2012/main" xmlns:mc="http://schemas.openxmlformats.org/markup-compatibility/2006" type="titleOnly" preserve="1">
+<p:sldLayout xmlns:a="http://schemas.openxmlformats.org/drawingml/2006/main" xmlns:r="http://schemas.openxmlformats.org/officeDocument/2006/relationships" xmlns:p="http://schemas.openxmlformats.org/presentationml/2006/main" type="titleOnly" preserve="1">
   <p:cSld name="Title Only">
     <p:spTree>
       <p:nvGrpSpPr>
@@ -3780,9 +4062,10 @@
           </a:prstGeom>
         </p:spPr>
         <p:txBody>
-          <a:bodyPr lIns="0" rIns="0" tIns="0" bIns="0" anchor="ctr"/>
-          <a:p>
-            <a:endParaRPr b="0" lang="en-US" sz="1400" spc="-1" strike="noStrike">
+          <a:bodyPr lIns="0" tIns="0" rIns="0" bIns="0" anchor="ctr"/>
+          <a:lstStyle/>
+          <a:p>
+            <a:endParaRPr lang="en-US" sz="1400" b="0" strike="noStrike" spc="-1">
               <a:solidFill>
                 <a:srgbClr val="000000"/>
               </a:solidFill>
@@ -3793,11 +4076,14 @@
       </p:sp>
     </p:spTree>
   </p:cSld>
+  <p:clrMapOvr>
+    <a:masterClrMapping/>
+  </p:clrMapOvr>
 </p:sldLayout>
 </file>
 
 <file path=ppt/slideLayouts/slideLayout6.xml><?xml version="1.0" encoding="utf-8"?>
-<p:sldLayout xmlns:a="http://schemas.openxmlformats.org/drawingml/2006/main" xmlns:p="http://schemas.openxmlformats.org/presentationml/2006/main" xmlns:r="http://schemas.openxmlformats.org/officeDocument/2006/relationships" xmlns:p14="http://schemas.microsoft.com/office/powerpoint/2010/main" xmlns:p15="http://schemas.microsoft.com/office/powerpoint/2012/main" xmlns:mc="http://schemas.openxmlformats.org/markup-compatibility/2006" type="objOnly" preserve="1">
+<p:sldLayout xmlns:a="http://schemas.openxmlformats.org/drawingml/2006/main" xmlns:r="http://schemas.openxmlformats.org/officeDocument/2006/relationships" xmlns:p="http://schemas.openxmlformats.org/presentationml/2006/main" type="objOnly" preserve="1">
   <p:cSld name="Centered Text">
     <p:spTree>
       <p:nvGrpSpPr>
@@ -3833,10 +4119,11 @@
           </a:prstGeom>
         </p:spPr>
         <p:txBody>
-          <a:bodyPr lIns="0" rIns="0" tIns="0" bIns="0" anchor="ctr"/>
+          <a:bodyPr lIns="0" tIns="0" rIns="0" bIns="0" anchor="ctr"/>
+          <a:lstStyle/>
           <a:p>
             <a:pPr algn="ctr"/>
-            <a:endParaRPr b="0" lang="en-US" sz="3200" spc="-1" strike="noStrike">
+            <a:endParaRPr lang="en-US" sz="3200" b="0" strike="noStrike" spc="-1">
               <a:latin typeface="Arial"/>
             </a:endParaRPr>
           </a:p>
@@ -3844,11 +4131,14 @@
       </p:sp>
     </p:spTree>
   </p:cSld>
+  <p:clrMapOvr>
+    <a:masterClrMapping/>
+  </p:clrMapOvr>
 </p:sldLayout>
 </file>
 
 <file path=ppt/slideLayouts/slideLayout7.xml><?xml version="1.0" encoding="utf-8"?>
-<p:sldLayout xmlns:a="http://schemas.openxmlformats.org/drawingml/2006/main" xmlns:p="http://schemas.openxmlformats.org/presentationml/2006/main" xmlns:r="http://schemas.openxmlformats.org/officeDocument/2006/relationships" xmlns:p14="http://schemas.microsoft.com/office/powerpoint/2010/main" xmlns:p15="http://schemas.microsoft.com/office/powerpoint/2012/main" xmlns:mc="http://schemas.openxmlformats.org/markup-compatibility/2006" type="twoObjAndObj" preserve="1">
+<p:sldLayout xmlns:a="http://schemas.openxmlformats.org/drawingml/2006/main" xmlns:r="http://schemas.openxmlformats.org/officeDocument/2006/relationships" xmlns:p="http://schemas.openxmlformats.org/presentationml/2006/main" type="twoObjAndObj" preserve="1">
   <p:cSld name="Title, 2 Content and Content">
     <p:spTree>
       <p:nvGrpSpPr>
@@ -3884,9 +4174,10 @@
           </a:prstGeom>
         </p:spPr>
         <p:txBody>
-          <a:bodyPr lIns="0" rIns="0" tIns="0" bIns="0" anchor="ctr"/>
-          <a:p>
-            <a:endParaRPr b="0" lang="en-US" sz="1400" spc="-1" strike="noStrike">
+          <a:bodyPr lIns="0" tIns="0" rIns="0" bIns="0" anchor="ctr"/>
+          <a:lstStyle/>
+          <a:p>
+            <a:endParaRPr lang="en-US" sz="1400" b="0" strike="noStrike" spc="-1">
               <a:solidFill>
                 <a:srgbClr val="000000"/>
               </a:solidFill>
@@ -3915,11 +4206,12 @@
           </a:prstGeom>
         </p:spPr>
         <p:txBody>
-          <a:bodyPr lIns="0" rIns="0" tIns="0" bIns="0">
+          <a:bodyPr lIns="0" tIns="0" rIns="0" bIns="0">
             <a:normAutofit/>
           </a:bodyPr>
-          <a:p>
-            <a:endParaRPr b="0" lang="en-US" sz="1400" spc="-1" strike="noStrike">
+          <a:lstStyle/>
+          <a:p>
+            <a:endParaRPr lang="en-US" sz="1400" b="0" strike="noStrike" spc="-1">
               <a:solidFill>
                 <a:srgbClr val="000000"/>
               </a:solidFill>
@@ -3948,11 +4240,12 @@
           </a:prstGeom>
         </p:spPr>
         <p:txBody>
-          <a:bodyPr lIns="0" rIns="0" tIns="0" bIns="0">
+          <a:bodyPr lIns="0" tIns="0" rIns="0" bIns="0">
             <a:normAutofit/>
           </a:bodyPr>
-          <a:p>
-            <a:endParaRPr b="0" lang="en-US" sz="1400" spc="-1" strike="noStrike">
+          <a:lstStyle/>
+          <a:p>
+            <a:endParaRPr lang="en-US" sz="1400" b="0" strike="noStrike" spc="-1">
               <a:solidFill>
                 <a:srgbClr val="000000"/>
               </a:solidFill>
@@ -3981,11 +4274,12 @@
           </a:prstGeom>
         </p:spPr>
         <p:txBody>
-          <a:bodyPr lIns="0" rIns="0" tIns="0" bIns="0">
+          <a:bodyPr lIns="0" tIns="0" rIns="0" bIns="0">
             <a:normAutofit/>
           </a:bodyPr>
-          <a:p>
-            <a:endParaRPr b="0" lang="en-US" sz="1400" spc="-1" strike="noStrike">
+          <a:lstStyle/>
+          <a:p>
+            <a:endParaRPr lang="en-US" sz="1400" b="0" strike="noStrike" spc="-1">
               <a:solidFill>
                 <a:srgbClr val="000000"/>
               </a:solidFill>
@@ -3996,11 +4290,14 @@
       </p:sp>
     </p:spTree>
   </p:cSld>
+  <p:clrMapOvr>
+    <a:masterClrMapping/>
+  </p:clrMapOvr>
 </p:sldLayout>
 </file>
 
 <file path=ppt/slideLayouts/slideLayout8.xml><?xml version="1.0" encoding="utf-8"?>
-<p:sldLayout xmlns:a="http://schemas.openxmlformats.org/drawingml/2006/main" xmlns:p="http://schemas.openxmlformats.org/presentationml/2006/main" xmlns:r="http://schemas.openxmlformats.org/officeDocument/2006/relationships" xmlns:p14="http://schemas.microsoft.com/office/powerpoint/2010/main" xmlns:p15="http://schemas.microsoft.com/office/powerpoint/2012/main" xmlns:mc="http://schemas.openxmlformats.org/markup-compatibility/2006" type="objAndTwoObj" preserve="1">
+<p:sldLayout xmlns:a="http://schemas.openxmlformats.org/drawingml/2006/main" xmlns:r="http://schemas.openxmlformats.org/officeDocument/2006/relationships" xmlns:p="http://schemas.openxmlformats.org/presentationml/2006/main" type="objAndTwoObj" preserve="1">
   <p:cSld name="Title Content and 2 Content">
     <p:spTree>
       <p:nvGrpSpPr>
@@ -4036,9 +4333,10 @@
           </a:prstGeom>
         </p:spPr>
         <p:txBody>
-          <a:bodyPr lIns="0" rIns="0" tIns="0" bIns="0" anchor="ctr"/>
-          <a:p>
-            <a:endParaRPr b="0" lang="en-US" sz="1400" spc="-1" strike="noStrike">
+          <a:bodyPr lIns="0" tIns="0" rIns="0" bIns="0" anchor="ctr"/>
+          <a:lstStyle/>
+          <a:p>
+            <a:endParaRPr lang="en-US" sz="1400" b="0" strike="noStrike" spc="-1">
               <a:solidFill>
                 <a:srgbClr val="000000"/>
               </a:solidFill>
@@ -4067,11 +4365,12 @@
           </a:prstGeom>
         </p:spPr>
         <p:txBody>
-          <a:bodyPr lIns="0" rIns="0" tIns="0" bIns="0">
+          <a:bodyPr lIns="0" tIns="0" rIns="0" bIns="0">
             <a:normAutofit/>
           </a:bodyPr>
-          <a:p>
-            <a:endParaRPr b="0" lang="en-US" sz="1400" spc="-1" strike="noStrike">
+          <a:lstStyle/>
+          <a:p>
+            <a:endParaRPr lang="en-US" sz="1400" b="0" strike="noStrike" spc="-1">
               <a:solidFill>
                 <a:srgbClr val="000000"/>
               </a:solidFill>
@@ -4100,11 +4399,12 @@
           </a:prstGeom>
         </p:spPr>
         <p:txBody>
-          <a:bodyPr lIns="0" rIns="0" tIns="0" bIns="0">
+          <a:bodyPr lIns="0" tIns="0" rIns="0" bIns="0">
             <a:normAutofit/>
           </a:bodyPr>
-          <a:p>
-            <a:endParaRPr b="0" lang="en-US" sz="1400" spc="-1" strike="noStrike">
+          <a:lstStyle/>
+          <a:p>
+            <a:endParaRPr lang="en-US" sz="1400" b="0" strike="noStrike" spc="-1">
               <a:solidFill>
                 <a:srgbClr val="000000"/>
               </a:solidFill>
@@ -4133,11 +4433,12 @@
           </a:prstGeom>
         </p:spPr>
         <p:txBody>
-          <a:bodyPr lIns="0" rIns="0" tIns="0" bIns="0">
+          <a:bodyPr lIns="0" tIns="0" rIns="0" bIns="0">
             <a:normAutofit/>
           </a:bodyPr>
-          <a:p>
-            <a:endParaRPr b="0" lang="en-US" sz="1400" spc="-1" strike="noStrike">
+          <a:lstStyle/>
+          <a:p>
+            <a:endParaRPr lang="en-US" sz="1400" b="0" strike="noStrike" spc="-1">
               <a:solidFill>
                 <a:srgbClr val="000000"/>
               </a:solidFill>
@@ -4148,11 +4449,14 @@
       </p:sp>
     </p:spTree>
   </p:cSld>
+  <p:clrMapOvr>
+    <a:masterClrMapping/>
+  </p:clrMapOvr>
 </p:sldLayout>
 </file>
 
 <file path=ppt/slideLayouts/slideLayout9.xml><?xml version="1.0" encoding="utf-8"?>
-<p:sldLayout xmlns:a="http://schemas.openxmlformats.org/drawingml/2006/main" xmlns:p="http://schemas.openxmlformats.org/presentationml/2006/main" xmlns:r="http://schemas.openxmlformats.org/officeDocument/2006/relationships" xmlns:p14="http://schemas.microsoft.com/office/powerpoint/2010/main" xmlns:p15="http://schemas.microsoft.com/office/powerpoint/2012/main" xmlns:mc="http://schemas.openxmlformats.org/markup-compatibility/2006" type="twoObjOverTx" preserve="1">
+<p:sldLayout xmlns:a="http://schemas.openxmlformats.org/drawingml/2006/main" xmlns:r="http://schemas.openxmlformats.org/officeDocument/2006/relationships" xmlns:p="http://schemas.openxmlformats.org/presentationml/2006/main" type="twoObjOverTx" preserve="1">
   <p:cSld name="Title, 2 Content over Content">
     <p:spTree>
       <p:nvGrpSpPr>
@@ -4188,9 +4492,10 @@
           </a:prstGeom>
         </p:spPr>
         <p:txBody>
-          <a:bodyPr lIns="0" rIns="0" tIns="0" bIns="0" anchor="ctr"/>
-          <a:p>
-            <a:endParaRPr b="0" lang="en-US" sz="1400" spc="-1" strike="noStrike">
+          <a:bodyPr lIns="0" tIns="0" rIns="0" bIns="0" anchor="ctr"/>
+          <a:lstStyle/>
+          <a:p>
+            <a:endParaRPr lang="en-US" sz="1400" b="0" strike="noStrike" spc="-1">
               <a:solidFill>
                 <a:srgbClr val="000000"/>
               </a:solidFill>
@@ -4219,11 +4524,12 @@
           </a:prstGeom>
         </p:spPr>
         <p:txBody>
-          <a:bodyPr lIns="0" rIns="0" tIns="0" bIns="0">
+          <a:bodyPr lIns="0" tIns="0" rIns="0" bIns="0">
             <a:normAutofit/>
           </a:bodyPr>
-          <a:p>
-            <a:endParaRPr b="0" lang="en-US" sz="1400" spc="-1" strike="noStrike">
+          <a:lstStyle/>
+          <a:p>
+            <a:endParaRPr lang="en-US" sz="1400" b="0" strike="noStrike" spc="-1">
               <a:solidFill>
                 <a:srgbClr val="000000"/>
               </a:solidFill>
@@ -4252,11 +4558,12 @@
           </a:prstGeom>
         </p:spPr>
         <p:txBody>
-          <a:bodyPr lIns="0" rIns="0" tIns="0" bIns="0">
+          <a:bodyPr lIns="0" tIns="0" rIns="0" bIns="0">
             <a:normAutofit/>
           </a:bodyPr>
-          <a:p>
-            <a:endParaRPr b="0" lang="en-US" sz="1400" spc="-1" strike="noStrike">
+          <a:lstStyle/>
+          <a:p>
+            <a:endParaRPr lang="en-US" sz="1400" b="0" strike="noStrike" spc="-1">
               <a:solidFill>
                 <a:srgbClr val="000000"/>
               </a:solidFill>
@@ -4285,11 +4592,12 @@
           </a:prstGeom>
         </p:spPr>
         <p:txBody>
-          <a:bodyPr lIns="0" rIns="0" tIns="0" bIns="0">
+          <a:bodyPr lIns="0" tIns="0" rIns="0" bIns="0">
             <a:normAutofit/>
           </a:bodyPr>
-          <a:p>
-            <a:endParaRPr b="0" lang="en-US" sz="1400" spc="-1" strike="noStrike">
+          <a:lstStyle/>
+          <a:p>
+            <a:endParaRPr lang="en-US" sz="1400" b="0" strike="noStrike" spc="-1">
               <a:solidFill>
                 <a:srgbClr val="000000"/>
               </a:solidFill>
@@ -4300,17 +4608,21 @@
       </p:sp>
     </p:spTree>
   </p:cSld>
+  <p:clrMapOvr>
+    <a:masterClrMapping/>
+  </p:clrMapOvr>
 </p:sldLayout>
 </file>
 
 <file path=ppt/slideMasters/slideMaster1.xml><?xml version="1.0" encoding="utf-8"?>
-<p:sldMaster xmlns:a="http://schemas.openxmlformats.org/drawingml/2006/main" xmlns:p="http://schemas.openxmlformats.org/presentationml/2006/main" xmlns:r="http://schemas.openxmlformats.org/officeDocument/2006/relationships" xmlns:p14="http://schemas.microsoft.com/office/powerpoint/2010/main" xmlns:p15="http://schemas.microsoft.com/office/powerpoint/2012/main" xmlns:mc="http://schemas.openxmlformats.org/markup-compatibility/2006">
+<p:sldMaster xmlns:a="http://schemas.openxmlformats.org/drawingml/2006/main" xmlns:r="http://schemas.openxmlformats.org/officeDocument/2006/relationships" xmlns:p="http://schemas.openxmlformats.org/presentationml/2006/main">
   <p:cSld>
     <p:bg>
       <p:bgPr>
         <a:solidFill>
-          <a:srgbClr val="37474f"/>
+          <a:srgbClr val="37474F"/>
         </a:solidFill>
+        <a:effectLst/>
       </p:bgPr>
     </p:bg>
     <p:spTree>
@@ -4329,7 +4641,7 @@
       </p:grpSpPr>
       <p:sp>
         <p:nvSpPr>
-          <p:cNvPr id="0" name="CustomShape 1"/>
+          <p:cNvPr id="6" name="CustomShape 1"/>
           <p:cNvSpPr/>
           <p:nvPr/>
         </p:nvSpPr>
@@ -4349,15 +4661,21 @@
           </a:ln>
         </p:spPr>
         <p:style>
-          <a:lnRef idx="0"/>
-          <a:fillRef idx="0"/>
-          <a:effectRef idx="0"/>
+          <a:lnRef idx="0">
+            <a:scrgbClr r="0" g="0" b="0"/>
+          </a:lnRef>
+          <a:fillRef idx="0">
+            <a:scrgbClr r="0" g="0" b="0"/>
+          </a:fillRef>
+          <a:effectRef idx="0">
+            <a:scrgbClr r="0" g="0" b="0"/>
+          </a:effectRef>
           <a:fontRef idx="minor"/>
         </p:style>
       </p:sp>
       <p:sp>
         <p:nvSpPr>
-          <p:cNvPr id="1" name="CustomShape 2"/>
+          <p:cNvPr id="7" name="CustomShape 2"/>
           <p:cNvSpPr/>
           <p:nvPr/>
         </p:nvSpPr>
@@ -4377,9 +4695,15 @@
           </a:ln>
         </p:spPr>
         <p:style>
-          <a:lnRef idx="0"/>
-          <a:fillRef idx="0"/>
-          <a:effectRef idx="0"/>
+          <a:lnRef idx="0">
+            <a:scrgbClr r="0" g="0" b="0"/>
+          </a:lnRef>
+          <a:fillRef idx="0">
+            <a:scrgbClr r="0" g="0" b="0"/>
+          </a:fillRef>
+          <a:effectRef idx="0">
+            <a:scrgbClr r="0" g="0" b="0"/>
+          </a:effectRef>
           <a:fontRef idx="minor"/>
         </p:style>
       </p:sp>
@@ -4405,9 +4729,15 @@
           </a:ln>
         </p:spPr>
         <p:style>
-          <a:lnRef idx="0"/>
-          <a:fillRef idx="0"/>
-          <a:effectRef idx="0"/>
+          <a:lnRef idx="0">
+            <a:scrgbClr r="0" g="0" b="0"/>
+          </a:lnRef>
+          <a:fillRef idx="0">
+            <a:scrgbClr r="0" g="0" b="0"/>
+          </a:fillRef>
+          <a:effectRef idx="0">
+            <a:scrgbClr r="0" g="0" b="0"/>
+          </a:effectRef>
           <a:fontRef idx="minor"/>
         </p:style>
       </p:sp>
@@ -4432,9 +4762,10 @@
         </p:spPr>
         <p:txBody>
           <a:bodyPr tIns="91440" bIns="91440" anchor="b"/>
-          <a:p>
-            <a:r>
-              <a:rPr b="0" lang="en-US" sz="4800" spc="-1" strike="noStrike">
+          <a:lstStyle/>
+          <a:p>
+            <a:r>
+              <a:rPr lang="en-US" sz="4800" b="0" strike="noStrike" spc="-1">
                 <a:solidFill>
                   <a:srgbClr val="000000"/>
                 </a:solidFill>
@@ -4442,12 +4773,6 @@
               </a:rPr>
               <a:t>Click to edit the title text format</a:t>
             </a:r>
-            <a:endParaRPr b="0" lang="en-US" sz="4800" spc="-1" strike="noStrike">
-              <a:solidFill>
-                <a:srgbClr val="000000"/>
-              </a:solidFill>
-              <a:latin typeface="Arial"/>
-            </a:endParaRPr>
           </a:p>
         </p:txBody>
       </p:sp>
@@ -4472,6 +4797,7 @@
         </p:spPr>
         <p:txBody>
           <a:bodyPr tIns="91440" bIns="91440" anchor="ctr"/>
+          <a:lstStyle/>
           <a:p>
             <a:pPr algn="r">
               <a:lnSpc>
@@ -4479,16 +4805,16 @@
               </a:lnSpc>
             </a:pPr>
             <a:fld id="{8DABBFCB-1E57-4266-8281-51B84313373E}" type="slidenum">
-              <a:rPr b="0" lang="en-US" sz="1000" spc="-1" strike="noStrike">
-                <a:solidFill>
-                  <a:srgbClr val="cacaca"/>
-                </a:solidFill>
-                <a:latin typeface="Average"/>
-                <a:ea typeface="Average"/>
-              </a:rPr>
-              <a:t>&lt;number&gt;</a:t>
+              <a:rPr lang="en-US" sz="1000" b="0" strike="noStrike" spc="-1">
+                <a:solidFill>
+                  <a:srgbClr val="CACACA"/>
+                </a:solidFill>
+                <a:latin typeface="Average"/>
+                <a:ea typeface="Average"/>
+              </a:rPr>
+              <a:t>‹#›</a:t>
             </a:fld>
-            <a:endParaRPr b="0" lang="en-US" sz="1000" spc="-1" strike="noStrike">
+            <a:endParaRPr lang="en-US" sz="1000" b="0" strike="noStrike" spc="-1">
               <a:latin typeface="Times New Roman"/>
             </a:endParaRPr>
           </a:p>
@@ -4514,9 +4840,10 @@
           </a:prstGeom>
         </p:spPr>
         <p:txBody>
-          <a:bodyPr lIns="0" rIns="0" tIns="0" bIns="0">
+          <a:bodyPr lIns="0" tIns="0" rIns="0" bIns="0">
             <a:normAutofit/>
           </a:bodyPr>
+          <a:lstStyle/>
           <a:p>
             <a:pPr marL="432000" indent="-324000">
               <a:spcBef>
@@ -4530,7 +4857,7 @@
               <a:buChar char=""/>
             </a:pPr>
             <a:r>
-              <a:rPr b="0" lang="en-US" sz="1400" spc="-1" strike="noStrike">
+              <a:rPr lang="en-US" sz="1400" b="0" strike="noStrike" spc="-1">
                 <a:solidFill>
                   <a:srgbClr val="000000"/>
                 </a:solidFill>
@@ -4538,15 +4865,9 @@
               </a:rPr>
               <a:t>Click to edit the outline text format</a:t>
             </a:r>
-            <a:endParaRPr b="0" lang="en-US" sz="1400" spc="-1" strike="noStrike">
-              <a:solidFill>
-                <a:srgbClr val="000000"/>
-              </a:solidFill>
-              <a:latin typeface="Arial"/>
-            </a:endParaRPr>
-          </a:p>
-          <a:p>
-            <a:pPr lvl="1" marL="864000" indent="-324000">
+          </a:p>
+          <a:p>
+            <a:pPr marL="864000" lvl="1" indent="-324000">
               <a:spcBef>
                 <a:spcPts val="1134"/>
               </a:spcBef>
@@ -4558,7 +4879,7 @@
               <a:buChar char=""/>
             </a:pPr>
             <a:r>
-              <a:rPr b="0" lang="en-US" sz="1400" spc="-1" strike="noStrike">
+              <a:rPr lang="en-US" sz="1400" b="0" strike="noStrike" spc="-1">
                 <a:solidFill>
                   <a:srgbClr val="000000"/>
                 </a:solidFill>
@@ -4566,15 +4887,9 @@
               </a:rPr>
               <a:t>Second Outline Level</a:t>
             </a:r>
-            <a:endParaRPr b="0" lang="en-US" sz="1400" spc="-1" strike="noStrike">
-              <a:solidFill>
-                <a:srgbClr val="000000"/>
-              </a:solidFill>
-              <a:latin typeface="Arial"/>
-            </a:endParaRPr>
-          </a:p>
-          <a:p>
-            <a:pPr lvl="2" marL="1296000" indent="-288000">
+          </a:p>
+          <a:p>
+            <a:pPr marL="1296000" lvl="2" indent="-288000">
               <a:spcBef>
                 <a:spcPts val="850"/>
               </a:spcBef>
@@ -4586,7 +4901,7 @@
               <a:buChar char=""/>
             </a:pPr>
             <a:r>
-              <a:rPr b="0" lang="en-US" sz="1400" spc="-1" strike="noStrike">
+              <a:rPr lang="en-US" sz="1400" b="0" strike="noStrike" spc="-1">
                 <a:solidFill>
                   <a:srgbClr val="000000"/>
                 </a:solidFill>
@@ -4594,15 +4909,9 @@
               </a:rPr>
               <a:t>Third Outline Level</a:t>
             </a:r>
-            <a:endParaRPr b="0" lang="en-US" sz="1400" spc="-1" strike="noStrike">
-              <a:solidFill>
-                <a:srgbClr val="000000"/>
-              </a:solidFill>
-              <a:latin typeface="Arial"/>
-            </a:endParaRPr>
-          </a:p>
-          <a:p>
-            <a:pPr lvl="3" marL="1728000" indent="-216000">
+          </a:p>
+          <a:p>
+            <a:pPr marL="1728000" lvl="3" indent="-216000">
               <a:spcBef>
                 <a:spcPts val="567"/>
               </a:spcBef>
@@ -4614,7 +4923,7 @@
               <a:buChar char=""/>
             </a:pPr>
             <a:r>
-              <a:rPr b="0" lang="en-US" sz="1400" spc="-1" strike="noStrike">
+              <a:rPr lang="en-US" sz="1400" b="0" strike="noStrike" spc="-1">
                 <a:solidFill>
                   <a:srgbClr val="000000"/>
                 </a:solidFill>
@@ -4622,15 +4931,9 @@
               </a:rPr>
               <a:t>Fourth Outline Level</a:t>
             </a:r>
-            <a:endParaRPr b="0" lang="en-US" sz="1400" spc="-1" strike="noStrike">
-              <a:solidFill>
-                <a:srgbClr val="000000"/>
-              </a:solidFill>
-              <a:latin typeface="Arial"/>
-            </a:endParaRPr>
-          </a:p>
-          <a:p>
-            <a:pPr lvl="4" marL="2160000" indent="-216000">
+          </a:p>
+          <a:p>
+            <a:pPr marL="2160000" lvl="4" indent="-216000">
               <a:spcBef>
                 <a:spcPts val="283"/>
               </a:spcBef>
@@ -4642,7 +4945,7 @@
               <a:buChar char=""/>
             </a:pPr>
             <a:r>
-              <a:rPr b="0" lang="en-US" sz="2000" spc="-1" strike="noStrike">
+              <a:rPr lang="en-US" sz="2000" b="0" strike="noStrike" spc="-1">
                 <a:solidFill>
                   <a:srgbClr val="000000"/>
                 </a:solidFill>
@@ -4650,15 +4953,9 @@
               </a:rPr>
               <a:t>Fifth Outline Level</a:t>
             </a:r>
-            <a:endParaRPr b="0" lang="en-US" sz="2000" spc="-1" strike="noStrike">
-              <a:solidFill>
-                <a:srgbClr val="000000"/>
-              </a:solidFill>
-              <a:latin typeface="Arial"/>
-            </a:endParaRPr>
-          </a:p>
-          <a:p>
-            <a:pPr lvl="5" marL="2592000" indent="-216000">
+          </a:p>
+          <a:p>
+            <a:pPr marL="2592000" lvl="5" indent="-216000">
               <a:spcBef>
                 <a:spcPts val="283"/>
               </a:spcBef>
@@ -4670,7 +4967,7 @@
               <a:buChar char=""/>
             </a:pPr>
             <a:r>
-              <a:rPr b="0" lang="en-US" sz="2000" spc="-1" strike="noStrike">
+              <a:rPr lang="en-US" sz="2000" b="0" strike="noStrike" spc="-1">
                 <a:solidFill>
                   <a:srgbClr val="000000"/>
                 </a:solidFill>
@@ -4678,15 +4975,9 @@
               </a:rPr>
               <a:t>Sixth Outline Level</a:t>
             </a:r>
-            <a:endParaRPr b="0" lang="en-US" sz="2000" spc="-1" strike="noStrike">
-              <a:solidFill>
-                <a:srgbClr val="000000"/>
-              </a:solidFill>
-              <a:latin typeface="Arial"/>
-            </a:endParaRPr>
-          </a:p>
-          <a:p>
-            <a:pPr lvl="6" marL="3024000" indent="-216000">
+          </a:p>
+          <a:p>
+            <a:pPr marL="3024000" lvl="6" indent="-216000">
               <a:spcBef>
                 <a:spcPts val="283"/>
               </a:spcBef>
@@ -4698,7 +4989,7 @@
               <a:buChar char=""/>
             </a:pPr>
             <a:r>
-              <a:rPr b="0" lang="en-US" sz="2000" spc="-1" strike="noStrike">
+              <a:rPr lang="en-US" sz="2000" b="0" strike="noStrike" spc="-1">
                 <a:solidFill>
                   <a:srgbClr val="000000"/>
                 </a:solidFill>
@@ -4706,43 +4997,318 @@
               </a:rPr>
               <a:t>Seventh Outline Level</a:t>
             </a:r>
-            <a:endParaRPr b="0" lang="en-US" sz="2000" spc="-1" strike="noStrike">
-              <a:solidFill>
-                <a:srgbClr val="000000"/>
-              </a:solidFill>
-              <a:latin typeface="Arial"/>
-            </a:endParaRPr>
           </a:p>
         </p:txBody>
       </p:sp>
     </p:spTree>
   </p:cSld>
-  <p:clrMap bg1="lt1" bg2="lt2" tx1="dk1" tx2="dk2" accent1="accent1" accent2="accent2" accent3="accent3" accent4="accent4" accent5="accent5" accent6="accent6" hlink="hlink" folHlink="folHlink"/>
+  <p:clrMap bg1="lt1" tx1="dk1" bg2="lt2" tx2="dk2" accent1="accent1" accent2="accent2" accent3="accent3" accent4="accent4" accent5="accent5" accent6="accent6" hlink="hlink" folHlink="folHlink"/>
   <p:sldLayoutIdLst>
-    <p:sldLayoutId id="2147483649" r:id="rId2"/>
-    <p:sldLayoutId id="2147483650" r:id="rId3"/>
-    <p:sldLayoutId id="2147483651" r:id="rId4"/>
-    <p:sldLayoutId id="2147483652" r:id="rId5"/>
-    <p:sldLayoutId id="2147483653" r:id="rId6"/>
-    <p:sldLayoutId id="2147483654" r:id="rId7"/>
-    <p:sldLayoutId id="2147483655" r:id="rId8"/>
-    <p:sldLayoutId id="2147483656" r:id="rId9"/>
-    <p:sldLayoutId id="2147483657" r:id="rId10"/>
-    <p:sldLayoutId id="2147483658" r:id="rId11"/>
-    <p:sldLayoutId id="2147483659" r:id="rId12"/>
-    <p:sldLayoutId id="2147483660" r:id="rId13"/>
+    <p:sldLayoutId id="2147483649" r:id="rId1"/>
+    <p:sldLayoutId id="2147483650" r:id="rId2"/>
+    <p:sldLayoutId id="2147483651" r:id="rId3"/>
+    <p:sldLayoutId id="2147483652" r:id="rId4"/>
+    <p:sldLayoutId id="2147483653" r:id="rId5"/>
+    <p:sldLayoutId id="2147483654" r:id="rId6"/>
+    <p:sldLayoutId id="2147483655" r:id="rId7"/>
+    <p:sldLayoutId id="2147483656" r:id="rId8"/>
+    <p:sldLayoutId id="2147483657" r:id="rId9"/>
+    <p:sldLayoutId id="2147483658" r:id="rId10"/>
+    <p:sldLayoutId id="2147483659" r:id="rId11"/>
+    <p:sldLayoutId id="2147483660" r:id="rId12"/>
   </p:sldLayoutIdLst>
+  <p:txStyles>
+    <p:titleStyle>
+      <a:lvl1pPr algn="l" defTabSz="914400" rtl="0" eaLnBrk="1" latinLnBrk="0" hangingPunct="1">
+        <a:lnSpc>
+          <a:spcPct val="90000"/>
+        </a:lnSpc>
+        <a:spcBef>
+          <a:spcPct val="0"/>
+        </a:spcBef>
+        <a:buNone/>
+        <a:defRPr sz="4400" kern="1200">
+          <a:solidFill>
+            <a:schemeClr val="tx1"/>
+          </a:solidFill>
+          <a:latin typeface="+mj-lt"/>
+          <a:ea typeface="+mj-ea"/>
+          <a:cs typeface="+mj-cs"/>
+        </a:defRPr>
+      </a:lvl1pPr>
+    </p:titleStyle>
+    <p:bodyStyle>
+      <a:lvl1pPr marL="228600" indent="-228600" algn="l" defTabSz="914400" rtl="0" eaLnBrk="1" latinLnBrk="0" hangingPunct="1">
+        <a:lnSpc>
+          <a:spcPct val="90000"/>
+        </a:lnSpc>
+        <a:spcBef>
+          <a:spcPts val="1000"/>
+        </a:spcBef>
+        <a:buFont typeface="Arial" panose="020B0604020202020204" pitchFamily="34" charset="0"/>
+        <a:buChar char="•"/>
+        <a:defRPr sz="2800" kern="1200">
+          <a:solidFill>
+            <a:schemeClr val="tx1"/>
+          </a:solidFill>
+          <a:latin typeface="+mn-lt"/>
+          <a:ea typeface="+mn-ea"/>
+          <a:cs typeface="+mn-cs"/>
+        </a:defRPr>
+      </a:lvl1pPr>
+      <a:lvl2pPr marL="685800" indent="-228600" algn="l" defTabSz="914400" rtl="0" eaLnBrk="1" latinLnBrk="0" hangingPunct="1">
+        <a:lnSpc>
+          <a:spcPct val="90000"/>
+        </a:lnSpc>
+        <a:spcBef>
+          <a:spcPts val="500"/>
+        </a:spcBef>
+        <a:buFont typeface="Arial" panose="020B0604020202020204" pitchFamily="34" charset="0"/>
+        <a:buChar char="•"/>
+        <a:defRPr sz="2400" kern="1200">
+          <a:solidFill>
+            <a:schemeClr val="tx1"/>
+          </a:solidFill>
+          <a:latin typeface="+mn-lt"/>
+          <a:ea typeface="+mn-ea"/>
+          <a:cs typeface="+mn-cs"/>
+        </a:defRPr>
+      </a:lvl2pPr>
+      <a:lvl3pPr marL="1143000" indent="-228600" algn="l" defTabSz="914400" rtl="0" eaLnBrk="1" latinLnBrk="0" hangingPunct="1">
+        <a:lnSpc>
+          <a:spcPct val="90000"/>
+        </a:lnSpc>
+        <a:spcBef>
+          <a:spcPts val="500"/>
+        </a:spcBef>
+        <a:buFont typeface="Arial" panose="020B0604020202020204" pitchFamily="34" charset="0"/>
+        <a:buChar char="•"/>
+        <a:defRPr sz="2000" kern="1200">
+          <a:solidFill>
+            <a:schemeClr val="tx1"/>
+          </a:solidFill>
+          <a:latin typeface="+mn-lt"/>
+          <a:ea typeface="+mn-ea"/>
+          <a:cs typeface="+mn-cs"/>
+        </a:defRPr>
+      </a:lvl3pPr>
+      <a:lvl4pPr marL="1600200" indent="-228600" algn="l" defTabSz="914400" rtl="0" eaLnBrk="1" latinLnBrk="0" hangingPunct="1">
+        <a:lnSpc>
+          <a:spcPct val="90000"/>
+        </a:lnSpc>
+        <a:spcBef>
+          <a:spcPts val="500"/>
+        </a:spcBef>
+        <a:buFont typeface="Arial" panose="020B0604020202020204" pitchFamily="34" charset="0"/>
+        <a:buChar char="•"/>
+        <a:defRPr sz="1800" kern="1200">
+          <a:solidFill>
+            <a:schemeClr val="tx1"/>
+          </a:solidFill>
+          <a:latin typeface="+mn-lt"/>
+          <a:ea typeface="+mn-ea"/>
+          <a:cs typeface="+mn-cs"/>
+        </a:defRPr>
+      </a:lvl4pPr>
+      <a:lvl5pPr marL="2057400" indent="-228600" algn="l" defTabSz="914400" rtl="0" eaLnBrk="1" latinLnBrk="0" hangingPunct="1">
+        <a:lnSpc>
+          <a:spcPct val="90000"/>
+        </a:lnSpc>
+        <a:spcBef>
+          <a:spcPts val="500"/>
+        </a:spcBef>
+        <a:buFont typeface="Arial" panose="020B0604020202020204" pitchFamily="34" charset="0"/>
+        <a:buChar char="•"/>
+        <a:defRPr sz="1800" kern="1200">
+          <a:solidFill>
+            <a:schemeClr val="tx1"/>
+          </a:solidFill>
+          <a:latin typeface="+mn-lt"/>
+          <a:ea typeface="+mn-ea"/>
+          <a:cs typeface="+mn-cs"/>
+        </a:defRPr>
+      </a:lvl5pPr>
+      <a:lvl6pPr marL="2514600" indent="-228600" algn="l" defTabSz="914400" rtl="0" eaLnBrk="1" latinLnBrk="0" hangingPunct="1">
+        <a:lnSpc>
+          <a:spcPct val="90000"/>
+        </a:lnSpc>
+        <a:spcBef>
+          <a:spcPts val="500"/>
+        </a:spcBef>
+        <a:buFont typeface="Arial" panose="020B0604020202020204" pitchFamily="34" charset="0"/>
+        <a:buChar char="•"/>
+        <a:defRPr sz="1800" kern="1200">
+          <a:solidFill>
+            <a:schemeClr val="tx1"/>
+          </a:solidFill>
+          <a:latin typeface="+mn-lt"/>
+          <a:ea typeface="+mn-ea"/>
+          <a:cs typeface="+mn-cs"/>
+        </a:defRPr>
+      </a:lvl6pPr>
+      <a:lvl7pPr marL="2971800" indent="-228600" algn="l" defTabSz="914400" rtl="0" eaLnBrk="1" latinLnBrk="0" hangingPunct="1">
+        <a:lnSpc>
+          <a:spcPct val="90000"/>
+        </a:lnSpc>
+        <a:spcBef>
+          <a:spcPts val="500"/>
+        </a:spcBef>
+        <a:buFont typeface="Arial" panose="020B0604020202020204" pitchFamily="34" charset="0"/>
+        <a:buChar char="•"/>
+        <a:defRPr sz="1800" kern="1200">
+          <a:solidFill>
+            <a:schemeClr val="tx1"/>
+          </a:solidFill>
+          <a:latin typeface="+mn-lt"/>
+          <a:ea typeface="+mn-ea"/>
+          <a:cs typeface="+mn-cs"/>
+        </a:defRPr>
+      </a:lvl7pPr>
+      <a:lvl8pPr marL="3429000" indent="-228600" algn="l" defTabSz="914400" rtl="0" eaLnBrk="1" latinLnBrk="0" hangingPunct="1">
+        <a:lnSpc>
+          <a:spcPct val="90000"/>
+        </a:lnSpc>
+        <a:spcBef>
+          <a:spcPts val="500"/>
+        </a:spcBef>
+        <a:buFont typeface="Arial" panose="020B0604020202020204" pitchFamily="34" charset="0"/>
+        <a:buChar char="•"/>
+        <a:defRPr sz="1800" kern="1200">
+          <a:solidFill>
+            <a:schemeClr val="tx1"/>
+          </a:solidFill>
+          <a:latin typeface="+mn-lt"/>
+          <a:ea typeface="+mn-ea"/>
+          <a:cs typeface="+mn-cs"/>
+        </a:defRPr>
+      </a:lvl8pPr>
+      <a:lvl9pPr marL="3886200" indent="-228600" algn="l" defTabSz="914400" rtl="0" eaLnBrk="1" latinLnBrk="0" hangingPunct="1">
+        <a:lnSpc>
+          <a:spcPct val="90000"/>
+        </a:lnSpc>
+        <a:spcBef>
+          <a:spcPts val="500"/>
+        </a:spcBef>
+        <a:buFont typeface="Arial" panose="020B0604020202020204" pitchFamily="34" charset="0"/>
+        <a:buChar char="•"/>
+        <a:defRPr sz="1800" kern="1200">
+          <a:solidFill>
+            <a:schemeClr val="tx1"/>
+          </a:solidFill>
+          <a:latin typeface="+mn-lt"/>
+          <a:ea typeface="+mn-ea"/>
+          <a:cs typeface="+mn-cs"/>
+        </a:defRPr>
+      </a:lvl9pPr>
+    </p:bodyStyle>
+    <p:otherStyle>
+      <a:defPPr>
+        <a:defRPr lang="en-US"/>
+      </a:defPPr>
+      <a:lvl1pPr marL="0" algn="l" defTabSz="914400" rtl="0" eaLnBrk="1" latinLnBrk="0" hangingPunct="1">
+        <a:defRPr sz="1800" kern="1200">
+          <a:solidFill>
+            <a:schemeClr val="tx1"/>
+          </a:solidFill>
+          <a:latin typeface="+mn-lt"/>
+          <a:ea typeface="+mn-ea"/>
+          <a:cs typeface="+mn-cs"/>
+        </a:defRPr>
+      </a:lvl1pPr>
+      <a:lvl2pPr marL="457200" algn="l" defTabSz="914400" rtl="0" eaLnBrk="1" latinLnBrk="0" hangingPunct="1">
+        <a:defRPr sz="1800" kern="1200">
+          <a:solidFill>
+            <a:schemeClr val="tx1"/>
+          </a:solidFill>
+          <a:latin typeface="+mn-lt"/>
+          <a:ea typeface="+mn-ea"/>
+          <a:cs typeface="+mn-cs"/>
+        </a:defRPr>
+      </a:lvl2pPr>
+      <a:lvl3pPr marL="914400" algn="l" defTabSz="914400" rtl="0" eaLnBrk="1" latinLnBrk="0" hangingPunct="1">
+        <a:defRPr sz="1800" kern="1200">
+          <a:solidFill>
+            <a:schemeClr val="tx1"/>
+          </a:solidFill>
+          <a:latin typeface="+mn-lt"/>
+          <a:ea typeface="+mn-ea"/>
+          <a:cs typeface="+mn-cs"/>
+        </a:defRPr>
+      </a:lvl3pPr>
+      <a:lvl4pPr marL="1371600" algn="l" defTabSz="914400" rtl="0" eaLnBrk="1" latinLnBrk="0" hangingPunct="1">
+        <a:defRPr sz="1800" kern="1200">
+          <a:solidFill>
+            <a:schemeClr val="tx1"/>
+          </a:solidFill>
+          <a:latin typeface="+mn-lt"/>
+          <a:ea typeface="+mn-ea"/>
+          <a:cs typeface="+mn-cs"/>
+        </a:defRPr>
+      </a:lvl4pPr>
+      <a:lvl5pPr marL="1828800" algn="l" defTabSz="914400" rtl="0" eaLnBrk="1" latinLnBrk="0" hangingPunct="1">
+        <a:defRPr sz="1800" kern="1200">
+          <a:solidFill>
+            <a:schemeClr val="tx1"/>
+          </a:solidFill>
+          <a:latin typeface="+mn-lt"/>
+          <a:ea typeface="+mn-ea"/>
+          <a:cs typeface="+mn-cs"/>
+        </a:defRPr>
+      </a:lvl5pPr>
+      <a:lvl6pPr marL="2286000" algn="l" defTabSz="914400" rtl="0" eaLnBrk="1" latinLnBrk="0" hangingPunct="1">
+        <a:defRPr sz="1800" kern="1200">
+          <a:solidFill>
+            <a:schemeClr val="tx1"/>
+          </a:solidFill>
+          <a:latin typeface="+mn-lt"/>
+          <a:ea typeface="+mn-ea"/>
+          <a:cs typeface="+mn-cs"/>
+        </a:defRPr>
+      </a:lvl6pPr>
+      <a:lvl7pPr marL="2743200" algn="l" defTabSz="914400" rtl="0" eaLnBrk="1" latinLnBrk="0" hangingPunct="1">
+        <a:defRPr sz="1800" kern="1200">
+          <a:solidFill>
+            <a:schemeClr val="tx1"/>
+          </a:solidFill>
+          <a:latin typeface="+mn-lt"/>
+          <a:ea typeface="+mn-ea"/>
+          <a:cs typeface="+mn-cs"/>
+        </a:defRPr>
+      </a:lvl7pPr>
+      <a:lvl8pPr marL="3200400" algn="l" defTabSz="914400" rtl="0" eaLnBrk="1" latinLnBrk="0" hangingPunct="1">
+        <a:defRPr sz="1800" kern="1200">
+          <a:solidFill>
+            <a:schemeClr val="tx1"/>
+          </a:solidFill>
+          <a:latin typeface="+mn-lt"/>
+          <a:ea typeface="+mn-ea"/>
+          <a:cs typeface="+mn-cs"/>
+        </a:defRPr>
+      </a:lvl8pPr>
+      <a:lvl9pPr marL="3657600" algn="l" defTabSz="914400" rtl="0" eaLnBrk="1" latinLnBrk="0" hangingPunct="1">
+        <a:defRPr sz="1800" kern="1200">
+          <a:solidFill>
+            <a:schemeClr val="tx1"/>
+          </a:solidFill>
+          <a:latin typeface="+mn-lt"/>
+          <a:ea typeface="+mn-ea"/>
+          <a:cs typeface="+mn-cs"/>
+        </a:defRPr>
+      </a:lvl9pPr>
+    </p:otherStyle>
+  </p:txStyles>
 </p:sldMaster>
 </file>
 
 <file path=ppt/slideMasters/slideMaster2.xml><?xml version="1.0" encoding="utf-8"?>
-<p:sldMaster xmlns:a="http://schemas.openxmlformats.org/drawingml/2006/main" xmlns:p="http://schemas.openxmlformats.org/presentationml/2006/main" xmlns:r="http://schemas.openxmlformats.org/officeDocument/2006/relationships" xmlns:p14="http://schemas.microsoft.com/office/powerpoint/2010/main" xmlns:p15="http://schemas.microsoft.com/office/powerpoint/2012/main" xmlns:mc="http://schemas.openxmlformats.org/markup-compatibility/2006">
+<p:sldMaster xmlns:a="http://schemas.openxmlformats.org/drawingml/2006/main" xmlns:r="http://schemas.openxmlformats.org/officeDocument/2006/relationships" xmlns:p="http://schemas.openxmlformats.org/presentationml/2006/main">
   <p:cSld>
     <p:bg>
       <p:bgPr>
         <a:solidFill>
-          <a:srgbClr val="37474f"/>
+          <a:srgbClr val="37474F"/>
         </a:solidFill>
+        <a:effectLst/>
       </p:bgPr>
     </p:bg>
     <p:spTree>
@@ -4780,9 +5346,10 @@
         </p:spPr>
         <p:txBody>
           <a:bodyPr tIns="91440" bIns="91440"/>
-          <a:p>
-            <a:r>
-              <a:rPr b="0" lang="en-US" sz="3000" spc="-1" strike="noStrike">
+          <a:lstStyle/>
+          <a:p>
+            <a:r>
+              <a:rPr lang="en-US" sz="3000" b="0" strike="noStrike" spc="-1">
                 <a:solidFill>
                   <a:srgbClr val="000000"/>
                 </a:solidFill>
@@ -4790,12 +5357,6 @@
               </a:rPr>
               <a:t>Click to edit the title text format</a:t>
             </a:r>
-            <a:endParaRPr b="0" lang="en-US" sz="3000" spc="-1" strike="noStrike">
-              <a:solidFill>
-                <a:srgbClr val="000000"/>
-              </a:solidFill>
-              <a:latin typeface="Arial"/>
-            </a:endParaRPr>
           </a:p>
         </p:txBody>
       </p:sp>
@@ -4820,6 +5381,7 @@
         </p:spPr>
         <p:txBody>
           <a:bodyPr tIns="91440" bIns="91440"/>
+          <a:lstStyle/>
           <a:p>
             <a:pPr marL="432000" indent="-324000">
               <a:spcBef>
@@ -4833,7 +5395,7 @@
               <a:buChar char=""/>
             </a:pPr>
             <a:r>
-              <a:rPr b="0" lang="en-US" sz="1800" spc="-1" strike="noStrike">
+              <a:rPr lang="en-US" sz="1800" b="0" strike="noStrike" spc="-1">
                 <a:solidFill>
                   <a:srgbClr val="000000"/>
                 </a:solidFill>
@@ -4841,15 +5403,9 @@
               </a:rPr>
               <a:t>Click to edit the outline text format</a:t>
             </a:r>
-            <a:endParaRPr b="0" lang="en-US" sz="1800" spc="-1" strike="noStrike">
-              <a:solidFill>
-                <a:srgbClr val="000000"/>
-              </a:solidFill>
-              <a:latin typeface="Arial"/>
-            </a:endParaRPr>
-          </a:p>
-          <a:p>
-            <a:pPr lvl="1" marL="864000" indent="-324000">
+          </a:p>
+          <a:p>
+            <a:pPr marL="864000" lvl="1" indent="-324000">
               <a:spcBef>
                 <a:spcPts val="1134"/>
               </a:spcBef>
@@ -4861,7 +5417,7 @@
               <a:buChar char=""/>
             </a:pPr>
             <a:r>
-              <a:rPr b="0" lang="en-US" sz="1800" spc="-1" strike="noStrike">
+              <a:rPr lang="en-US" sz="1800" b="0" strike="noStrike" spc="-1">
                 <a:solidFill>
                   <a:srgbClr val="000000"/>
                 </a:solidFill>
@@ -4869,15 +5425,9 @@
               </a:rPr>
               <a:t>Second Outline Level</a:t>
             </a:r>
-            <a:endParaRPr b="0" lang="en-US" sz="1800" spc="-1" strike="noStrike">
-              <a:solidFill>
-                <a:srgbClr val="000000"/>
-              </a:solidFill>
-              <a:latin typeface="Arial"/>
-            </a:endParaRPr>
-          </a:p>
-          <a:p>
-            <a:pPr lvl="2" marL="1296000" indent="-288000">
+          </a:p>
+          <a:p>
+            <a:pPr marL="1296000" lvl="2" indent="-288000">
               <a:spcBef>
                 <a:spcPts val="850"/>
               </a:spcBef>
@@ -4889,7 +5439,7 @@
               <a:buChar char=""/>
             </a:pPr>
             <a:r>
-              <a:rPr b="0" lang="en-US" sz="1800" spc="-1" strike="noStrike">
+              <a:rPr lang="en-US" sz="1800" b="0" strike="noStrike" spc="-1">
                 <a:solidFill>
                   <a:srgbClr val="000000"/>
                 </a:solidFill>
@@ -4897,15 +5447,9 @@
               </a:rPr>
               <a:t>Third Outline Level</a:t>
             </a:r>
-            <a:endParaRPr b="0" lang="en-US" sz="1800" spc="-1" strike="noStrike">
-              <a:solidFill>
-                <a:srgbClr val="000000"/>
-              </a:solidFill>
-              <a:latin typeface="Arial"/>
-            </a:endParaRPr>
-          </a:p>
-          <a:p>
-            <a:pPr lvl="3" marL="1728000" indent="-216000">
+          </a:p>
+          <a:p>
+            <a:pPr marL="1728000" lvl="3" indent="-216000">
               <a:spcBef>
                 <a:spcPts val="567"/>
               </a:spcBef>
@@ -4917,7 +5461,7 @@
               <a:buChar char=""/>
             </a:pPr>
             <a:r>
-              <a:rPr b="0" lang="en-US" sz="1800" spc="-1" strike="noStrike">
+              <a:rPr lang="en-US" sz="1800" b="0" strike="noStrike" spc="-1">
                 <a:solidFill>
                   <a:srgbClr val="000000"/>
                 </a:solidFill>
@@ -4925,15 +5469,9 @@
               </a:rPr>
               <a:t>Fourth Outline Level</a:t>
             </a:r>
-            <a:endParaRPr b="0" lang="en-US" sz="1800" spc="-1" strike="noStrike">
-              <a:solidFill>
-                <a:srgbClr val="000000"/>
-              </a:solidFill>
-              <a:latin typeface="Arial"/>
-            </a:endParaRPr>
-          </a:p>
-          <a:p>
-            <a:pPr lvl="4" marL="2160000" indent="-216000">
+          </a:p>
+          <a:p>
+            <a:pPr marL="2160000" lvl="4" indent="-216000">
               <a:spcBef>
                 <a:spcPts val="283"/>
               </a:spcBef>
@@ -4945,7 +5483,7 @@
               <a:buChar char=""/>
             </a:pPr>
             <a:r>
-              <a:rPr b="0" lang="en-US" sz="1800" spc="-1" strike="noStrike">
+              <a:rPr lang="en-US" sz="1800" b="0" strike="noStrike" spc="-1">
                 <a:solidFill>
                   <a:srgbClr val="000000"/>
                 </a:solidFill>
@@ -4953,15 +5491,9 @@
               </a:rPr>
               <a:t>Fifth Outline Level</a:t>
             </a:r>
-            <a:endParaRPr b="0" lang="en-US" sz="1800" spc="-1" strike="noStrike">
-              <a:solidFill>
-                <a:srgbClr val="000000"/>
-              </a:solidFill>
-              <a:latin typeface="Arial"/>
-            </a:endParaRPr>
-          </a:p>
-          <a:p>
-            <a:pPr lvl="5" marL="2592000" indent="-216000">
+          </a:p>
+          <a:p>
+            <a:pPr marL="2592000" lvl="5" indent="-216000">
               <a:spcBef>
                 <a:spcPts val="283"/>
               </a:spcBef>
@@ -4973,7 +5505,7 @@
               <a:buChar char=""/>
             </a:pPr>
             <a:r>
-              <a:rPr b="0" lang="en-US" sz="1800" spc="-1" strike="noStrike">
+              <a:rPr lang="en-US" sz="1800" b="0" strike="noStrike" spc="-1">
                 <a:solidFill>
                   <a:srgbClr val="000000"/>
                 </a:solidFill>
@@ -4981,15 +5513,9 @@
               </a:rPr>
               <a:t>Sixth Outline Level</a:t>
             </a:r>
-            <a:endParaRPr b="0" lang="en-US" sz="1800" spc="-1" strike="noStrike">
-              <a:solidFill>
-                <a:srgbClr val="000000"/>
-              </a:solidFill>
-              <a:latin typeface="Arial"/>
-            </a:endParaRPr>
-          </a:p>
-          <a:p>
-            <a:pPr lvl="6" marL="3024000" indent="-216000">
+          </a:p>
+          <a:p>
+            <a:pPr marL="3024000" lvl="6" indent="-216000">
               <a:spcBef>
                 <a:spcPts val="283"/>
               </a:spcBef>
@@ -5001,7 +5527,7 @@
               <a:buChar char=""/>
             </a:pPr>
             <a:r>
-              <a:rPr b="0" lang="en-US" sz="1800" spc="-1" strike="noStrike">
+              <a:rPr lang="en-US" sz="1800" b="0" strike="noStrike" spc="-1">
                 <a:solidFill>
                   <a:srgbClr val="000000"/>
                 </a:solidFill>
@@ -5009,12 +5535,6 @@
               </a:rPr>
               <a:t>Seventh Outline Level</a:t>
             </a:r>
-            <a:endParaRPr b="0" lang="en-US" sz="1800" spc="-1" strike="noStrike">
-              <a:solidFill>
-                <a:srgbClr val="000000"/>
-              </a:solidFill>
-              <a:latin typeface="Arial"/>
-            </a:endParaRPr>
           </a:p>
         </p:txBody>
       </p:sp>
@@ -5039,6 +5559,7 @@
         </p:spPr>
         <p:txBody>
           <a:bodyPr tIns="91440" bIns="91440" anchor="ctr"/>
+          <a:lstStyle/>
           <a:p>
             <a:pPr algn="r">
               <a:lnSpc>
@@ -5046,16 +5567,16 @@
               </a:lnSpc>
             </a:pPr>
             <a:fld id="{EB890942-48E8-4423-A296-7B292FA048BD}" type="slidenum">
-              <a:rPr b="0" lang="en-US" sz="1000" spc="-1" strike="noStrike">
-                <a:solidFill>
-                  <a:srgbClr val="cacaca"/>
-                </a:solidFill>
-                <a:latin typeface="Average"/>
-                <a:ea typeface="Average"/>
-              </a:rPr>
-              <a:t>1</a:t>
+              <a:rPr lang="en-US" sz="1000" b="0" strike="noStrike" spc="-1">
+                <a:solidFill>
+                  <a:srgbClr val="CACACA"/>
+                </a:solidFill>
+                <a:latin typeface="Average"/>
+                <a:ea typeface="Average"/>
+              </a:rPr>
+              <a:t>‹#›</a:t>
             </a:fld>
-            <a:endParaRPr b="0" lang="en-US" sz="1000" spc="-1" strike="noStrike">
+            <a:endParaRPr lang="en-US" sz="1000" b="0" strike="noStrike" spc="-1">
               <a:latin typeface="Times New Roman"/>
             </a:endParaRPr>
           </a:p>
@@ -5063,32 +5584,313 @@
       </p:sp>
     </p:spTree>
   </p:cSld>
-  <p:clrMap bg1="lt1" bg2="lt2" tx1="dk1" tx2="dk2" accent1="accent1" accent2="accent2" accent3="accent3" accent4="accent4" accent5="accent5" accent6="accent6" hlink="hlink" folHlink="folHlink"/>
+  <p:clrMap bg1="lt1" tx1="dk1" bg2="lt2" tx2="dk2" accent1="accent1" accent2="accent2" accent3="accent3" accent4="accent4" accent5="accent5" accent6="accent6" hlink="hlink" folHlink="folHlink"/>
   <p:sldLayoutIdLst>
-    <p:sldLayoutId id="2147483662" r:id="rId2"/>
-    <p:sldLayoutId id="2147483663" r:id="rId3"/>
-    <p:sldLayoutId id="2147483664" r:id="rId4"/>
-    <p:sldLayoutId id="2147483665" r:id="rId5"/>
-    <p:sldLayoutId id="2147483666" r:id="rId6"/>
-    <p:sldLayoutId id="2147483667" r:id="rId7"/>
-    <p:sldLayoutId id="2147483668" r:id="rId8"/>
-    <p:sldLayoutId id="2147483669" r:id="rId9"/>
-    <p:sldLayoutId id="2147483670" r:id="rId10"/>
-    <p:sldLayoutId id="2147483671" r:id="rId11"/>
-    <p:sldLayoutId id="2147483672" r:id="rId12"/>
-    <p:sldLayoutId id="2147483673" r:id="rId13"/>
+    <p:sldLayoutId id="2147483662" r:id="rId1"/>
+    <p:sldLayoutId id="2147483663" r:id="rId2"/>
+    <p:sldLayoutId id="2147483664" r:id="rId3"/>
+    <p:sldLayoutId id="2147483665" r:id="rId4"/>
+    <p:sldLayoutId id="2147483666" r:id="rId5"/>
+    <p:sldLayoutId id="2147483667" r:id="rId6"/>
+    <p:sldLayoutId id="2147483668" r:id="rId7"/>
+    <p:sldLayoutId id="2147483669" r:id="rId8"/>
+    <p:sldLayoutId id="2147483670" r:id="rId9"/>
+    <p:sldLayoutId id="2147483671" r:id="rId10"/>
+    <p:sldLayoutId id="2147483672" r:id="rId11"/>
+    <p:sldLayoutId id="2147483673" r:id="rId12"/>
   </p:sldLayoutIdLst>
+  <p:txStyles>
+    <p:titleStyle>
+      <a:lvl1pPr algn="l" defTabSz="914400" rtl="0" eaLnBrk="1" latinLnBrk="0" hangingPunct="1">
+        <a:lnSpc>
+          <a:spcPct val="90000"/>
+        </a:lnSpc>
+        <a:spcBef>
+          <a:spcPct val="0"/>
+        </a:spcBef>
+        <a:buNone/>
+        <a:defRPr sz="4400" kern="1200">
+          <a:solidFill>
+            <a:schemeClr val="tx1"/>
+          </a:solidFill>
+          <a:latin typeface="+mj-lt"/>
+          <a:ea typeface="+mj-ea"/>
+          <a:cs typeface="+mj-cs"/>
+        </a:defRPr>
+      </a:lvl1pPr>
+    </p:titleStyle>
+    <p:bodyStyle>
+      <a:lvl1pPr marL="228600" indent="-228600" algn="l" defTabSz="914400" rtl="0" eaLnBrk="1" latinLnBrk="0" hangingPunct="1">
+        <a:lnSpc>
+          <a:spcPct val="90000"/>
+        </a:lnSpc>
+        <a:spcBef>
+          <a:spcPts val="1000"/>
+        </a:spcBef>
+        <a:buFont typeface="Arial" panose="020B0604020202020204" pitchFamily="34" charset="0"/>
+        <a:buChar char="•"/>
+        <a:defRPr sz="2800" kern="1200">
+          <a:solidFill>
+            <a:schemeClr val="tx1"/>
+          </a:solidFill>
+          <a:latin typeface="+mn-lt"/>
+          <a:ea typeface="+mn-ea"/>
+          <a:cs typeface="+mn-cs"/>
+        </a:defRPr>
+      </a:lvl1pPr>
+      <a:lvl2pPr marL="685800" indent="-228600" algn="l" defTabSz="914400" rtl="0" eaLnBrk="1" latinLnBrk="0" hangingPunct="1">
+        <a:lnSpc>
+          <a:spcPct val="90000"/>
+        </a:lnSpc>
+        <a:spcBef>
+          <a:spcPts val="500"/>
+        </a:spcBef>
+        <a:buFont typeface="Arial" panose="020B0604020202020204" pitchFamily="34" charset="0"/>
+        <a:buChar char="•"/>
+        <a:defRPr sz="2400" kern="1200">
+          <a:solidFill>
+            <a:schemeClr val="tx1"/>
+          </a:solidFill>
+          <a:latin typeface="+mn-lt"/>
+          <a:ea typeface="+mn-ea"/>
+          <a:cs typeface="+mn-cs"/>
+        </a:defRPr>
+      </a:lvl2pPr>
+      <a:lvl3pPr marL="1143000" indent="-228600" algn="l" defTabSz="914400" rtl="0" eaLnBrk="1" latinLnBrk="0" hangingPunct="1">
+        <a:lnSpc>
+          <a:spcPct val="90000"/>
+        </a:lnSpc>
+        <a:spcBef>
+          <a:spcPts val="500"/>
+        </a:spcBef>
+        <a:buFont typeface="Arial" panose="020B0604020202020204" pitchFamily="34" charset="0"/>
+        <a:buChar char="•"/>
+        <a:defRPr sz="2000" kern="1200">
+          <a:solidFill>
+            <a:schemeClr val="tx1"/>
+          </a:solidFill>
+          <a:latin typeface="+mn-lt"/>
+          <a:ea typeface="+mn-ea"/>
+          <a:cs typeface="+mn-cs"/>
+        </a:defRPr>
+      </a:lvl3pPr>
+      <a:lvl4pPr marL="1600200" indent="-228600" algn="l" defTabSz="914400" rtl="0" eaLnBrk="1" latinLnBrk="0" hangingPunct="1">
+        <a:lnSpc>
+          <a:spcPct val="90000"/>
+        </a:lnSpc>
+        <a:spcBef>
+          <a:spcPts val="500"/>
+        </a:spcBef>
+        <a:buFont typeface="Arial" panose="020B0604020202020204" pitchFamily="34" charset="0"/>
+        <a:buChar char="•"/>
+        <a:defRPr sz="1800" kern="1200">
+          <a:solidFill>
+            <a:schemeClr val="tx1"/>
+          </a:solidFill>
+          <a:latin typeface="+mn-lt"/>
+          <a:ea typeface="+mn-ea"/>
+          <a:cs typeface="+mn-cs"/>
+        </a:defRPr>
+      </a:lvl4pPr>
+      <a:lvl5pPr marL="2057400" indent="-228600" algn="l" defTabSz="914400" rtl="0" eaLnBrk="1" latinLnBrk="0" hangingPunct="1">
+        <a:lnSpc>
+          <a:spcPct val="90000"/>
+        </a:lnSpc>
+        <a:spcBef>
+          <a:spcPts val="500"/>
+        </a:spcBef>
+        <a:buFont typeface="Arial" panose="020B0604020202020204" pitchFamily="34" charset="0"/>
+        <a:buChar char="•"/>
+        <a:defRPr sz="1800" kern="1200">
+          <a:solidFill>
+            <a:schemeClr val="tx1"/>
+          </a:solidFill>
+          <a:latin typeface="+mn-lt"/>
+          <a:ea typeface="+mn-ea"/>
+          <a:cs typeface="+mn-cs"/>
+        </a:defRPr>
+      </a:lvl5pPr>
+      <a:lvl6pPr marL="2514600" indent="-228600" algn="l" defTabSz="914400" rtl="0" eaLnBrk="1" latinLnBrk="0" hangingPunct="1">
+        <a:lnSpc>
+          <a:spcPct val="90000"/>
+        </a:lnSpc>
+        <a:spcBef>
+          <a:spcPts val="500"/>
+        </a:spcBef>
+        <a:buFont typeface="Arial" panose="020B0604020202020204" pitchFamily="34" charset="0"/>
+        <a:buChar char="•"/>
+        <a:defRPr sz="1800" kern="1200">
+          <a:solidFill>
+            <a:schemeClr val="tx1"/>
+          </a:solidFill>
+          <a:latin typeface="+mn-lt"/>
+          <a:ea typeface="+mn-ea"/>
+          <a:cs typeface="+mn-cs"/>
+        </a:defRPr>
+      </a:lvl6pPr>
+      <a:lvl7pPr marL="2971800" indent="-228600" algn="l" defTabSz="914400" rtl="0" eaLnBrk="1" latinLnBrk="0" hangingPunct="1">
+        <a:lnSpc>
+          <a:spcPct val="90000"/>
+        </a:lnSpc>
+        <a:spcBef>
+          <a:spcPts val="500"/>
+        </a:spcBef>
+        <a:buFont typeface="Arial" panose="020B0604020202020204" pitchFamily="34" charset="0"/>
+        <a:buChar char="•"/>
+        <a:defRPr sz="1800" kern="1200">
+          <a:solidFill>
+            <a:schemeClr val="tx1"/>
+          </a:solidFill>
+          <a:latin typeface="+mn-lt"/>
+          <a:ea typeface="+mn-ea"/>
+          <a:cs typeface="+mn-cs"/>
+        </a:defRPr>
+      </a:lvl7pPr>
+      <a:lvl8pPr marL="3429000" indent="-228600" algn="l" defTabSz="914400" rtl="0" eaLnBrk="1" latinLnBrk="0" hangingPunct="1">
+        <a:lnSpc>
+          <a:spcPct val="90000"/>
+        </a:lnSpc>
+        <a:spcBef>
+          <a:spcPts val="500"/>
+        </a:spcBef>
+        <a:buFont typeface="Arial" panose="020B0604020202020204" pitchFamily="34" charset="0"/>
+        <a:buChar char="•"/>
+        <a:defRPr sz="1800" kern="1200">
+          <a:solidFill>
+            <a:schemeClr val="tx1"/>
+          </a:solidFill>
+          <a:latin typeface="+mn-lt"/>
+          <a:ea typeface="+mn-ea"/>
+          <a:cs typeface="+mn-cs"/>
+        </a:defRPr>
+      </a:lvl8pPr>
+      <a:lvl9pPr marL="3886200" indent="-228600" algn="l" defTabSz="914400" rtl="0" eaLnBrk="1" latinLnBrk="0" hangingPunct="1">
+        <a:lnSpc>
+          <a:spcPct val="90000"/>
+        </a:lnSpc>
+        <a:spcBef>
+          <a:spcPts val="500"/>
+        </a:spcBef>
+        <a:buFont typeface="Arial" panose="020B0604020202020204" pitchFamily="34" charset="0"/>
+        <a:buChar char="•"/>
+        <a:defRPr sz="1800" kern="1200">
+          <a:solidFill>
+            <a:schemeClr val="tx1"/>
+          </a:solidFill>
+          <a:latin typeface="+mn-lt"/>
+          <a:ea typeface="+mn-ea"/>
+          <a:cs typeface="+mn-cs"/>
+        </a:defRPr>
+      </a:lvl9pPr>
+    </p:bodyStyle>
+    <p:otherStyle>
+      <a:defPPr>
+        <a:defRPr lang="en-US"/>
+      </a:defPPr>
+      <a:lvl1pPr marL="0" algn="l" defTabSz="914400" rtl="0" eaLnBrk="1" latinLnBrk="0" hangingPunct="1">
+        <a:defRPr sz="1800" kern="1200">
+          <a:solidFill>
+            <a:schemeClr val="tx1"/>
+          </a:solidFill>
+          <a:latin typeface="+mn-lt"/>
+          <a:ea typeface="+mn-ea"/>
+          <a:cs typeface="+mn-cs"/>
+        </a:defRPr>
+      </a:lvl1pPr>
+      <a:lvl2pPr marL="457200" algn="l" defTabSz="914400" rtl="0" eaLnBrk="1" latinLnBrk="0" hangingPunct="1">
+        <a:defRPr sz="1800" kern="1200">
+          <a:solidFill>
+            <a:schemeClr val="tx1"/>
+          </a:solidFill>
+          <a:latin typeface="+mn-lt"/>
+          <a:ea typeface="+mn-ea"/>
+          <a:cs typeface="+mn-cs"/>
+        </a:defRPr>
+      </a:lvl2pPr>
+      <a:lvl3pPr marL="914400" algn="l" defTabSz="914400" rtl="0" eaLnBrk="1" latinLnBrk="0" hangingPunct="1">
+        <a:defRPr sz="1800" kern="1200">
+          <a:solidFill>
+            <a:schemeClr val="tx1"/>
+          </a:solidFill>
+          <a:latin typeface="+mn-lt"/>
+          <a:ea typeface="+mn-ea"/>
+          <a:cs typeface="+mn-cs"/>
+        </a:defRPr>
+      </a:lvl3pPr>
+      <a:lvl4pPr marL="1371600" algn="l" defTabSz="914400" rtl="0" eaLnBrk="1" latinLnBrk="0" hangingPunct="1">
+        <a:defRPr sz="1800" kern="1200">
+          <a:solidFill>
+            <a:schemeClr val="tx1"/>
+          </a:solidFill>
+          <a:latin typeface="+mn-lt"/>
+          <a:ea typeface="+mn-ea"/>
+          <a:cs typeface="+mn-cs"/>
+        </a:defRPr>
+      </a:lvl4pPr>
+      <a:lvl5pPr marL="1828800" algn="l" defTabSz="914400" rtl="0" eaLnBrk="1" latinLnBrk="0" hangingPunct="1">
+        <a:defRPr sz="1800" kern="1200">
+          <a:solidFill>
+            <a:schemeClr val="tx1"/>
+          </a:solidFill>
+          <a:latin typeface="+mn-lt"/>
+          <a:ea typeface="+mn-ea"/>
+          <a:cs typeface="+mn-cs"/>
+        </a:defRPr>
+      </a:lvl5pPr>
+      <a:lvl6pPr marL="2286000" algn="l" defTabSz="914400" rtl="0" eaLnBrk="1" latinLnBrk="0" hangingPunct="1">
+        <a:defRPr sz="1800" kern="1200">
+          <a:solidFill>
+            <a:schemeClr val="tx1"/>
+          </a:solidFill>
+          <a:latin typeface="+mn-lt"/>
+          <a:ea typeface="+mn-ea"/>
+          <a:cs typeface="+mn-cs"/>
+        </a:defRPr>
+      </a:lvl6pPr>
+      <a:lvl7pPr marL="2743200" algn="l" defTabSz="914400" rtl="0" eaLnBrk="1" latinLnBrk="0" hangingPunct="1">
+        <a:defRPr sz="1800" kern="1200">
+          <a:solidFill>
+            <a:schemeClr val="tx1"/>
+          </a:solidFill>
+          <a:latin typeface="+mn-lt"/>
+          <a:ea typeface="+mn-ea"/>
+          <a:cs typeface="+mn-cs"/>
+        </a:defRPr>
+      </a:lvl7pPr>
+      <a:lvl8pPr marL="3200400" algn="l" defTabSz="914400" rtl="0" eaLnBrk="1" latinLnBrk="0" hangingPunct="1">
+        <a:defRPr sz="1800" kern="1200">
+          <a:solidFill>
+            <a:schemeClr val="tx1"/>
+          </a:solidFill>
+          <a:latin typeface="+mn-lt"/>
+          <a:ea typeface="+mn-ea"/>
+          <a:cs typeface="+mn-cs"/>
+        </a:defRPr>
+      </a:lvl8pPr>
+      <a:lvl9pPr marL="3657600" algn="l" defTabSz="914400" rtl="0" eaLnBrk="1" latinLnBrk="0" hangingPunct="1">
+        <a:defRPr sz="1800" kern="1200">
+          <a:solidFill>
+            <a:schemeClr val="tx1"/>
+          </a:solidFill>
+          <a:latin typeface="+mn-lt"/>
+          <a:ea typeface="+mn-ea"/>
+          <a:cs typeface="+mn-cs"/>
+        </a:defRPr>
+      </a:lvl9pPr>
+    </p:otherStyle>
+  </p:txStyles>
 </p:sldMaster>
 </file>
 
 <file path=ppt/slideMasters/slideMaster3.xml><?xml version="1.0" encoding="utf-8"?>
-<p:sldMaster xmlns:a="http://schemas.openxmlformats.org/drawingml/2006/main" xmlns:p="http://schemas.openxmlformats.org/presentationml/2006/main" xmlns:r="http://schemas.openxmlformats.org/officeDocument/2006/relationships" xmlns:p14="http://schemas.microsoft.com/office/powerpoint/2010/main" xmlns:p15="http://schemas.microsoft.com/office/powerpoint/2012/main" xmlns:mc="http://schemas.openxmlformats.org/markup-compatibility/2006">
+<p:sldMaster xmlns:a="http://schemas.openxmlformats.org/drawingml/2006/main" xmlns:r="http://schemas.openxmlformats.org/officeDocument/2006/relationships" xmlns:p="http://schemas.openxmlformats.org/presentationml/2006/main">
   <p:cSld>
     <p:bg>
       <p:bgPr>
         <a:solidFill>
-          <a:srgbClr val="37474f"/>
+          <a:srgbClr val="37474F"/>
         </a:solidFill>
+        <a:effectLst/>
       </p:bgPr>
     </p:bg>
     <p:spTree>
@@ -5126,9 +5928,10 @@
         </p:spPr>
         <p:txBody>
           <a:bodyPr tIns="91440" bIns="91440" anchor="ctr"/>
-          <a:p>
-            <a:r>
-              <a:rPr b="0" lang="en-US" sz="3600" spc="-1" strike="noStrike">
+          <a:lstStyle/>
+          <a:p>
+            <a:r>
+              <a:rPr lang="en-US" sz="3600" b="0" strike="noStrike" spc="-1">
                 <a:solidFill>
                   <a:srgbClr val="000000"/>
                 </a:solidFill>
@@ -5136,12 +5939,6 @@
               </a:rPr>
               <a:t>Click to edit the title text format</a:t>
             </a:r>
-            <a:endParaRPr b="0" lang="en-US" sz="3600" spc="-1" strike="noStrike">
-              <a:solidFill>
-                <a:srgbClr val="000000"/>
-              </a:solidFill>
-              <a:latin typeface="Arial"/>
-            </a:endParaRPr>
           </a:p>
         </p:txBody>
       </p:sp>
@@ -5166,6 +5963,7 @@
         </p:spPr>
         <p:txBody>
           <a:bodyPr tIns="91440" bIns="91440" anchor="ctr"/>
+          <a:lstStyle/>
           <a:p>
             <a:pPr algn="r">
               <a:lnSpc>
@@ -5173,16 +5971,16 @@
               </a:lnSpc>
             </a:pPr>
             <a:fld id="{C66D0B82-7C6B-4974-81FE-162E2EC92012}" type="slidenum">
-              <a:rPr b="0" lang="en-US" sz="1000" spc="-1" strike="noStrike">
-                <a:solidFill>
-                  <a:srgbClr val="cacaca"/>
-                </a:solidFill>
-                <a:latin typeface="Average"/>
-                <a:ea typeface="Average"/>
-              </a:rPr>
-              <a:t>1</a:t>
+              <a:rPr lang="en-US" sz="1000" b="0" strike="noStrike" spc="-1">
+                <a:solidFill>
+                  <a:srgbClr val="CACACA"/>
+                </a:solidFill>
+                <a:latin typeface="Average"/>
+                <a:ea typeface="Average"/>
+              </a:rPr>
+              <a:t>‹#›</a:t>
             </a:fld>
-            <a:endParaRPr b="0" lang="en-US" sz="1000" spc="-1" strike="noStrike">
+            <a:endParaRPr lang="en-US" sz="1000" b="0" strike="noStrike" spc="-1">
               <a:latin typeface="Times New Roman"/>
             </a:endParaRPr>
           </a:p>
@@ -5208,9 +6006,10 @@
           </a:prstGeom>
         </p:spPr>
         <p:txBody>
-          <a:bodyPr lIns="0" rIns="0" tIns="0" bIns="0">
+          <a:bodyPr lIns="0" tIns="0" rIns="0" bIns="0">
             <a:normAutofit/>
           </a:bodyPr>
+          <a:lstStyle/>
           <a:p>
             <a:pPr marL="432000" indent="-324000">
               <a:spcBef>
@@ -5224,7 +6023,7 @@
               <a:buChar char=""/>
             </a:pPr>
             <a:r>
-              <a:rPr b="0" lang="en-US" sz="1400" spc="-1" strike="noStrike">
+              <a:rPr lang="en-US" sz="1400" b="0" strike="noStrike" spc="-1">
                 <a:solidFill>
                   <a:srgbClr val="000000"/>
                 </a:solidFill>
@@ -5232,15 +6031,9 @@
               </a:rPr>
               <a:t>Click to edit the outline text format</a:t>
             </a:r>
-            <a:endParaRPr b="0" lang="en-US" sz="1400" spc="-1" strike="noStrike">
-              <a:solidFill>
-                <a:srgbClr val="000000"/>
-              </a:solidFill>
-              <a:latin typeface="Arial"/>
-            </a:endParaRPr>
-          </a:p>
-          <a:p>
-            <a:pPr lvl="1" marL="864000" indent="-324000">
+          </a:p>
+          <a:p>
+            <a:pPr marL="864000" lvl="1" indent="-324000">
               <a:spcBef>
                 <a:spcPts val="1134"/>
               </a:spcBef>
@@ -5252,7 +6045,7 @@
               <a:buChar char=""/>
             </a:pPr>
             <a:r>
-              <a:rPr b="0" lang="en-US" sz="1400" spc="-1" strike="noStrike">
+              <a:rPr lang="en-US" sz="1400" b="0" strike="noStrike" spc="-1">
                 <a:solidFill>
                   <a:srgbClr val="000000"/>
                 </a:solidFill>
@@ -5260,15 +6053,9 @@
               </a:rPr>
               <a:t>Second Outline Level</a:t>
             </a:r>
-            <a:endParaRPr b="0" lang="en-US" sz="1400" spc="-1" strike="noStrike">
-              <a:solidFill>
-                <a:srgbClr val="000000"/>
-              </a:solidFill>
-              <a:latin typeface="Arial"/>
-            </a:endParaRPr>
-          </a:p>
-          <a:p>
-            <a:pPr lvl="2" marL="1296000" indent="-288000">
+          </a:p>
+          <a:p>
+            <a:pPr marL="1296000" lvl="2" indent="-288000">
               <a:spcBef>
                 <a:spcPts val="850"/>
               </a:spcBef>
@@ -5280,7 +6067,7 @@
               <a:buChar char=""/>
             </a:pPr>
             <a:r>
-              <a:rPr b="0" lang="en-US" sz="1400" spc="-1" strike="noStrike">
+              <a:rPr lang="en-US" sz="1400" b="0" strike="noStrike" spc="-1">
                 <a:solidFill>
                   <a:srgbClr val="000000"/>
                 </a:solidFill>
@@ -5288,15 +6075,9 @@
               </a:rPr>
               <a:t>Third Outline Level</a:t>
             </a:r>
-            <a:endParaRPr b="0" lang="en-US" sz="1400" spc="-1" strike="noStrike">
-              <a:solidFill>
-                <a:srgbClr val="000000"/>
-              </a:solidFill>
-              <a:latin typeface="Arial"/>
-            </a:endParaRPr>
-          </a:p>
-          <a:p>
-            <a:pPr lvl="3" marL="1728000" indent="-216000">
+          </a:p>
+          <a:p>
+            <a:pPr marL="1728000" lvl="3" indent="-216000">
               <a:spcBef>
                 <a:spcPts val="567"/>
               </a:spcBef>
@@ -5308,7 +6089,7 @@
               <a:buChar char=""/>
             </a:pPr>
             <a:r>
-              <a:rPr b="0" lang="en-US" sz="1400" spc="-1" strike="noStrike">
+              <a:rPr lang="en-US" sz="1400" b="0" strike="noStrike" spc="-1">
                 <a:solidFill>
                   <a:srgbClr val="000000"/>
                 </a:solidFill>
@@ -5316,15 +6097,9 @@
               </a:rPr>
               <a:t>Fourth Outline Level</a:t>
             </a:r>
-            <a:endParaRPr b="0" lang="en-US" sz="1400" spc="-1" strike="noStrike">
-              <a:solidFill>
-                <a:srgbClr val="000000"/>
-              </a:solidFill>
-              <a:latin typeface="Arial"/>
-            </a:endParaRPr>
-          </a:p>
-          <a:p>
-            <a:pPr lvl="4" marL="2160000" indent="-216000">
+          </a:p>
+          <a:p>
+            <a:pPr marL="2160000" lvl="4" indent="-216000">
               <a:spcBef>
                 <a:spcPts val="283"/>
               </a:spcBef>
@@ -5336,7 +6111,7 @@
               <a:buChar char=""/>
             </a:pPr>
             <a:r>
-              <a:rPr b="0" lang="en-US" sz="2000" spc="-1" strike="noStrike">
+              <a:rPr lang="en-US" sz="2000" b="0" strike="noStrike" spc="-1">
                 <a:solidFill>
                   <a:srgbClr val="000000"/>
                 </a:solidFill>
@@ -5344,15 +6119,9 @@
               </a:rPr>
               <a:t>Fifth Outline Level</a:t>
             </a:r>
-            <a:endParaRPr b="0" lang="en-US" sz="2000" spc="-1" strike="noStrike">
-              <a:solidFill>
-                <a:srgbClr val="000000"/>
-              </a:solidFill>
-              <a:latin typeface="Arial"/>
-            </a:endParaRPr>
-          </a:p>
-          <a:p>
-            <a:pPr lvl="5" marL="2592000" indent="-216000">
+          </a:p>
+          <a:p>
+            <a:pPr marL="2592000" lvl="5" indent="-216000">
               <a:spcBef>
                 <a:spcPts val="283"/>
               </a:spcBef>
@@ -5364,7 +6133,7 @@
               <a:buChar char=""/>
             </a:pPr>
             <a:r>
-              <a:rPr b="0" lang="en-US" sz="2000" spc="-1" strike="noStrike">
+              <a:rPr lang="en-US" sz="2000" b="0" strike="noStrike" spc="-1">
                 <a:solidFill>
                   <a:srgbClr val="000000"/>
                 </a:solidFill>
@@ -5372,15 +6141,9 @@
               </a:rPr>
               <a:t>Sixth Outline Level</a:t>
             </a:r>
-            <a:endParaRPr b="0" lang="en-US" sz="2000" spc="-1" strike="noStrike">
-              <a:solidFill>
-                <a:srgbClr val="000000"/>
-              </a:solidFill>
-              <a:latin typeface="Arial"/>
-            </a:endParaRPr>
-          </a:p>
-          <a:p>
-            <a:pPr lvl="6" marL="3024000" indent="-216000">
+          </a:p>
+          <a:p>
+            <a:pPr marL="3024000" lvl="6" indent="-216000">
               <a:spcBef>
                 <a:spcPts val="283"/>
               </a:spcBef>
@@ -5392,7 +6155,7 @@
               <a:buChar char=""/>
             </a:pPr>
             <a:r>
-              <a:rPr b="0" lang="en-US" sz="2000" spc="-1" strike="noStrike">
+              <a:rPr lang="en-US" sz="2000" b="0" strike="noStrike" spc="-1">
                 <a:solidFill>
                   <a:srgbClr val="000000"/>
                 </a:solidFill>
@@ -5400,37 +6163,311 @@
               </a:rPr>
               <a:t>Seventh Outline Level</a:t>
             </a:r>
-            <a:endParaRPr b="0" lang="en-US" sz="2000" spc="-1" strike="noStrike">
-              <a:solidFill>
-                <a:srgbClr val="000000"/>
-              </a:solidFill>
-              <a:latin typeface="Arial"/>
-            </a:endParaRPr>
           </a:p>
         </p:txBody>
       </p:sp>
     </p:spTree>
   </p:cSld>
-  <p:clrMap bg1="lt1" bg2="lt2" tx1="dk1" tx2="dk2" accent1="accent1" accent2="accent2" accent3="accent3" accent4="accent4" accent5="accent5" accent6="accent6" hlink="hlink" folHlink="folHlink"/>
+  <p:clrMap bg1="lt1" tx1="dk1" bg2="lt2" tx2="dk2" accent1="accent1" accent2="accent2" accent3="accent3" accent4="accent4" accent5="accent5" accent6="accent6" hlink="hlink" folHlink="folHlink"/>
   <p:sldLayoutIdLst>
-    <p:sldLayoutId id="2147483675" r:id="rId2"/>
-    <p:sldLayoutId id="2147483676" r:id="rId3"/>
-    <p:sldLayoutId id="2147483677" r:id="rId4"/>
-    <p:sldLayoutId id="2147483678" r:id="rId5"/>
-    <p:sldLayoutId id="2147483679" r:id="rId6"/>
-    <p:sldLayoutId id="2147483680" r:id="rId7"/>
-    <p:sldLayoutId id="2147483681" r:id="rId8"/>
-    <p:sldLayoutId id="2147483682" r:id="rId9"/>
-    <p:sldLayoutId id="2147483683" r:id="rId10"/>
-    <p:sldLayoutId id="2147483684" r:id="rId11"/>
-    <p:sldLayoutId id="2147483685" r:id="rId12"/>
-    <p:sldLayoutId id="2147483686" r:id="rId13"/>
+    <p:sldLayoutId id="2147483675" r:id="rId1"/>
+    <p:sldLayoutId id="2147483676" r:id="rId2"/>
+    <p:sldLayoutId id="2147483677" r:id="rId3"/>
+    <p:sldLayoutId id="2147483678" r:id="rId4"/>
+    <p:sldLayoutId id="2147483679" r:id="rId5"/>
+    <p:sldLayoutId id="2147483680" r:id="rId6"/>
+    <p:sldLayoutId id="2147483681" r:id="rId7"/>
+    <p:sldLayoutId id="2147483682" r:id="rId8"/>
+    <p:sldLayoutId id="2147483683" r:id="rId9"/>
+    <p:sldLayoutId id="2147483684" r:id="rId10"/>
+    <p:sldLayoutId id="2147483685" r:id="rId11"/>
+    <p:sldLayoutId id="2147483686" r:id="rId12"/>
   </p:sldLayoutIdLst>
+  <p:txStyles>
+    <p:titleStyle>
+      <a:lvl1pPr algn="l" defTabSz="914400" rtl="0" eaLnBrk="1" latinLnBrk="0" hangingPunct="1">
+        <a:lnSpc>
+          <a:spcPct val="90000"/>
+        </a:lnSpc>
+        <a:spcBef>
+          <a:spcPct val="0"/>
+        </a:spcBef>
+        <a:buNone/>
+        <a:defRPr sz="4400" kern="1200">
+          <a:solidFill>
+            <a:schemeClr val="tx1"/>
+          </a:solidFill>
+          <a:latin typeface="+mj-lt"/>
+          <a:ea typeface="+mj-ea"/>
+          <a:cs typeface="+mj-cs"/>
+        </a:defRPr>
+      </a:lvl1pPr>
+    </p:titleStyle>
+    <p:bodyStyle>
+      <a:lvl1pPr marL="228600" indent="-228600" algn="l" defTabSz="914400" rtl="0" eaLnBrk="1" latinLnBrk="0" hangingPunct="1">
+        <a:lnSpc>
+          <a:spcPct val="90000"/>
+        </a:lnSpc>
+        <a:spcBef>
+          <a:spcPts val="1000"/>
+        </a:spcBef>
+        <a:buFont typeface="Arial" panose="020B0604020202020204" pitchFamily="34" charset="0"/>
+        <a:buChar char="•"/>
+        <a:defRPr sz="2800" kern="1200">
+          <a:solidFill>
+            <a:schemeClr val="tx1"/>
+          </a:solidFill>
+          <a:latin typeface="+mn-lt"/>
+          <a:ea typeface="+mn-ea"/>
+          <a:cs typeface="+mn-cs"/>
+        </a:defRPr>
+      </a:lvl1pPr>
+      <a:lvl2pPr marL="685800" indent="-228600" algn="l" defTabSz="914400" rtl="0" eaLnBrk="1" latinLnBrk="0" hangingPunct="1">
+        <a:lnSpc>
+          <a:spcPct val="90000"/>
+        </a:lnSpc>
+        <a:spcBef>
+          <a:spcPts val="500"/>
+        </a:spcBef>
+        <a:buFont typeface="Arial" panose="020B0604020202020204" pitchFamily="34" charset="0"/>
+        <a:buChar char="•"/>
+        <a:defRPr sz="2400" kern="1200">
+          <a:solidFill>
+            <a:schemeClr val="tx1"/>
+          </a:solidFill>
+          <a:latin typeface="+mn-lt"/>
+          <a:ea typeface="+mn-ea"/>
+          <a:cs typeface="+mn-cs"/>
+        </a:defRPr>
+      </a:lvl2pPr>
+      <a:lvl3pPr marL="1143000" indent="-228600" algn="l" defTabSz="914400" rtl="0" eaLnBrk="1" latinLnBrk="0" hangingPunct="1">
+        <a:lnSpc>
+          <a:spcPct val="90000"/>
+        </a:lnSpc>
+        <a:spcBef>
+          <a:spcPts val="500"/>
+        </a:spcBef>
+        <a:buFont typeface="Arial" panose="020B0604020202020204" pitchFamily="34" charset="0"/>
+        <a:buChar char="•"/>
+        <a:defRPr sz="2000" kern="1200">
+          <a:solidFill>
+            <a:schemeClr val="tx1"/>
+          </a:solidFill>
+          <a:latin typeface="+mn-lt"/>
+          <a:ea typeface="+mn-ea"/>
+          <a:cs typeface="+mn-cs"/>
+        </a:defRPr>
+      </a:lvl3pPr>
+      <a:lvl4pPr marL="1600200" indent="-228600" algn="l" defTabSz="914400" rtl="0" eaLnBrk="1" latinLnBrk="0" hangingPunct="1">
+        <a:lnSpc>
+          <a:spcPct val="90000"/>
+        </a:lnSpc>
+        <a:spcBef>
+          <a:spcPts val="500"/>
+        </a:spcBef>
+        <a:buFont typeface="Arial" panose="020B0604020202020204" pitchFamily="34" charset="0"/>
+        <a:buChar char="•"/>
+        <a:defRPr sz="1800" kern="1200">
+          <a:solidFill>
+            <a:schemeClr val="tx1"/>
+          </a:solidFill>
+          <a:latin typeface="+mn-lt"/>
+          <a:ea typeface="+mn-ea"/>
+          <a:cs typeface="+mn-cs"/>
+        </a:defRPr>
+      </a:lvl4pPr>
+      <a:lvl5pPr marL="2057400" indent="-228600" algn="l" defTabSz="914400" rtl="0" eaLnBrk="1" latinLnBrk="0" hangingPunct="1">
+        <a:lnSpc>
+          <a:spcPct val="90000"/>
+        </a:lnSpc>
+        <a:spcBef>
+          <a:spcPts val="500"/>
+        </a:spcBef>
+        <a:buFont typeface="Arial" panose="020B0604020202020204" pitchFamily="34" charset="0"/>
+        <a:buChar char="•"/>
+        <a:defRPr sz="1800" kern="1200">
+          <a:solidFill>
+            <a:schemeClr val="tx1"/>
+          </a:solidFill>
+          <a:latin typeface="+mn-lt"/>
+          <a:ea typeface="+mn-ea"/>
+          <a:cs typeface="+mn-cs"/>
+        </a:defRPr>
+      </a:lvl5pPr>
+      <a:lvl6pPr marL="2514600" indent="-228600" algn="l" defTabSz="914400" rtl="0" eaLnBrk="1" latinLnBrk="0" hangingPunct="1">
+        <a:lnSpc>
+          <a:spcPct val="90000"/>
+        </a:lnSpc>
+        <a:spcBef>
+          <a:spcPts val="500"/>
+        </a:spcBef>
+        <a:buFont typeface="Arial" panose="020B0604020202020204" pitchFamily="34" charset="0"/>
+        <a:buChar char="•"/>
+        <a:defRPr sz="1800" kern="1200">
+          <a:solidFill>
+            <a:schemeClr val="tx1"/>
+          </a:solidFill>
+          <a:latin typeface="+mn-lt"/>
+          <a:ea typeface="+mn-ea"/>
+          <a:cs typeface="+mn-cs"/>
+        </a:defRPr>
+      </a:lvl6pPr>
+      <a:lvl7pPr marL="2971800" indent="-228600" algn="l" defTabSz="914400" rtl="0" eaLnBrk="1" latinLnBrk="0" hangingPunct="1">
+        <a:lnSpc>
+          <a:spcPct val="90000"/>
+        </a:lnSpc>
+        <a:spcBef>
+          <a:spcPts val="500"/>
+        </a:spcBef>
+        <a:buFont typeface="Arial" panose="020B0604020202020204" pitchFamily="34" charset="0"/>
+        <a:buChar char="•"/>
+        <a:defRPr sz="1800" kern="1200">
+          <a:solidFill>
+            <a:schemeClr val="tx1"/>
+          </a:solidFill>
+          <a:latin typeface="+mn-lt"/>
+          <a:ea typeface="+mn-ea"/>
+          <a:cs typeface="+mn-cs"/>
+        </a:defRPr>
+      </a:lvl7pPr>
+      <a:lvl8pPr marL="3429000" indent="-228600" algn="l" defTabSz="914400" rtl="0" eaLnBrk="1" latinLnBrk="0" hangingPunct="1">
+        <a:lnSpc>
+          <a:spcPct val="90000"/>
+        </a:lnSpc>
+        <a:spcBef>
+          <a:spcPts val="500"/>
+        </a:spcBef>
+        <a:buFont typeface="Arial" panose="020B0604020202020204" pitchFamily="34" charset="0"/>
+        <a:buChar char="•"/>
+        <a:defRPr sz="1800" kern="1200">
+          <a:solidFill>
+            <a:schemeClr val="tx1"/>
+          </a:solidFill>
+          <a:latin typeface="+mn-lt"/>
+          <a:ea typeface="+mn-ea"/>
+          <a:cs typeface="+mn-cs"/>
+        </a:defRPr>
+      </a:lvl8pPr>
+      <a:lvl9pPr marL="3886200" indent="-228600" algn="l" defTabSz="914400" rtl="0" eaLnBrk="1" latinLnBrk="0" hangingPunct="1">
+        <a:lnSpc>
+          <a:spcPct val="90000"/>
+        </a:lnSpc>
+        <a:spcBef>
+          <a:spcPts val="500"/>
+        </a:spcBef>
+        <a:buFont typeface="Arial" panose="020B0604020202020204" pitchFamily="34" charset="0"/>
+        <a:buChar char="•"/>
+        <a:defRPr sz="1800" kern="1200">
+          <a:solidFill>
+            <a:schemeClr val="tx1"/>
+          </a:solidFill>
+          <a:latin typeface="+mn-lt"/>
+          <a:ea typeface="+mn-ea"/>
+          <a:cs typeface="+mn-cs"/>
+        </a:defRPr>
+      </a:lvl9pPr>
+    </p:bodyStyle>
+    <p:otherStyle>
+      <a:defPPr>
+        <a:defRPr lang="en-US"/>
+      </a:defPPr>
+      <a:lvl1pPr marL="0" algn="l" defTabSz="914400" rtl="0" eaLnBrk="1" latinLnBrk="0" hangingPunct="1">
+        <a:defRPr sz="1800" kern="1200">
+          <a:solidFill>
+            <a:schemeClr val="tx1"/>
+          </a:solidFill>
+          <a:latin typeface="+mn-lt"/>
+          <a:ea typeface="+mn-ea"/>
+          <a:cs typeface="+mn-cs"/>
+        </a:defRPr>
+      </a:lvl1pPr>
+      <a:lvl2pPr marL="457200" algn="l" defTabSz="914400" rtl="0" eaLnBrk="1" latinLnBrk="0" hangingPunct="1">
+        <a:defRPr sz="1800" kern="1200">
+          <a:solidFill>
+            <a:schemeClr val="tx1"/>
+          </a:solidFill>
+          <a:latin typeface="+mn-lt"/>
+          <a:ea typeface="+mn-ea"/>
+          <a:cs typeface="+mn-cs"/>
+        </a:defRPr>
+      </a:lvl2pPr>
+      <a:lvl3pPr marL="914400" algn="l" defTabSz="914400" rtl="0" eaLnBrk="1" latinLnBrk="0" hangingPunct="1">
+        <a:defRPr sz="1800" kern="1200">
+          <a:solidFill>
+            <a:schemeClr val="tx1"/>
+          </a:solidFill>
+          <a:latin typeface="+mn-lt"/>
+          <a:ea typeface="+mn-ea"/>
+          <a:cs typeface="+mn-cs"/>
+        </a:defRPr>
+      </a:lvl3pPr>
+      <a:lvl4pPr marL="1371600" algn="l" defTabSz="914400" rtl="0" eaLnBrk="1" latinLnBrk="0" hangingPunct="1">
+        <a:defRPr sz="1800" kern="1200">
+          <a:solidFill>
+            <a:schemeClr val="tx1"/>
+          </a:solidFill>
+          <a:latin typeface="+mn-lt"/>
+          <a:ea typeface="+mn-ea"/>
+          <a:cs typeface="+mn-cs"/>
+        </a:defRPr>
+      </a:lvl4pPr>
+      <a:lvl5pPr marL="1828800" algn="l" defTabSz="914400" rtl="0" eaLnBrk="1" latinLnBrk="0" hangingPunct="1">
+        <a:defRPr sz="1800" kern="1200">
+          <a:solidFill>
+            <a:schemeClr val="tx1"/>
+          </a:solidFill>
+          <a:latin typeface="+mn-lt"/>
+          <a:ea typeface="+mn-ea"/>
+          <a:cs typeface="+mn-cs"/>
+        </a:defRPr>
+      </a:lvl5pPr>
+      <a:lvl6pPr marL="2286000" algn="l" defTabSz="914400" rtl="0" eaLnBrk="1" latinLnBrk="0" hangingPunct="1">
+        <a:defRPr sz="1800" kern="1200">
+          <a:solidFill>
+            <a:schemeClr val="tx1"/>
+          </a:solidFill>
+          <a:latin typeface="+mn-lt"/>
+          <a:ea typeface="+mn-ea"/>
+          <a:cs typeface="+mn-cs"/>
+        </a:defRPr>
+      </a:lvl6pPr>
+      <a:lvl7pPr marL="2743200" algn="l" defTabSz="914400" rtl="0" eaLnBrk="1" latinLnBrk="0" hangingPunct="1">
+        <a:defRPr sz="1800" kern="1200">
+          <a:solidFill>
+            <a:schemeClr val="tx1"/>
+          </a:solidFill>
+          <a:latin typeface="+mn-lt"/>
+          <a:ea typeface="+mn-ea"/>
+          <a:cs typeface="+mn-cs"/>
+        </a:defRPr>
+      </a:lvl7pPr>
+      <a:lvl8pPr marL="3200400" algn="l" defTabSz="914400" rtl="0" eaLnBrk="1" latinLnBrk="0" hangingPunct="1">
+        <a:defRPr sz="1800" kern="1200">
+          <a:solidFill>
+            <a:schemeClr val="tx1"/>
+          </a:solidFill>
+          <a:latin typeface="+mn-lt"/>
+          <a:ea typeface="+mn-ea"/>
+          <a:cs typeface="+mn-cs"/>
+        </a:defRPr>
+      </a:lvl8pPr>
+      <a:lvl9pPr marL="3657600" algn="l" defTabSz="914400" rtl="0" eaLnBrk="1" latinLnBrk="0" hangingPunct="1">
+        <a:defRPr sz="1800" kern="1200">
+          <a:solidFill>
+            <a:schemeClr val="tx1"/>
+          </a:solidFill>
+          <a:latin typeface="+mn-lt"/>
+          <a:ea typeface="+mn-ea"/>
+          <a:cs typeface="+mn-cs"/>
+        </a:defRPr>
+      </a:lvl9pPr>
+    </p:otherStyle>
+  </p:txStyles>
 </p:sldMaster>
 </file>
 
 <file path=ppt/slides/slide1.xml><?xml version="1.0" encoding="utf-8"?>
-<p:sld xmlns:a="http://schemas.openxmlformats.org/drawingml/2006/main" xmlns:p="http://schemas.openxmlformats.org/presentationml/2006/main" xmlns:r="http://schemas.openxmlformats.org/officeDocument/2006/relationships" xmlns:p14="http://schemas.microsoft.com/office/powerpoint/2010/main" xmlns:p15="http://schemas.microsoft.com/office/powerpoint/2012/main" xmlns:mc="http://schemas.openxmlformats.org/markup-compatibility/2006">
+<p:sld xmlns:a="http://schemas.openxmlformats.org/drawingml/2006/main" xmlns:r="http://schemas.openxmlformats.org/officeDocument/2006/relationships" xmlns:p="http://schemas.openxmlformats.org/presentationml/2006/main">
   <p:cSld>
     <p:spTree>
       <p:nvGrpSpPr>
@@ -5467,6 +6504,7 @@
         </p:spPr>
         <p:txBody>
           <a:bodyPr tIns="91440" bIns="91440" anchor="b"/>
+          <a:lstStyle/>
           <a:p>
             <a:pPr algn="ctr">
               <a:lnSpc>
@@ -5474,16 +6512,16 @@
               </a:lnSpc>
             </a:pPr>
             <a:r>
-              <a:rPr b="0" lang="en-US" sz="4800" spc="-1" strike="noStrike">
-                <a:solidFill>
-                  <a:srgbClr val="ffffff"/>
+              <a:rPr lang="en-US" sz="4800" b="0" strike="noStrike" spc="-1">
+                <a:solidFill>
+                  <a:srgbClr val="FFFFFF"/>
                 </a:solidFill>
                 <a:latin typeface="Oswald"/>
                 <a:ea typeface="Oswald"/>
               </a:rPr>
               <a:t>Cursul 2</a:t>
             </a:r>
-            <a:endParaRPr b="0" lang="en-US" sz="4800" spc="-1" strike="noStrike">
+            <a:endParaRPr lang="en-US" sz="4800" b="0" strike="noStrike" spc="-1">
               <a:solidFill>
                 <a:srgbClr val="000000"/>
               </a:solidFill>
@@ -5513,6 +6551,7 @@
         </p:spPr>
         <p:txBody>
           <a:bodyPr tIns="91440" bIns="91440"/>
+          <a:lstStyle/>
           <a:p>
             <a:pPr algn="ctr">
               <a:lnSpc>
@@ -5520,23 +6559,62 @@
               </a:lnSpc>
             </a:pPr>
             <a:r>
-              <a:rPr b="0" lang="en-US" sz="2100" spc="-1" strike="noStrike">
-                <a:solidFill>
-                  <a:srgbClr val="cacaca"/>
+              <a:rPr lang="en-US" sz="2100" b="0" strike="noStrike" spc="-1">
+                <a:solidFill>
+                  <a:srgbClr val="CACACA"/>
                 </a:solidFill>
                 <a:latin typeface="Average"/>
                 <a:ea typeface="Average"/>
               </a:rPr>
               <a:t>Notiuni de programare. Recapitulare si completari</a:t>
             </a:r>
-            <a:endParaRPr b="0" lang="en-US" sz="2100" spc="-1" strike="noStrike">
-              <a:latin typeface="Arial"/>
-            </a:endParaRPr>
-          </a:p>
-        </p:txBody>
-      </p:sp>
+            <a:endParaRPr lang="en-US" sz="2100" b="0" strike="noStrike" spc="-1">
+              <a:latin typeface="Arial"/>
+            </a:endParaRPr>
+          </a:p>
+        </p:txBody>
+      </p:sp>
+      <p:pic>
+        <p:nvPicPr>
+          <p:cNvPr id="2" name="Picture 1"/>
+          <p:cNvPicPr>
+            <a:picLocks noChangeAspect="1"/>
+          </p:cNvPicPr>
+          <p:nvPr/>
+        </p:nvPicPr>
+        <p:blipFill>
+          <a:blip r:embed="rId2" cstate="print">
+            <a:extLst>
+              <a:ext uri="{28A0092B-C50C-407E-A947-70E740481C1C}">
+                <a14:useLocalDpi xmlns:a14="http://schemas.microsoft.com/office/drawing/2010/main" val="0"/>
+              </a:ext>
+            </a:extLst>
+          </a:blip>
+          <a:stretch>
+            <a:fillRect/>
+          </a:stretch>
+        </p:blipFill>
+        <p:spPr>
+          <a:xfrm>
+            <a:off x="6858000" y="0"/>
+            <a:ext cx="2286000" cy="1838271"/>
+          </a:xfrm>
+          <a:prstGeom prst="rect">
+            <a:avLst/>
+          </a:prstGeom>
+          <a:ln>
+            <a:noFill/>
+          </a:ln>
+          <a:effectLst>
+            <a:softEdge rad="112500"/>
+          </a:effectLst>
+        </p:spPr>
+      </p:pic>
     </p:spTree>
   </p:cSld>
+  <p:clrMapOvr>
+    <a:masterClrMapping/>
+  </p:clrMapOvr>
   <p:timing>
     <p:tnLst>
       <p:par>
@@ -5545,14 +6623,14 @@
             <p:seq>
               <p:cTn id="2" nodeType="mainSeq"/>
               <p:prevCondLst>
-                <p:cond delay="0" evt="onPrev">
+                <p:cond evt="onPrev" delay="0">
                   <p:tgtEl>
                     <p:sldTgt/>
                   </p:tgtEl>
                 </p:cond>
               </p:prevCondLst>
               <p:nextCondLst>
-                <p:cond delay="0" evt="onNext">
+                <p:cond evt="onNext" delay="0">
                   <p:tgtEl>
                     <p:sldTgt/>
                   </p:tgtEl>
@@ -5568,7 +6646,7 @@
 </file>
 
 <file path=ppt/slides/slide10.xml><?xml version="1.0" encoding="utf-8"?>
-<p:sld xmlns:a="http://schemas.openxmlformats.org/drawingml/2006/main" xmlns:p="http://schemas.openxmlformats.org/presentationml/2006/main" xmlns:r="http://schemas.openxmlformats.org/officeDocument/2006/relationships" xmlns:p14="http://schemas.microsoft.com/office/powerpoint/2010/main" xmlns:p15="http://schemas.microsoft.com/office/powerpoint/2012/main" xmlns:mc="http://schemas.openxmlformats.org/markup-compatibility/2006">
+<p:sld xmlns:a="http://schemas.openxmlformats.org/drawingml/2006/main" xmlns:r="http://schemas.openxmlformats.org/officeDocument/2006/relationships" xmlns:p="http://schemas.openxmlformats.org/presentationml/2006/main">
   <p:cSld>
     <p:spTree>
       <p:nvGrpSpPr>
@@ -5605,8 +6683,9 @@
         </p:spPr>
         <p:txBody>
           <a:bodyPr tIns="91440" bIns="91440"/>
-          <a:p>
-            <a:endParaRPr b="0" lang="en-US" sz="1400" spc="-1" strike="noStrike">
+          <a:lstStyle/>
+          <a:p>
+            <a:endParaRPr lang="en-US" sz="1400" b="0" strike="noStrike" spc="-1">
               <a:solidFill>
                 <a:srgbClr val="000000"/>
               </a:solidFill>
@@ -5636,133 +6715,134 @@
         </p:spPr>
         <p:txBody>
           <a:bodyPr tIns="91440" bIns="91440"/>
+          <a:lstStyle/>
           <a:p>
             <a:pPr marL="457200" indent="-342720">
               <a:lnSpc>
                 <a:spcPct val="100000"/>
               </a:lnSpc>
               <a:buClr>
-                <a:srgbClr val="cacaca"/>
+                <a:srgbClr val="CACACA"/>
               </a:buClr>
               <a:buFont typeface="Average"/>
               <a:buChar char="-"/>
             </a:pPr>
             <a:r>
-              <a:rPr b="0" lang="en-US" sz="1800" spc="-1" strike="noStrike">
-                <a:solidFill>
-                  <a:srgbClr val="cacaca"/>
+              <a:rPr lang="en-US" sz="1800" b="0" strike="noStrike" spc="-1">
+                <a:solidFill>
+                  <a:srgbClr val="CACACA"/>
                 </a:solidFill>
                 <a:latin typeface="Average"/>
                 <a:ea typeface="Average"/>
               </a:rPr>
               <a:t>Fisiere antet/header:</a:t>
             </a:r>
-            <a:endParaRPr b="0" lang="en-US" sz="1800" spc="-1" strike="noStrike">
-              <a:solidFill>
-                <a:srgbClr val="000000"/>
-              </a:solidFill>
-              <a:latin typeface="Arial"/>
-            </a:endParaRPr>
-          </a:p>
-          <a:p>
-            <a:pPr lvl="1" marL="914400" indent="-342720">
+            <a:endParaRPr lang="en-US" sz="1800" b="0" strike="noStrike" spc="-1">
+              <a:solidFill>
+                <a:srgbClr val="000000"/>
+              </a:solidFill>
+              <a:latin typeface="Arial"/>
+            </a:endParaRPr>
+          </a:p>
+          <a:p>
+            <a:pPr marL="914400" lvl="1" indent="-342720">
               <a:lnSpc>
                 <a:spcPct val="100000"/>
               </a:lnSpc>
               <a:buClr>
-                <a:srgbClr val="cacaca"/>
+                <a:srgbClr val="CACACA"/>
               </a:buClr>
               <a:buFont typeface="Average"/>
               <a:buChar char="-"/>
             </a:pPr>
             <a:r>
-              <a:rPr b="0" lang="en-US" sz="1800" spc="-1" strike="noStrike">
-                <a:solidFill>
-                  <a:srgbClr val="cacaca"/>
+              <a:rPr lang="en-US" sz="1800" b="0" strike="noStrike" spc="-1">
+                <a:solidFill>
+                  <a:srgbClr val="CACACA"/>
                 </a:solidFill>
                 <a:latin typeface="Average"/>
                 <a:ea typeface="Average"/>
               </a:rPr>
               <a:t>Au extensia .h</a:t>
             </a:r>
-            <a:endParaRPr b="0" lang="en-US" sz="1800" spc="-1" strike="noStrike">
-              <a:solidFill>
-                <a:srgbClr val="000000"/>
-              </a:solidFill>
-              <a:latin typeface="Arial"/>
-            </a:endParaRPr>
-          </a:p>
-          <a:p>
-            <a:pPr lvl="1" marL="914400" indent="-342720">
+            <a:endParaRPr lang="en-US" sz="1800" b="0" strike="noStrike" spc="-1">
+              <a:solidFill>
+                <a:srgbClr val="000000"/>
+              </a:solidFill>
+              <a:latin typeface="Arial"/>
+            </a:endParaRPr>
+          </a:p>
+          <a:p>
+            <a:pPr marL="914400" lvl="1" indent="-342720">
               <a:lnSpc>
                 <a:spcPct val="100000"/>
               </a:lnSpc>
               <a:buClr>
-                <a:srgbClr val="cacaca"/>
+                <a:srgbClr val="CACACA"/>
               </a:buClr>
               <a:buFont typeface="Average"/>
               <a:buChar char="-"/>
             </a:pPr>
             <a:r>
-              <a:rPr b="0" lang="en-US" sz="1800" spc="-1" strike="noStrike">
-                <a:solidFill>
-                  <a:srgbClr val="cacaca"/>
+              <a:rPr lang="en-US" sz="1800" b="0" strike="noStrike" spc="-1">
+                <a:solidFill>
+                  <a:srgbClr val="CACACA"/>
                 </a:solidFill>
                 <a:latin typeface="Average"/>
                 <a:ea typeface="Average"/>
               </a:rPr>
               <a:t>Contin declaratii de variabile, constante, prototipul functiilor</a:t>
             </a:r>
-            <a:endParaRPr b="0" lang="en-US" sz="1800" spc="-1" strike="noStrike">
-              <a:solidFill>
-                <a:srgbClr val="000000"/>
-              </a:solidFill>
-              <a:latin typeface="Arial"/>
-            </a:endParaRPr>
-          </a:p>
-          <a:p>
-            <a:pPr lvl="1" marL="914400" indent="-342720">
+            <a:endParaRPr lang="en-US" sz="1800" b="0" strike="noStrike" spc="-1">
+              <a:solidFill>
+                <a:srgbClr val="000000"/>
+              </a:solidFill>
+              <a:latin typeface="Arial"/>
+            </a:endParaRPr>
+          </a:p>
+          <a:p>
+            <a:pPr marL="914400" lvl="1" indent="-342720">
               <a:lnSpc>
                 <a:spcPct val="100000"/>
               </a:lnSpc>
               <a:buClr>
-                <a:srgbClr val="cacaca"/>
+                <a:srgbClr val="CACACA"/>
               </a:buClr>
               <a:buFont typeface="Average"/>
               <a:buChar char="-"/>
             </a:pPr>
             <a:r>
-              <a:rPr b="0" lang="en-US" sz="1800" spc="-1" strike="noStrike">
-                <a:solidFill>
-                  <a:srgbClr val="cacaca"/>
+              <a:rPr lang="en-US" sz="1800" b="0" strike="noStrike" spc="-1">
+                <a:solidFill>
+                  <a:srgbClr val="CACACA"/>
                 </a:solidFill>
                 <a:latin typeface="Average"/>
                 <a:ea typeface="Average"/>
               </a:rPr>
               <a:t>Sunt specifice bibliotecilor, dar nu numai</a:t>
             </a:r>
-            <a:endParaRPr b="0" lang="en-US" sz="1800" spc="-1" strike="noStrike">
-              <a:solidFill>
-                <a:srgbClr val="000000"/>
-              </a:solidFill>
-              <a:latin typeface="Arial"/>
-            </a:endParaRPr>
-          </a:p>
-          <a:p>
-            <a:pPr lvl="1" marL="914400" indent="-342720">
+            <a:endParaRPr lang="en-US" sz="1800" b="0" strike="noStrike" spc="-1">
+              <a:solidFill>
+                <a:srgbClr val="000000"/>
+              </a:solidFill>
+              <a:latin typeface="Arial"/>
+            </a:endParaRPr>
+          </a:p>
+          <a:p>
+            <a:pPr marL="914400" lvl="1" indent="-342720">
               <a:lnSpc>
                 <a:spcPct val="100000"/>
               </a:lnSpc>
               <a:buClr>
-                <a:srgbClr val="cacaca"/>
+                <a:srgbClr val="CACACA"/>
               </a:buClr>
               <a:buFont typeface="Average"/>
               <a:buChar char="-"/>
             </a:pPr>
             <a:r>
-              <a:rPr b="0" lang="en-US" sz="1800" spc="-1" strike="noStrike">
-                <a:solidFill>
-                  <a:srgbClr val="cacaca"/>
+              <a:rPr lang="en-US" sz="1800" b="0" strike="noStrike" spc="-1">
+                <a:solidFill>
+                  <a:srgbClr val="CACACA"/>
                 </a:solidFill>
                 <a:latin typeface="Average"/>
                 <a:ea typeface="Average"/>
@@ -5770,9 +6850,9 @@
               <a:t>Le includem in program astfel: </a:t>
             </a:r>
             <a:r>
-              <a:rPr b="0" i="1" lang="en-US" sz="1800" spc="-1" strike="noStrike">
-                <a:solidFill>
-                  <a:srgbClr val="cacaca"/>
+              <a:rPr lang="en-US" sz="1800" b="0" i="1" strike="noStrike" spc="-1">
+                <a:solidFill>
+                  <a:srgbClr val="CACACA"/>
                 </a:solidFill>
                 <a:latin typeface="Average"/>
                 <a:ea typeface="Average"/>
@@ -5780,9 +6860,9 @@
               <a:t>#include &lt;librarie&gt;</a:t>
             </a:r>
             <a:r>
-              <a:rPr b="0" lang="en-US" sz="1800" spc="-1" strike="noStrike">
-                <a:solidFill>
-                  <a:srgbClr val="cacaca"/>
+              <a:rPr lang="en-US" sz="1800" b="0" strike="noStrike" spc="-1">
+                <a:solidFill>
+                  <a:srgbClr val="CACACA"/>
                 </a:solidFill>
                 <a:latin typeface="Average"/>
                 <a:ea typeface="Average"/>
@@ -5790,72 +6870,72 @@
               <a:t> sau </a:t>
             </a:r>
             <a:r>
-              <a:rPr b="0" i="1" lang="en-US" sz="1800" spc="-1" strike="noStrike">
-                <a:solidFill>
-                  <a:srgbClr val="cacaca"/>
+              <a:rPr lang="en-US" sz="1800" b="0" i="1" strike="noStrike" spc="-1">
+                <a:solidFill>
+                  <a:srgbClr val="CACACA"/>
                 </a:solidFill>
                 <a:latin typeface="Average"/>
                 <a:ea typeface="Average"/>
               </a:rPr>
               <a:t>#include “fisier”</a:t>
             </a:r>
-            <a:endParaRPr b="0" lang="en-US" sz="1800" spc="-1" strike="noStrike">
-              <a:solidFill>
-                <a:srgbClr val="000000"/>
-              </a:solidFill>
-              <a:latin typeface="Arial"/>
-            </a:endParaRPr>
-          </a:p>
-          <a:p>
-            <a:pPr lvl="1" marL="914400" indent="-342720">
+            <a:endParaRPr lang="en-US" sz="1800" b="0" strike="noStrike" spc="-1">
+              <a:solidFill>
+                <a:srgbClr val="000000"/>
+              </a:solidFill>
+              <a:latin typeface="Arial"/>
+            </a:endParaRPr>
+          </a:p>
+          <a:p>
+            <a:pPr marL="914400" lvl="1" indent="-342720">
               <a:lnSpc>
                 <a:spcPct val="100000"/>
               </a:lnSpc>
               <a:buClr>
-                <a:srgbClr val="cacaca"/>
+                <a:srgbClr val="CACACA"/>
               </a:buClr>
               <a:buFont typeface="Average"/>
               <a:buChar char="-"/>
             </a:pPr>
             <a:r>
-              <a:rPr b="0" lang="en-US" sz="1800" spc="-1" strike="noStrike">
-                <a:solidFill>
-                  <a:srgbClr val="cacaca"/>
+              <a:rPr lang="en-US" sz="1800" b="0" strike="noStrike" spc="-1">
+                <a:solidFill>
+                  <a:srgbClr val="CACACA"/>
                 </a:solidFill>
                 <a:latin typeface="Average"/>
                 <a:ea typeface="Average"/>
               </a:rPr>
               <a:t>Exemplu: iostream, cmath, fstream, algorithm, cstring, vector etc</a:t>
             </a:r>
-            <a:endParaRPr b="0" lang="en-US" sz="1800" spc="-1" strike="noStrike">
-              <a:solidFill>
-                <a:srgbClr val="000000"/>
-              </a:solidFill>
-              <a:latin typeface="Arial"/>
-            </a:endParaRPr>
-          </a:p>
-          <a:p>
-            <a:pPr lvl="1" marL="914400" indent="-342720">
+            <a:endParaRPr lang="en-US" sz="1800" b="0" strike="noStrike" spc="-1">
+              <a:solidFill>
+                <a:srgbClr val="000000"/>
+              </a:solidFill>
+              <a:latin typeface="Arial"/>
+            </a:endParaRPr>
+          </a:p>
+          <a:p>
+            <a:pPr marL="914400" lvl="1" indent="-342720">
               <a:lnSpc>
                 <a:spcPct val="100000"/>
               </a:lnSpc>
               <a:buClr>
-                <a:srgbClr val="cacaca"/>
+                <a:srgbClr val="CACACA"/>
               </a:buClr>
               <a:buFont typeface="Average"/>
               <a:buChar char="-"/>
             </a:pPr>
             <a:r>
-              <a:rPr b="0" lang="en-US" sz="1800" spc="-1" strike="noStrike">
-                <a:solidFill>
-                  <a:srgbClr val="cacaca"/>
+              <a:rPr lang="en-US" sz="1800" b="0" strike="noStrike" spc="-1">
+                <a:solidFill>
+                  <a:srgbClr val="CACACA"/>
                 </a:solidFill>
                 <a:latin typeface="Average"/>
                 <a:ea typeface="Average"/>
               </a:rPr>
               <a:t>Tema de gandire: Cautati pe Internet ce fac bibliotecile enumerate</a:t>
             </a:r>
-            <a:endParaRPr b="0" lang="en-US" sz="1800" spc="-1" strike="noStrike">
+            <a:endParaRPr lang="en-US" sz="1800" b="0" strike="noStrike" spc="-1">
               <a:solidFill>
                 <a:srgbClr val="000000"/>
               </a:solidFill>
@@ -5866,22 +6946,25 @@
       </p:sp>
     </p:spTree>
   </p:cSld>
+  <p:clrMapOvr>
+    <a:masterClrMapping/>
+  </p:clrMapOvr>
   <p:timing>
     <p:tnLst>
       <p:par>
-        <p:cTn id="19" dur="indefinite" restart="never" nodeType="tmRoot">
+        <p:cTn id="1" dur="indefinite" restart="never" nodeType="tmRoot">
           <p:childTnLst>
             <p:seq>
-              <p:cTn id="20" nodeType="mainSeq"/>
+              <p:cTn id="2" nodeType="mainSeq"/>
               <p:prevCondLst>
-                <p:cond delay="0" evt="onPrev">
+                <p:cond evt="onPrev" delay="0">
                   <p:tgtEl>
                     <p:sldTgt/>
                   </p:tgtEl>
                 </p:cond>
               </p:prevCondLst>
               <p:nextCondLst>
-                <p:cond delay="0" evt="onNext">
+                <p:cond evt="onNext" delay="0">
                   <p:tgtEl>
                     <p:sldTgt/>
                   </p:tgtEl>
@@ -5897,7 +6980,7 @@
 </file>
 
 <file path=ppt/slides/slide11.xml><?xml version="1.0" encoding="utf-8"?>
-<p:sld xmlns:a="http://schemas.openxmlformats.org/drawingml/2006/main" xmlns:p="http://schemas.openxmlformats.org/presentationml/2006/main" xmlns:r="http://schemas.openxmlformats.org/officeDocument/2006/relationships" xmlns:p14="http://schemas.microsoft.com/office/powerpoint/2010/main" xmlns:p15="http://schemas.microsoft.com/office/powerpoint/2012/main" xmlns:mc="http://schemas.openxmlformats.org/markup-compatibility/2006">
+<p:sld xmlns:a="http://schemas.openxmlformats.org/drawingml/2006/main" xmlns:r="http://schemas.openxmlformats.org/officeDocument/2006/relationships" xmlns:p="http://schemas.openxmlformats.org/presentationml/2006/main">
   <p:cSld>
     <p:spTree>
       <p:nvGrpSpPr>
@@ -5934,6 +7017,7 @@
         </p:spPr>
         <p:txBody>
           <a:bodyPr tIns="91440" bIns="91440"/>
+          <a:lstStyle/>
           <a:p>
             <a:pPr>
               <a:lnSpc>
@@ -5941,16 +7025,16 @@
               </a:lnSpc>
             </a:pPr>
             <a:r>
-              <a:rPr b="0" lang="en-US" sz="3000" spc="-1" strike="noStrike">
-                <a:solidFill>
-                  <a:srgbClr val="ffffff"/>
+              <a:rPr lang="en-US" sz="3000" b="0" strike="noStrike" spc="-1">
+                <a:solidFill>
+                  <a:srgbClr val="FFFFFF"/>
                 </a:solidFill>
                 <a:latin typeface="Oswald"/>
                 <a:ea typeface="Oswald"/>
               </a:rPr>
               <a:t>Functii in C++</a:t>
             </a:r>
-            <a:endParaRPr b="0" lang="en-US" sz="3000" spc="-1" strike="noStrike">
+            <a:endParaRPr lang="en-US" sz="3000" b="0" strike="noStrike" spc="-1">
               <a:solidFill>
                 <a:srgbClr val="000000"/>
               </a:solidFill>
@@ -5980,28 +7064,29 @@
         </p:spPr>
         <p:txBody>
           <a:bodyPr tIns="91440" bIns="91440"/>
+          <a:lstStyle/>
           <a:p>
             <a:pPr marL="457200" indent="-342720">
               <a:lnSpc>
                 <a:spcPct val="100000"/>
               </a:lnSpc>
               <a:buClr>
-                <a:srgbClr val="cacaca"/>
+                <a:srgbClr val="CACACA"/>
               </a:buClr>
               <a:buFont typeface="Average"/>
               <a:buChar char="-"/>
             </a:pPr>
             <a:r>
-              <a:rPr b="0" lang="en-US" sz="1800" spc="-1" strike="noStrike">
-                <a:solidFill>
-                  <a:srgbClr val="cacaca"/>
+              <a:rPr lang="en-US" sz="1800" b="0" strike="noStrike" spc="-1">
+                <a:solidFill>
+                  <a:srgbClr val="CACACA"/>
                 </a:solidFill>
                 <a:latin typeface="Average"/>
                 <a:ea typeface="Average"/>
               </a:rPr>
               <a:t>O portiune de cod care e folosita de mai multe ori ( apelata )</a:t>
             </a:r>
-            <a:endParaRPr b="0" lang="en-US" sz="1800" spc="-1" strike="noStrike">
+            <a:endParaRPr lang="en-US" sz="1800" b="0" strike="noStrike" spc="-1">
               <a:solidFill>
                 <a:srgbClr val="000000"/>
               </a:solidFill>
@@ -6014,22 +7099,22 @@
                 <a:spcPct val="100000"/>
               </a:lnSpc>
               <a:buClr>
-                <a:srgbClr val="cacaca"/>
+                <a:srgbClr val="CACACA"/>
               </a:buClr>
               <a:buFont typeface="Average"/>
               <a:buChar char="-"/>
             </a:pPr>
             <a:r>
-              <a:rPr b="0" lang="en-US" sz="1800" spc="-1" strike="noStrike">
-                <a:solidFill>
-                  <a:srgbClr val="cacaca"/>
+              <a:rPr lang="en-US" sz="1800" b="0" strike="noStrike" spc="-1">
+                <a:solidFill>
+                  <a:srgbClr val="CACACA"/>
                 </a:solidFill>
                 <a:latin typeface="Average"/>
                 <a:ea typeface="Average"/>
               </a:rPr>
               <a:t>Folosirea lor creste lizibilitatea codului, nu mai repetam cod prin diverse zone</a:t>
             </a:r>
-            <a:endParaRPr b="0" lang="en-US" sz="1800" spc="-1" strike="noStrike">
+            <a:endParaRPr lang="en-US" sz="1800" b="0" strike="noStrike" spc="-1">
               <a:solidFill>
                 <a:srgbClr val="000000"/>
               </a:solidFill>
@@ -6042,78 +7127,78 @@
                 <a:spcPct val="100000"/>
               </a:lnSpc>
               <a:buClr>
-                <a:srgbClr val="cacaca"/>
+                <a:srgbClr val="CACACA"/>
               </a:buClr>
               <a:buFont typeface="Average"/>
               <a:buChar char="-"/>
             </a:pPr>
             <a:r>
-              <a:rPr b="0" lang="en-US" sz="1800" spc="-1" strike="noStrike">
-                <a:solidFill>
-                  <a:srgbClr val="cacaca"/>
+              <a:rPr lang="en-US" sz="1800" b="0" strike="noStrike" spc="-1">
+                <a:solidFill>
+                  <a:srgbClr val="CACACA"/>
                 </a:solidFill>
                 <a:latin typeface="Average"/>
                 <a:ea typeface="Average"/>
               </a:rPr>
               <a:t>Definitia unei functii:</a:t>
             </a:r>
-            <a:endParaRPr b="0" lang="en-US" sz="1800" spc="-1" strike="noStrike">
-              <a:solidFill>
-                <a:srgbClr val="000000"/>
-              </a:solidFill>
-              <a:latin typeface="Arial"/>
-            </a:endParaRPr>
-          </a:p>
-          <a:p>
-            <a:pPr lvl="1" marL="914400" indent="-342720">
+            <a:endParaRPr lang="en-US" sz="1800" b="0" strike="noStrike" spc="-1">
+              <a:solidFill>
+                <a:srgbClr val="000000"/>
+              </a:solidFill>
+              <a:latin typeface="Arial"/>
+            </a:endParaRPr>
+          </a:p>
+          <a:p>
+            <a:pPr marL="914400" lvl="1" indent="-342720">
               <a:lnSpc>
                 <a:spcPct val="100000"/>
               </a:lnSpc>
               <a:buClr>
-                <a:srgbClr val="cacaca"/>
+                <a:srgbClr val="CACACA"/>
               </a:buClr>
               <a:buFont typeface="Average"/>
               <a:buChar char="-"/>
             </a:pPr>
             <a:r>
-              <a:rPr b="0" i="1" lang="en-US" sz="1800" spc="-1" strike="noStrike">
-                <a:solidFill>
-                  <a:srgbClr val="cacaca"/>
+              <a:rPr lang="en-US" sz="1800" b="0" i="1" strike="noStrike" spc="-1">
+                <a:solidFill>
+                  <a:srgbClr val="CACACA"/>
                 </a:solidFill>
                 <a:latin typeface="Average"/>
                 <a:ea typeface="Average"/>
               </a:rPr>
               <a:t>tipRezultat numFunctie(lista_parametrii_formali) { instructiuni }</a:t>
             </a:r>
-            <a:endParaRPr b="0" lang="en-US" sz="1800" spc="-1" strike="noStrike">
-              <a:solidFill>
-                <a:srgbClr val="000000"/>
-              </a:solidFill>
-              <a:latin typeface="Arial"/>
-            </a:endParaRPr>
-          </a:p>
-          <a:p>
-            <a:pPr lvl="1" marL="914400" indent="-342720">
+            <a:endParaRPr lang="en-US" sz="1800" b="0" strike="noStrike" spc="-1">
+              <a:solidFill>
+                <a:srgbClr val="000000"/>
+              </a:solidFill>
+              <a:latin typeface="Arial"/>
+            </a:endParaRPr>
+          </a:p>
+          <a:p>
+            <a:pPr marL="914400" lvl="1" indent="-342720">
               <a:lnSpc>
                 <a:spcPct val="100000"/>
               </a:lnSpc>
               <a:buClr>
-                <a:srgbClr val="cacaca"/>
+                <a:srgbClr val="CACACA"/>
               </a:buClr>
               <a:buFont typeface="Average"/>
               <a:buChar char="-"/>
             </a:pPr>
             <a:r>
-              <a:rPr b="0" lang="en-US" sz="1800" spc="-1" strike="noStrike">
-                <a:solidFill>
-                  <a:srgbClr val="cacaca"/>
+              <a:rPr lang="en-US" sz="1800" b="0" strike="noStrike" spc="-1">
+                <a:solidFill>
+                  <a:srgbClr val="CACACA"/>
                 </a:solidFill>
                 <a:latin typeface="Average"/>
                 <a:ea typeface="Average"/>
               </a:rPr>
               <a:t>Daca nu returneaza void, atunci e nevoie de cel putin o instructiune return</a:t>
             </a:r>
-            <a:endParaRPr b="0" lang="en-US" sz="1800" spc="-1" strike="noStrike">
+            <a:endParaRPr lang="en-US" sz="1800" b="0" strike="noStrike" spc="-1">
               <a:solidFill>
                 <a:srgbClr val="000000"/>
               </a:solidFill>
@@ -6130,9 +7215,9 @@
               </a:spcBef>
             </a:pPr>
             <a:r>
-              <a:rPr b="0" lang="en-US" sz="1800" spc="-1" strike="noStrike">
-                <a:solidFill>
-                  <a:srgbClr val="cacaca"/>
+              <a:rPr lang="en-US" sz="1800" b="0" strike="noStrike" spc="-1">
+                <a:solidFill>
+                  <a:srgbClr val="CACACA"/>
                 </a:solidFill>
                 <a:latin typeface="Average"/>
                 <a:ea typeface="Average"/>
@@ -6140,16 +7225,16 @@
               <a:t>- Apelare: </a:t>
             </a:r>
             <a:r>
-              <a:rPr b="0" i="1" lang="en-US" sz="1800" spc="-1" strike="noStrike">
-                <a:solidFill>
-                  <a:srgbClr val="cacaca"/>
+              <a:rPr lang="en-US" sz="1800" b="0" i="1" strike="noStrike" spc="-1">
+                <a:solidFill>
+                  <a:srgbClr val="CACACA"/>
                 </a:solidFill>
                 <a:latin typeface="Average"/>
                 <a:ea typeface="Average"/>
               </a:rPr>
               <a:t>numFunctie(lista_parametrii_efectivi);</a:t>
             </a:r>
-            <a:endParaRPr b="0" lang="en-US" sz="1800" spc="-1" strike="noStrike">
+            <a:endParaRPr lang="en-US" sz="1800" b="0" strike="noStrike" spc="-1">
               <a:solidFill>
                 <a:srgbClr val="000000"/>
               </a:solidFill>
@@ -6166,9 +7251,9 @@
               </a:spcBef>
             </a:pPr>
             <a:r>
-              <a:rPr b="0" lang="en-US" sz="1800" spc="-1" strike="noStrike">
-                <a:solidFill>
-                  <a:srgbClr val="cacaca"/>
+              <a:rPr lang="en-US" sz="1800" b="0" strike="noStrike" spc="-1">
+                <a:solidFill>
+                  <a:srgbClr val="CACACA"/>
                 </a:solidFill>
                 <a:latin typeface="Average"/>
                 <a:ea typeface="Average"/>
@@ -6176,16 +7261,16 @@
               <a:t>- Prototip: </a:t>
             </a:r>
             <a:r>
-              <a:rPr b="0" i="1" lang="en-US" sz="1800" spc="-1" strike="noStrike">
-                <a:solidFill>
-                  <a:srgbClr val="cacaca"/>
+              <a:rPr lang="en-US" sz="1800" b="0" i="1" strike="noStrike" spc="-1">
+                <a:solidFill>
+                  <a:srgbClr val="CACACA"/>
                 </a:solidFill>
                 <a:latin typeface="Average"/>
                 <a:ea typeface="Average"/>
               </a:rPr>
               <a:t>tipRezultat numFunctie(lista_tipuri_parametrii_formali);</a:t>
             </a:r>
-            <a:endParaRPr b="0" lang="en-US" sz="1800" spc="-1" strike="noStrike">
+            <a:endParaRPr lang="en-US" sz="1800" b="0" strike="noStrike" spc="-1">
               <a:solidFill>
                 <a:srgbClr val="000000"/>
               </a:solidFill>
@@ -6205,16 +7290,16 @@
               </a:spcAft>
             </a:pPr>
             <a:r>
-              <a:rPr b="0" lang="en-US" sz="1800" spc="-1" strike="noStrike">
-                <a:solidFill>
-                  <a:srgbClr val="cacaca"/>
+              <a:rPr lang="en-US" sz="1800" b="0" strike="noStrike" spc="-1">
+                <a:solidFill>
+                  <a:srgbClr val="CACACA"/>
                 </a:solidFill>
                 <a:latin typeface="Average"/>
                 <a:ea typeface="Average"/>
               </a:rPr>
               <a:t>- Variabile locale ( dintr-o functie) vs variabile globale ( din afara tuturor functiilor)</a:t>
             </a:r>
-            <a:endParaRPr b="0" lang="en-US" sz="1800" spc="-1" strike="noStrike">
+            <a:endParaRPr lang="en-US" sz="1800" b="0" strike="noStrike" spc="-1">
               <a:solidFill>
                 <a:srgbClr val="000000"/>
               </a:solidFill>
@@ -6225,22 +7310,25 @@
       </p:sp>
     </p:spTree>
   </p:cSld>
+  <p:clrMapOvr>
+    <a:masterClrMapping/>
+  </p:clrMapOvr>
   <p:timing>
     <p:tnLst>
       <p:par>
-        <p:cTn id="21" dur="indefinite" restart="never" nodeType="tmRoot">
+        <p:cTn id="1" dur="indefinite" restart="never" nodeType="tmRoot">
           <p:childTnLst>
             <p:seq>
-              <p:cTn id="22" nodeType="mainSeq"/>
+              <p:cTn id="2" nodeType="mainSeq"/>
               <p:prevCondLst>
-                <p:cond delay="0" evt="onPrev">
+                <p:cond evt="onPrev" delay="0">
                   <p:tgtEl>
                     <p:sldTgt/>
                   </p:tgtEl>
                 </p:cond>
               </p:prevCondLst>
               <p:nextCondLst>
-                <p:cond delay="0" evt="onNext">
+                <p:cond evt="onNext" delay="0">
                   <p:tgtEl>
                     <p:sldTgt/>
                   </p:tgtEl>
@@ -6256,7 +7344,7 @@
 </file>
 
 <file path=ppt/slides/slide12.xml><?xml version="1.0" encoding="utf-8"?>
-<p:sld xmlns:a="http://schemas.openxmlformats.org/drawingml/2006/main" xmlns:p="http://schemas.openxmlformats.org/presentationml/2006/main" xmlns:r="http://schemas.openxmlformats.org/officeDocument/2006/relationships" xmlns:p14="http://schemas.microsoft.com/office/powerpoint/2010/main" xmlns:p15="http://schemas.microsoft.com/office/powerpoint/2012/main" xmlns:mc="http://schemas.openxmlformats.org/markup-compatibility/2006">
+<p:sld xmlns:a="http://schemas.openxmlformats.org/drawingml/2006/main" xmlns:r="http://schemas.openxmlformats.org/officeDocument/2006/relationships" xmlns:p="http://schemas.openxmlformats.org/presentationml/2006/main">
   <p:cSld>
     <p:spTree>
       <p:nvGrpSpPr>
@@ -6293,6 +7381,7 @@
         </p:spPr>
         <p:txBody>
           <a:bodyPr tIns="91440" bIns="91440" anchor="ctr"/>
+          <a:lstStyle/>
           <a:p>
             <a:pPr algn="ctr">
               <a:lnSpc>
@@ -6300,16 +7389,16 @@
               </a:lnSpc>
             </a:pPr>
             <a:r>
-              <a:rPr b="0" lang="en-US" sz="3600" spc="-1" strike="noStrike">
-                <a:solidFill>
-                  <a:srgbClr val="ffffff"/>
+              <a:rPr lang="en-US" sz="3600" b="0" strike="noStrike" spc="-1">
+                <a:solidFill>
+                  <a:srgbClr val="FFFFFF"/>
                 </a:solidFill>
                 <a:latin typeface="Oswald"/>
                 <a:ea typeface="Oswald"/>
               </a:rPr>
               <a:t>BONUS: POO/OOP</a:t>
             </a:r>
-            <a:endParaRPr b="0" lang="en-US" sz="3600" spc="-1" strike="noStrike">
+            <a:endParaRPr lang="en-US" sz="3600" b="0" strike="noStrike" spc="-1">
               <a:solidFill>
                 <a:srgbClr val="000000"/>
               </a:solidFill>
@@ -6320,22 +7409,25 @@
       </p:sp>
     </p:spTree>
   </p:cSld>
+  <p:clrMapOvr>
+    <a:masterClrMapping/>
+  </p:clrMapOvr>
   <p:timing>
     <p:tnLst>
       <p:par>
-        <p:cTn id="23" dur="indefinite" restart="never" nodeType="tmRoot">
+        <p:cTn id="1" dur="indefinite" restart="never" nodeType="tmRoot">
           <p:childTnLst>
             <p:seq>
-              <p:cTn id="24" nodeType="mainSeq"/>
+              <p:cTn id="2" nodeType="mainSeq"/>
               <p:prevCondLst>
-                <p:cond delay="0" evt="onPrev">
+                <p:cond evt="onPrev" delay="0">
                   <p:tgtEl>
                     <p:sldTgt/>
                   </p:tgtEl>
                 </p:cond>
               </p:prevCondLst>
               <p:nextCondLst>
-                <p:cond delay="0" evt="onNext">
+                <p:cond evt="onNext" delay="0">
                   <p:tgtEl>
                     <p:sldTgt/>
                   </p:tgtEl>
@@ -6351,7 +7443,7 @@
 </file>
 
 <file path=ppt/slides/slide13.xml><?xml version="1.0" encoding="utf-8"?>
-<p:sld xmlns:a="http://schemas.openxmlformats.org/drawingml/2006/main" xmlns:p="http://schemas.openxmlformats.org/presentationml/2006/main" xmlns:r="http://schemas.openxmlformats.org/officeDocument/2006/relationships" xmlns:p14="http://schemas.microsoft.com/office/powerpoint/2010/main" xmlns:p15="http://schemas.microsoft.com/office/powerpoint/2012/main" xmlns:mc="http://schemas.openxmlformats.org/markup-compatibility/2006">
+<p:sld xmlns:a="http://schemas.openxmlformats.org/drawingml/2006/main" xmlns:r="http://schemas.openxmlformats.org/officeDocument/2006/relationships" xmlns:p="http://schemas.openxmlformats.org/presentationml/2006/main">
   <p:cSld>
     <p:spTree>
       <p:nvGrpSpPr>
@@ -6388,6 +7480,7 @@
         </p:spPr>
         <p:txBody>
           <a:bodyPr tIns="91440" bIns="91440"/>
+          <a:lstStyle/>
           <a:p>
             <a:pPr>
               <a:lnSpc>
@@ -6395,16 +7488,16 @@
               </a:lnSpc>
             </a:pPr>
             <a:r>
-              <a:rPr b="0" lang="en-US" sz="3000" spc="-1" strike="noStrike">
-                <a:solidFill>
-                  <a:srgbClr val="ffffff"/>
+              <a:rPr lang="en-US" sz="3000" b="0" strike="noStrike" spc="-1">
+                <a:solidFill>
+                  <a:srgbClr val="FFFFFF"/>
                 </a:solidFill>
                 <a:latin typeface="Oswald"/>
                 <a:ea typeface="Oswald"/>
               </a:rPr>
               <a:t>Programarea OOP/POO</a:t>
             </a:r>
-            <a:endParaRPr b="0" lang="en-US" sz="3000" spc="-1" strike="noStrike">
+            <a:endParaRPr lang="en-US" sz="3000" b="0" strike="noStrike" spc="-1">
               <a:solidFill>
                 <a:srgbClr val="000000"/>
               </a:solidFill>
@@ -6434,28 +7527,29 @@
         </p:spPr>
         <p:txBody>
           <a:bodyPr tIns="91440" bIns="91440"/>
+          <a:lstStyle/>
           <a:p>
             <a:pPr marL="457200" indent="-342720">
               <a:lnSpc>
                 <a:spcPct val="100000"/>
               </a:lnSpc>
               <a:buClr>
-                <a:srgbClr val="cacaca"/>
+                <a:srgbClr val="CACACA"/>
               </a:buClr>
               <a:buFont typeface="Average"/>
               <a:buChar char="-"/>
             </a:pPr>
             <a:r>
-              <a:rPr b="0" lang="en-US" sz="1800" spc="-1" strike="noStrike">
-                <a:solidFill>
-                  <a:srgbClr val="cacaca"/>
+              <a:rPr lang="en-US" sz="1800" b="0" strike="noStrike" spc="-1">
+                <a:solidFill>
+                  <a:srgbClr val="CACACA"/>
                 </a:solidFill>
                 <a:latin typeface="Average"/>
                 <a:ea typeface="Average"/>
               </a:rPr>
               <a:t>Permite dezvoltarea unor aplicatii mai bine structurata, iar codul scris poate fi reutilizat si in alte aplicatii</a:t>
             </a:r>
-            <a:endParaRPr b="0" lang="en-US" sz="1800" spc="-1" strike="noStrike">
+            <a:endParaRPr lang="en-US" sz="1800" b="0" strike="noStrike" spc="-1">
               <a:solidFill>
                 <a:srgbClr val="000000"/>
               </a:solidFill>
@@ -6468,22 +7562,22 @@
                 <a:spcPct val="100000"/>
               </a:lnSpc>
               <a:buClr>
-                <a:srgbClr val="cacaca"/>
+                <a:srgbClr val="CACACA"/>
               </a:buClr>
               <a:buFont typeface="Average"/>
               <a:buChar char="-"/>
             </a:pPr>
             <a:r>
-              <a:rPr b="0" lang="en-US" sz="1800" spc="-1" strike="noStrike">
-                <a:solidFill>
-                  <a:srgbClr val="cacaca"/>
+              <a:rPr lang="en-US" sz="1800" b="0" strike="noStrike" spc="-1">
+                <a:solidFill>
+                  <a:srgbClr val="CACACA"/>
                 </a:solidFill>
                 <a:latin typeface="Average"/>
                 <a:ea typeface="Average"/>
               </a:rPr>
               <a:t>Foloseste conceptul de clasa ( ca tip de date)  si obiect ( ca date )</a:t>
             </a:r>
-            <a:endParaRPr b="0" lang="en-US" sz="1800" spc="-1" strike="noStrike">
+            <a:endParaRPr lang="en-US" sz="1800" b="0" strike="noStrike" spc="-1">
               <a:solidFill>
                 <a:srgbClr val="000000"/>
               </a:solidFill>
@@ -6496,22 +7590,22 @@
                 <a:spcPct val="100000"/>
               </a:lnSpc>
               <a:buClr>
-                <a:srgbClr val="cacaca"/>
+                <a:srgbClr val="CACACA"/>
               </a:buClr>
               <a:buFont typeface="Average"/>
               <a:buChar char="-"/>
             </a:pPr>
             <a:r>
-              <a:rPr b="0" lang="en-US" sz="1800" spc="-1" strike="noStrike">
-                <a:solidFill>
-                  <a:srgbClr val="cacaca"/>
+              <a:rPr lang="en-US" sz="1800" b="0" strike="noStrike" spc="-1">
+                <a:solidFill>
+                  <a:srgbClr val="CACACA"/>
                 </a:solidFill>
                 <a:latin typeface="Average"/>
                 <a:ea typeface="Average"/>
               </a:rPr>
               <a:t>Clasa e un sablon care include date membre ( atribute, variabile membre) si functii membre ( metode)</a:t>
             </a:r>
-            <a:endParaRPr b="0" lang="en-US" sz="1800" spc="-1" strike="noStrike">
+            <a:endParaRPr lang="en-US" sz="1800" b="0" strike="noStrike" spc="-1">
               <a:solidFill>
                 <a:srgbClr val="000000"/>
               </a:solidFill>
@@ -6524,22 +7618,22 @@
                 <a:spcPct val="100000"/>
               </a:lnSpc>
               <a:buClr>
-                <a:srgbClr val="cacaca"/>
+                <a:srgbClr val="CACACA"/>
               </a:buClr>
               <a:buFont typeface="Average"/>
               <a:buChar char="-"/>
             </a:pPr>
             <a:r>
-              <a:rPr b="0" lang="en-US" sz="1800" spc="-1" strike="noStrike">
-                <a:solidFill>
-                  <a:srgbClr val="cacaca"/>
+              <a:rPr lang="en-US" sz="1800" b="0" strike="noStrike" spc="-1">
+                <a:solidFill>
+                  <a:srgbClr val="CACACA"/>
                 </a:solidFill>
                 <a:latin typeface="Average"/>
                 <a:ea typeface="Average"/>
               </a:rPr>
               <a:t>Obiectul este instanta sau un exemplar al clasei.</a:t>
             </a:r>
-            <a:endParaRPr b="0" lang="en-US" sz="1800" spc="-1" strike="noStrike">
+            <a:endParaRPr lang="en-US" sz="1800" b="0" strike="noStrike" spc="-1">
               <a:solidFill>
                 <a:srgbClr val="000000"/>
               </a:solidFill>
@@ -6552,106 +7646,106 @@
                 <a:spcPct val="100000"/>
               </a:lnSpc>
               <a:buClr>
-                <a:srgbClr val="cacaca"/>
+                <a:srgbClr val="CACACA"/>
               </a:buClr>
               <a:buFont typeface="Average"/>
               <a:buChar char="-"/>
             </a:pPr>
             <a:r>
-              <a:rPr b="0" lang="en-US" sz="1800" spc="-1" strike="noStrike">
-                <a:solidFill>
-                  <a:srgbClr val="cacaca"/>
+              <a:rPr lang="en-US" sz="1800" b="0" strike="noStrike" spc="-1">
+                <a:solidFill>
+                  <a:srgbClr val="CACACA"/>
                 </a:solidFill>
                 <a:latin typeface="Average"/>
                 <a:ea typeface="Average"/>
               </a:rPr>
               <a:t>Avantaje: </a:t>
             </a:r>
-            <a:endParaRPr b="0" lang="en-US" sz="1800" spc="-1" strike="noStrike">
-              <a:solidFill>
-                <a:srgbClr val="000000"/>
-              </a:solidFill>
-              <a:latin typeface="Arial"/>
-            </a:endParaRPr>
-          </a:p>
-          <a:p>
-            <a:pPr lvl="1" marL="914400" indent="-342720">
+            <a:endParaRPr lang="en-US" sz="1800" b="0" strike="noStrike" spc="-1">
+              <a:solidFill>
+                <a:srgbClr val="000000"/>
+              </a:solidFill>
+              <a:latin typeface="Arial"/>
+            </a:endParaRPr>
+          </a:p>
+          <a:p>
+            <a:pPr marL="914400" lvl="1" indent="-342720">
               <a:lnSpc>
                 <a:spcPct val="100000"/>
               </a:lnSpc>
               <a:buClr>
-                <a:srgbClr val="cacaca"/>
+                <a:srgbClr val="CACACA"/>
               </a:buClr>
               <a:buFont typeface="Average"/>
               <a:buChar char="-"/>
             </a:pPr>
             <a:r>
-              <a:rPr b="0" lang="en-US" sz="1800" spc="-1" strike="noStrike">
-                <a:solidFill>
-                  <a:srgbClr val="cacaca"/>
+              <a:rPr lang="en-US" sz="1800" b="0" strike="noStrike" spc="-1">
+                <a:solidFill>
+                  <a:srgbClr val="CACACA"/>
                 </a:solidFill>
                 <a:latin typeface="Average"/>
                 <a:ea typeface="Average"/>
               </a:rPr>
               <a:t>incapsularea ( datele si metodele sunt grupate intr-o singura entitate)</a:t>
             </a:r>
-            <a:endParaRPr b="0" lang="en-US" sz="1800" spc="-1" strike="noStrike">
-              <a:solidFill>
-                <a:srgbClr val="000000"/>
-              </a:solidFill>
-              <a:latin typeface="Arial"/>
-            </a:endParaRPr>
-          </a:p>
-          <a:p>
-            <a:pPr lvl="1" marL="914400" indent="-342720">
+            <a:endParaRPr lang="en-US" sz="1800" b="0" strike="noStrike" spc="-1">
+              <a:solidFill>
+                <a:srgbClr val="000000"/>
+              </a:solidFill>
+              <a:latin typeface="Arial"/>
+            </a:endParaRPr>
+          </a:p>
+          <a:p>
+            <a:pPr marL="914400" lvl="1" indent="-342720">
               <a:lnSpc>
                 <a:spcPct val="100000"/>
               </a:lnSpc>
               <a:buClr>
-                <a:srgbClr val="cacaca"/>
+                <a:srgbClr val="CACACA"/>
               </a:buClr>
               <a:buFont typeface="Average"/>
               <a:buChar char="-"/>
             </a:pPr>
             <a:r>
-              <a:rPr b="0" lang="en-US" sz="1800" spc="-1" strike="noStrike">
-                <a:solidFill>
-                  <a:srgbClr val="cacaca"/>
+              <a:rPr lang="en-US" sz="1800" b="0" strike="noStrike" spc="-1">
+                <a:solidFill>
+                  <a:srgbClr val="CACACA"/>
                 </a:solidFill>
                 <a:latin typeface="Average"/>
                 <a:ea typeface="Average"/>
               </a:rPr>
               <a:t>Reutilizarea codului</a:t>
             </a:r>
-            <a:endParaRPr b="0" lang="en-US" sz="1800" spc="-1" strike="noStrike">
-              <a:solidFill>
-                <a:srgbClr val="000000"/>
-              </a:solidFill>
-              <a:latin typeface="Arial"/>
-            </a:endParaRPr>
-          </a:p>
-          <a:p>
-            <a:pPr lvl="1" marL="914400" indent="-342720">
+            <a:endParaRPr lang="en-US" sz="1800" b="0" strike="noStrike" spc="-1">
+              <a:solidFill>
+                <a:srgbClr val="000000"/>
+              </a:solidFill>
+              <a:latin typeface="Arial"/>
+            </a:endParaRPr>
+          </a:p>
+          <a:p>
+            <a:pPr marL="914400" lvl="1" indent="-342720">
               <a:lnSpc>
                 <a:spcPct val="100000"/>
               </a:lnSpc>
               <a:buClr>
-                <a:srgbClr val="cacaca"/>
+                <a:srgbClr val="CACACA"/>
               </a:buClr>
               <a:buFont typeface="Average"/>
               <a:buChar char="-"/>
             </a:pPr>
             <a:r>
-              <a:rPr b="0" lang="en-US" sz="1800" spc="-1" strike="noStrike">
-                <a:solidFill>
-                  <a:srgbClr val="cacaca"/>
+              <a:rPr lang="en-US" sz="1800" b="0" strike="noStrike" spc="-1">
+                <a:solidFill>
+                  <a:srgbClr val="CACACA"/>
                 </a:solidFill>
                 <a:latin typeface="Average"/>
                 <a:ea typeface="Average"/>
               </a:rPr>
               <a:t>Abstractizare ( cand utilizam un obiect putem ignora detaliile de implementare)</a:t>
             </a:r>
-            <a:endParaRPr b="0" lang="en-US" sz="1800" spc="-1" strike="noStrike">
+            <a:endParaRPr lang="en-US" sz="1800" b="0" strike="noStrike" spc="-1">
               <a:solidFill>
                 <a:srgbClr val="000000"/>
               </a:solidFill>
@@ -6662,22 +7756,25 @@
       </p:sp>
     </p:spTree>
   </p:cSld>
+  <p:clrMapOvr>
+    <a:masterClrMapping/>
+  </p:clrMapOvr>
   <p:timing>
     <p:tnLst>
       <p:par>
-        <p:cTn id="25" dur="indefinite" restart="never" nodeType="tmRoot">
+        <p:cTn id="1" dur="indefinite" restart="never" nodeType="tmRoot">
           <p:childTnLst>
             <p:seq>
-              <p:cTn id="26" nodeType="mainSeq"/>
+              <p:cTn id="2" nodeType="mainSeq"/>
               <p:prevCondLst>
-                <p:cond delay="0" evt="onPrev">
+                <p:cond evt="onPrev" delay="0">
                   <p:tgtEl>
                     <p:sldTgt/>
                   </p:tgtEl>
                 </p:cond>
               </p:prevCondLst>
               <p:nextCondLst>
-                <p:cond delay="0" evt="onNext">
+                <p:cond evt="onNext" delay="0">
                   <p:tgtEl>
                     <p:sldTgt/>
                   </p:tgtEl>
@@ -6693,7 +7790,7 @@
 </file>
 
 <file path=ppt/slides/slide14.xml><?xml version="1.0" encoding="utf-8"?>
-<p:sld xmlns:a="http://schemas.openxmlformats.org/drawingml/2006/main" xmlns:p="http://schemas.openxmlformats.org/presentationml/2006/main" xmlns:r="http://schemas.openxmlformats.org/officeDocument/2006/relationships" xmlns:p14="http://schemas.microsoft.com/office/powerpoint/2010/main" xmlns:p15="http://schemas.microsoft.com/office/powerpoint/2012/main" xmlns:mc="http://schemas.openxmlformats.org/markup-compatibility/2006">
+<p:sld xmlns:a="http://schemas.openxmlformats.org/drawingml/2006/main" xmlns:r="http://schemas.openxmlformats.org/officeDocument/2006/relationships" xmlns:p="http://schemas.openxmlformats.org/presentationml/2006/main">
   <p:cSld>
     <p:spTree>
       <p:nvGrpSpPr>
@@ -6730,8 +7827,9 @@
         </p:spPr>
         <p:txBody>
           <a:bodyPr tIns="91440" bIns="91440"/>
-          <a:p>
-            <a:endParaRPr b="0" lang="en-US" sz="1400" spc="-1" strike="noStrike">
+          <a:lstStyle/>
+          <a:p>
+            <a:endParaRPr lang="en-US" sz="1400" b="0" strike="noStrike" spc="-1">
               <a:solidFill>
                 <a:srgbClr val="000000"/>
               </a:solidFill>
@@ -6761,28 +7859,29 @@
         </p:spPr>
         <p:txBody>
           <a:bodyPr tIns="91440" bIns="91440"/>
+          <a:lstStyle/>
           <a:p>
             <a:pPr marL="457200" indent="-342720">
               <a:lnSpc>
                 <a:spcPct val="100000"/>
               </a:lnSpc>
               <a:buClr>
-                <a:srgbClr val="cacaca"/>
+                <a:srgbClr val="CACACA"/>
               </a:buClr>
               <a:buFont typeface="Average"/>
               <a:buChar char="-"/>
             </a:pPr>
             <a:r>
-              <a:rPr b="0" lang="en-US" sz="1800" spc="-1" strike="noStrike">
-                <a:solidFill>
-                  <a:srgbClr val="cacaca"/>
+              <a:rPr lang="en-US" sz="1800" b="0" strike="noStrike" spc="-1">
+                <a:solidFill>
+                  <a:srgbClr val="CACACA"/>
                 </a:solidFill>
                 <a:latin typeface="Average"/>
                 <a:ea typeface="Average"/>
               </a:rPr>
               <a:t>Protejarea accesului (controlul accesului la date si metode prin specificatorii de acces: public, protected, private)</a:t>
             </a:r>
-            <a:endParaRPr b="0" lang="en-US" sz="1800" spc="-1" strike="noStrike">
+            <a:endParaRPr lang="en-US" sz="1800" b="0" strike="noStrike" spc="-1">
               <a:solidFill>
                 <a:srgbClr val="000000"/>
               </a:solidFill>
@@ -6795,22 +7894,22 @@
                 <a:spcPct val="100000"/>
               </a:lnSpc>
               <a:buClr>
-                <a:srgbClr val="cacaca"/>
+                <a:srgbClr val="CACACA"/>
               </a:buClr>
               <a:buFont typeface="Average"/>
               <a:buChar char="-"/>
             </a:pPr>
             <a:r>
-              <a:rPr b="0" lang="en-US" sz="1800" spc="-1" strike="noStrike">
-                <a:solidFill>
-                  <a:srgbClr val="cacaca"/>
+              <a:rPr lang="en-US" sz="1800" b="0" strike="noStrike" spc="-1">
+                <a:solidFill>
+                  <a:srgbClr val="CACACA"/>
                 </a:solidFill>
                 <a:latin typeface="Average"/>
                 <a:ea typeface="Average"/>
               </a:rPr>
               <a:t>Ascunderea informatiei ( putem trata orice obiect ca o cutie neagra, avem nevoie sa stim doar metodele publice cu care interactionam)</a:t>
             </a:r>
-            <a:endParaRPr b="0" lang="en-US" sz="1800" spc="-1" strike="noStrike">
+            <a:endParaRPr lang="en-US" sz="1800" b="0" strike="noStrike" spc="-1">
               <a:solidFill>
                 <a:srgbClr val="000000"/>
               </a:solidFill>
@@ -6823,22 +7922,22 @@
                 <a:spcPct val="100000"/>
               </a:lnSpc>
               <a:buClr>
-                <a:srgbClr val="cacaca"/>
+                <a:srgbClr val="CACACA"/>
               </a:buClr>
               <a:buFont typeface="Average"/>
               <a:buChar char="-"/>
             </a:pPr>
             <a:r>
-              <a:rPr b="0" lang="en-US" sz="1800" spc="-1" strike="noStrike">
-                <a:solidFill>
-                  <a:srgbClr val="cacaca"/>
+              <a:rPr lang="en-US" sz="1800" b="0" strike="noStrike" spc="-1">
+                <a:solidFill>
+                  <a:srgbClr val="CACACA"/>
                 </a:solidFill>
                 <a:latin typeface="Average"/>
                 <a:ea typeface="Average"/>
               </a:rPr>
               <a:t>Utilizarea mostenirii ( putem defini clase noi prin derivarea din cele existente numite clase de baza, )</a:t>
             </a:r>
-            <a:endParaRPr b="0" lang="en-US" sz="1800" spc="-1" strike="noStrike">
+            <a:endParaRPr lang="en-US" sz="1800" b="0" strike="noStrike" spc="-1">
               <a:solidFill>
                 <a:srgbClr val="000000"/>
               </a:solidFill>
@@ -6851,22 +7950,22 @@
                 <a:spcPct val="100000"/>
               </a:lnSpc>
               <a:buClr>
-                <a:srgbClr val="cacaca"/>
+                <a:srgbClr val="CACACA"/>
               </a:buClr>
               <a:buFont typeface="Average"/>
               <a:buChar char="-"/>
             </a:pPr>
             <a:r>
-              <a:rPr b="0" lang="en-US" sz="1800" spc="-1" strike="noStrike">
-                <a:solidFill>
-                  <a:srgbClr val="cacaca"/>
+              <a:rPr lang="en-US" sz="1800" b="0" strike="noStrike" spc="-1">
+                <a:solidFill>
+                  <a:srgbClr val="CACACA"/>
                 </a:solidFill>
                 <a:latin typeface="Average"/>
                 <a:ea typeface="Average"/>
               </a:rPr>
               <a:t>Datele private pot fi accesate doar in interiorul clasei, cele protected in interiorul clasei dar si in clasele care mostenesc clasa respectiva, cele publice pot fi accesate oriunde</a:t>
             </a:r>
-            <a:endParaRPr b="0" lang="en-US" sz="1800" spc="-1" strike="noStrike">
+            <a:endParaRPr lang="en-US" sz="1800" b="0" strike="noStrike" spc="-1">
               <a:solidFill>
                 <a:srgbClr val="000000"/>
               </a:solidFill>
@@ -6877,22 +7976,25 @@
       </p:sp>
     </p:spTree>
   </p:cSld>
+  <p:clrMapOvr>
+    <a:masterClrMapping/>
+  </p:clrMapOvr>
   <p:timing>
     <p:tnLst>
       <p:par>
-        <p:cTn id="27" dur="indefinite" restart="never" nodeType="tmRoot">
+        <p:cTn id="1" dur="indefinite" restart="never" nodeType="tmRoot">
           <p:childTnLst>
             <p:seq>
-              <p:cTn id="28" nodeType="mainSeq"/>
+              <p:cTn id="2" nodeType="mainSeq"/>
               <p:prevCondLst>
-                <p:cond delay="0" evt="onPrev">
+                <p:cond evt="onPrev" delay="0">
                   <p:tgtEl>
                     <p:sldTgt/>
                   </p:tgtEl>
                 </p:cond>
               </p:prevCondLst>
               <p:nextCondLst>
-                <p:cond delay="0" evt="onNext">
+                <p:cond evt="onNext" delay="0">
                   <p:tgtEl>
                     <p:sldTgt/>
                   </p:tgtEl>
@@ -6908,7 +8010,7 @@
 </file>
 
 <file path=ppt/slides/slide15.xml><?xml version="1.0" encoding="utf-8"?>
-<p:sld xmlns:a="http://schemas.openxmlformats.org/drawingml/2006/main" xmlns:p="http://schemas.openxmlformats.org/presentationml/2006/main" xmlns:r="http://schemas.openxmlformats.org/officeDocument/2006/relationships" xmlns:p14="http://schemas.microsoft.com/office/powerpoint/2010/main" xmlns:p15="http://schemas.microsoft.com/office/powerpoint/2012/main" xmlns:mc="http://schemas.openxmlformats.org/markup-compatibility/2006">
+<p:sld xmlns:a="http://schemas.openxmlformats.org/drawingml/2006/main" xmlns:r="http://schemas.openxmlformats.org/officeDocument/2006/relationships" xmlns:p="http://schemas.openxmlformats.org/presentationml/2006/main">
   <p:cSld>
     <p:spTree>
       <p:nvGrpSpPr>
@@ -6945,8 +8047,9 @@
         </p:spPr>
         <p:txBody>
           <a:bodyPr tIns="91440" bIns="91440"/>
-          <a:p>
-            <a:endParaRPr b="0" lang="en-US" sz="1400" spc="-1" strike="noStrike">
+          <a:lstStyle/>
+          <a:p>
+            <a:endParaRPr lang="en-US" sz="1400" b="0" strike="noStrike" spc="-1">
               <a:solidFill>
                 <a:srgbClr val="000000"/>
               </a:solidFill>
@@ -6976,28 +8079,29 @@
         </p:spPr>
         <p:txBody>
           <a:bodyPr tIns="91440" bIns="91440"/>
+          <a:lstStyle/>
           <a:p>
             <a:pPr marL="457200" indent="-342720">
               <a:lnSpc>
                 <a:spcPct val="100000"/>
               </a:lnSpc>
               <a:buClr>
-                <a:srgbClr val="cacaca"/>
+                <a:srgbClr val="CACACA"/>
               </a:buClr>
               <a:buFont typeface="Average"/>
               <a:buChar char="-"/>
             </a:pPr>
             <a:r>
-              <a:rPr b="0" lang="en-US" sz="1800" spc="-1" strike="noStrike">
-                <a:solidFill>
-                  <a:srgbClr val="cacaca"/>
+              <a:rPr lang="en-US" sz="1800" b="0" strike="noStrike" spc="-1">
+                <a:solidFill>
+                  <a:srgbClr val="CACACA"/>
                 </a:solidFill>
                 <a:latin typeface="Average"/>
                 <a:ea typeface="Average"/>
               </a:rPr>
               <a:t>Definirea unei clase:</a:t>
             </a:r>
-            <a:endParaRPr b="0" lang="en-US" sz="1800" spc="-1" strike="noStrike">
+            <a:endParaRPr lang="en-US" sz="1800" b="0" strike="noStrike" spc="-1">
               <a:solidFill>
                 <a:srgbClr val="000000"/>
               </a:solidFill>
@@ -7010,22 +8114,22 @@
                 <a:spcPct val="100000"/>
               </a:lnSpc>
               <a:buClr>
-                <a:srgbClr val="cacaca"/>
+                <a:srgbClr val="CACACA"/>
               </a:buClr>
               <a:buFont typeface="Average"/>
               <a:buChar char="-"/>
             </a:pPr>
             <a:r>
-              <a:rPr b="0" i="1" lang="en-US" sz="1800" spc="-1" strike="noStrike">
-                <a:solidFill>
-                  <a:srgbClr val="cacaca"/>
+              <a:rPr lang="en-US" sz="1800" b="0" i="1" strike="noStrike" spc="-1">
+                <a:solidFill>
+                  <a:srgbClr val="CACACA"/>
                 </a:solidFill>
                 <a:latin typeface="Average"/>
                 <a:ea typeface="Average"/>
               </a:rPr>
               <a:t>class numeClasa{ //date membre //metode };</a:t>
             </a:r>
-            <a:endParaRPr b="0" lang="en-US" sz="1800" spc="-1" strike="noStrike">
+            <a:endParaRPr lang="en-US" sz="1800" b="0" strike="noStrike" spc="-1">
               <a:solidFill>
                 <a:srgbClr val="000000"/>
               </a:solidFill>
@@ -7038,22 +8142,22 @@
                 <a:spcPct val="100000"/>
               </a:lnSpc>
               <a:buClr>
-                <a:srgbClr val="cacaca"/>
+                <a:srgbClr val="CACACA"/>
               </a:buClr>
               <a:buFont typeface="Average"/>
               <a:buChar char="-"/>
             </a:pPr>
             <a:r>
-              <a:rPr b="0" lang="en-US" sz="1800" spc="-1" strike="noStrike">
-                <a:solidFill>
-                  <a:srgbClr val="cacaca"/>
+              <a:rPr lang="en-US" sz="1800" b="0" strike="noStrike" spc="-1">
+                <a:solidFill>
+                  <a:srgbClr val="CACACA"/>
                 </a:solidFill>
                 <a:latin typeface="Average"/>
                 <a:ea typeface="Average"/>
               </a:rPr>
               <a:t>Datele si metodele sunt specificate prin constructia:</a:t>
             </a:r>
-            <a:endParaRPr b="0" lang="en-US" sz="1800" spc="-1" strike="noStrike">
+            <a:endParaRPr lang="en-US" sz="1800" b="0" strike="noStrike" spc="-1">
               <a:solidFill>
                 <a:srgbClr val="000000"/>
               </a:solidFill>
@@ -7066,22 +8170,22 @@
                 <a:spcPct val="100000"/>
               </a:lnSpc>
               <a:buClr>
-                <a:srgbClr val="cacaca"/>
+                <a:srgbClr val="CACACA"/>
               </a:buClr>
               <a:buFont typeface="Average"/>
               <a:buChar char="-"/>
             </a:pPr>
             <a:r>
-              <a:rPr b="0" i="1" lang="en-US" sz="1800" spc="-1" strike="noStrike">
-                <a:solidFill>
-                  <a:srgbClr val="cacaca"/>
+              <a:rPr lang="en-US" sz="1800" b="0" i="1" strike="noStrike" spc="-1">
+                <a:solidFill>
+                  <a:srgbClr val="CACACA"/>
                 </a:solidFill>
                 <a:latin typeface="Average"/>
                 <a:ea typeface="Average"/>
               </a:rPr>
               <a:t>specificator:</a:t>
             </a:r>
-            <a:endParaRPr b="0" lang="en-US" sz="1800" spc="-1" strike="noStrike">
+            <a:endParaRPr lang="en-US" sz="1800" b="0" strike="noStrike" spc="-1">
               <a:solidFill>
                 <a:srgbClr val="000000"/>
               </a:solidFill>
@@ -7098,26 +8202,16 @@
               </a:spcBef>
             </a:pPr>
             <a:r>
-              <a:rPr b="0" i="1" lang="en-US" sz="1800" spc="-1" strike="noStrike">
-                <a:solidFill>
-                  <a:srgbClr val="cacaca"/>
-                </a:solidFill>
-                <a:latin typeface="Average"/>
-                <a:ea typeface="Average"/>
-              </a:rPr>
-              <a:t>        </a:t>
-            </a:r>
-            <a:r>
-              <a:rPr b="0" i="1" lang="en-US" sz="1800" spc="-1" strike="noStrike">
-                <a:solidFill>
-                  <a:srgbClr val="cacaca"/>
-                </a:solidFill>
-                <a:latin typeface="Average"/>
-                <a:ea typeface="Average"/>
-              </a:rPr>
-              <a:t>tip numedata; …</a:t>
-            </a:r>
-            <a:endParaRPr b="0" lang="en-US" sz="1800" spc="-1" strike="noStrike">
+              <a:rPr lang="en-US" sz="1800" b="0" i="1" strike="noStrike" spc="-1">
+                <a:solidFill>
+                  <a:srgbClr val="CACACA"/>
+                </a:solidFill>
+                <a:latin typeface="Average"/>
+                <a:ea typeface="Average"/>
+              </a:rPr>
+              <a:t>        tip numedata; …</a:t>
+            </a:r>
+            <a:endParaRPr lang="en-US" sz="1800" b="0" strike="noStrike" spc="-1">
               <a:solidFill>
                 <a:srgbClr val="000000"/>
               </a:solidFill>
@@ -7137,26 +8231,16 @@
               </a:spcAft>
             </a:pPr>
             <a:r>
-              <a:rPr b="0" i="1" lang="en-US" sz="1800" spc="-1" strike="noStrike">
-                <a:solidFill>
-                  <a:srgbClr val="cacaca"/>
-                </a:solidFill>
-                <a:latin typeface="Average"/>
-                <a:ea typeface="Average"/>
-              </a:rPr>
-              <a:t>       </a:t>
-            </a:r>
-            <a:r>
-              <a:rPr b="0" i="1" lang="en-US" sz="1800" spc="-1" strike="noStrike">
-                <a:solidFill>
-                  <a:srgbClr val="cacaca"/>
-                </a:solidFill>
-                <a:latin typeface="Average"/>
-                <a:ea typeface="Average"/>
-              </a:rPr>
-              <a:t>tip numeMetoda();</a:t>
-            </a:r>
-            <a:endParaRPr b="0" lang="en-US" sz="1800" spc="-1" strike="noStrike">
+              <a:rPr lang="en-US" sz="1800" b="0" i="1" strike="noStrike" spc="-1">
+                <a:solidFill>
+                  <a:srgbClr val="CACACA"/>
+                </a:solidFill>
+                <a:latin typeface="Average"/>
+                <a:ea typeface="Average"/>
+              </a:rPr>
+              <a:t>       tip numeMetoda();</a:t>
+            </a:r>
+            <a:endParaRPr lang="en-US" sz="1800" b="0" strike="noStrike" spc="-1">
               <a:solidFill>
                 <a:srgbClr val="000000"/>
               </a:solidFill>
@@ -7167,22 +8251,25 @@
       </p:sp>
     </p:spTree>
   </p:cSld>
+  <p:clrMapOvr>
+    <a:masterClrMapping/>
+  </p:clrMapOvr>
   <p:timing>
     <p:tnLst>
       <p:par>
-        <p:cTn id="29" dur="indefinite" restart="never" nodeType="tmRoot">
+        <p:cTn id="1" dur="indefinite" restart="never" nodeType="tmRoot">
           <p:childTnLst>
             <p:seq>
-              <p:cTn id="30" nodeType="mainSeq"/>
+              <p:cTn id="2" nodeType="mainSeq"/>
               <p:prevCondLst>
-                <p:cond delay="0" evt="onPrev">
+                <p:cond evt="onPrev" delay="0">
                   <p:tgtEl>
                     <p:sldTgt/>
                   </p:tgtEl>
                 </p:cond>
               </p:prevCondLst>
               <p:nextCondLst>
-                <p:cond delay="0" evt="onNext">
+                <p:cond evt="onNext" delay="0">
                   <p:tgtEl>
                     <p:sldTgt/>
                   </p:tgtEl>
@@ -7198,7 +8285,7 @@
 </file>
 
 <file path=ppt/slides/slide16.xml><?xml version="1.0" encoding="utf-8"?>
-<p:sld xmlns:a="http://schemas.openxmlformats.org/drawingml/2006/main" xmlns:p="http://schemas.openxmlformats.org/presentationml/2006/main" xmlns:r="http://schemas.openxmlformats.org/officeDocument/2006/relationships" xmlns:p14="http://schemas.microsoft.com/office/powerpoint/2010/main" xmlns:p15="http://schemas.microsoft.com/office/powerpoint/2012/main" xmlns:mc="http://schemas.openxmlformats.org/markup-compatibility/2006">
+<p:sld xmlns:a="http://schemas.openxmlformats.org/drawingml/2006/main" xmlns:r="http://schemas.openxmlformats.org/officeDocument/2006/relationships" xmlns:p="http://schemas.openxmlformats.org/presentationml/2006/main">
   <p:cSld>
     <p:spTree>
       <p:nvGrpSpPr>
@@ -7235,8 +8322,9 @@
         </p:spPr>
         <p:txBody>
           <a:bodyPr tIns="91440" bIns="91440"/>
-          <a:p>
-            <a:endParaRPr b="0" lang="en-US" sz="1400" spc="-1" strike="noStrike">
+          <a:lstStyle/>
+          <a:p>
+            <a:endParaRPr lang="en-US" sz="1400" b="0" strike="noStrike" spc="-1">
               <a:solidFill>
                 <a:srgbClr val="000000"/>
               </a:solidFill>
@@ -7266,28 +8354,29 @@
         </p:spPr>
         <p:txBody>
           <a:bodyPr tIns="91440" bIns="91440"/>
+          <a:lstStyle/>
           <a:p>
             <a:pPr marL="457200" indent="-342720">
               <a:lnSpc>
                 <a:spcPct val="100000"/>
               </a:lnSpc>
               <a:buClr>
-                <a:srgbClr val="cacaca"/>
+                <a:srgbClr val="CACACA"/>
               </a:buClr>
               <a:buFont typeface="Average"/>
               <a:buChar char="-"/>
             </a:pPr>
             <a:r>
-              <a:rPr b="0" lang="en-US" sz="1800" spc="-1" strike="noStrike">
-                <a:solidFill>
-                  <a:srgbClr val="cacaca"/>
+              <a:rPr lang="en-US" sz="1800" b="0" strike="noStrike" spc="-1">
+                <a:solidFill>
+                  <a:srgbClr val="CACACA"/>
                 </a:solidFill>
                 <a:latin typeface="Average"/>
                 <a:ea typeface="Average"/>
               </a:rPr>
               <a:t>Metodele pot fi definite direct in corpul clasei sau poate fi definit doar prototipul(vezi functii), iar corpul metodei definit separat astfel:</a:t>
             </a:r>
-            <a:endParaRPr b="0" lang="en-US" sz="1800" spc="-1" strike="noStrike">
+            <a:endParaRPr lang="en-US" sz="1800" b="0" strike="noStrike" spc="-1">
               <a:solidFill>
                 <a:srgbClr val="000000"/>
               </a:solidFill>
@@ -7304,9 +8393,9 @@
               </a:spcBef>
             </a:pPr>
             <a:r>
-              <a:rPr b="0" lang="en-US" sz="1800" spc="-1" strike="noStrike">
-                <a:solidFill>
-                  <a:srgbClr val="cacaca"/>
+              <a:rPr lang="en-US" sz="1800" b="0" strike="noStrike" spc="-1">
+                <a:solidFill>
+                  <a:srgbClr val="CACACA"/>
                 </a:solidFill>
                 <a:latin typeface="Average"/>
                 <a:ea typeface="Average"/>
@@ -7314,26 +8403,16 @@
               <a:t>     </a:t>
             </a:r>
             <a:r>
-              <a:rPr b="0" i="1" lang="en-US" sz="1800" spc="-1" strike="noStrike">
-                <a:solidFill>
-                  <a:srgbClr val="cacaca"/>
-                </a:solidFill>
-                <a:latin typeface="Average"/>
-                <a:ea typeface="Average"/>
-              </a:rPr>
-              <a:t>  </a:t>
-            </a:r>
-            <a:r>
-              <a:rPr b="0" i="1" lang="en-US" sz="1800" spc="-1" strike="noStrike">
-                <a:solidFill>
-                  <a:srgbClr val="cacaca"/>
-                </a:solidFill>
-                <a:latin typeface="Average"/>
-                <a:ea typeface="Average"/>
-              </a:rPr>
-              <a:t>tipReturnat numeClasa::numFunctie(parametrii){}</a:t>
-            </a:r>
-            <a:endParaRPr b="0" lang="en-US" sz="1800" spc="-1" strike="noStrike">
+              <a:rPr lang="en-US" sz="1800" b="0" i="1" strike="noStrike" spc="-1">
+                <a:solidFill>
+                  <a:srgbClr val="CACACA"/>
+                </a:solidFill>
+                <a:latin typeface="Average"/>
+                <a:ea typeface="Average"/>
+              </a:rPr>
+              <a:t>  tipReturnat numeClasa::numFunctie(parametrii){}</a:t>
+            </a:r>
+            <a:endParaRPr lang="en-US" sz="1800" b="0" strike="noStrike" spc="-1">
               <a:solidFill>
                 <a:srgbClr val="000000"/>
               </a:solidFill>
@@ -7349,15 +8428,15 @@
                 <a:spcPts val="1599"/>
               </a:spcBef>
               <a:buClr>
-                <a:srgbClr val="cacaca"/>
+                <a:srgbClr val="CACACA"/>
               </a:buClr>
               <a:buFont typeface="Average"/>
               <a:buChar char="-"/>
             </a:pPr>
             <a:r>
-              <a:rPr b="0" lang="en-US" sz="1800" spc="-1" strike="noStrike">
-                <a:solidFill>
-                  <a:srgbClr val="cacaca"/>
+              <a:rPr lang="en-US" sz="1800" b="0" strike="noStrike" spc="-1">
+                <a:solidFill>
+                  <a:srgbClr val="CACACA"/>
                 </a:solidFill>
                 <a:latin typeface="Average"/>
                 <a:ea typeface="Average"/>
@@ -7365,16 +8444,16 @@
               <a:t>Instantierea unei clase: </a:t>
             </a:r>
             <a:r>
-              <a:rPr b="0" i="1" lang="en-US" sz="1800" spc="-1" strike="noStrike">
-                <a:solidFill>
-                  <a:srgbClr val="cacaca"/>
+              <a:rPr lang="en-US" sz="1800" b="0" i="1" strike="noStrike" spc="-1">
+                <a:solidFill>
+                  <a:srgbClr val="CACACA"/>
                 </a:solidFill>
                 <a:latin typeface="Average"/>
                 <a:ea typeface="Average"/>
               </a:rPr>
               <a:t>numeClasa numeObiect;</a:t>
             </a:r>
-            <a:endParaRPr b="0" lang="en-US" sz="1800" spc="-1" strike="noStrike">
+            <a:endParaRPr lang="en-US" sz="1800" b="0" strike="noStrike" spc="-1">
               <a:solidFill>
                 <a:srgbClr val="000000"/>
               </a:solidFill>
@@ -7387,15 +8466,15 @@
                 <a:spcPct val="100000"/>
               </a:lnSpc>
               <a:buClr>
-                <a:srgbClr val="cacaca"/>
+                <a:srgbClr val="CACACA"/>
               </a:buClr>
               <a:buFont typeface="Average"/>
               <a:buChar char="-"/>
             </a:pPr>
             <a:r>
-              <a:rPr b="0" lang="en-US" sz="1800" spc="-1" strike="noStrike">
-                <a:solidFill>
-                  <a:srgbClr val="cacaca"/>
+              <a:rPr lang="en-US" sz="1800" b="0" strike="noStrike" spc="-1">
+                <a:solidFill>
+                  <a:srgbClr val="CACACA"/>
                 </a:solidFill>
                 <a:latin typeface="Average"/>
                 <a:ea typeface="Average"/>
@@ -7403,9 +8482,9 @@
               <a:t>Accesarea datelor: </a:t>
             </a:r>
             <a:r>
-              <a:rPr b="0" i="1" lang="en-US" sz="1800" spc="-1" strike="noStrike">
-                <a:solidFill>
-                  <a:srgbClr val="cacaca"/>
+              <a:rPr lang="en-US" sz="1800" b="0" i="1" strike="noStrike" spc="-1">
+                <a:solidFill>
+                  <a:srgbClr val="CACACA"/>
                 </a:solidFill>
                 <a:latin typeface="Average"/>
                 <a:ea typeface="Average"/>
@@ -7413,16 +8492,16 @@
               <a:t>numeObiect.numeData; </a:t>
             </a:r>
             <a:r>
-              <a:rPr b="0" lang="en-US" sz="1800" spc="-1" strike="noStrike">
-                <a:solidFill>
-                  <a:srgbClr val="cacaca"/>
+              <a:rPr lang="en-US" sz="1800" b="0" strike="noStrike" spc="-1">
+                <a:solidFill>
+                  <a:srgbClr val="CACACA"/>
                 </a:solidFill>
                 <a:latin typeface="Average"/>
                 <a:ea typeface="Average"/>
               </a:rPr>
               <a:t>sau numeObiect-&gt;numeData ( pointeri – variabile care retin adrese, pot fi folosite pentru alocare dinamica)</a:t>
             </a:r>
-            <a:endParaRPr b="0" lang="en-US" sz="1800" spc="-1" strike="noStrike">
+            <a:endParaRPr lang="en-US" sz="1800" b="0" strike="noStrike" spc="-1">
               <a:solidFill>
                 <a:srgbClr val="000000"/>
               </a:solidFill>
@@ -7435,15 +8514,15 @@
                 <a:spcPct val="100000"/>
               </a:lnSpc>
               <a:buClr>
-                <a:srgbClr val="cacaca"/>
+                <a:srgbClr val="CACACA"/>
               </a:buClr>
               <a:buFont typeface="Average"/>
               <a:buChar char="-"/>
             </a:pPr>
             <a:r>
-              <a:rPr b="0" i="1" lang="en-US" sz="1800" spc="-1" strike="noStrike">
-                <a:solidFill>
-                  <a:srgbClr val="cacaca"/>
+              <a:rPr lang="en-US" sz="1800" b="0" i="1" strike="noStrike" spc="-1">
+                <a:solidFill>
+                  <a:srgbClr val="CACACA"/>
                 </a:solidFill>
                 <a:latin typeface="Average"/>
                 <a:ea typeface="Average"/>
@@ -7451,16 +8530,16 @@
               <a:t>this </a:t>
             </a:r>
             <a:r>
-              <a:rPr b="0" lang="en-US" sz="1800" spc="-1" strike="noStrike">
-                <a:solidFill>
-                  <a:srgbClr val="cacaca"/>
+              <a:rPr lang="en-US" sz="1800" b="0" strike="noStrike" spc="-1">
+                <a:solidFill>
+                  <a:srgbClr val="CACACA"/>
                 </a:solidFill>
                 <a:latin typeface="Average"/>
                 <a:ea typeface="Average"/>
               </a:rPr>
               <a:t>- pointer care face referire la obiectul curent ( il folosim in clase)</a:t>
             </a:r>
-            <a:endParaRPr b="0" lang="en-US" sz="1800" spc="-1" strike="noStrike">
+            <a:endParaRPr lang="en-US" sz="1800" b="0" strike="noStrike" spc="-1">
               <a:solidFill>
                 <a:srgbClr val="000000"/>
               </a:solidFill>
@@ -7471,22 +8550,25 @@
       </p:sp>
     </p:spTree>
   </p:cSld>
+  <p:clrMapOvr>
+    <a:masterClrMapping/>
+  </p:clrMapOvr>
   <p:timing>
     <p:tnLst>
       <p:par>
-        <p:cTn id="31" dur="indefinite" restart="never" nodeType="tmRoot">
+        <p:cTn id="1" dur="indefinite" restart="never" nodeType="tmRoot">
           <p:childTnLst>
             <p:seq>
-              <p:cTn id="32" nodeType="mainSeq"/>
+              <p:cTn id="2" nodeType="mainSeq"/>
               <p:prevCondLst>
-                <p:cond delay="0" evt="onPrev">
+                <p:cond evt="onPrev" delay="0">
                   <p:tgtEl>
                     <p:sldTgt/>
                   </p:tgtEl>
                 </p:cond>
               </p:prevCondLst>
               <p:nextCondLst>
-                <p:cond delay="0" evt="onNext">
+                <p:cond evt="onNext" delay="0">
                   <p:tgtEl>
                     <p:sldTgt/>
                   </p:tgtEl>
@@ -7502,7 +8584,7 @@
 </file>
 
 <file path=ppt/slides/slide17.xml><?xml version="1.0" encoding="utf-8"?>
-<p:sld xmlns:a="http://schemas.openxmlformats.org/drawingml/2006/main" xmlns:p="http://schemas.openxmlformats.org/presentationml/2006/main" xmlns:r="http://schemas.openxmlformats.org/officeDocument/2006/relationships" xmlns:p14="http://schemas.microsoft.com/office/powerpoint/2010/main" xmlns:p15="http://schemas.microsoft.com/office/powerpoint/2012/main" xmlns:mc="http://schemas.openxmlformats.org/markup-compatibility/2006">
+<p:sld xmlns:a="http://schemas.openxmlformats.org/drawingml/2006/main" xmlns:r="http://schemas.openxmlformats.org/officeDocument/2006/relationships" xmlns:p="http://schemas.openxmlformats.org/presentationml/2006/main">
   <p:cSld>
     <p:spTree>
       <p:nvGrpSpPr>
@@ -7539,6 +8621,7 @@
         </p:spPr>
         <p:txBody>
           <a:bodyPr tIns="91440" bIns="91440"/>
+          <a:lstStyle/>
           <a:p>
             <a:pPr>
               <a:lnSpc>
@@ -7546,16 +8629,16 @@
               </a:lnSpc>
             </a:pPr>
             <a:r>
-              <a:rPr b="0" lang="en-US" sz="3000" spc="-1" strike="noStrike">
-                <a:solidFill>
-                  <a:srgbClr val="ffffff"/>
+              <a:rPr lang="en-US" sz="3000" b="0" strike="noStrike" spc="-1">
+                <a:solidFill>
+                  <a:srgbClr val="FFFFFF"/>
                 </a:solidFill>
                 <a:latin typeface="Oswald"/>
                 <a:ea typeface="Oswald"/>
               </a:rPr>
               <a:t>Constructori si destructori</a:t>
             </a:r>
-            <a:endParaRPr b="0" lang="en-US" sz="3000" spc="-1" strike="noStrike">
+            <a:endParaRPr lang="en-US" sz="3000" b="0" strike="noStrike" spc="-1">
               <a:solidFill>
                 <a:srgbClr val="000000"/>
               </a:solidFill>
@@ -7585,28 +8668,29 @@
         </p:spPr>
         <p:txBody>
           <a:bodyPr tIns="91440" bIns="91440"/>
+          <a:lstStyle/>
           <a:p>
             <a:pPr marL="457200" indent="-342720">
               <a:lnSpc>
                 <a:spcPct val="100000"/>
               </a:lnSpc>
               <a:buClr>
-                <a:srgbClr val="cacaca"/>
+                <a:srgbClr val="CACACA"/>
               </a:buClr>
               <a:buFont typeface="Average"/>
               <a:buChar char="-"/>
             </a:pPr>
             <a:r>
-              <a:rPr b="0" lang="en-US" sz="1800" spc="-1" strike="noStrike">
-                <a:solidFill>
-                  <a:srgbClr val="cacaca"/>
+              <a:rPr lang="en-US" sz="1800" b="0" strike="noStrike" spc="-1">
+                <a:solidFill>
+                  <a:srgbClr val="CACACA"/>
                 </a:solidFill>
                 <a:latin typeface="Average"/>
                 <a:ea typeface="Average"/>
               </a:rPr>
               <a:t>Metode apelate la momentul crearii unui obiect sau la momentul distrugerii unui obiect</a:t>
             </a:r>
-            <a:endParaRPr b="0" lang="en-US" sz="1800" spc="-1" strike="noStrike">
+            <a:endParaRPr lang="en-US" sz="1800" b="0" strike="noStrike" spc="-1">
               <a:solidFill>
                 <a:srgbClr val="000000"/>
               </a:solidFill>
@@ -7619,22 +8703,22 @@
                 <a:spcPct val="100000"/>
               </a:lnSpc>
               <a:buClr>
-                <a:srgbClr val="cacaca"/>
+                <a:srgbClr val="CACACA"/>
               </a:buClr>
               <a:buFont typeface="Average"/>
               <a:buChar char="-"/>
             </a:pPr>
             <a:r>
-              <a:rPr b="0" lang="en-US" sz="1800" spc="-1" strike="noStrike">
-                <a:solidFill>
-                  <a:srgbClr val="cacaca"/>
+              <a:rPr lang="en-US" sz="1800" b="0" strike="noStrike" spc="-1">
+                <a:solidFill>
+                  <a:srgbClr val="CACACA"/>
                 </a:solidFill>
                 <a:latin typeface="Average"/>
                 <a:ea typeface="Average"/>
               </a:rPr>
               <a:t>Sunt metode publice, au ca nume: numele clasei( constructori ) sau numele clasei precedat de ~ ( destructori). Constructorul si destructorul nu au in definitie valoare de returnare ( vezi exemple)</a:t>
             </a:r>
-            <a:endParaRPr b="0" lang="en-US" sz="1800" spc="-1" strike="noStrike">
+            <a:endParaRPr lang="en-US" sz="1800" b="0" strike="noStrike" spc="-1">
               <a:solidFill>
                 <a:srgbClr val="000000"/>
               </a:solidFill>
@@ -7647,22 +8731,22 @@
                 <a:spcPct val="100000"/>
               </a:lnSpc>
               <a:buClr>
-                <a:srgbClr val="cacaca"/>
+                <a:srgbClr val="CACACA"/>
               </a:buClr>
               <a:buFont typeface="Average"/>
               <a:buChar char="-"/>
             </a:pPr>
             <a:r>
-              <a:rPr b="0" lang="en-US" sz="1800" spc="-1" strike="noStrike">
-                <a:solidFill>
-                  <a:srgbClr val="cacaca"/>
+              <a:rPr lang="en-US" sz="1800" b="0" strike="noStrike" spc="-1">
+                <a:solidFill>
+                  <a:srgbClr val="CACACA"/>
                 </a:solidFill>
                 <a:latin typeface="Average"/>
                 <a:ea typeface="Average"/>
               </a:rPr>
               <a:t>Pot exista mai multi constructori, dar doar un singur destructor</a:t>
             </a:r>
-            <a:endParaRPr b="0" lang="en-US" sz="1800" spc="-1" strike="noStrike">
+            <a:endParaRPr lang="en-US" sz="1800" b="0" strike="noStrike" spc="-1">
               <a:solidFill>
                 <a:srgbClr val="000000"/>
               </a:solidFill>
@@ -7673,22 +8757,25 @@
       </p:sp>
     </p:spTree>
   </p:cSld>
+  <p:clrMapOvr>
+    <a:masterClrMapping/>
+  </p:clrMapOvr>
   <p:timing>
     <p:tnLst>
       <p:par>
-        <p:cTn id="33" dur="indefinite" restart="never" nodeType="tmRoot">
+        <p:cTn id="1" dur="indefinite" restart="never" nodeType="tmRoot">
           <p:childTnLst>
             <p:seq>
-              <p:cTn id="34" nodeType="mainSeq"/>
+              <p:cTn id="2" nodeType="mainSeq"/>
               <p:prevCondLst>
-                <p:cond delay="0" evt="onPrev">
+                <p:cond evt="onPrev" delay="0">
                   <p:tgtEl>
                     <p:sldTgt/>
                   </p:tgtEl>
                 </p:cond>
               </p:prevCondLst>
               <p:nextCondLst>
-                <p:cond delay="0" evt="onNext">
+                <p:cond evt="onNext" delay="0">
                   <p:tgtEl>
                     <p:sldTgt/>
                   </p:tgtEl>
@@ -7704,7 +8791,7 @@
 </file>
 
 <file path=ppt/slides/slide18.xml><?xml version="1.0" encoding="utf-8"?>
-<p:sld xmlns:a="http://schemas.openxmlformats.org/drawingml/2006/main" xmlns:p="http://schemas.openxmlformats.org/presentationml/2006/main" xmlns:r="http://schemas.openxmlformats.org/officeDocument/2006/relationships" xmlns:p14="http://schemas.microsoft.com/office/powerpoint/2010/main" xmlns:p15="http://schemas.microsoft.com/office/powerpoint/2012/main" xmlns:mc="http://schemas.openxmlformats.org/markup-compatibility/2006">
+<p:sld xmlns:a="http://schemas.openxmlformats.org/drawingml/2006/main" xmlns:r="http://schemas.openxmlformats.org/officeDocument/2006/relationships" xmlns:p="http://schemas.openxmlformats.org/presentationml/2006/main">
   <p:cSld>
     <p:spTree>
       <p:nvGrpSpPr>
@@ -7740,7 +8827,8 @@
           </a:ln>
         </p:spPr>
         <p:txBody>
-          <a:bodyPr lIns="0" rIns="0" tIns="0" bIns="0" anchor="ctr"/>
+          <a:bodyPr lIns="0" tIns="0" rIns="0" bIns="0" anchor="ctr"/>
+          <a:lstStyle/>
           <a:p>
             <a:pPr>
               <a:lnSpc>
@@ -7748,16 +8836,16 @@
               </a:lnSpc>
             </a:pPr>
             <a:r>
-              <a:rPr b="0" lang="en-US" sz="3000" spc="-1" strike="noStrike">
-                <a:solidFill>
-                  <a:srgbClr val="ffffff"/>
+              <a:rPr lang="en-US" sz="3000" b="0" strike="noStrike" spc="-1">
+                <a:solidFill>
+                  <a:srgbClr val="FFFFFF"/>
                 </a:solidFill>
                 <a:latin typeface="Oswald"/>
                 <a:ea typeface="Oswald"/>
               </a:rPr>
               <a:t>Mostenire</a:t>
             </a:r>
-            <a:endParaRPr b="0" lang="en-US" sz="3000" spc="-1" strike="noStrike">
+            <a:endParaRPr lang="en-US" sz="3000" b="0" strike="noStrike" spc="-1">
               <a:solidFill>
                 <a:srgbClr val="000000"/>
               </a:solidFill>
@@ -7786,9 +8874,10 @@
           </a:ln>
         </p:spPr>
         <p:txBody>
-          <a:bodyPr lIns="0" rIns="0" tIns="0" bIns="0">
+          <a:bodyPr lIns="0" tIns="0" rIns="0" bIns="0">
             <a:normAutofit/>
           </a:bodyPr>
+          <a:lstStyle/>
           <a:p>
             <a:pPr>
               <a:lnSpc>
@@ -7796,26 +8885,16 @@
               </a:lnSpc>
             </a:pPr>
             <a:r>
-              <a:rPr b="0" lang="en-US" sz="1800" spc="-1" strike="noStrike">
-                <a:solidFill>
-                  <a:srgbClr val="cacaca"/>
-                </a:solidFill>
-                <a:latin typeface="Average"/>
-                <a:ea typeface="Average"/>
-              </a:rPr>
-              <a:t> </a:t>
-            </a:r>
-            <a:r>
-              <a:rPr b="0" lang="en-US" sz="1800" spc="-1" strike="noStrike">
-                <a:solidFill>
-                  <a:srgbClr val="cacaca"/>
-                </a:solidFill>
-                <a:latin typeface="Average"/>
-                <a:ea typeface="Average"/>
-              </a:rPr>
-              <a:t>- Putem reutiliza cod dintr-o alta clasa daca o mostenim/extindem. In acest fel putem avea acces la membrii public si protected din clasa parinte/de baza/superclasa </a:t>
-            </a:r>
-            <a:endParaRPr b="0" lang="en-US" sz="1800" spc="-1" strike="noStrike">
+              <a:rPr lang="en-US" sz="1800" b="0" strike="noStrike" spc="-1">
+                <a:solidFill>
+                  <a:srgbClr val="CACACA"/>
+                </a:solidFill>
+                <a:latin typeface="Average"/>
+                <a:ea typeface="Average"/>
+              </a:rPr>
+              <a:t> - Putem reutiliza cod dintr-o alta clasa daca o mostenim/extindem. In acest fel putem avea acces la membrii public si protected din clasa parinte/de baza/superclasa </a:t>
+            </a:r>
+            <a:endParaRPr lang="en-US" sz="1800" b="0" strike="noStrike" spc="-1">
               <a:solidFill>
                 <a:srgbClr val="000000"/>
               </a:solidFill>
@@ -7829,26 +8908,16 @@
               </a:lnSpc>
             </a:pPr>
             <a:r>
-              <a:rPr b="0" lang="en-US" sz="1800" spc="-1" strike="noStrike">
-                <a:solidFill>
-                  <a:srgbClr val="cacaca"/>
-                </a:solidFill>
-                <a:latin typeface="Average"/>
-                <a:ea typeface="Average"/>
-              </a:rPr>
-              <a:t> </a:t>
-            </a:r>
-            <a:r>
-              <a:rPr b="0" lang="en-US" sz="1800" spc="-1" strike="noStrike">
-                <a:solidFill>
-                  <a:srgbClr val="cacaca"/>
-                </a:solidFill>
-                <a:latin typeface="Average"/>
-                <a:ea typeface="Average"/>
-              </a:rPr>
-              <a:t>- Sintaxa class subClasa: modacces numeClasaBaza {…}</a:t>
-            </a:r>
-            <a:endParaRPr b="0" lang="en-US" sz="1800" spc="-1" strike="noStrike">
+              <a:rPr lang="en-US" sz="1800" b="0" strike="noStrike" spc="-1">
+                <a:solidFill>
+                  <a:srgbClr val="CACACA"/>
+                </a:solidFill>
+                <a:latin typeface="Average"/>
+                <a:ea typeface="Average"/>
+              </a:rPr>
+              <a:t> - Sintaxa class subClasa: modacces numeClasaBaza {…}</a:t>
+            </a:r>
+            <a:endParaRPr lang="en-US" sz="1800" b="0" strike="noStrike" spc="-1">
               <a:solidFill>
                 <a:srgbClr val="000000"/>
               </a:solidFill>
@@ -7862,26 +8931,16 @@
               </a:lnSpc>
             </a:pPr>
             <a:r>
-              <a:rPr b="0" lang="en-US" sz="1800" spc="-1" strike="noStrike">
-                <a:solidFill>
-                  <a:srgbClr val="cacaca"/>
-                </a:solidFill>
-                <a:latin typeface="Average"/>
-                <a:ea typeface="Average"/>
-              </a:rPr>
-              <a:t> </a:t>
-            </a:r>
-            <a:r>
-              <a:rPr b="0" lang="en-US" sz="1800" spc="-1" strike="noStrike">
-                <a:solidFill>
-                  <a:srgbClr val="cacaca"/>
-                </a:solidFill>
-                <a:latin typeface="Average"/>
-                <a:ea typeface="Average"/>
-              </a:rPr>
-              <a:t>- Vom folosi doar public ca modacces, ceea ce semnifica ca sunt mostenite campurile protected si public.</a:t>
-            </a:r>
-            <a:endParaRPr b="0" lang="en-US" sz="1800" spc="-1" strike="noStrike">
+              <a:rPr lang="en-US" sz="1800" b="0" strike="noStrike" spc="-1">
+                <a:solidFill>
+                  <a:srgbClr val="CACACA"/>
+                </a:solidFill>
+                <a:latin typeface="Average"/>
+                <a:ea typeface="Average"/>
+              </a:rPr>
+              <a:t> - Vom folosi doar public ca modacces, ceea ce semnifica ca sunt mostenite campurile protected si public.</a:t>
+            </a:r>
+            <a:endParaRPr lang="en-US" sz="1800" b="0" strike="noStrike" spc="-1">
               <a:solidFill>
                 <a:srgbClr val="000000"/>
               </a:solidFill>
@@ -7895,26 +8954,16 @@
               </a:lnSpc>
             </a:pPr>
             <a:r>
-              <a:rPr b="0" lang="en-US" sz="1800" spc="-1" strike="noStrike">
-                <a:solidFill>
-                  <a:srgbClr val="cacaca"/>
-                </a:solidFill>
-                <a:latin typeface="Average"/>
-                <a:ea typeface="Average"/>
-              </a:rPr>
-              <a:t> </a:t>
-            </a:r>
-            <a:r>
-              <a:rPr b="0" lang="en-US" sz="1800" spc="-1" strike="noStrike">
-                <a:solidFill>
-                  <a:srgbClr val="cacaca"/>
-                </a:solidFill>
-                <a:latin typeface="Average"/>
-                <a:ea typeface="Average"/>
-              </a:rPr>
-              <a:t>- Este formata o ierarhie de clase.</a:t>
-            </a:r>
-            <a:endParaRPr b="0" lang="en-US" sz="1800" spc="-1" strike="noStrike">
+              <a:rPr lang="en-US" sz="1800" b="0" strike="noStrike" spc="-1">
+                <a:solidFill>
+                  <a:srgbClr val="CACACA"/>
+                </a:solidFill>
+                <a:latin typeface="Average"/>
+                <a:ea typeface="Average"/>
+              </a:rPr>
+              <a:t> - Este formata o ierarhie de clase.</a:t>
+            </a:r>
+            <a:endParaRPr lang="en-US" sz="1800" b="0" strike="noStrike" spc="-1">
               <a:solidFill>
                 <a:srgbClr val="000000"/>
               </a:solidFill>
@@ -7928,26 +8977,16 @@
               </a:lnSpc>
             </a:pPr>
             <a:r>
-              <a:rPr b="0" lang="en-US" sz="1800" spc="-1" strike="noStrike">
-                <a:solidFill>
-                  <a:srgbClr val="cacaca"/>
-                </a:solidFill>
-                <a:latin typeface="Average"/>
-                <a:ea typeface="Average"/>
-              </a:rPr>
-              <a:t> </a:t>
-            </a:r>
-            <a:r>
-              <a:rPr b="0" lang="en-US" sz="1800" spc="-1" strike="noStrike">
-                <a:solidFill>
-                  <a:srgbClr val="cacaca"/>
-                </a:solidFill>
-                <a:latin typeface="Average"/>
-                <a:ea typeface="Average"/>
-              </a:rPr>
-              <a:t>- Exista si mostenirea multipla ( tema de cautare pe Internet/exemplele publicate)</a:t>
-            </a:r>
-            <a:endParaRPr b="0" lang="en-US" sz="1800" spc="-1" strike="noStrike">
+              <a:rPr lang="en-US" sz="1800" b="0" strike="noStrike" spc="-1">
+                <a:solidFill>
+                  <a:srgbClr val="CACACA"/>
+                </a:solidFill>
+                <a:latin typeface="Average"/>
+                <a:ea typeface="Average"/>
+              </a:rPr>
+              <a:t> - Exista si mostenirea multipla ( tema de cautare pe Internet/exemplele publicate)</a:t>
+            </a:r>
+            <a:endParaRPr lang="en-US" sz="1800" b="0" strike="noStrike" spc="-1">
               <a:solidFill>
                 <a:srgbClr val="000000"/>
               </a:solidFill>
@@ -7958,22 +8997,25 @@
       </p:sp>
     </p:spTree>
   </p:cSld>
+  <p:clrMapOvr>
+    <a:masterClrMapping/>
+  </p:clrMapOvr>
   <p:timing>
     <p:tnLst>
       <p:par>
-        <p:cTn id="35" dur="indefinite" restart="never" nodeType="tmRoot">
+        <p:cTn id="1" dur="indefinite" restart="never" nodeType="tmRoot">
           <p:childTnLst>
             <p:seq>
-              <p:cTn id="36" nodeType="mainSeq"/>
+              <p:cTn id="2" nodeType="mainSeq"/>
               <p:prevCondLst>
-                <p:cond delay="0" evt="onPrev">
+                <p:cond evt="onPrev" delay="0">
                   <p:tgtEl>
                     <p:sldTgt/>
                   </p:tgtEl>
                 </p:cond>
               </p:prevCondLst>
               <p:nextCondLst>
-                <p:cond delay="0" evt="onNext">
+                <p:cond evt="onNext" delay="0">
                   <p:tgtEl>
                     <p:sldTgt/>
                   </p:tgtEl>
@@ -7989,7 +9031,7 @@
 </file>
 
 <file path=ppt/slides/slide2.xml><?xml version="1.0" encoding="utf-8"?>
-<p:sld xmlns:a="http://schemas.openxmlformats.org/drawingml/2006/main" xmlns:p="http://schemas.openxmlformats.org/presentationml/2006/main" xmlns:r="http://schemas.openxmlformats.org/officeDocument/2006/relationships" xmlns:p14="http://schemas.microsoft.com/office/powerpoint/2010/main" xmlns:p15="http://schemas.microsoft.com/office/powerpoint/2012/main" xmlns:mc="http://schemas.openxmlformats.org/markup-compatibility/2006">
+<p:sld xmlns:a="http://schemas.openxmlformats.org/drawingml/2006/main" xmlns:r="http://schemas.openxmlformats.org/officeDocument/2006/relationships" xmlns:p="http://schemas.openxmlformats.org/presentationml/2006/main">
   <p:cSld>
     <p:spTree>
       <p:nvGrpSpPr>
@@ -8026,6 +9068,7 @@
         </p:spPr>
         <p:txBody>
           <a:bodyPr tIns="91440" bIns="91440"/>
+          <a:lstStyle/>
           <a:p>
             <a:pPr>
               <a:lnSpc>
@@ -8033,16 +9076,16 @@
               </a:lnSpc>
             </a:pPr>
             <a:r>
-              <a:rPr b="0" lang="en-US" sz="3000" spc="-1" strike="noStrike">
-                <a:solidFill>
-                  <a:srgbClr val="ffffff"/>
+              <a:rPr lang="en-US" sz="3000" b="0" strike="noStrike" spc="-1">
+                <a:solidFill>
+                  <a:srgbClr val="FFFFFF"/>
                 </a:solidFill>
                 <a:latin typeface="Oswald"/>
                 <a:ea typeface="Oswald"/>
               </a:rPr>
               <a:t>Sisteme de numeratie</a:t>
             </a:r>
-            <a:endParaRPr b="0" lang="en-US" sz="3000" spc="-1" strike="noStrike">
+            <a:endParaRPr lang="en-US" sz="3000" b="0" strike="noStrike" spc="-1">
               <a:solidFill>
                 <a:srgbClr val="000000"/>
               </a:solidFill>
@@ -8072,28 +9115,29 @@
         </p:spPr>
         <p:txBody>
           <a:bodyPr tIns="91440" bIns="91440"/>
+          <a:lstStyle/>
           <a:p>
             <a:pPr marL="457200" indent="-342720">
               <a:lnSpc>
                 <a:spcPct val="100000"/>
               </a:lnSpc>
               <a:buClr>
-                <a:srgbClr val="cacaca"/>
+                <a:srgbClr val="CACACA"/>
               </a:buClr>
               <a:buFont typeface="Average"/>
               <a:buChar char="-"/>
             </a:pPr>
             <a:r>
-              <a:rPr b="0" lang="en-US" sz="1800" spc="-1" strike="noStrike">
-                <a:solidFill>
-                  <a:srgbClr val="cacaca"/>
+              <a:rPr lang="en-US" sz="1800" b="0" strike="noStrike" spc="-1">
+                <a:solidFill>
+                  <a:srgbClr val="CACACA"/>
                 </a:solidFill>
                 <a:latin typeface="Average"/>
                 <a:ea typeface="Average"/>
               </a:rPr>
               <a:t>Se foloseste de obicei baza 2 care are cifrele 0 si 1. Cea mai mica unitate masurabila a informatiei este un octet/byte(=8biti)</a:t>
             </a:r>
-            <a:endParaRPr b="0" lang="en-US" sz="1800" spc="-1" strike="noStrike">
+            <a:endParaRPr lang="en-US" sz="1800" b="0" strike="noStrike" spc="-1">
               <a:solidFill>
                 <a:srgbClr val="000000"/>
               </a:solidFill>
@@ -8106,22 +9150,22 @@
                 <a:spcPct val="100000"/>
               </a:lnSpc>
               <a:buClr>
-                <a:srgbClr val="cacaca"/>
+                <a:srgbClr val="CACACA"/>
               </a:buClr>
               <a:buFont typeface="Average"/>
               <a:buChar char="-"/>
             </a:pPr>
             <a:r>
-              <a:rPr b="0" lang="en-US" sz="1800" spc="-1" strike="noStrike">
-                <a:solidFill>
-                  <a:srgbClr val="cacaca"/>
+              <a:rPr lang="en-US" sz="1800" b="0" strike="noStrike" spc="-1">
+                <a:solidFill>
+                  <a:srgbClr val="CACACA"/>
                 </a:solidFill>
                 <a:latin typeface="Average"/>
                 <a:ea typeface="Average"/>
               </a:rPr>
               <a:t>Multiplii ai octetului: KB, MB, GB…</a:t>
             </a:r>
-            <a:endParaRPr b="0" lang="en-US" sz="1800" spc="-1" strike="noStrike">
+            <a:endParaRPr lang="en-US" sz="1800" b="0" strike="noStrike" spc="-1">
               <a:solidFill>
                 <a:srgbClr val="000000"/>
               </a:solidFill>
@@ -8134,15 +9178,15 @@
                 <a:spcPct val="100000"/>
               </a:lnSpc>
               <a:buClr>
-                <a:srgbClr val="cacaca"/>
+                <a:srgbClr val="CACACA"/>
               </a:buClr>
               <a:buFont typeface="Average"/>
               <a:buChar char="-"/>
             </a:pPr>
             <a:r>
-              <a:rPr b="0" lang="en-US" sz="1800" spc="-1" strike="noStrike">
-                <a:solidFill>
-                  <a:srgbClr val="cacaca"/>
+              <a:rPr lang="en-US" sz="1800" b="0" strike="noStrike" spc="-1">
+                <a:solidFill>
+                  <a:srgbClr val="CACACA"/>
                 </a:solidFill>
                 <a:latin typeface="Average"/>
                 <a:ea typeface="Average"/>
@@ -8150,9 +9194,9 @@
               <a:t>Dezvoltarea unui numar dupa puteri in baza 2: N</a:t>
             </a:r>
             <a:r>
-              <a:rPr b="0" lang="en-US" sz="1800" spc="-1" strike="noStrike" baseline="-25000">
-                <a:solidFill>
-                  <a:srgbClr val="cacaca"/>
+              <a:rPr lang="en-US" sz="1800" b="0" strike="noStrike" spc="-1" baseline="-25000">
+                <a:solidFill>
+                  <a:srgbClr val="CACACA"/>
                 </a:solidFill>
                 <a:latin typeface="Average"/>
                 <a:ea typeface="Average"/>
@@ -8160,9 +9204,9 @@
               <a:t>2</a:t>
             </a:r>
             <a:r>
-              <a:rPr b="0" lang="en-US" sz="1800" spc="-1" strike="noStrike">
-                <a:solidFill>
-                  <a:srgbClr val="cacaca"/>
+              <a:rPr lang="en-US" sz="1800" b="0" strike="noStrike" spc="-1">
+                <a:solidFill>
+                  <a:srgbClr val="CACACA"/>
                 </a:solidFill>
                 <a:latin typeface="Average"/>
                 <a:ea typeface="Average"/>
@@ -8170,9 +9214,9 @@
               <a:t>=a</a:t>
             </a:r>
             <a:r>
-              <a:rPr b="0" lang="en-US" sz="1800" spc="-1" strike="noStrike" baseline="-25000">
-                <a:solidFill>
-                  <a:srgbClr val="cacaca"/>
+              <a:rPr lang="en-US" sz="1800" b="0" strike="noStrike" spc="-1" baseline="-25000">
+                <a:solidFill>
+                  <a:srgbClr val="CACACA"/>
                 </a:solidFill>
                 <a:latin typeface="Average"/>
                 <a:ea typeface="Average"/>
@@ -8180,9 +9224,9 @@
               <a:t>n</a:t>
             </a:r>
             <a:r>
-              <a:rPr b="0" lang="en-US" sz="1800" spc="-1" strike="noStrike">
-                <a:solidFill>
-                  <a:srgbClr val="cacaca"/>
+              <a:rPr lang="en-US" sz="1800" b="0" strike="noStrike" spc="-1">
+                <a:solidFill>
+                  <a:srgbClr val="CACACA"/>
                 </a:solidFill>
                 <a:latin typeface="Average"/>
                 <a:ea typeface="Average"/>
@@ -8190,9 +9234,9 @@
               <a:t>a</a:t>
             </a:r>
             <a:r>
-              <a:rPr b="0" lang="en-US" sz="1800" spc="-1" strike="noStrike" baseline="-25000">
-                <a:solidFill>
-                  <a:srgbClr val="cacaca"/>
+              <a:rPr lang="en-US" sz="1800" b="0" strike="noStrike" spc="-1" baseline="-25000">
+                <a:solidFill>
+                  <a:srgbClr val="CACACA"/>
                 </a:solidFill>
                 <a:latin typeface="Average"/>
                 <a:ea typeface="Average"/>
@@ -8200,9 +9244,9 @@
               <a:t>n-1</a:t>
             </a:r>
             <a:r>
-              <a:rPr b="0" lang="en-US" sz="1800" spc="-1" strike="noStrike">
-                <a:solidFill>
-                  <a:srgbClr val="cacaca"/>
+              <a:rPr lang="en-US" sz="1800" b="0" strike="noStrike" spc="-1">
+                <a:solidFill>
+                  <a:srgbClr val="CACACA"/>
                 </a:solidFill>
                 <a:latin typeface="Average"/>
                 <a:ea typeface="Average"/>
@@ -8210,9 +9254,9 @@
               <a:t>...a</a:t>
             </a:r>
             <a:r>
-              <a:rPr b="0" lang="en-US" sz="1800" spc="-1" strike="noStrike" baseline="-25000">
-                <a:solidFill>
-                  <a:srgbClr val="cacaca"/>
+              <a:rPr lang="en-US" sz="1800" b="0" strike="noStrike" spc="-1" baseline="-25000">
+                <a:solidFill>
+                  <a:srgbClr val="CACACA"/>
                 </a:solidFill>
                 <a:latin typeface="Average"/>
                 <a:ea typeface="Average"/>
@@ -8220,9 +9264,9 @@
               <a:t>1</a:t>
             </a:r>
             <a:r>
-              <a:rPr b="0" lang="en-US" sz="1800" spc="-1" strike="noStrike">
-                <a:solidFill>
-                  <a:srgbClr val="cacaca"/>
+              <a:rPr lang="en-US" sz="1800" b="0" strike="noStrike" spc="-1">
+                <a:solidFill>
+                  <a:srgbClr val="CACACA"/>
                 </a:solidFill>
                 <a:latin typeface="Average"/>
                 <a:ea typeface="Average"/>
@@ -8230,9 +9274,9 @@
               <a:t>a</a:t>
             </a:r>
             <a:r>
-              <a:rPr b="0" lang="en-US" sz="1800" spc="-1" strike="noStrike" baseline="-25000">
-                <a:solidFill>
-                  <a:srgbClr val="cacaca"/>
+              <a:rPr lang="en-US" sz="1800" b="0" strike="noStrike" spc="-1" baseline="-25000">
+                <a:solidFill>
+                  <a:srgbClr val="CACACA"/>
                 </a:solidFill>
                 <a:latin typeface="Average"/>
                 <a:ea typeface="Average"/>
@@ -8240,9 +9284,9 @@
               <a:t>0</a:t>
             </a:r>
             <a:r>
-              <a:rPr b="0" lang="en-US" sz="1800" spc="-1" strike="noStrike">
-                <a:solidFill>
-                  <a:srgbClr val="cacaca"/>
+              <a:rPr lang="en-US" sz="1800" b="0" strike="noStrike" spc="-1">
+                <a:solidFill>
+                  <a:srgbClr val="CACACA"/>
                 </a:solidFill>
                 <a:latin typeface="Average"/>
                 <a:ea typeface="Average"/>
@@ -8250,9 +9294,9 @@
               <a:t>= a</a:t>
             </a:r>
             <a:r>
-              <a:rPr b="0" lang="en-US" sz="1800" spc="-1" strike="noStrike" baseline="-25000">
-                <a:solidFill>
-                  <a:srgbClr val="cacaca"/>
+              <a:rPr lang="en-US" sz="1800" b="0" strike="noStrike" spc="-1" baseline="-25000">
+                <a:solidFill>
+                  <a:srgbClr val="CACACA"/>
                 </a:solidFill>
                 <a:latin typeface="Average"/>
                 <a:ea typeface="Average"/>
@@ -8260,9 +9304,9 @@
               <a:t>n</a:t>
             </a:r>
             <a:r>
-              <a:rPr b="0" lang="en-US" sz="1800" spc="-1" strike="noStrike">
-                <a:solidFill>
-                  <a:srgbClr val="cacaca"/>
+              <a:rPr lang="en-US" sz="1800" b="0" strike="noStrike" spc="-1">
+                <a:solidFill>
+                  <a:srgbClr val="CACACA"/>
                 </a:solidFill>
                 <a:latin typeface="Average"/>
                 <a:ea typeface="Average"/>
@@ -8270,9 +9314,9 @@
               <a:t>2</a:t>
             </a:r>
             <a:r>
-              <a:rPr b="0" lang="en-US" sz="1800" spc="-1" strike="noStrike" baseline="30000">
-                <a:solidFill>
-                  <a:srgbClr val="cacaca"/>
+              <a:rPr lang="en-US" sz="1800" b="0" strike="noStrike" spc="-1" baseline="30000">
+                <a:solidFill>
+                  <a:srgbClr val="CACACA"/>
                 </a:solidFill>
                 <a:latin typeface="Average"/>
                 <a:ea typeface="Average"/>
@@ -8280,9 +9324,9 @@
               <a:t>n</a:t>
             </a:r>
             <a:r>
-              <a:rPr b="0" lang="en-US" sz="1800" spc="-1" strike="noStrike">
-                <a:solidFill>
-                  <a:srgbClr val="cacaca"/>
+              <a:rPr lang="en-US" sz="1800" b="0" strike="noStrike" spc="-1">
+                <a:solidFill>
+                  <a:srgbClr val="CACACA"/>
                 </a:solidFill>
                 <a:latin typeface="Average"/>
                 <a:ea typeface="Average"/>
@@ -8290,9 +9334,9 @@
               <a:t>+...+a</a:t>
             </a:r>
             <a:r>
-              <a:rPr b="0" lang="en-US" sz="1800" spc="-1" strike="noStrike" baseline="-25000">
-                <a:solidFill>
-                  <a:srgbClr val="cacaca"/>
+              <a:rPr lang="en-US" sz="1800" b="0" strike="noStrike" spc="-1" baseline="-25000">
+                <a:solidFill>
+                  <a:srgbClr val="CACACA"/>
                 </a:solidFill>
                 <a:latin typeface="Average"/>
                 <a:ea typeface="Average"/>
@@ -8300,9 +9344,9 @@
               <a:t>1</a:t>
             </a:r>
             <a:r>
-              <a:rPr b="0" lang="en-US" sz="1800" spc="-1" strike="noStrike">
-                <a:solidFill>
-                  <a:srgbClr val="cacaca"/>
+              <a:rPr lang="en-US" sz="1800" b="0" strike="noStrike" spc="-1">
+                <a:solidFill>
+                  <a:srgbClr val="CACACA"/>
                 </a:solidFill>
                 <a:latin typeface="Average"/>
                 <a:ea typeface="Average"/>
@@ -8310,9 +9354,9 @@
               <a:t>2</a:t>
             </a:r>
             <a:r>
-              <a:rPr b="0" lang="en-US" sz="1800" spc="-1" strike="noStrike" baseline="30000">
-                <a:solidFill>
-                  <a:srgbClr val="cacaca"/>
+              <a:rPr lang="en-US" sz="1800" b="0" strike="noStrike" spc="-1" baseline="30000">
+                <a:solidFill>
+                  <a:srgbClr val="CACACA"/>
                 </a:solidFill>
                 <a:latin typeface="Average"/>
                 <a:ea typeface="Average"/>
@@ -8320,9 +9364,9 @@
               <a:t>1</a:t>
             </a:r>
             <a:r>
-              <a:rPr b="0" lang="en-US" sz="1800" spc="-1" strike="noStrike">
-                <a:solidFill>
-                  <a:srgbClr val="cacaca"/>
+              <a:rPr lang="en-US" sz="1800" b="0" strike="noStrike" spc="-1">
+                <a:solidFill>
+                  <a:srgbClr val="CACACA"/>
                 </a:solidFill>
                 <a:latin typeface="Average"/>
                 <a:ea typeface="Average"/>
@@ -8330,9 +9374,9 @@
               <a:t>+a</a:t>
             </a:r>
             <a:r>
-              <a:rPr b="0" lang="en-US" sz="1800" spc="-1" strike="noStrike" baseline="-25000">
-                <a:solidFill>
-                  <a:srgbClr val="cacaca"/>
+              <a:rPr lang="en-US" sz="1800" b="0" strike="noStrike" spc="-1" baseline="-25000">
+                <a:solidFill>
+                  <a:srgbClr val="CACACA"/>
                 </a:solidFill>
                 <a:latin typeface="Average"/>
                 <a:ea typeface="Average"/>
@@ -8340,9 +9384,9 @@
               <a:t>0</a:t>
             </a:r>
             <a:r>
-              <a:rPr b="0" lang="en-US" sz="1800" spc="-1" strike="noStrike">
-                <a:solidFill>
-                  <a:srgbClr val="cacaca"/>
+              <a:rPr lang="en-US" sz="1800" b="0" strike="noStrike" spc="-1">
+                <a:solidFill>
+                  <a:srgbClr val="CACACA"/>
                 </a:solidFill>
                 <a:latin typeface="Average"/>
                 <a:ea typeface="Average"/>
@@ -8350,16 +9394,16 @@
               <a:t>2</a:t>
             </a:r>
             <a:r>
-              <a:rPr b="0" lang="en-US" sz="1800" spc="-1" strike="noStrike" baseline="30000">
-                <a:solidFill>
-                  <a:srgbClr val="cacaca"/>
+              <a:rPr lang="en-US" sz="1800" b="0" strike="noStrike" spc="-1" baseline="30000">
+                <a:solidFill>
+                  <a:srgbClr val="CACACA"/>
                 </a:solidFill>
                 <a:latin typeface="Average"/>
                 <a:ea typeface="Average"/>
               </a:rPr>
               <a:t>0</a:t>
             </a:r>
-            <a:endParaRPr b="0" lang="en-US" sz="1800" spc="-1" strike="noStrike">
+            <a:endParaRPr lang="en-US" sz="1800" b="0" strike="noStrike" spc="-1">
               <a:solidFill>
                 <a:srgbClr val="000000"/>
               </a:solidFill>
@@ -8372,22 +9416,22 @@
                 <a:spcPct val="100000"/>
               </a:lnSpc>
               <a:buClr>
-                <a:srgbClr val="cacaca"/>
+                <a:srgbClr val="CACACA"/>
               </a:buClr>
               <a:buFont typeface="Average"/>
               <a:buChar char="-"/>
             </a:pPr>
             <a:r>
-              <a:rPr b="0" lang="en-US" sz="1800" spc="-1" strike="noStrike">
-                <a:solidFill>
-                  <a:srgbClr val="cacaca"/>
+              <a:rPr lang="en-US" sz="1800" b="0" strike="noStrike" spc="-1">
+                <a:solidFill>
+                  <a:srgbClr val="CACACA"/>
                 </a:solidFill>
                 <a:latin typeface="Average"/>
                 <a:ea typeface="Average"/>
               </a:rPr>
               <a:t>Bitul cel mai din stanga se numeste bitul cel mai semnificativ, iar cel mai din dreapta cel mai putin semnificativ</a:t>
             </a:r>
-            <a:endParaRPr b="0" lang="en-US" sz="1800" spc="-1" strike="noStrike">
+            <a:endParaRPr lang="en-US" sz="1800" b="0" strike="noStrike" spc="-1">
               <a:solidFill>
                 <a:srgbClr val="000000"/>
               </a:solidFill>
@@ -8400,22 +9444,22 @@
                 <a:spcPct val="100000"/>
               </a:lnSpc>
               <a:buClr>
-                <a:srgbClr val="cacaca"/>
+                <a:srgbClr val="CACACA"/>
               </a:buClr>
               <a:buFont typeface="Average"/>
               <a:buChar char="-"/>
             </a:pPr>
             <a:r>
-              <a:rPr b="0" lang="en-US" sz="1800" spc="-1" strike="noStrike">
-                <a:solidFill>
-                  <a:srgbClr val="cacaca"/>
+              <a:rPr lang="en-US" sz="1800" b="0" strike="noStrike" spc="-1">
+                <a:solidFill>
+                  <a:srgbClr val="CACACA"/>
                 </a:solidFill>
                 <a:latin typeface="Average"/>
                 <a:ea typeface="Average"/>
               </a:rPr>
               <a:t>Se folosesc baze intermediare: sisteme octale (baza 8) si hexazecimale(baza 16)</a:t>
             </a:r>
-            <a:endParaRPr b="0" lang="en-US" sz="1800" spc="-1" strike="noStrike">
+            <a:endParaRPr lang="en-US" sz="1800" b="0" strike="noStrike" spc="-1">
               <a:solidFill>
                 <a:srgbClr val="000000"/>
               </a:solidFill>
@@ -8426,22 +9470,25 @@
       </p:sp>
     </p:spTree>
   </p:cSld>
+  <p:clrMapOvr>
+    <a:masterClrMapping/>
+  </p:clrMapOvr>
   <p:timing>
     <p:tnLst>
       <p:par>
-        <p:cTn id="3" dur="indefinite" restart="never" nodeType="tmRoot">
+        <p:cTn id="1" dur="indefinite" restart="never" nodeType="tmRoot">
           <p:childTnLst>
             <p:seq>
-              <p:cTn id="4" nodeType="mainSeq"/>
+              <p:cTn id="2" nodeType="mainSeq"/>
               <p:prevCondLst>
-                <p:cond delay="0" evt="onPrev">
+                <p:cond evt="onPrev" delay="0">
                   <p:tgtEl>
                     <p:sldTgt/>
                   </p:tgtEl>
                 </p:cond>
               </p:prevCondLst>
               <p:nextCondLst>
-                <p:cond delay="0" evt="onNext">
+                <p:cond evt="onNext" delay="0">
                   <p:tgtEl>
                     <p:sldTgt/>
                   </p:tgtEl>
@@ -8457,7 +9504,7 @@
 </file>
 
 <file path=ppt/slides/slide3.xml><?xml version="1.0" encoding="utf-8"?>
-<p:sld xmlns:a="http://schemas.openxmlformats.org/drawingml/2006/main" xmlns:p="http://schemas.openxmlformats.org/presentationml/2006/main" xmlns:r="http://schemas.openxmlformats.org/officeDocument/2006/relationships" xmlns:p14="http://schemas.microsoft.com/office/powerpoint/2010/main" xmlns:p15="http://schemas.microsoft.com/office/powerpoint/2012/main" xmlns:mc="http://schemas.openxmlformats.org/markup-compatibility/2006">
+<p:sld xmlns:a="http://schemas.openxmlformats.org/drawingml/2006/main" xmlns:r="http://schemas.openxmlformats.org/officeDocument/2006/relationships" xmlns:p="http://schemas.openxmlformats.org/presentationml/2006/main">
   <p:cSld>
     <p:spTree>
       <p:nvGrpSpPr>
@@ -8494,8 +9541,9 @@
         </p:spPr>
         <p:txBody>
           <a:bodyPr tIns="91440" bIns="91440"/>
-          <a:p>
-            <a:endParaRPr b="0" lang="en-US" sz="1400" spc="-1" strike="noStrike">
+          <a:lstStyle/>
+          <a:p>
+            <a:endParaRPr lang="en-US" sz="1400" b="0" strike="noStrike" spc="-1">
               <a:solidFill>
                 <a:srgbClr val="000000"/>
               </a:solidFill>
@@ -8525,28 +9573,29 @@
         </p:spPr>
         <p:txBody>
           <a:bodyPr tIns="91440" bIns="91440"/>
+          <a:lstStyle/>
           <a:p>
             <a:pPr marL="457200" indent="-342720">
               <a:lnSpc>
                 <a:spcPct val="100000"/>
               </a:lnSpc>
               <a:buClr>
-                <a:srgbClr val="cacaca"/>
+                <a:srgbClr val="CACACA"/>
               </a:buClr>
               <a:buFont typeface="Average"/>
               <a:buChar char="-"/>
             </a:pPr>
             <a:r>
-              <a:rPr b="0" lang="en-US" sz="1800" spc="-1" strike="noStrike">
-                <a:solidFill>
-                  <a:srgbClr val="cacaca"/>
+              <a:rPr lang="en-US" sz="1800" b="0" strike="noStrike" spc="-1">
+                <a:solidFill>
+                  <a:srgbClr val="CACACA"/>
                 </a:solidFill>
                 <a:latin typeface="Average"/>
                 <a:ea typeface="Average"/>
               </a:rPr>
               <a:t>Baza 16 foloeste cifrele 0, 1, 2, .... 9 si A,  B, C, D, E, F</a:t>
             </a:r>
-            <a:endParaRPr b="0" lang="en-US" sz="1800" spc="-1" strike="noStrike">
+            <a:endParaRPr lang="en-US" sz="1800" b="0" strike="noStrike" spc="-1">
               <a:solidFill>
                 <a:srgbClr val="000000"/>
               </a:solidFill>
@@ -8559,22 +9608,22 @@
                 <a:spcPct val="100000"/>
               </a:lnSpc>
               <a:buClr>
-                <a:srgbClr val="cacaca"/>
+                <a:srgbClr val="CACACA"/>
               </a:buClr>
               <a:buFont typeface="Average"/>
               <a:buChar char="-"/>
             </a:pPr>
             <a:r>
-              <a:rPr b="0" lang="en-US" sz="1800" spc="-1" strike="noStrike">
-                <a:solidFill>
-                  <a:srgbClr val="cacaca"/>
+              <a:rPr lang="en-US" sz="1800" b="0" strike="noStrike" spc="-1">
+                <a:solidFill>
+                  <a:srgbClr val="CACACA"/>
                 </a:solidFill>
                 <a:latin typeface="Average"/>
                 <a:ea typeface="Average"/>
               </a:rPr>
               <a:t>Dezvoltarea dupa puteri e la fel ca la baza cu 2 cu conditia sa inlocuim 2 cu 16.</a:t>
             </a:r>
-            <a:endParaRPr b="0" lang="en-US" sz="1800" spc="-1" strike="noStrike">
+            <a:endParaRPr lang="en-US" sz="1800" b="0" strike="noStrike" spc="-1">
               <a:solidFill>
                 <a:srgbClr val="000000"/>
               </a:solidFill>
@@ -8587,22 +9636,22 @@
                 <a:spcPct val="100000"/>
               </a:lnSpc>
               <a:buClr>
-                <a:srgbClr val="cacaca"/>
+                <a:srgbClr val="CACACA"/>
               </a:buClr>
               <a:buFont typeface="Average"/>
               <a:buChar char="-"/>
             </a:pPr>
             <a:r>
-              <a:rPr b="0" lang="en-US" sz="1800" spc="-1" strike="noStrike">
-                <a:solidFill>
-                  <a:srgbClr val="cacaca"/>
+              <a:rPr lang="en-US" sz="1800" b="0" strike="noStrike" spc="-1">
+                <a:solidFill>
+                  <a:srgbClr val="CACACA"/>
                 </a:solidFill>
                 <a:latin typeface="Average"/>
                 <a:ea typeface="Average"/>
               </a:rPr>
               <a:t>Conversia in baza in 10: se dezvolta dupa puterile bazei si se fac calculele.</a:t>
             </a:r>
-            <a:endParaRPr b="0" lang="en-US" sz="1800" spc="-1" strike="noStrike">
+            <a:endParaRPr lang="en-US" sz="1800" b="0" strike="noStrike" spc="-1">
               <a:solidFill>
                 <a:srgbClr val="000000"/>
               </a:solidFill>
@@ -8616,26 +9665,16 @@
               </a:lnSpc>
             </a:pPr>
             <a:r>
-              <a:rPr b="0" lang="en-US" sz="1800" spc="-1" strike="noStrike">
-                <a:solidFill>
-                  <a:srgbClr val="cacaca"/>
-                </a:solidFill>
-                <a:latin typeface="Average"/>
-                <a:ea typeface="Average"/>
-              </a:rPr>
-              <a:t>Un mod de transformare din baza 2 in 16: se imparte numarul in grupe de cate 4 cifre de la dreapta la stanga si se inlocuiesc cu cifrele corespunzatoare</a:t>
-            </a:r>
-            <a:r>
-              <a:rPr b="0" lang="en-US" sz="1800" spc="-1" strike="noStrike">
-                <a:solidFill>
-                  <a:srgbClr val="cacaca"/>
-                </a:solidFill>
-                <a:latin typeface="Average"/>
-                <a:ea typeface="Average"/>
-              </a:rPr>
-              <a:t> in baza 16</a:t>
-            </a:r>
-            <a:endParaRPr b="0" lang="en-US" sz="1800" spc="-1" strike="noStrike">
+              <a:rPr lang="en-US" sz="1800" b="0" strike="noStrike" spc="-1">
+                <a:solidFill>
+                  <a:srgbClr val="CACACA"/>
+                </a:solidFill>
+                <a:latin typeface="Average"/>
+                <a:ea typeface="Average"/>
+              </a:rPr>
+              <a:t>Un mod de transformare din baza 2 in 16: se imparte numarul in grupe de cate 4 cifre de la dreapta la stanga si se inlocuiesc cu cifrele corespunzatoare in baza 16</a:t>
+            </a:r>
+            <a:endParaRPr lang="en-US" sz="1800" b="0" strike="noStrike" spc="-1">
               <a:solidFill>
                 <a:srgbClr val="000000"/>
               </a:solidFill>
@@ -8646,22 +9685,25 @@
       </p:sp>
     </p:spTree>
   </p:cSld>
+  <p:clrMapOvr>
+    <a:masterClrMapping/>
+  </p:clrMapOvr>
   <p:timing>
     <p:tnLst>
       <p:par>
-        <p:cTn id="5" dur="indefinite" restart="never" nodeType="tmRoot">
+        <p:cTn id="1" dur="indefinite" restart="never" nodeType="tmRoot">
           <p:childTnLst>
             <p:seq>
-              <p:cTn id="6" nodeType="mainSeq"/>
+              <p:cTn id="2" nodeType="mainSeq"/>
               <p:prevCondLst>
-                <p:cond delay="0" evt="onPrev">
+                <p:cond evt="onPrev" delay="0">
                   <p:tgtEl>
                     <p:sldTgt/>
                   </p:tgtEl>
                 </p:cond>
               </p:prevCondLst>
               <p:nextCondLst>
-                <p:cond delay="0" evt="onNext">
+                <p:cond evt="onNext" delay="0">
                   <p:tgtEl>
                     <p:sldTgt/>
                   </p:tgtEl>
@@ -8677,7 +9719,7 @@
 </file>
 
 <file path=ppt/slides/slide4.xml><?xml version="1.0" encoding="utf-8"?>
-<p:sld xmlns:a="http://schemas.openxmlformats.org/drawingml/2006/main" xmlns:p="http://schemas.openxmlformats.org/presentationml/2006/main" xmlns:r="http://schemas.openxmlformats.org/officeDocument/2006/relationships" xmlns:p14="http://schemas.microsoft.com/office/powerpoint/2010/main" xmlns:p15="http://schemas.microsoft.com/office/powerpoint/2012/main" xmlns:mc="http://schemas.openxmlformats.org/markup-compatibility/2006">
+<p:sld xmlns:a="http://schemas.openxmlformats.org/drawingml/2006/main" xmlns:r="http://schemas.openxmlformats.org/officeDocument/2006/relationships" xmlns:p="http://schemas.openxmlformats.org/presentationml/2006/main">
   <p:cSld>
     <p:spTree>
       <p:nvGrpSpPr>
@@ -8714,6 +9756,7 @@
         </p:spPr>
         <p:txBody>
           <a:bodyPr tIns="91440" bIns="91440"/>
+          <a:lstStyle/>
           <a:p>
             <a:pPr>
               <a:lnSpc>
@@ -8721,16 +9764,16 @@
               </a:lnSpc>
             </a:pPr>
             <a:r>
-              <a:rPr b="0" lang="en-US" sz="3000" spc="-1" strike="noStrike">
-                <a:solidFill>
-                  <a:srgbClr val="ffffff"/>
+              <a:rPr lang="en-US" sz="3000" b="0" strike="noStrike" spc="-1">
+                <a:solidFill>
+                  <a:srgbClr val="FFFFFF"/>
                 </a:solidFill>
                 <a:latin typeface="Oswald"/>
                 <a:ea typeface="Oswald"/>
               </a:rPr>
               <a:t>Algoritmi</a:t>
             </a:r>
-            <a:endParaRPr b="0" lang="en-US" sz="3000" spc="-1" strike="noStrike">
+            <a:endParaRPr lang="en-US" sz="3000" b="0" strike="noStrike" spc="-1">
               <a:solidFill>
                 <a:srgbClr val="000000"/>
               </a:solidFill>
@@ -8760,28 +9803,29 @@
         </p:spPr>
         <p:txBody>
           <a:bodyPr tIns="91440" bIns="91440"/>
+          <a:lstStyle/>
           <a:p>
             <a:pPr marL="457200" indent="-342720">
               <a:lnSpc>
                 <a:spcPct val="100000"/>
               </a:lnSpc>
               <a:buClr>
-                <a:srgbClr val="cacaca"/>
+                <a:srgbClr val="CACACA"/>
               </a:buClr>
               <a:buFont typeface="Average"/>
               <a:buChar char="-"/>
             </a:pPr>
             <a:r>
-              <a:rPr b="0" lang="en-US" sz="1800" spc="-1" strike="noStrike">
-                <a:solidFill>
-                  <a:srgbClr val="cacaca"/>
+              <a:rPr lang="en-US" sz="1800" b="0" strike="noStrike" spc="-1">
+                <a:solidFill>
+                  <a:srgbClr val="CACACA"/>
                 </a:solidFill>
                 <a:latin typeface="Average"/>
                 <a:ea typeface="Average"/>
               </a:rPr>
               <a:t>Reprezinta modalitate de rezolvare a unei clase de probleme</a:t>
             </a:r>
-            <a:endParaRPr b="0" lang="en-US" sz="1800" spc="-1" strike="noStrike">
+            <a:endParaRPr lang="en-US" sz="1800" b="0" strike="noStrike" spc="-1">
               <a:solidFill>
                 <a:srgbClr val="000000"/>
               </a:solidFill>
@@ -8794,78 +9838,78 @@
                 <a:spcPct val="100000"/>
               </a:lnSpc>
               <a:buClr>
-                <a:srgbClr val="cacaca"/>
+                <a:srgbClr val="CACACA"/>
               </a:buClr>
               <a:buFont typeface="Average"/>
               <a:buChar char="-"/>
             </a:pPr>
             <a:r>
-              <a:rPr b="0" lang="en-US" sz="1800" spc="-1" strike="noStrike">
-                <a:solidFill>
-                  <a:srgbClr val="cacaca"/>
+              <a:rPr lang="en-US" sz="1800" b="0" strike="noStrike" spc="-1">
+                <a:solidFill>
+                  <a:srgbClr val="CACACA"/>
                 </a:solidFill>
                 <a:latin typeface="Average"/>
                 <a:ea typeface="Average"/>
               </a:rPr>
               <a:t>Sunt caracterizati prin complexitatea lor:</a:t>
             </a:r>
-            <a:endParaRPr b="0" lang="en-US" sz="1800" spc="-1" strike="noStrike">
-              <a:solidFill>
-                <a:srgbClr val="000000"/>
-              </a:solidFill>
-              <a:latin typeface="Arial"/>
-            </a:endParaRPr>
-          </a:p>
-          <a:p>
-            <a:pPr lvl="1" marL="914400" indent="-342720">
+            <a:endParaRPr lang="en-US" sz="1800" b="0" strike="noStrike" spc="-1">
+              <a:solidFill>
+                <a:srgbClr val="000000"/>
+              </a:solidFill>
+              <a:latin typeface="Arial"/>
+            </a:endParaRPr>
+          </a:p>
+          <a:p>
+            <a:pPr marL="914400" lvl="1" indent="-342720">
               <a:lnSpc>
                 <a:spcPct val="100000"/>
               </a:lnSpc>
               <a:buClr>
-                <a:srgbClr val="cacaca"/>
+                <a:srgbClr val="CACACA"/>
               </a:buClr>
               <a:buFont typeface="Average"/>
               <a:buChar char="-"/>
             </a:pPr>
             <a:r>
-              <a:rPr b="0" lang="en-US" sz="1800" spc="-1" strike="noStrike">
-                <a:solidFill>
-                  <a:srgbClr val="cacaca"/>
+              <a:rPr lang="en-US" sz="1800" b="0" strike="noStrike" spc="-1">
+                <a:solidFill>
+                  <a:srgbClr val="CACACA"/>
                 </a:solidFill>
                 <a:latin typeface="Average"/>
                 <a:ea typeface="Average"/>
               </a:rPr>
               <a:t>In timp ( timpul necesar executiei)</a:t>
             </a:r>
-            <a:endParaRPr b="0" lang="en-US" sz="1800" spc="-1" strike="noStrike">
-              <a:solidFill>
-                <a:srgbClr val="000000"/>
-              </a:solidFill>
-              <a:latin typeface="Arial"/>
-            </a:endParaRPr>
-          </a:p>
-          <a:p>
-            <a:pPr lvl="1" marL="914400" indent="-342720">
+            <a:endParaRPr lang="en-US" sz="1800" b="0" strike="noStrike" spc="-1">
+              <a:solidFill>
+                <a:srgbClr val="000000"/>
+              </a:solidFill>
+              <a:latin typeface="Arial"/>
+            </a:endParaRPr>
+          </a:p>
+          <a:p>
+            <a:pPr marL="914400" lvl="1" indent="-342720">
               <a:lnSpc>
                 <a:spcPct val="100000"/>
               </a:lnSpc>
               <a:buClr>
-                <a:srgbClr val="cacaca"/>
+                <a:srgbClr val="CACACA"/>
               </a:buClr>
               <a:buFont typeface="Average"/>
               <a:buChar char="-"/>
             </a:pPr>
             <a:r>
-              <a:rPr b="0" lang="en-US" sz="1800" spc="-1" strike="noStrike">
-                <a:solidFill>
-                  <a:srgbClr val="cacaca"/>
+              <a:rPr lang="en-US" sz="1800" b="0" strike="noStrike" spc="-1">
+                <a:solidFill>
+                  <a:srgbClr val="CACACA"/>
                 </a:solidFill>
                 <a:latin typeface="Average"/>
                 <a:ea typeface="Average"/>
               </a:rPr>
               <a:t>In spatiu ( spatiul de memorie ocupat)</a:t>
             </a:r>
-            <a:endParaRPr b="0" lang="en-US" sz="1800" spc="-1" strike="noStrike">
+            <a:endParaRPr lang="en-US" sz="1800" b="0" strike="noStrike" spc="-1">
               <a:solidFill>
                 <a:srgbClr val="000000"/>
               </a:solidFill>
@@ -8885,16 +9929,16 @@
               </a:spcAft>
             </a:pPr>
             <a:r>
-              <a:rPr b="0" lang="en-US" sz="1800" spc="-1" strike="noStrike">
-                <a:solidFill>
-                  <a:srgbClr val="cacaca"/>
+              <a:rPr lang="en-US" sz="1800" b="0" strike="noStrike" spc="-1">
+                <a:solidFill>
+                  <a:srgbClr val="CACACA"/>
                 </a:solidFill>
                 <a:latin typeface="Average"/>
                 <a:ea typeface="Average"/>
               </a:rPr>
               <a:t>-  Complexitati intalnite in practica: logaritmice, liniare, patratice, cubice, exponentiale</a:t>
             </a:r>
-            <a:endParaRPr b="0" lang="en-US" sz="1800" spc="-1" strike="noStrike">
+            <a:endParaRPr lang="en-US" sz="1800" b="0" strike="noStrike" spc="-1">
               <a:solidFill>
                 <a:srgbClr val="000000"/>
               </a:solidFill>
@@ -8905,22 +9949,25 @@
       </p:sp>
     </p:spTree>
   </p:cSld>
+  <p:clrMapOvr>
+    <a:masterClrMapping/>
+  </p:clrMapOvr>
   <p:timing>
     <p:tnLst>
       <p:par>
-        <p:cTn id="7" dur="indefinite" restart="never" nodeType="tmRoot">
+        <p:cTn id="1" dur="indefinite" restart="never" nodeType="tmRoot">
           <p:childTnLst>
             <p:seq>
-              <p:cTn id="8" nodeType="mainSeq"/>
+              <p:cTn id="2" nodeType="mainSeq"/>
               <p:prevCondLst>
-                <p:cond delay="0" evt="onPrev">
+                <p:cond evt="onPrev" delay="0">
                   <p:tgtEl>
                     <p:sldTgt/>
                   </p:tgtEl>
                 </p:cond>
               </p:prevCondLst>
               <p:nextCondLst>
-                <p:cond delay="0" evt="onNext">
+                <p:cond evt="onNext" delay="0">
                   <p:tgtEl>
                     <p:sldTgt/>
                   </p:tgtEl>
@@ -8936,7 +9983,7 @@
 </file>
 
 <file path=ppt/slides/slide5.xml><?xml version="1.0" encoding="utf-8"?>
-<p:sld xmlns:a="http://schemas.openxmlformats.org/drawingml/2006/main" xmlns:p="http://schemas.openxmlformats.org/presentationml/2006/main" xmlns:r="http://schemas.openxmlformats.org/officeDocument/2006/relationships" xmlns:p14="http://schemas.microsoft.com/office/powerpoint/2010/main" xmlns:p15="http://schemas.microsoft.com/office/powerpoint/2012/main" xmlns:mc="http://schemas.openxmlformats.org/markup-compatibility/2006">
+<p:sld xmlns:a="http://schemas.openxmlformats.org/drawingml/2006/main" xmlns:r="http://schemas.openxmlformats.org/officeDocument/2006/relationships" xmlns:p="http://schemas.openxmlformats.org/presentationml/2006/main">
   <p:cSld>
     <p:spTree>
       <p:nvGrpSpPr>
@@ -8973,6 +10020,7 @@
         </p:spPr>
         <p:txBody>
           <a:bodyPr tIns="91440" bIns="91440"/>
+          <a:lstStyle/>
           <a:p>
             <a:pPr algn="ctr">
               <a:lnSpc>
@@ -8980,16 +10028,16 @@
               </a:lnSpc>
             </a:pPr>
             <a:r>
-              <a:rPr b="0" lang="en-US" sz="3000" spc="-1" strike="noStrike">
-                <a:solidFill>
-                  <a:srgbClr val="ffffff"/>
+              <a:rPr lang="en-US" sz="3000" b="0" strike="noStrike" spc="-1">
+                <a:solidFill>
+                  <a:srgbClr val="FFFFFF"/>
                 </a:solidFill>
                 <a:latin typeface="Oswald"/>
                 <a:ea typeface="Oswald"/>
               </a:rPr>
               <a:t>LIMBAJE DE PROGRAMARE</a:t>
             </a:r>
-            <a:endParaRPr b="0" lang="en-US" sz="3000" spc="-1" strike="noStrike">
+            <a:endParaRPr lang="en-US" sz="3000" b="0" strike="noStrike" spc="-1">
               <a:solidFill>
                 <a:srgbClr val="000000"/>
               </a:solidFill>
@@ -9019,168 +10067,169 @@
         </p:spPr>
         <p:txBody>
           <a:bodyPr tIns="91440" bIns="91440"/>
+          <a:lstStyle/>
           <a:p>
             <a:pPr marL="457200" indent="-342720">
               <a:lnSpc>
                 <a:spcPct val="100000"/>
               </a:lnSpc>
               <a:buClr>
-                <a:srgbClr val="cacaca"/>
+                <a:srgbClr val="CACACA"/>
               </a:buClr>
               <a:buFont typeface="Average"/>
               <a:buChar char="-"/>
             </a:pPr>
             <a:r>
-              <a:rPr b="0" lang="en-US" sz="1800" spc="-1" strike="noStrike">
-                <a:solidFill>
-                  <a:srgbClr val="cacaca"/>
+              <a:rPr lang="en-US" sz="1800" b="0" strike="noStrike" spc="-1">
+                <a:solidFill>
+                  <a:srgbClr val="CACACA"/>
                 </a:solidFill>
                 <a:latin typeface="Average"/>
                 <a:ea typeface="Average"/>
               </a:rPr>
               <a:t>In timp s-au dezvoltat mai multe paradigme de programare:</a:t>
             </a:r>
-            <a:endParaRPr b="0" lang="en-US" sz="1800" spc="-1" strike="noStrike">
-              <a:solidFill>
-                <a:srgbClr val="000000"/>
-              </a:solidFill>
-              <a:latin typeface="Arial"/>
-            </a:endParaRPr>
-          </a:p>
-          <a:p>
-            <a:pPr lvl="1" marL="914400" indent="-342720">
+            <a:endParaRPr lang="en-US" sz="1800" b="0" strike="noStrike" spc="-1">
+              <a:solidFill>
+                <a:srgbClr val="000000"/>
+              </a:solidFill>
+              <a:latin typeface="Arial"/>
+            </a:endParaRPr>
+          </a:p>
+          <a:p>
+            <a:pPr marL="914400" lvl="1" indent="-342720">
               <a:lnSpc>
                 <a:spcPct val="100000"/>
               </a:lnSpc>
               <a:buClr>
-                <a:srgbClr val="cacaca"/>
+                <a:srgbClr val="CACACA"/>
               </a:buClr>
               <a:buFont typeface="Average"/>
               <a:buChar char="-"/>
             </a:pPr>
             <a:r>
-              <a:rPr b="0" lang="en-US" sz="1800" spc="-1" strike="noStrike">
-                <a:solidFill>
-                  <a:srgbClr val="cacaca"/>
+              <a:rPr lang="en-US" sz="1800" b="0" strike="noStrike" spc="-1">
+                <a:solidFill>
+                  <a:srgbClr val="CACACA"/>
                 </a:solidFill>
                 <a:latin typeface="Average"/>
                 <a:ea typeface="Average"/>
               </a:rPr>
               <a:t>Programare nestructurata</a:t>
             </a:r>
-            <a:endParaRPr b="0" lang="en-US" sz="1800" spc="-1" strike="noStrike">
-              <a:solidFill>
-                <a:srgbClr val="000000"/>
-              </a:solidFill>
-              <a:latin typeface="Arial"/>
-            </a:endParaRPr>
-          </a:p>
-          <a:p>
-            <a:pPr lvl="1" marL="914400" indent="-342720">
+            <a:endParaRPr lang="en-US" sz="1800" b="0" strike="noStrike" spc="-1">
+              <a:solidFill>
+                <a:srgbClr val="000000"/>
+              </a:solidFill>
+              <a:latin typeface="Arial"/>
+            </a:endParaRPr>
+          </a:p>
+          <a:p>
+            <a:pPr marL="914400" lvl="1" indent="-342720">
               <a:lnSpc>
                 <a:spcPct val="100000"/>
               </a:lnSpc>
               <a:buClr>
-                <a:srgbClr val="cacaca"/>
+                <a:srgbClr val="CACACA"/>
               </a:buClr>
               <a:buFont typeface="Average"/>
               <a:buChar char="-"/>
             </a:pPr>
             <a:r>
-              <a:rPr b="0" lang="en-US" sz="1800" spc="-1" strike="noStrike">
-                <a:solidFill>
-                  <a:srgbClr val="cacaca"/>
+              <a:rPr lang="en-US" sz="1800" b="0" strike="noStrike" spc="-1">
+                <a:solidFill>
+                  <a:srgbClr val="CACACA"/>
                 </a:solidFill>
                 <a:latin typeface="Average"/>
                 <a:ea typeface="Average"/>
               </a:rPr>
               <a:t>Programarea structurata: foloseste structuri (  secventiala, alternativa, repetitiva)</a:t>
             </a:r>
-            <a:endParaRPr b="0" lang="en-US" sz="1800" spc="-1" strike="noStrike">
-              <a:solidFill>
-                <a:srgbClr val="000000"/>
-              </a:solidFill>
-              <a:latin typeface="Arial"/>
-            </a:endParaRPr>
-          </a:p>
-          <a:p>
-            <a:pPr lvl="1" marL="914400" indent="-342720">
+            <a:endParaRPr lang="en-US" sz="1800" b="0" strike="noStrike" spc="-1">
+              <a:solidFill>
+                <a:srgbClr val="000000"/>
+              </a:solidFill>
+              <a:latin typeface="Arial"/>
+            </a:endParaRPr>
+          </a:p>
+          <a:p>
+            <a:pPr marL="914400" lvl="1" indent="-342720">
               <a:lnSpc>
                 <a:spcPct val="100000"/>
               </a:lnSpc>
               <a:buClr>
-                <a:srgbClr val="cacaca"/>
+                <a:srgbClr val="CACACA"/>
               </a:buClr>
               <a:buFont typeface="Average"/>
               <a:buChar char="-"/>
             </a:pPr>
             <a:r>
-              <a:rPr b="0" lang="en-US" sz="1800" spc="-1" strike="noStrike">
-                <a:solidFill>
-                  <a:srgbClr val="cacaca"/>
+              <a:rPr lang="en-US" sz="1800" b="0" strike="noStrike" spc="-1">
+                <a:solidFill>
+                  <a:srgbClr val="CACACA"/>
                 </a:solidFill>
                 <a:latin typeface="Average"/>
                 <a:ea typeface="Average"/>
               </a:rPr>
               <a:t>Programarea procedurala</a:t>
             </a:r>
-            <a:endParaRPr b="0" lang="en-US" sz="1800" spc="-1" strike="noStrike">
-              <a:solidFill>
-                <a:srgbClr val="000000"/>
-              </a:solidFill>
-              <a:latin typeface="Arial"/>
-            </a:endParaRPr>
-          </a:p>
-          <a:p>
-            <a:pPr lvl="1" marL="914400" indent="-342720">
+            <a:endParaRPr lang="en-US" sz="1800" b="0" strike="noStrike" spc="-1">
+              <a:solidFill>
+                <a:srgbClr val="000000"/>
+              </a:solidFill>
+              <a:latin typeface="Arial"/>
+            </a:endParaRPr>
+          </a:p>
+          <a:p>
+            <a:pPr marL="914400" lvl="1" indent="-342720">
               <a:lnSpc>
                 <a:spcPct val="100000"/>
               </a:lnSpc>
               <a:buClr>
-                <a:srgbClr val="cacaca"/>
+                <a:srgbClr val="CACACA"/>
               </a:buClr>
               <a:buFont typeface="Average"/>
               <a:buChar char="-"/>
             </a:pPr>
             <a:r>
-              <a:rPr b="0" lang="en-US" sz="1800" spc="-1" strike="noStrike">
-                <a:solidFill>
-                  <a:srgbClr val="cacaca"/>
+              <a:rPr lang="en-US" sz="1800" b="0" strike="noStrike" spc="-1">
+                <a:solidFill>
+                  <a:srgbClr val="CACACA"/>
                 </a:solidFill>
                 <a:latin typeface="Average"/>
                 <a:ea typeface="Average"/>
               </a:rPr>
               <a:t>Programarea functionala</a:t>
             </a:r>
-            <a:endParaRPr b="0" lang="en-US" sz="1800" spc="-1" strike="noStrike">
-              <a:solidFill>
-                <a:srgbClr val="000000"/>
-              </a:solidFill>
-              <a:latin typeface="Arial"/>
-            </a:endParaRPr>
-          </a:p>
-          <a:p>
-            <a:pPr lvl="1" marL="914400" indent="-342720">
+            <a:endParaRPr lang="en-US" sz="1800" b="0" strike="noStrike" spc="-1">
+              <a:solidFill>
+                <a:srgbClr val="000000"/>
+              </a:solidFill>
+              <a:latin typeface="Arial"/>
+            </a:endParaRPr>
+          </a:p>
+          <a:p>
+            <a:pPr marL="914400" lvl="1" indent="-342720">
               <a:lnSpc>
                 <a:spcPct val="100000"/>
               </a:lnSpc>
               <a:buClr>
-                <a:srgbClr val="cacaca"/>
+                <a:srgbClr val="CACACA"/>
               </a:buClr>
               <a:buFont typeface="Average"/>
               <a:buChar char="-"/>
             </a:pPr>
             <a:r>
-              <a:rPr b="0" lang="en-US" sz="1800" spc="-1" strike="noStrike">
-                <a:solidFill>
-                  <a:srgbClr val="cacaca"/>
+              <a:rPr lang="en-US" sz="1800" b="0" strike="noStrike" spc="-1">
+                <a:solidFill>
+                  <a:srgbClr val="CACACA"/>
                 </a:solidFill>
                 <a:latin typeface="Average"/>
                 <a:ea typeface="Average"/>
               </a:rPr>
               <a:t>Programarea orientata pe obiecte(OOP): foloseste clase si obiecte</a:t>
             </a:r>
-            <a:endParaRPr b="0" lang="en-US" sz="1800" spc="-1" strike="noStrike">
+            <a:endParaRPr lang="en-US" sz="1800" b="0" strike="noStrike" spc="-1">
               <a:solidFill>
                 <a:srgbClr val="000000"/>
               </a:solidFill>
@@ -9200,16 +10249,16 @@
               </a:spcAft>
             </a:pPr>
             <a:r>
-              <a:rPr b="0" lang="en-US" sz="1800" spc="-1" strike="noStrike">
-                <a:solidFill>
-                  <a:srgbClr val="cacaca"/>
+              <a:rPr lang="en-US" sz="1800" b="0" strike="noStrike" spc="-1">
+                <a:solidFill>
+                  <a:srgbClr val="CACACA"/>
                 </a:solidFill>
                 <a:latin typeface="Average"/>
                 <a:ea typeface="Average"/>
               </a:rPr>
               <a:t>- Limbajele de programare combina mai multe metode/paradigme de programare.</a:t>
             </a:r>
-            <a:endParaRPr b="0" lang="en-US" sz="1800" spc="-1" strike="noStrike">
+            <a:endParaRPr lang="en-US" sz="1800" b="0" strike="noStrike" spc="-1">
               <a:solidFill>
                 <a:srgbClr val="000000"/>
               </a:solidFill>
@@ -9220,22 +10269,25 @@
       </p:sp>
     </p:spTree>
   </p:cSld>
+  <p:clrMapOvr>
+    <a:masterClrMapping/>
+  </p:clrMapOvr>
   <p:timing>
     <p:tnLst>
       <p:par>
-        <p:cTn id="9" dur="indefinite" restart="never" nodeType="tmRoot">
+        <p:cTn id="1" dur="indefinite" restart="never" nodeType="tmRoot">
           <p:childTnLst>
             <p:seq>
-              <p:cTn id="10" nodeType="mainSeq"/>
+              <p:cTn id="2" nodeType="mainSeq"/>
               <p:prevCondLst>
-                <p:cond delay="0" evt="onPrev">
+                <p:cond evt="onPrev" delay="0">
                   <p:tgtEl>
                     <p:sldTgt/>
                   </p:tgtEl>
                 </p:cond>
               </p:prevCondLst>
               <p:nextCondLst>
-                <p:cond delay="0" evt="onNext">
+                <p:cond evt="onNext" delay="0">
                   <p:tgtEl>
                     <p:sldTgt/>
                   </p:tgtEl>
@@ -9251,7 +10303,7 @@
 </file>
 
 <file path=ppt/slides/slide6.xml><?xml version="1.0" encoding="utf-8"?>
-<p:sld xmlns:a="http://schemas.openxmlformats.org/drawingml/2006/main" xmlns:p="http://schemas.openxmlformats.org/presentationml/2006/main" xmlns:r="http://schemas.openxmlformats.org/officeDocument/2006/relationships" xmlns:p14="http://schemas.microsoft.com/office/powerpoint/2010/main" xmlns:p15="http://schemas.microsoft.com/office/powerpoint/2012/main" xmlns:mc="http://schemas.openxmlformats.org/markup-compatibility/2006">
+<p:sld xmlns:a="http://schemas.openxmlformats.org/drawingml/2006/main" xmlns:r="http://schemas.openxmlformats.org/officeDocument/2006/relationships" xmlns:p="http://schemas.openxmlformats.org/presentationml/2006/main">
   <p:cSld>
     <p:spTree>
       <p:nvGrpSpPr>
@@ -9288,6 +10340,7 @@
         </p:spPr>
         <p:txBody>
           <a:bodyPr tIns="91440" bIns="91440"/>
+          <a:lstStyle/>
           <a:p>
             <a:pPr algn="ctr">
               <a:lnSpc>
@@ -9295,16 +10348,16 @@
               </a:lnSpc>
             </a:pPr>
             <a:r>
-              <a:rPr b="0" lang="en-US" sz="3000" spc="-1" strike="noStrike">
-                <a:solidFill>
-                  <a:srgbClr val="ffffff"/>
+              <a:rPr lang="en-US" sz="3000" b="0" strike="noStrike" spc="-1">
+                <a:solidFill>
+                  <a:srgbClr val="FFFFFF"/>
                 </a:solidFill>
                 <a:latin typeface="Oswald"/>
                 <a:ea typeface="Oswald"/>
               </a:rPr>
               <a:t>Limbajul C++</a:t>
             </a:r>
-            <a:endParaRPr b="0" lang="en-US" sz="3000" spc="-1" strike="noStrike">
+            <a:endParaRPr lang="en-US" sz="3000" b="0" strike="noStrike" spc="-1">
               <a:solidFill>
                 <a:srgbClr val="000000"/>
               </a:solidFill>
@@ -9334,28 +10387,29 @@
         </p:spPr>
         <p:txBody>
           <a:bodyPr tIns="91440" bIns="91440"/>
+          <a:lstStyle/>
           <a:p>
             <a:pPr marL="457200" indent="-342720">
               <a:lnSpc>
                 <a:spcPct val="100000"/>
               </a:lnSpc>
               <a:buClr>
-                <a:srgbClr val="cacaca"/>
+                <a:srgbClr val="CACACA"/>
               </a:buClr>
               <a:buFont typeface="Average"/>
               <a:buChar char="-"/>
             </a:pPr>
             <a:r>
-              <a:rPr b="0" lang="en-US" sz="1800" spc="-1" strike="noStrike">
-                <a:solidFill>
-                  <a:srgbClr val="cacaca"/>
+              <a:rPr lang="en-US" sz="1800" b="0" strike="noStrike" spc="-1">
+                <a:solidFill>
+                  <a:srgbClr val="CACACA"/>
                 </a:solidFill>
                 <a:latin typeface="Average"/>
                 <a:ea typeface="Average"/>
               </a:rPr>
               <a:t>O extensie a limbajului C, aducand ca noutate programarea orientata pe obiecte</a:t>
             </a:r>
-            <a:endParaRPr b="0" lang="en-US" sz="1800" spc="-1" strike="noStrike">
+            <a:endParaRPr lang="en-US" sz="1800" b="0" strike="noStrike" spc="-1">
               <a:solidFill>
                 <a:srgbClr val="000000"/>
               </a:solidFill>
@@ -9368,22 +10422,22 @@
                 <a:spcPct val="100000"/>
               </a:lnSpc>
               <a:buClr>
-                <a:srgbClr val="cacaca"/>
+                <a:srgbClr val="CACACA"/>
               </a:buClr>
               <a:buFont typeface="Average"/>
               <a:buChar char="-"/>
             </a:pPr>
             <a:r>
-              <a:rPr b="0" lang="en-US" sz="1800" spc="-1" strike="noStrike">
-                <a:solidFill>
-                  <a:srgbClr val="cacaca"/>
+              <a:rPr lang="en-US" sz="1800" b="0" strike="noStrike" spc="-1">
+                <a:solidFill>
+                  <a:srgbClr val="CACACA"/>
                 </a:solidFill>
                 <a:latin typeface="Average"/>
                 <a:ea typeface="Average"/>
               </a:rPr>
               <a:t>Cel mai simplu program e format doar din functia main</a:t>
             </a:r>
-            <a:endParaRPr b="0" lang="en-US" sz="1800" spc="-1" strike="noStrike">
+            <a:endParaRPr lang="en-US" sz="1800" b="0" strike="noStrike" spc="-1">
               <a:solidFill>
                 <a:srgbClr val="000000"/>
               </a:solidFill>
@@ -9396,22 +10450,22 @@
                 <a:spcPct val="100000"/>
               </a:lnSpc>
               <a:buClr>
-                <a:srgbClr val="cacaca"/>
+                <a:srgbClr val="CACACA"/>
               </a:buClr>
               <a:buFont typeface="Average"/>
               <a:buChar char="-"/>
             </a:pPr>
             <a:r>
-              <a:rPr b="0" lang="en-US" sz="1800" spc="-1" strike="noStrike">
-                <a:solidFill>
-                  <a:srgbClr val="cacaca"/>
+              <a:rPr lang="en-US" sz="1800" b="0" strike="noStrike" spc="-1">
+                <a:solidFill>
+                  <a:srgbClr val="CACACA"/>
                 </a:solidFill>
                 <a:latin typeface="Average"/>
                 <a:ea typeface="Average"/>
               </a:rPr>
               <a:t>Identificatorii sunt nume date variabilelor, constantelor, functiilor, dar si cuvinte rezervate/ cheie/ keywords</a:t>
             </a:r>
-            <a:endParaRPr b="0" lang="en-US" sz="1800" spc="-1" strike="noStrike">
+            <a:endParaRPr lang="en-US" sz="1800" b="0" strike="noStrike" spc="-1">
               <a:solidFill>
                 <a:srgbClr val="000000"/>
               </a:solidFill>
@@ -9424,22 +10478,22 @@
                 <a:spcPct val="100000"/>
               </a:lnSpc>
               <a:buClr>
-                <a:srgbClr val="cacaca"/>
+                <a:srgbClr val="CACACA"/>
               </a:buClr>
               <a:buFont typeface="Average"/>
               <a:buChar char="-"/>
             </a:pPr>
             <a:r>
-              <a:rPr b="0" lang="en-US" sz="1800" spc="-1" strike="noStrike">
-                <a:solidFill>
-                  <a:srgbClr val="cacaca"/>
+              <a:rPr lang="en-US" sz="1800" b="0" strike="noStrike" spc="-1">
+                <a:solidFill>
+                  <a:srgbClr val="CACACA"/>
                 </a:solidFill>
                 <a:latin typeface="Average"/>
                 <a:ea typeface="Average"/>
               </a:rPr>
               <a:t>Folosirea comentariilor pentru documentare (//, /* */)</a:t>
             </a:r>
-            <a:endParaRPr b="0" lang="en-US" sz="1800" spc="-1" strike="noStrike">
+            <a:endParaRPr lang="en-US" sz="1800" b="0" strike="noStrike" spc="-1">
               <a:solidFill>
                 <a:srgbClr val="000000"/>
               </a:solidFill>
@@ -9452,22 +10506,22 @@
                 <a:spcPct val="100000"/>
               </a:lnSpc>
               <a:buClr>
-                <a:srgbClr val="cacaca"/>
+                <a:srgbClr val="CACACA"/>
               </a:buClr>
               <a:buFont typeface="Average"/>
               <a:buChar char="-"/>
             </a:pPr>
             <a:r>
-              <a:rPr b="0" lang="en-US" sz="1800" spc="-1" strike="noStrike">
-                <a:solidFill>
-                  <a:srgbClr val="cacaca"/>
+              <a:rPr lang="en-US" sz="1800" b="0" strike="noStrike" spc="-1">
+                <a:solidFill>
+                  <a:srgbClr val="CACACA"/>
                 </a:solidFill>
                 <a:latin typeface="Average"/>
                 <a:ea typeface="Average"/>
               </a:rPr>
               <a:t>Regula de alegere a identificatorilor: ex: numePin</a:t>
             </a:r>
-            <a:endParaRPr b="0" lang="en-US" sz="1800" spc="-1" strike="noStrike">
+            <a:endParaRPr lang="en-US" sz="1800" b="0" strike="noStrike" spc="-1">
               <a:solidFill>
                 <a:srgbClr val="000000"/>
               </a:solidFill>
@@ -9480,106 +10534,106 @@
                 <a:spcPct val="100000"/>
               </a:lnSpc>
               <a:buClr>
-                <a:srgbClr val="cacaca"/>
+                <a:srgbClr val="CACACA"/>
               </a:buClr>
               <a:buFont typeface="Average"/>
               <a:buChar char="-"/>
             </a:pPr>
             <a:r>
-              <a:rPr b="0" lang="en-US" sz="1800" spc="-1" strike="noStrike">
-                <a:solidFill>
-                  <a:srgbClr val="cacaca"/>
+              <a:rPr lang="en-US" sz="1800" b="0" strike="noStrike" spc="-1">
+                <a:solidFill>
+                  <a:srgbClr val="CACACA"/>
                 </a:solidFill>
                 <a:latin typeface="Average"/>
                 <a:ea typeface="Average"/>
               </a:rPr>
               <a:t>Tipuri de date predefinite:</a:t>
             </a:r>
-            <a:endParaRPr b="0" lang="en-US" sz="1800" spc="-1" strike="noStrike">
-              <a:solidFill>
-                <a:srgbClr val="000000"/>
-              </a:solidFill>
-              <a:latin typeface="Arial"/>
-            </a:endParaRPr>
-          </a:p>
-          <a:p>
-            <a:pPr lvl="1" marL="914400" indent="-342720">
+            <a:endParaRPr lang="en-US" sz="1800" b="0" strike="noStrike" spc="-1">
+              <a:solidFill>
+                <a:srgbClr val="000000"/>
+              </a:solidFill>
+              <a:latin typeface="Arial"/>
+            </a:endParaRPr>
+          </a:p>
+          <a:p>
+            <a:pPr marL="914400" lvl="1" indent="-342720">
               <a:lnSpc>
                 <a:spcPct val="100000"/>
               </a:lnSpc>
               <a:buClr>
-                <a:srgbClr val="cacaca"/>
+                <a:srgbClr val="CACACA"/>
               </a:buClr>
               <a:buFont typeface="Average"/>
               <a:buChar char="-"/>
             </a:pPr>
             <a:r>
-              <a:rPr b="0" lang="en-US" sz="1800" spc="-1" strike="noStrike">
-                <a:solidFill>
-                  <a:srgbClr val="cacaca"/>
+              <a:rPr lang="en-US" sz="1800" b="0" strike="noStrike" spc="-1">
+                <a:solidFill>
+                  <a:srgbClr val="CACACA"/>
                 </a:solidFill>
                 <a:latin typeface="Average"/>
                 <a:ea typeface="Average"/>
               </a:rPr>
               <a:t>Tipuri intregi: int, char, long long, unsigned</a:t>
             </a:r>
-            <a:endParaRPr b="0" lang="en-US" sz="1800" spc="-1" strike="noStrike">
-              <a:solidFill>
-                <a:srgbClr val="000000"/>
-              </a:solidFill>
-              <a:latin typeface="Arial"/>
-            </a:endParaRPr>
-          </a:p>
-          <a:p>
-            <a:pPr lvl="1" marL="914400" indent="-342720">
+            <a:endParaRPr lang="en-US" sz="1800" b="0" strike="noStrike" spc="-1">
+              <a:solidFill>
+                <a:srgbClr val="000000"/>
+              </a:solidFill>
+              <a:latin typeface="Arial"/>
+            </a:endParaRPr>
+          </a:p>
+          <a:p>
+            <a:pPr marL="914400" lvl="1" indent="-342720">
               <a:lnSpc>
                 <a:spcPct val="100000"/>
               </a:lnSpc>
               <a:buClr>
-                <a:srgbClr val="cacaca"/>
+                <a:srgbClr val="CACACA"/>
               </a:buClr>
               <a:buFont typeface="Average"/>
               <a:buChar char="-"/>
             </a:pPr>
             <a:r>
-              <a:rPr b="0" lang="en-US" sz="1800" spc="-1" strike="noStrike">
-                <a:solidFill>
-                  <a:srgbClr val="cacaca"/>
+              <a:rPr lang="en-US" sz="1800" b="0" strike="noStrike" spc="-1">
+                <a:solidFill>
+                  <a:srgbClr val="CACACA"/>
                 </a:solidFill>
                 <a:latin typeface="Average"/>
                 <a:ea typeface="Average"/>
               </a:rPr>
               <a:t>Tipuri reale: float, double, long double</a:t>
             </a:r>
-            <a:endParaRPr b="0" lang="en-US" sz="1800" spc="-1" strike="noStrike">
-              <a:solidFill>
-                <a:srgbClr val="000000"/>
-              </a:solidFill>
-              <a:latin typeface="Arial"/>
-            </a:endParaRPr>
-          </a:p>
-          <a:p>
-            <a:pPr lvl="1" marL="914400" indent="-342720">
+            <a:endParaRPr lang="en-US" sz="1800" b="0" strike="noStrike" spc="-1">
+              <a:solidFill>
+                <a:srgbClr val="000000"/>
+              </a:solidFill>
+              <a:latin typeface="Arial"/>
+            </a:endParaRPr>
+          </a:p>
+          <a:p>
+            <a:pPr marL="914400" lvl="1" indent="-342720">
               <a:lnSpc>
                 <a:spcPct val="100000"/>
               </a:lnSpc>
               <a:buClr>
-                <a:srgbClr val="cacaca"/>
+                <a:srgbClr val="CACACA"/>
               </a:buClr>
               <a:buFont typeface="Average"/>
               <a:buChar char="-"/>
             </a:pPr>
             <a:r>
-              <a:rPr b="0" lang="en-US" sz="1800" spc="-1" strike="noStrike">
-                <a:solidFill>
-                  <a:srgbClr val="cacaca"/>
+              <a:rPr lang="en-US" sz="1800" b="0" strike="noStrike" spc="-1">
+                <a:solidFill>
+                  <a:srgbClr val="CACACA"/>
                 </a:solidFill>
                 <a:latin typeface="Average"/>
                 <a:ea typeface="Average"/>
               </a:rPr>
               <a:t>Siruri de caractere</a:t>
             </a:r>
-            <a:endParaRPr b="0" lang="en-US" sz="1800" spc="-1" strike="noStrike">
+            <a:endParaRPr lang="en-US" sz="1800" b="0" strike="noStrike" spc="-1">
               <a:solidFill>
                 <a:srgbClr val="000000"/>
               </a:solidFill>
@@ -9590,22 +10644,25 @@
       </p:sp>
     </p:spTree>
   </p:cSld>
+  <p:clrMapOvr>
+    <a:masterClrMapping/>
+  </p:clrMapOvr>
   <p:timing>
     <p:tnLst>
       <p:par>
-        <p:cTn id="11" dur="indefinite" restart="never" nodeType="tmRoot">
+        <p:cTn id="1" dur="indefinite" restart="never" nodeType="tmRoot">
           <p:childTnLst>
             <p:seq>
-              <p:cTn id="12" nodeType="mainSeq"/>
+              <p:cTn id="2" nodeType="mainSeq"/>
               <p:prevCondLst>
-                <p:cond delay="0" evt="onPrev">
+                <p:cond evt="onPrev" delay="0">
                   <p:tgtEl>
                     <p:sldTgt/>
                   </p:tgtEl>
                 </p:cond>
               </p:prevCondLst>
               <p:nextCondLst>
-                <p:cond delay="0" evt="onNext">
+                <p:cond evt="onNext" delay="0">
                   <p:tgtEl>
                     <p:sldTgt/>
                   </p:tgtEl>
@@ -9621,7 +10678,7 @@
 </file>
 
 <file path=ppt/slides/slide7.xml><?xml version="1.0" encoding="utf-8"?>
-<p:sld xmlns:a="http://schemas.openxmlformats.org/drawingml/2006/main" xmlns:p="http://schemas.openxmlformats.org/presentationml/2006/main" xmlns:r="http://schemas.openxmlformats.org/officeDocument/2006/relationships" xmlns:p14="http://schemas.microsoft.com/office/powerpoint/2010/main" xmlns:p15="http://schemas.microsoft.com/office/powerpoint/2012/main" xmlns:mc="http://schemas.openxmlformats.org/markup-compatibility/2006">
+<p:sld xmlns:a="http://schemas.openxmlformats.org/drawingml/2006/main" xmlns:r="http://schemas.openxmlformats.org/officeDocument/2006/relationships" xmlns:p="http://schemas.openxmlformats.org/presentationml/2006/main">
   <p:cSld>
     <p:spTree>
       <p:nvGrpSpPr>
@@ -9658,6 +10715,7 @@
         </p:spPr>
         <p:txBody>
           <a:bodyPr tIns="91440" bIns="91440"/>
+          <a:lstStyle/>
           <a:p>
             <a:pPr>
               <a:lnSpc>
@@ -9665,16 +10723,16 @@
               </a:lnSpc>
             </a:pPr>
             <a:r>
-              <a:rPr b="0" lang="en-US" sz="3000" spc="-1" strike="noStrike">
-                <a:solidFill>
-                  <a:srgbClr val="ffffff"/>
+              <a:rPr lang="en-US" sz="3000" b="0" strike="noStrike" spc="-1">
+                <a:solidFill>
+                  <a:srgbClr val="FFFFFF"/>
                 </a:solidFill>
                 <a:latin typeface="Oswald"/>
                 <a:ea typeface="Oswald"/>
               </a:rPr>
               <a:t>Variabile vs constante, operatori</a:t>
             </a:r>
-            <a:endParaRPr b="0" lang="en-US" sz="3000" spc="-1" strike="noStrike">
+            <a:endParaRPr lang="en-US" sz="3000" b="0" strike="noStrike" spc="-1">
               <a:solidFill>
                 <a:srgbClr val="000000"/>
               </a:solidFill>
@@ -9704,28 +10762,29 @@
         </p:spPr>
         <p:txBody>
           <a:bodyPr tIns="91440" bIns="91440"/>
+          <a:lstStyle/>
           <a:p>
             <a:pPr marL="457200" indent="-342720">
               <a:lnSpc>
                 <a:spcPct val="100000"/>
               </a:lnSpc>
               <a:buClr>
-                <a:srgbClr val="cacaca"/>
+                <a:srgbClr val="CACACA"/>
               </a:buClr>
               <a:buFont typeface="Average"/>
               <a:buChar char="-"/>
             </a:pPr>
             <a:r>
-              <a:rPr b="0" lang="en-US" sz="1800" spc="-1" strike="noStrike">
-                <a:solidFill>
-                  <a:srgbClr val="cacaca"/>
+              <a:rPr lang="en-US" sz="1800" b="0" strike="noStrike" spc="-1">
+                <a:solidFill>
+                  <a:srgbClr val="CACACA"/>
                 </a:solidFill>
                 <a:latin typeface="Average"/>
                 <a:ea typeface="Average"/>
               </a:rPr>
               <a:t>Variabilele sunt date care isi pot modifica valoarea pe parcursul executiei programului</a:t>
             </a:r>
-            <a:endParaRPr b="0" lang="en-US" sz="1800" spc="-1" strike="noStrike">
+            <a:endParaRPr lang="en-US" sz="1800" b="0" strike="noStrike" spc="-1">
               <a:solidFill>
                 <a:srgbClr val="000000"/>
               </a:solidFill>
@@ -9738,22 +10797,22 @@
                 <a:spcPct val="100000"/>
               </a:lnSpc>
               <a:buClr>
-                <a:srgbClr val="cacaca"/>
+                <a:srgbClr val="CACACA"/>
               </a:buClr>
               <a:buFont typeface="Average"/>
               <a:buChar char="-"/>
             </a:pPr>
             <a:r>
-              <a:rPr b="0" lang="en-US" sz="1800" spc="-1" strike="noStrike">
-                <a:solidFill>
-                  <a:srgbClr val="cacaca"/>
+              <a:rPr lang="en-US" sz="1800" b="0" strike="noStrike" spc="-1">
+                <a:solidFill>
+                  <a:srgbClr val="CACACA"/>
                 </a:solidFill>
                 <a:latin typeface="Average"/>
                 <a:ea typeface="Average"/>
               </a:rPr>
               <a:t>Constantele isi pastreaza valoarea de initializare si nu mai pot fi modificate</a:t>
             </a:r>
-            <a:endParaRPr b="0" lang="en-US" sz="1800" spc="-1" strike="noStrike">
+            <a:endParaRPr lang="en-US" sz="1800" b="0" strike="noStrike" spc="-1">
               <a:solidFill>
                 <a:srgbClr val="000000"/>
               </a:solidFill>
@@ -9766,22 +10825,22 @@
                 <a:spcPct val="100000"/>
               </a:lnSpc>
               <a:buClr>
-                <a:srgbClr val="cacaca"/>
+                <a:srgbClr val="CACACA"/>
               </a:buClr>
               <a:buFont typeface="Average"/>
               <a:buChar char="-"/>
             </a:pPr>
             <a:r>
-              <a:rPr b="0" lang="en-US" sz="1800" spc="-1" strike="noStrike">
-                <a:solidFill>
-                  <a:srgbClr val="cacaca"/>
+              <a:rPr lang="en-US" sz="1800" b="0" strike="noStrike" spc="-1">
+                <a:solidFill>
+                  <a:srgbClr val="CACACA"/>
                 </a:solidFill>
                 <a:latin typeface="Average"/>
                 <a:ea typeface="Average"/>
               </a:rPr>
               <a:t>Declararea constantelor: const tip numeConstanta = valoare;</a:t>
             </a:r>
-            <a:endParaRPr b="0" lang="en-US" sz="1800" spc="-1" strike="noStrike">
+            <a:endParaRPr lang="en-US" sz="1800" b="0" strike="noStrike" spc="-1">
               <a:solidFill>
                 <a:srgbClr val="000000"/>
               </a:solidFill>
@@ -9794,22 +10853,22 @@
                 <a:spcPct val="100000"/>
               </a:lnSpc>
               <a:buClr>
-                <a:srgbClr val="cacaca"/>
+                <a:srgbClr val="CACACA"/>
               </a:buClr>
               <a:buFont typeface="Average"/>
               <a:buChar char="-"/>
             </a:pPr>
             <a:r>
-              <a:rPr b="0" lang="en-US" sz="1800" spc="-1" strike="noStrike">
-                <a:solidFill>
-                  <a:srgbClr val="cacaca"/>
+              <a:rPr lang="en-US" sz="1800" b="0" strike="noStrike" spc="-1">
+                <a:solidFill>
+                  <a:srgbClr val="CACACA"/>
                 </a:solidFill>
                 <a:latin typeface="Average"/>
                 <a:ea typeface="Average"/>
               </a:rPr>
               <a:t>Constante intregi, caracter, sir de caractere, numere reale</a:t>
             </a:r>
-            <a:endParaRPr b="0" lang="en-US" sz="1800" spc="-1" strike="noStrike">
+            <a:endParaRPr lang="en-US" sz="1800" b="0" strike="noStrike" spc="-1">
               <a:solidFill>
                 <a:srgbClr val="000000"/>
               </a:solidFill>
@@ -9822,22 +10881,22 @@
                 <a:spcPct val="100000"/>
               </a:lnSpc>
               <a:buClr>
-                <a:srgbClr val="cacaca"/>
+                <a:srgbClr val="CACACA"/>
               </a:buClr>
               <a:buFont typeface="Average"/>
               <a:buChar char="-"/>
             </a:pPr>
             <a:r>
-              <a:rPr b="0" lang="en-US" sz="1800" spc="-1" strike="noStrike">
-                <a:solidFill>
-                  <a:srgbClr val="cacaca"/>
+              <a:rPr lang="en-US" sz="1800" b="0" strike="noStrike" spc="-1">
+                <a:solidFill>
+                  <a:srgbClr val="CACACA"/>
                 </a:solidFill>
                 <a:latin typeface="Average"/>
                 <a:ea typeface="Average"/>
               </a:rPr>
               <a:t>Expresiile sunt formate din variabile, constante etc si operatori</a:t>
             </a:r>
-            <a:endParaRPr b="0" lang="en-US" sz="1800" spc="-1" strike="noStrike">
+            <a:endParaRPr lang="en-US" sz="1800" b="0" strike="noStrike" spc="-1">
               <a:solidFill>
                 <a:srgbClr val="000000"/>
               </a:solidFill>
@@ -9850,22 +10909,22 @@
                 <a:spcPct val="100000"/>
               </a:lnSpc>
               <a:buClr>
-                <a:srgbClr val="cacaca"/>
+                <a:srgbClr val="CACACA"/>
               </a:buClr>
               <a:buFont typeface="Average"/>
               <a:buChar char="-"/>
             </a:pPr>
             <a:r>
-              <a:rPr b="0" lang="en-US" sz="1800" spc="-1" strike="noStrike">
-                <a:solidFill>
-                  <a:srgbClr val="cacaca"/>
+              <a:rPr lang="en-US" sz="1800" b="0" strike="noStrike" spc="-1">
+                <a:solidFill>
+                  <a:srgbClr val="CACACA"/>
                 </a:solidFill>
                 <a:latin typeface="Average"/>
                 <a:ea typeface="Average"/>
               </a:rPr>
               <a:t>Operatorii se grupeaza in diferite clase si pot unari si binari</a:t>
             </a:r>
-            <a:endParaRPr b="0" lang="en-US" sz="1800" spc="-1" strike="noStrike">
+            <a:endParaRPr lang="en-US" sz="1800" b="0" strike="noStrike" spc="-1">
               <a:solidFill>
                 <a:srgbClr val="000000"/>
               </a:solidFill>
@@ -9876,22 +10935,25 @@
       </p:sp>
     </p:spTree>
   </p:cSld>
+  <p:clrMapOvr>
+    <a:masterClrMapping/>
+  </p:clrMapOvr>
   <p:timing>
     <p:tnLst>
       <p:par>
-        <p:cTn id="13" dur="indefinite" restart="never" nodeType="tmRoot">
+        <p:cTn id="1" dur="indefinite" restart="never" nodeType="tmRoot">
           <p:childTnLst>
             <p:seq>
-              <p:cTn id="14" nodeType="mainSeq"/>
+              <p:cTn id="2" nodeType="mainSeq"/>
               <p:prevCondLst>
-                <p:cond delay="0" evt="onPrev">
+                <p:cond evt="onPrev" delay="0">
                   <p:tgtEl>
                     <p:sldTgt/>
                   </p:tgtEl>
                 </p:cond>
               </p:prevCondLst>
               <p:nextCondLst>
-                <p:cond delay="0" evt="onNext">
+                <p:cond evt="onNext" delay="0">
                   <p:tgtEl>
                     <p:sldTgt/>
                   </p:tgtEl>
@@ -9907,7 +10969,7 @@
 </file>
 
 <file path=ppt/slides/slide8.xml><?xml version="1.0" encoding="utf-8"?>
-<p:sld xmlns:a="http://schemas.openxmlformats.org/drawingml/2006/main" xmlns:p="http://schemas.openxmlformats.org/presentationml/2006/main" xmlns:r="http://schemas.openxmlformats.org/officeDocument/2006/relationships" xmlns:p14="http://schemas.microsoft.com/office/powerpoint/2010/main" xmlns:p15="http://schemas.microsoft.com/office/powerpoint/2012/main" xmlns:mc="http://schemas.openxmlformats.org/markup-compatibility/2006">
+<p:sld xmlns:a="http://schemas.openxmlformats.org/drawingml/2006/main" xmlns:r="http://schemas.openxmlformats.org/officeDocument/2006/relationships" xmlns:p="http://schemas.openxmlformats.org/presentationml/2006/main">
   <p:cSld>
     <p:spTree>
       <p:nvGrpSpPr>
@@ -9944,6 +11006,7 @@
         </p:spPr>
         <p:txBody>
           <a:bodyPr tIns="91440" bIns="91440"/>
+          <a:lstStyle/>
           <a:p>
             <a:pPr>
               <a:lnSpc>
@@ -9951,16 +11014,16 @@
               </a:lnSpc>
             </a:pPr>
             <a:r>
-              <a:rPr b="0" lang="en-US" sz="3000" spc="-1" strike="noStrike">
-                <a:solidFill>
-                  <a:srgbClr val="ffffff"/>
+              <a:rPr lang="en-US" sz="3000" b="0" strike="noStrike" spc="-1">
+                <a:solidFill>
+                  <a:srgbClr val="FFFFFF"/>
                 </a:solidFill>
                 <a:latin typeface="Oswald"/>
                 <a:ea typeface="Oswald"/>
               </a:rPr>
               <a:t>Tablourile (Tipuri structurate)</a:t>
             </a:r>
-            <a:endParaRPr b="0" lang="en-US" sz="3000" spc="-1" strike="noStrike">
+            <a:endParaRPr lang="en-US" sz="3000" b="0" strike="noStrike" spc="-1">
               <a:solidFill>
                 <a:srgbClr val="000000"/>
               </a:solidFill>
@@ -9990,28 +11053,29 @@
         </p:spPr>
         <p:txBody>
           <a:bodyPr tIns="91440" bIns="91440"/>
+          <a:lstStyle/>
           <a:p>
             <a:pPr marL="457200" indent="-342720">
               <a:lnSpc>
                 <a:spcPct val="100000"/>
               </a:lnSpc>
               <a:buClr>
-                <a:srgbClr val="cacaca"/>
+                <a:srgbClr val="CACACA"/>
               </a:buClr>
               <a:buFont typeface="Average"/>
               <a:buChar char="-"/>
             </a:pPr>
             <a:r>
-              <a:rPr b="0" lang="en-US" sz="1800" spc="-1" strike="noStrike">
-                <a:solidFill>
-                  <a:srgbClr val="cacaca"/>
+              <a:rPr lang="en-US" sz="1800" b="0" strike="noStrike" spc="-1">
+                <a:solidFill>
+                  <a:srgbClr val="CACACA"/>
                 </a:solidFill>
                 <a:latin typeface="Average"/>
                 <a:ea typeface="Average"/>
               </a:rPr>
               <a:t>Tabloul este o colectie de elemente de acelasi tip, reunite sub un nume comun</a:t>
             </a:r>
-            <a:endParaRPr b="0" lang="en-US" sz="1800" spc="-1" strike="noStrike">
+            <a:endParaRPr lang="en-US" sz="1800" b="0" strike="noStrike" spc="-1">
               <a:solidFill>
                 <a:srgbClr val="000000"/>
               </a:solidFill>
@@ -10024,22 +11088,22 @@
                 <a:spcPct val="100000"/>
               </a:lnSpc>
               <a:buClr>
-                <a:srgbClr val="cacaca"/>
+                <a:srgbClr val="CACACA"/>
               </a:buClr>
               <a:buFont typeface="Average"/>
               <a:buChar char="-"/>
             </a:pPr>
             <a:r>
-              <a:rPr b="0" lang="en-US" sz="1800" spc="-1" strike="noStrike">
-                <a:solidFill>
-                  <a:srgbClr val="cacaca"/>
+              <a:rPr lang="en-US" sz="1800" b="0" strike="noStrike" spc="-1">
+                <a:solidFill>
+                  <a:srgbClr val="CACACA"/>
                 </a:solidFill>
                 <a:latin typeface="Average"/>
                 <a:ea typeface="Average"/>
               </a:rPr>
               <a:t>2 feluri principale de tablouri: unidimensionale(vectori), bidimensionale(matrici)</a:t>
             </a:r>
-            <a:endParaRPr b="0" lang="en-US" sz="1800" spc="-1" strike="noStrike">
+            <a:endParaRPr lang="en-US" sz="1800" b="0" strike="noStrike" spc="-1">
               <a:solidFill>
                 <a:srgbClr val="000000"/>
               </a:solidFill>
@@ -10052,43 +11116,43 @@
                 <a:spcPct val="100000"/>
               </a:lnSpc>
               <a:buClr>
-                <a:srgbClr val="cacaca"/>
+                <a:srgbClr val="CACACA"/>
               </a:buClr>
               <a:buFont typeface="Average"/>
               <a:buChar char="-"/>
             </a:pPr>
             <a:r>
-              <a:rPr b="0" lang="en-US" sz="1800" spc="-1" strike="noStrike">
-                <a:solidFill>
-                  <a:srgbClr val="cacaca"/>
+              <a:rPr lang="en-US" sz="1800" b="0" strike="noStrike" spc="-1">
+                <a:solidFill>
+                  <a:srgbClr val="CACACA"/>
                 </a:solidFill>
                 <a:latin typeface="Average"/>
                 <a:ea typeface="Average"/>
               </a:rPr>
               <a:t>Vectori:</a:t>
             </a:r>
-            <a:endParaRPr b="0" lang="en-US" sz="1800" spc="-1" strike="noStrike">
-              <a:solidFill>
-                <a:srgbClr val="000000"/>
-              </a:solidFill>
-              <a:latin typeface="Arial"/>
-            </a:endParaRPr>
-          </a:p>
-          <a:p>
-            <a:pPr lvl="1" marL="914400" indent="-342720">
+            <a:endParaRPr lang="en-US" sz="1800" b="0" strike="noStrike" spc="-1">
+              <a:solidFill>
+                <a:srgbClr val="000000"/>
+              </a:solidFill>
+              <a:latin typeface="Arial"/>
+            </a:endParaRPr>
+          </a:p>
+          <a:p>
+            <a:pPr marL="914400" lvl="1" indent="-342720">
               <a:lnSpc>
                 <a:spcPct val="100000"/>
               </a:lnSpc>
               <a:buClr>
-                <a:srgbClr val="cacaca"/>
+                <a:srgbClr val="CACACA"/>
               </a:buClr>
               <a:buFont typeface="Average"/>
               <a:buChar char="-"/>
             </a:pPr>
             <a:r>
-              <a:rPr b="0" lang="en-US" sz="1800" spc="-1" strike="noStrike">
-                <a:solidFill>
-                  <a:srgbClr val="cacaca"/>
+              <a:rPr lang="en-US" sz="1800" b="0" strike="noStrike" spc="-1">
+                <a:solidFill>
+                  <a:srgbClr val="CACACA"/>
                 </a:solidFill>
                 <a:latin typeface="Average"/>
                 <a:ea typeface="Average"/>
@@ -10096,65 +11160,65 @@
               <a:t>Declarare: </a:t>
             </a:r>
             <a:r>
-              <a:rPr b="0" i="1" lang="en-US" sz="1800" spc="-1" strike="noStrike">
-                <a:solidFill>
-                  <a:srgbClr val="cacaca"/>
+              <a:rPr lang="en-US" sz="1800" b="0" i="1" strike="noStrike" spc="-1">
+                <a:solidFill>
+                  <a:srgbClr val="CACACA"/>
                 </a:solidFill>
                 <a:latin typeface="Average"/>
                 <a:ea typeface="Average"/>
               </a:rPr>
               <a:t>tip numeVector[dimensiune];</a:t>
             </a:r>
-            <a:endParaRPr b="0" lang="en-US" sz="1800" spc="-1" strike="noStrike">
-              <a:solidFill>
-                <a:srgbClr val="000000"/>
-              </a:solidFill>
-              <a:latin typeface="Arial"/>
-            </a:endParaRPr>
-          </a:p>
-          <a:p>
-            <a:pPr lvl="1" marL="914400" indent="-342720">
+            <a:endParaRPr lang="en-US" sz="1800" b="0" strike="noStrike" spc="-1">
+              <a:solidFill>
+                <a:srgbClr val="000000"/>
+              </a:solidFill>
+              <a:latin typeface="Arial"/>
+            </a:endParaRPr>
+          </a:p>
+          <a:p>
+            <a:pPr marL="914400" lvl="1" indent="-342720">
               <a:lnSpc>
                 <a:spcPct val="100000"/>
               </a:lnSpc>
               <a:buClr>
-                <a:srgbClr val="cacaca"/>
+                <a:srgbClr val="CACACA"/>
               </a:buClr>
               <a:buFont typeface="Average"/>
               <a:buChar char="-"/>
             </a:pPr>
             <a:r>
-              <a:rPr b="0" lang="en-US" sz="1800" spc="-1" strike="noStrike">
-                <a:solidFill>
-                  <a:srgbClr val="cacaca"/>
+              <a:rPr lang="en-US" sz="1800" b="0" strike="noStrike" spc="-1">
+                <a:solidFill>
+                  <a:srgbClr val="CACACA"/>
                 </a:solidFill>
                 <a:latin typeface="Average"/>
                 <a:ea typeface="Average"/>
               </a:rPr>
               <a:t>Elementele au indici de la 0 la dimensiune-1 !!</a:t>
             </a:r>
-            <a:endParaRPr b="0" lang="en-US" sz="1800" spc="-1" strike="noStrike">
-              <a:solidFill>
-                <a:srgbClr val="000000"/>
-              </a:solidFill>
-              <a:latin typeface="Arial"/>
-            </a:endParaRPr>
-          </a:p>
-          <a:p>
-            <a:pPr lvl="1" marL="914400" indent="-342720">
+            <a:endParaRPr lang="en-US" sz="1800" b="0" strike="noStrike" spc="-1">
+              <a:solidFill>
+                <a:srgbClr val="000000"/>
+              </a:solidFill>
+              <a:latin typeface="Arial"/>
+            </a:endParaRPr>
+          </a:p>
+          <a:p>
+            <a:pPr marL="914400" lvl="1" indent="-342720">
               <a:lnSpc>
                 <a:spcPct val="100000"/>
               </a:lnSpc>
               <a:buClr>
-                <a:srgbClr val="cacaca"/>
+                <a:srgbClr val="CACACA"/>
               </a:buClr>
               <a:buFont typeface="Average"/>
               <a:buChar char="-"/>
             </a:pPr>
             <a:r>
-              <a:rPr b="0" lang="en-US" sz="1800" spc="-1" strike="noStrike">
-                <a:solidFill>
-                  <a:srgbClr val="cacaca"/>
+              <a:rPr lang="en-US" sz="1800" b="0" strike="noStrike" spc="-1">
+                <a:solidFill>
+                  <a:srgbClr val="CACACA"/>
                 </a:solidFill>
                 <a:latin typeface="Average"/>
                 <a:ea typeface="Average"/>
@@ -10162,16 +11226,16 @@
               <a:t>Pot fi initializati la declarare: </a:t>
             </a:r>
             <a:r>
-              <a:rPr b="0" i="1" lang="en-US" sz="1800" spc="-1" strike="noStrike">
-                <a:solidFill>
-                  <a:srgbClr val="cacaca"/>
+              <a:rPr lang="en-US" sz="1800" b="0" i="1" strike="noStrike" spc="-1">
+                <a:solidFill>
+                  <a:srgbClr val="CACACA"/>
                 </a:solidFill>
                 <a:latin typeface="Average"/>
                 <a:ea typeface="Average"/>
               </a:rPr>
               <a:t>tip numeVector[dimensiune] = {const1, const2,...};</a:t>
             </a:r>
-            <a:endParaRPr b="0" lang="en-US" sz="1800" spc="-1" strike="noStrike">
+            <a:endParaRPr lang="en-US" sz="1800" b="0" strike="noStrike" spc="-1">
               <a:solidFill>
                 <a:srgbClr val="000000"/>
               </a:solidFill>
@@ -10182,22 +11246,25 @@
       </p:sp>
     </p:spTree>
   </p:cSld>
+  <p:clrMapOvr>
+    <a:masterClrMapping/>
+  </p:clrMapOvr>
   <p:timing>
     <p:tnLst>
       <p:par>
-        <p:cTn id="15" dur="indefinite" restart="never" nodeType="tmRoot">
+        <p:cTn id="1" dur="indefinite" restart="never" nodeType="tmRoot">
           <p:childTnLst>
             <p:seq>
-              <p:cTn id="16" nodeType="mainSeq"/>
+              <p:cTn id="2" nodeType="mainSeq"/>
               <p:prevCondLst>
-                <p:cond delay="0" evt="onPrev">
+                <p:cond evt="onPrev" delay="0">
                   <p:tgtEl>
                     <p:sldTgt/>
                   </p:tgtEl>
                 </p:cond>
               </p:prevCondLst>
               <p:nextCondLst>
-                <p:cond delay="0" evt="onNext">
+                <p:cond evt="onNext" delay="0">
                   <p:tgtEl>
                     <p:sldTgt/>
                   </p:tgtEl>
@@ -10213,7 +11280,7 @@
 </file>
 
 <file path=ppt/slides/slide9.xml><?xml version="1.0" encoding="utf-8"?>
-<p:sld xmlns:a="http://schemas.openxmlformats.org/drawingml/2006/main" xmlns:p="http://schemas.openxmlformats.org/presentationml/2006/main" xmlns:r="http://schemas.openxmlformats.org/officeDocument/2006/relationships" xmlns:p14="http://schemas.microsoft.com/office/powerpoint/2010/main" xmlns:p15="http://schemas.microsoft.com/office/powerpoint/2012/main" xmlns:mc="http://schemas.openxmlformats.org/markup-compatibility/2006">
+<p:sld xmlns:a="http://schemas.openxmlformats.org/drawingml/2006/main" xmlns:r="http://schemas.openxmlformats.org/officeDocument/2006/relationships" xmlns:p="http://schemas.openxmlformats.org/presentationml/2006/main">
   <p:cSld>
     <p:spTree>
       <p:nvGrpSpPr>
@@ -10250,6 +11317,7 @@
         </p:spPr>
         <p:txBody>
           <a:bodyPr tIns="91440" bIns="91440"/>
+          <a:lstStyle/>
           <a:p>
             <a:pPr>
               <a:lnSpc>
@@ -10257,16 +11325,16 @@
               </a:lnSpc>
             </a:pPr>
             <a:r>
-              <a:rPr b="0" lang="en-US" sz="3000" spc="-1" strike="noStrike">
-                <a:solidFill>
-                  <a:srgbClr val="ffffff"/>
+              <a:rPr lang="en-US" sz="3000" b="0" strike="noStrike" spc="-1">
+                <a:solidFill>
+                  <a:srgbClr val="FFFFFF"/>
                 </a:solidFill>
                 <a:latin typeface="Oswald"/>
                 <a:ea typeface="Oswald"/>
               </a:rPr>
               <a:t>Instructiuni</a:t>
             </a:r>
-            <a:endParaRPr b="0" lang="en-US" sz="3000" spc="-1" strike="noStrike">
+            <a:endParaRPr lang="en-US" sz="3000" b="0" strike="noStrike" spc="-1">
               <a:solidFill>
                 <a:srgbClr val="000000"/>
               </a:solidFill>
@@ -10296,28 +11364,29 @@
         </p:spPr>
         <p:txBody>
           <a:bodyPr tIns="91440" bIns="91440"/>
+          <a:lstStyle/>
           <a:p>
             <a:pPr marL="457200" indent="-342720">
               <a:lnSpc>
                 <a:spcPct val="100000"/>
               </a:lnSpc>
               <a:buClr>
-                <a:srgbClr val="cacaca"/>
+                <a:srgbClr val="CACACA"/>
               </a:buClr>
               <a:buFont typeface="Average"/>
               <a:buChar char="-"/>
             </a:pPr>
             <a:r>
-              <a:rPr b="0" lang="en-US" sz="1800" spc="-1" strike="noStrike">
-                <a:solidFill>
-                  <a:srgbClr val="cacaca"/>
+              <a:rPr lang="en-US" sz="1800" b="0" strike="noStrike" spc="-1">
+                <a:solidFill>
+                  <a:srgbClr val="CACACA"/>
                 </a:solidFill>
                 <a:latin typeface="Average"/>
                 <a:ea typeface="Average"/>
               </a:rPr>
               <a:t>Instructiunea expresie ( citiri, scrieri, atribuire, apel de functie, incrementare/ decrementare)</a:t>
             </a:r>
-            <a:endParaRPr b="0" lang="en-US" sz="1800" spc="-1" strike="noStrike">
+            <a:endParaRPr lang="en-US" sz="1800" b="0" strike="noStrike" spc="-1">
               <a:solidFill>
                 <a:srgbClr val="000000"/>
               </a:solidFill>
@@ -10330,22 +11399,22 @@
                 <a:spcPct val="100000"/>
               </a:lnSpc>
               <a:buClr>
-                <a:srgbClr val="cacaca"/>
+                <a:srgbClr val="CACACA"/>
               </a:buClr>
               <a:buFont typeface="Average"/>
               <a:buChar char="-"/>
             </a:pPr>
             <a:r>
-              <a:rPr b="0" lang="en-US" sz="1800" spc="-1" strike="noStrike">
-                <a:solidFill>
-                  <a:srgbClr val="cacaca"/>
+              <a:rPr lang="en-US" sz="1800" b="0" strike="noStrike" spc="-1">
+                <a:solidFill>
+                  <a:srgbClr val="CACACA"/>
                 </a:solidFill>
                 <a:latin typeface="Average"/>
                 <a:ea typeface="Average"/>
               </a:rPr>
               <a:t>Instructiunea compusa</a:t>
             </a:r>
-            <a:endParaRPr b="0" lang="en-US" sz="1800" spc="-1" strike="noStrike">
+            <a:endParaRPr lang="en-US" sz="1800" b="0" strike="noStrike" spc="-1">
               <a:solidFill>
                 <a:srgbClr val="000000"/>
               </a:solidFill>
@@ -10358,78 +11427,78 @@
                 <a:spcPct val="100000"/>
               </a:lnSpc>
               <a:buClr>
-                <a:srgbClr val="cacaca"/>
+                <a:srgbClr val="CACACA"/>
               </a:buClr>
               <a:buFont typeface="Average"/>
               <a:buChar char="-"/>
             </a:pPr>
             <a:r>
-              <a:rPr b="0" lang="en-US" sz="1800" spc="-1" strike="noStrike">
-                <a:solidFill>
-                  <a:srgbClr val="cacaca"/>
+              <a:rPr lang="en-US" sz="1800" b="0" strike="noStrike" spc="-1">
+                <a:solidFill>
+                  <a:srgbClr val="CACACA"/>
                 </a:solidFill>
                 <a:latin typeface="Average"/>
                 <a:ea typeface="Average"/>
               </a:rPr>
               <a:t>Instructiunea if:</a:t>
             </a:r>
-            <a:endParaRPr b="0" lang="en-US" sz="1800" spc="-1" strike="noStrike">
-              <a:solidFill>
-                <a:srgbClr val="000000"/>
-              </a:solidFill>
-              <a:latin typeface="Arial"/>
-            </a:endParaRPr>
-          </a:p>
-          <a:p>
-            <a:pPr lvl="1" marL="914400" indent="-342720">
+            <a:endParaRPr lang="en-US" sz="1800" b="0" strike="noStrike" spc="-1">
+              <a:solidFill>
+                <a:srgbClr val="000000"/>
+              </a:solidFill>
+              <a:latin typeface="Arial"/>
+            </a:endParaRPr>
+          </a:p>
+          <a:p>
+            <a:pPr marL="914400" lvl="1" indent="-342720">
               <a:lnSpc>
                 <a:spcPct val="100000"/>
               </a:lnSpc>
               <a:buClr>
-                <a:srgbClr val="cacaca"/>
+                <a:srgbClr val="CACACA"/>
               </a:buClr>
               <a:buFont typeface="Average"/>
               <a:buChar char="-"/>
             </a:pPr>
             <a:r>
-              <a:rPr b="0" i="1" lang="en-US" sz="1800" spc="-1" strike="noStrike">
-                <a:solidFill>
-                  <a:srgbClr val="cacaca"/>
+              <a:rPr lang="en-US" sz="1800" b="0" i="1" strike="noStrike" spc="-1">
+                <a:solidFill>
+                  <a:srgbClr val="CACACA"/>
                 </a:solidFill>
                 <a:latin typeface="Average"/>
                 <a:ea typeface="Average"/>
               </a:rPr>
               <a:t>if ( expresie) instr</a:t>
             </a:r>
-            <a:endParaRPr b="0" lang="en-US" sz="1800" spc="-1" strike="noStrike">
-              <a:solidFill>
-                <a:srgbClr val="000000"/>
-              </a:solidFill>
-              <a:latin typeface="Arial"/>
-            </a:endParaRPr>
-          </a:p>
-          <a:p>
-            <a:pPr lvl="1" marL="914400" indent="-342720">
+            <a:endParaRPr lang="en-US" sz="1800" b="0" strike="noStrike" spc="-1">
+              <a:solidFill>
+                <a:srgbClr val="000000"/>
+              </a:solidFill>
+              <a:latin typeface="Arial"/>
+            </a:endParaRPr>
+          </a:p>
+          <a:p>
+            <a:pPr marL="914400" lvl="1" indent="-342720">
               <a:lnSpc>
                 <a:spcPct val="100000"/>
               </a:lnSpc>
               <a:buClr>
-                <a:srgbClr val="cacaca"/>
+                <a:srgbClr val="CACACA"/>
               </a:buClr>
               <a:buFont typeface="Average"/>
               <a:buChar char="-"/>
             </a:pPr>
             <a:r>
-              <a:rPr b="0" i="1" lang="en-US" sz="1800" spc="-1" strike="noStrike">
-                <a:solidFill>
-                  <a:srgbClr val="cacaca"/>
+              <a:rPr lang="en-US" sz="1800" b="0" i="1" strike="noStrike" spc="-1">
+                <a:solidFill>
+                  <a:srgbClr val="CACACA"/>
                 </a:solidFill>
                 <a:latin typeface="Average"/>
                 <a:ea typeface="Average"/>
               </a:rPr>
               <a:t>if ( expresie) instr1 else instr2</a:t>
             </a:r>
-            <a:endParaRPr b="0" lang="en-US" sz="1800" spc="-1" strike="noStrike">
+            <a:endParaRPr lang="en-US" sz="1800" b="0" strike="noStrike" spc="-1">
               <a:solidFill>
                 <a:srgbClr val="000000"/>
               </a:solidFill>
@@ -10446,9 +11515,9 @@
               </a:spcBef>
             </a:pPr>
             <a:r>
-              <a:rPr b="0" lang="en-US" sz="1800" spc="-1" strike="noStrike">
-                <a:solidFill>
-                  <a:srgbClr val="cacaca"/>
+              <a:rPr lang="en-US" sz="1800" b="0" strike="noStrike" spc="-1">
+                <a:solidFill>
+                  <a:srgbClr val="CACACA"/>
                 </a:solidFill>
                 <a:latin typeface="Average"/>
                 <a:ea typeface="Average"/>
@@ -10456,16 +11525,16 @@
               <a:t>- Instructiunea </a:t>
             </a:r>
             <a:r>
-              <a:rPr b="0" i="1" lang="en-US" sz="1800" spc="-1" strike="noStrike">
-                <a:solidFill>
-                  <a:srgbClr val="cacaca"/>
+              <a:rPr lang="en-US" sz="1800" b="0" i="1" strike="noStrike" spc="-1">
+                <a:solidFill>
+                  <a:srgbClr val="CACACA"/>
                 </a:solidFill>
                 <a:latin typeface="Average"/>
                 <a:ea typeface="Average"/>
               </a:rPr>
               <a:t>while(), do..while(), for()</a:t>
             </a:r>
-            <a:endParaRPr b="0" lang="en-US" sz="1800" spc="-1" strike="noStrike">
+            <a:endParaRPr lang="en-US" sz="1800" b="0" strike="noStrike" spc="-1">
               <a:solidFill>
                 <a:srgbClr val="000000"/>
               </a:solidFill>
@@ -10482,9 +11551,9 @@
               </a:spcBef>
             </a:pPr>
             <a:r>
-              <a:rPr b="0" i="1" lang="en-US" sz="1800" spc="-1" strike="noStrike">
-                <a:solidFill>
-                  <a:srgbClr val="cacaca"/>
+              <a:rPr lang="en-US" sz="1800" b="0" i="1" strike="noStrike" spc="-1">
+                <a:solidFill>
+                  <a:srgbClr val="CACACA"/>
                 </a:solidFill>
                 <a:latin typeface="Average"/>
                 <a:ea typeface="Average"/>
@@ -10492,9 +11561,9 @@
               <a:t>- </a:t>
             </a:r>
             <a:r>
-              <a:rPr b="0" lang="en-US" sz="1800" spc="-1" strike="noStrike">
-                <a:solidFill>
-                  <a:srgbClr val="cacaca"/>
+              <a:rPr lang="en-US" sz="1800" b="0" strike="noStrike" spc="-1">
+                <a:solidFill>
+                  <a:srgbClr val="CACACA"/>
                 </a:solidFill>
                 <a:latin typeface="Average"/>
                 <a:ea typeface="Average"/>
@@ -10502,16 +11571,16 @@
               <a:t>Instructiunea</a:t>
             </a:r>
             <a:r>
-              <a:rPr b="0" i="1" lang="en-US" sz="1800" spc="-1" strike="noStrike">
-                <a:solidFill>
-                  <a:srgbClr val="cacaca"/>
+              <a:rPr lang="en-US" sz="1800" b="0" i="1" strike="noStrike" spc="-1">
+                <a:solidFill>
+                  <a:srgbClr val="CACACA"/>
                 </a:solidFill>
                 <a:latin typeface="Average"/>
                 <a:ea typeface="Average"/>
               </a:rPr>
               <a:t> switch, break, continue</a:t>
             </a:r>
-            <a:endParaRPr b="0" lang="en-US" sz="1800" spc="-1" strike="noStrike">
+            <a:endParaRPr lang="en-US" sz="1800" b="0" strike="noStrike" spc="-1">
               <a:solidFill>
                 <a:srgbClr val="000000"/>
               </a:solidFill>
@@ -10531,9 +11600,9 @@
               </a:spcAft>
             </a:pPr>
             <a:r>
-              <a:rPr b="0" lang="en-US" sz="1800" spc="-1" strike="noStrike">
-                <a:solidFill>
-                  <a:srgbClr val="cacaca"/>
+              <a:rPr lang="en-US" sz="1800" b="0" strike="noStrike" spc="-1">
+                <a:solidFill>
+                  <a:srgbClr val="CACACA"/>
                 </a:solidFill>
                 <a:latin typeface="Average"/>
                 <a:ea typeface="Average"/>
@@ -10541,9 +11610,9 @@
               <a:t>- Instructiunea </a:t>
             </a:r>
             <a:r>
-              <a:rPr b="0" i="1" lang="en-US" sz="1800" spc="-1" strike="noStrike">
-                <a:solidFill>
-                  <a:srgbClr val="cacaca"/>
+              <a:rPr lang="en-US" sz="1800" b="0" i="1" strike="noStrike" spc="-1">
+                <a:solidFill>
+                  <a:srgbClr val="CACACA"/>
                 </a:solidFill>
                 <a:latin typeface="Average"/>
                 <a:ea typeface="Average"/>
@@ -10551,16 +11620,16 @@
               <a:t>return expresie;  </a:t>
             </a:r>
             <a:r>
-              <a:rPr b="0" lang="en-US" sz="1800" spc="-1" strike="noStrike">
-                <a:solidFill>
-                  <a:srgbClr val="cacaca"/>
+              <a:rPr lang="en-US" sz="1800" b="0" strike="noStrike" spc="-1">
+                <a:solidFill>
+                  <a:srgbClr val="CACACA"/>
                 </a:solidFill>
                 <a:latin typeface="Average"/>
                 <a:ea typeface="Average"/>
               </a:rPr>
               <a:t>returneaza o valoare in cadrul unei functii</a:t>
             </a:r>
-            <a:endParaRPr b="0" lang="en-US" sz="1800" spc="-1" strike="noStrike">
+            <a:endParaRPr lang="en-US" sz="1800" b="0" strike="noStrike" spc="-1">
               <a:solidFill>
                 <a:srgbClr val="000000"/>
               </a:solidFill>
@@ -10571,22 +11640,25 @@
       </p:sp>
     </p:spTree>
   </p:cSld>
+  <p:clrMapOvr>
+    <a:masterClrMapping/>
+  </p:clrMapOvr>
   <p:timing>
     <p:tnLst>
       <p:par>
-        <p:cTn id="17" dur="indefinite" restart="never" nodeType="tmRoot">
+        <p:cTn id="1" dur="indefinite" restart="never" nodeType="tmRoot">
           <p:childTnLst>
             <p:seq>
-              <p:cTn id="18" nodeType="mainSeq"/>
+              <p:cTn id="2" nodeType="mainSeq"/>
               <p:prevCondLst>
-                <p:cond delay="0" evt="onPrev">
+                <p:cond evt="onPrev" delay="0">
                   <p:tgtEl>
                     <p:sldTgt/>
                   </p:tgtEl>
                 </p:cond>
               </p:prevCondLst>
               <p:nextCondLst>
-                <p:cond delay="0" evt="onNext">
+                <p:cond evt="onNext" delay="0">
                   <p:tgtEl>
                     <p:sldTgt/>
                   </p:tgtEl>
@@ -10821,6 +11893,8 @@
       </a:bgFillStyleLst>
     </a:fmtScheme>
   </a:themeElements>
+  <a:objectDefaults/>
+  <a:extraClrSchemeLst/>
 </a:theme>
 </file>
 
@@ -11044,6 +12118,8 @@
       </a:bgFillStyleLst>
     </a:fmtScheme>
   </a:themeElements>
+  <a:objectDefaults/>
+  <a:extraClrSchemeLst/>
 </a:theme>
 </file>
 
@@ -11267,5 +12343,7 @@
       </a:bgFillStyleLst>
     </a:fmtScheme>
   </a:themeElements>
+  <a:objectDefaults/>
+  <a:extraClrSchemeLst/>
 </a:theme>
 </file>